--- a/2017-2018/Presentations/CrashCourse_2016.pptx
+++ b/2017-2018/Presentations/CrashCourse_2016.pptx
@@ -6,7 +6,7 @@
     <p:sldMasterId id="2147483677" r:id="rId2"/>
   </p:sldMasterIdLst>
   <p:notesMasterIdLst>
-    <p:notesMasterId r:id="rId38"/>
+    <p:notesMasterId r:id="rId36"/>
   </p:notesMasterIdLst>
   <p:sldIdLst>
     <p:sldId id="256" r:id="rId3"/>
@@ -19,31 +19,29 @@
     <p:sldId id="344" r:id="rId10"/>
     <p:sldId id="345" r:id="rId11"/>
     <p:sldId id="346" r:id="rId12"/>
-    <p:sldId id="368" r:id="rId13"/>
-    <p:sldId id="369" r:id="rId14"/>
-    <p:sldId id="370" r:id="rId15"/>
-    <p:sldId id="371" r:id="rId16"/>
-    <p:sldId id="372" r:id="rId17"/>
-    <p:sldId id="366" r:id="rId18"/>
-    <p:sldId id="373" r:id="rId19"/>
-    <p:sldId id="374" r:id="rId20"/>
-    <p:sldId id="375" r:id="rId21"/>
-    <p:sldId id="376" r:id="rId22"/>
-    <p:sldId id="377" r:id="rId23"/>
-    <p:sldId id="386" r:id="rId24"/>
-    <p:sldId id="387" r:id="rId25"/>
-    <p:sldId id="385" r:id="rId26"/>
-    <p:sldId id="378" r:id="rId27"/>
-    <p:sldId id="379" r:id="rId28"/>
-    <p:sldId id="388" r:id="rId29"/>
-    <p:sldId id="389" r:id="rId30"/>
-    <p:sldId id="391" r:id="rId31"/>
-    <p:sldId id="393" r:id="rId32"/>
-    <p:sldId id="380" r:id="rId33"/>
-    <p:sldId id="381" r:id="rId34"/>
-    <p:sldId id="382" r:id="rId35"/>
-    <p:sldId id="383" r:id="rId36"/>
-    <p:sldId id="384" r:id="rId37"/>
+    <p:sldId id="397" r:id="rId13"/>
+    <p:sldId id="398" r:id="rId14"/>
+    <p:sldId id="399" r:id="rId15"/>
+    <p:sldId id="400" r:id="rId16"/>
+    <p:sldId id="401" r:id="rId17"/>
+    <p:sldId id="402" r:id="rId18"/>
+    <p:sldId id="403" r:id="rId19"/>
+    <p:sldId id="368" r:id="rId20"/>
+    <p:sldId id="369" r:id="rId21"/>
+    <p:sldId id="370" r:id="rId22"/>
+    <p:sldId id="371" r:id="rId23"/>
+    <p:sldId id="372" r:id="rId24"/>
+    <p:sldId id="366" r:id="rId25"/>
+    <p:sldId id="373" r:id="rId26"/>
+    <p:sldId id="374" r:id="rId27"/>
+    <p:sldId id="395" r:id="rId28"/>
+    <p:sldId id="396" r:id="rId29"/>
+    <p:sldId id="375" r:id="rId30"/>
+    <p:sldId id="380" r:id="rId31"/>
+    <p:sldId id="381" r:id="rId32"/>
+    <p:sldId id="382" r:id="rId33"/>
+    <p:sldId id="383" r:id="rId34"/>
+    <p:sldId id="384" r:id="rId35"/>
   </p:sldIdLst>
   <p:sldSz cx="10160000" cy="7620000"/>
   <p:notesSz cx="6858000" cy="9144000"/>
@@ -172,6 +170,36 @@
       </a:defRPr>
     </a:lvl9pPr>
   </p:defaultTextStyle>
+  <p:extLst>
+    <p:ext uri="{EFAFB233-063F-42B5-8137-9DF3F51BA10A}">
+      <p15:sldGuideLst xmlns:p15="http://schemas.microsoft.com/office/powerpoint/2012/main">
+        <p15:guide id="1" orient="horz" pos="2160">
+          <p15:clr>
+            <a:srgbClr val="A4A3A4"/>
+          </p15:clr>
+        </p15:guide>
+        <p15:guide id="2" pos="2880">
+          <p15:clr>
+            <a:srgbClr val="A4A3A4"/>
+          </p15:clr>
+        </p15:guide>
+      </p15:sldGuideLst>
+    </p:ext>
+    <p:ext uri="{2D200454-40CA-4A62-9FC3-DE9A4176ACB9}">
+      <p15:notesGuideLst xmlns:p15="http://schemas.microsoft.com/office/powerpoint/2012/main">
+        <p15:guide id="1" orient="horz" pos="2880">
+          <p15:clr>
+            <a:srgbClr val="A4A3A4"/>
+          </p15:clr>
+        </p15:guide>
+        <p15:guide id="2" pos="2160">
+          <p15:clr>
+            <a:srgbClr val="A4A3A4"/>
+          </p15:clr>
+        </p15:guide>
+      </p15:notesGuideLst>
+    </p:ext>
+  </p:extLst>
 </p:presentation>
 </file>
 
@@ -269,7 +297,7 @@
               <a:pPr>
                 <a:defRPr/>
               </a:pPr>
-              <a:t>13/10/2016</a:t>
+              <a:t>29/09/2017</a:t>
             </a:fld>
             <a:endParaRPr lang="en-GB"/>
           </a:p>
@@ -712,7 +740,7 @@
               <a:pPr>
                 <a:defRPr/>
               </a:pPr>
-              <a:t>12</a:t>
+              <a:t>19</a:t>
             </a:fld>
             <a:endParaRPr lang="en-GB"/>
           </a:p>
@@ -1822,7 +1850,7 @@
             <a:fld id="{C4DDCD72-59EE-436D-B435-201699A5BB49}" type="datetimeFigureOut">
               <a:rPr lang="nl-BE" smtClean="0"/>
               <a:pPr/>
-              <a:t>13/10/2016</a:t>
+              <a:t>29/09/2017</a:t>
             </a:fld>
             <a:endParaRPr lang="nl-BE" dirty="0"/>
           </a:p>
@@ -2511,7 +2539,7 @@
             <a:fld id="{C4DDCD72-59EE-436D-B435-201699A5BB49}" type="datetimeFigureOut">
               <a:rPr lang="nl-BE" smtClean="0"/>
               <a:pPr/>
-              <a:t>13/10/2016</a:t>
+              <a:t>29/09/2017</a:t>
             </a:fld>
             <a:endParaRPr lang="nl-BE"/>
           </a:p>
@@ -2950,7 +2978,7 @@
             <a:fld id="{C4DDCD72-59EE-436D-B435-201699A5BB49}" type="datetimeFigureOut">
               <a:rPr lang="nl-BE" smtClean="0"/>
               <a:pPr/>
-              <a:t>13/10/2016</a:t>
+              <a:t>29/09/2017</a:t>
             </a:fld>
             <a:endParaRPr lang="nl-BE"/>
           </a:p>
@@ -3081,7 +3109,7 @@
             <a:fld id="{C4DDCD72-59EE-436D-B435-201699A5BB49}" type="datetimeFigureOut">
               <a:rPr lang="nl-BE" smtClean="0"/>
               <a:pPr/>
-              <a:t>13/10/2016</a:t>
+              <a:t>29/09/2017</a:t>
             </a:fld>
             <a:endParaRPr lang="nl-BE"/>
           </a:p>
@@ -3185,7 +3213,7 @@
             <a:fld id="{C4DDCD72-59EE-436D-B435-201699A5BB49}" type="datetimeFigureOut">
               <a:rPr lang="nl-BE" smtClean="0"/>
               <a:pPr/>
-              <a:t>13/10/2016</a:t>
+              <a:t>29/09/2017</a:t>
             </a:fld>
             <a:endParaRPr lang="nl-BE"/>
           </a:p>
@@ -3478,7 +3506,7 @@
             <a:fld id="{C4DDCD72-59EE-436D-B435-201699A5BB49}" type="datetimeFigureOut">
               <a:rPr lang="nl-BE" smtClean="0"/>
               <a:pPr/>
-              <a:t>13/10/2016</a:t>
+              <a:t>29/09/2017</a:t>
             </a:fld>
             <a:endParaRPr lang="nl-BE"/>
           </a:p>
@@ -3609,7 +3637,7 @@
             <a:fld id="{C4DDCD72-59EE-436D-B435-201699A5BB49}" type="datetimeFigureOut">
               <a:rPr lang="nl-BE" smtClean="0"/>
               <a:pPr/>
-              <a:t>13/10/2016</a:t>
+              <a:t>29/09/2017</a:t>
             </a:fld>
             <a:endParaRPr lang="nl-BE" dirty="0"/>
           </a:p>
@@ -4008,7 +4036,7 @@
             <a:fld id="{C4DDCD72-59EE-436D-B435-201699A5BB49}" type="datetimeFigureOut">
               <a:rPr lang="nl-BE" smtClean="0"/>
               <a:pPr/>
-              <a:t>13/10/2016</a:t>
+              <a:t>29/09/2017</a:t>
             </a:fld>
             <a:endParaRPr lang="nl-BE" dirty="0"/>
           </a:p>
@@ -4571,7 +4599,7 @@
             <a:fld id="{C4DDCD72-59EE-436D-B435-201699A5BB49}" type="datetimeFigureOut">
               <a:rPr lang="nl-BE" smtClean="0"/>
               <a:pPr/>
-              <a:t>13/10/2016</a:t>
+              <a:t>29/09/2017</a:t>
             </a:fld>
             <a:endParaRPr lang="nl-BE"/>
           </a:p>
@@ -5010,7 +5038,7 @@
             <a:fld id="{C4DDCD72-59EE-436D-B435-201699A5BB49}" type="datetimeFigureOut">
               <a:rPr lang="nl-BE" smtClean="0"/>
               <a:pPr/>
-              <a:t>13/10/2016</a:t>
+              <a:t>29/09/2017</a:t>
             </a:fld>
             <a:endParaRPr lang="nl-BE"/>
           </a:p>
@@ -5141,7 +5169,7 @@
             <a:fld id="{C4DDCD72-59EE-436D-B435-201699A5BB49}" type="datetimeFigureOut">
               <a:rPr lang="nl-BE" smtClean="0"/>
               <a:pPr/>
-              <a:t>13/10/2016</a:t>
+              <a:t>29/09/2017</a:t>
             </a:fld>
             <a:endParaRPr lang="nl-BE"/>
           </a:p>
@@ -5245,7 +5273,7 @@
             <a:fld id="{C4DDCD72-59EE-436D-B435-201699A5BB49}" type="datetimeFigureOut">
               <a:rPr lang="nl-BE" smtClean="0"/>
               <a:pPr/>
-              <a:t>13/10/2016</a:t>
+              <a:t>29/09/2017</a:t>
             </a:fld>
             <a:endParaRPr lang="nl-BE"/>
           </a:p>
@@ -5534,7 +5562,7 @@
             <a:fld id="{C4DDCD72-59EE-436D-B435-201699A5BB49}" type="datetimeFigureOut">
               <a:rPr lang="nl-BE" smtClean="0"/>
               <a:pPr/>
-              <a:t>13/10/2016</a:t>
+              <a:t>29/09/2017</a:t>
             </a:fld>
             <a:endParaRPr lang="nl-BE"/>
           </a:p>
@@ -5807,7 +5835,7 @@
             <a:fld id="{C4DDCD72-59EE-436D-B435-201699A5BB49}" type="datetimeFigureOut">
               <a:rPr lang="nl-BE" smtClean="0"/>
               <a:pPr/>
-              <a:t>13/10/2016</a:t>
+              <a:t>29/09/2017</a:t>
             </a:fld>
             <a:endParaRPr lang="nl-BE" dirty="0"/>
           </a:p>
@@ -6034,7 +6062,7 @@
             <a:fld id="{C4DDCD72-59EE-436D-B435-201699A5BB49}" type="datetimeFigureOut">
               <a:rPr lang="nl-BE" smtClean="0"/>
               <a:pPr/>
-              <a:t>13/10/2016</a:t>
+              <a:t>29/09/2017</a:t>
             </a:fld>
             <a:endParaRPr lang="nl-BE" dirty="0"/>
           </a:p>
@@ -6662,7 +6690,7 @@
             <a:fld id="{C4DDCD72-59EE-436D-B435-201699A5BB49}" type="datetimeFigureOut">
               <a:rPr lang="nl-BE" smtClean="0"/>
               <a:pPr/>
-              <a:t>13/10/2016</a:t>
+              <a:t>29/09/2017</a:t>
             </a:fld>
             <a:endParaRPr lang="nl-BE" dirty="0"/>
           </a:p>
@@ -7620,6 +7648,1799 @@
           <a:lstStyle/>
           <a:p>
             <a:r>
+              <a:rPr lang="nl-NL" sz="4000" dirty="0" smtClean="0"/>
+              <a:t>How does </a:t>
+            </a:r>
+            <a:r>
+              <a:rPr lang="nl-NL" sz="4000" dirty="0" err="1" smtClean="0"/>
+              <a:t>Dymola</a:t>
+            </a:r>
+            <a:r>
+              <a:rPr lang="nl-NL" sz="4000" dirty="0" smtClean="0"/>
+              <a:t> </a:t>
+            </a:r>
+            <a:r>
+              <a:rPr lang="nl-NL" sz="4000" dirty="0" err="1" smtClean="0"/>
+              <a:t>work</a:t>
+            </a:r>
+            <a:r>
+              <a:rPr lang="nl-NL" sz="4000" dirty="0" smtClean="0"/>
+              <a:t>?</a:t>
+            </a:r>
+            <a:endParaRPr lang="nl-BE" sz="4000" dirty="0"/>
+          </a:p>
+        </p:txBody>
+      </p:sp>
+      <p:sp>
+        <p:nvSpPr>
+          <p:cNvPr id="5" name="Subtitle 4"/>
+          <p:cNvSpPr>
+            <a:spLocks noGrp="1"/>
+          </p:cNvSpPr>
+          <p:nvPr>
+            <p:ph type="subTitle" idx="1"/>
+          </p:nvPr>
+        </p:nvSpPr>
+        <p:spPr/>
+        <p:txBody>
+          <a:bodyPr/>
+          <a:lstStyle/>
+          <a:p>
+            <a:endParaRPr lang="nl-BE"/>
+          </a:p>
+        </p:txBody>
+      </p:sp>
+    </p:spTree>
+    <p:extLst>
+      <p:ext uri="{BB962C8B-B14F-4D97-AF65-F5344CB8AC3E}">
+        <p14:creationId xmlns:p14="http://schemas.microsoft.com/office/powerpoint/2010/main" val="3456876173"/>
+      </p:ext>
+    </p:extLst>
+  </p:cSld>
+  <p:clrMapOvr>
+    <a:masterClrMapping/>
+  </p:clrMapOvr>
+  <p:timing>
+    <p:tnLst>
+      <p:par>
+        <p:cTn id="1" dur="indefinite" restart="never" nodeType="tmRoot"/>
+      </p:par>
+    </p:tnLst>
+  </p:timing>
+</p:sld>
+</file>
+
+<file path=ppt/slides/slide12.xml><?xml version="1.0" encoding="utf-8"?>
+<p:sld xmlns:a="http://schemas.openxmlformats.org/drawingml/2006/main" xmlns:r="http://schemas.openxmlformats.org/officeDocument/2006/relationships" xmlns:p="http://schemas.openxmlformats.org/presentationml/2006/main">
+  <p:cSld>
+    <p:spTree>
+      <p:nvGrpSpPr>
+        <p:cNvPr id="1" name=""/>
+        <p:cNvGrpSpPr/>
+        <p:nvPr/>
+      </p:nvGrpSpPr>
+      <p:grpSpPr>
+        <a:xfrm>
+          <a:off x="0" y="0"/>
+          <a:ext cx="0" cy="0"/>
+          <a:chOff x="0" y="0"/>
+          <a:chExt cx="0" cy="0"/>
+        </a:xfrm>
+      </p:grpSpPr>
+      <p:sp>
+        <p:nvSpPr>
+          <p:cNvPr id="12290" name="Title 1"/>
+          <p:cNvSpPr>
+            <a:spLocks noGrp="1"/>
+          </p:cNvSpPr>
+          <p:nvPr>
+            <p:ph type="title"/>
+          </p:nvPr>
+        </p:nvSpPr>
+        <p:spPr/>
+        <p:txBody>
+          <a:bodyPr/>
+          <a:lstStyle/>
+          <a:p>
+            <a:pPr eaLnBrk="1" hangingPunct="1"/>
+            <a:r>
+              <a:rPr lang="en-GB" altLang="nl-BE" smtClean="0">
+                <a:latin typeface="Arial" charset="0"/>
+                <a:cs typeface="Arial" charset="0"/>
+              </a:rPr>
+              <a:t>Modelica environments</a:t>
+            </a:r>
+          </a:p>
+        </p:txBody>
+      </p:sp>
+      <p:sp>
+        <p:nvSpPr>
+          <p:cNvPr id="12291" name="Content Placeholder 2"/>
+          <p:cNvSpPr>
+            <a:spLocks noGrp="1"/>
+          </p:cNvSpPr>
+          <p:nvPr>
+            <p:ph idx="1"/>
+          </p:nvPr>
+        </p:nvSpPr>
+        <p:spPr/>
+        <p:txBody>
+          <a:bodyPr/>
+          <a:lstStyle/>
+          <a:p>
+            <a:pPr eaLnBrk="1" hangingPunct="1">
+              <a:buFontTx/>
+              <a:buNone/>
+            </a:pPr>
+            <a:r>
+              <a:rPr lang="en-GB" altLang="nl-BE" dirty="0" smtClean="0">
+                <a:latin typeface="Arial" charset="0"/>
+                <a:cs typeface="Arial" charset="0"/>
+              </a:rPr>
+              <a:t>Commercial software tools</a:t>
+            </a:r>
+          </a:p>
+          <a:p>
+            <a:pPr eaLnBrk="1" hangingPunct="1"/>
+            <a:r>
+              <a:rPr lang="en-GB" altLang="nl-BE" sz="2400" b="1" u="sng" dirty="0" err="1" smtClean="0">
+                <a:latin typeface="Arial" charset="0"/>
+                <a:cs typeface="Arial" charset="0"/>
+              </a:rPr>
+              <a:t>Dymola</a:t>
+            </a:r>
+            <a:r>
+              <a:rPr lang="en-GB" altLang="nl-BE" sz="2400" dirty="0" smtClean="0">
+                <a:latin typeface="Arial" charset="0"/>
+                <a:cs typeface="Arial" charset="0"/>
+              </a:rPr>
+              <a:t> (</a:t>
+            </a:r>
+            <a:r>
+              <a:rPr lang="en-GB" altLang="nl-BE" sz="2400" dirty="0" err="1" smtClean="0">
+                <a:latin typeface="Arial" charset="0"/>
+                <a:cs typeface="Arial" charset="0"/>
+              </a:rPr>
+              <a:t>Dassault</a:t>
+            </a:r>
+            <a:r>
+              <a:rPr lang="en-GB" altLang="nl-BE" sz="2400" dirty="0" smtClean="0">
+                <a:latin typeface="Arial" charset="0"/>
+                <a:cs typeface="Arial" charset="0"/>
+              </a:rPr>
+              <a:t> </a:t>
+            </a:r>
+            <a:r>
+              <a:rPr lang="en-GB" altLang="nl-BE" sz="2400" dirty="0" err="1" smtClean="0">
+                <a:latin typeface="Arial" charset="0"/>
+                <a:cs typeface="Arial" charset="0"/>
+              </a:rPr>
+              <a:t>Systèmes</a:t>
+            </a:r>
+            <a:r>
+              <a:rPr lang="en-GB" altLang="nl-BE" sz="2400" dirty="0" smtClean="0">
+                <a:latin typeface="Arial" charset="0"/>
+                <a:cs typeface="Arial" charset="0"/>
+              </a:rPr>
+              <a:t>, Sweden)</a:t>
+            </a:r>
+          </a:p>
+          <a:p>
+            <a:pPr eaLnBrk="1" hangingPunct="1"/>
+            <a:r>
+              <a:rPr lang="en-GB" altLang="nl-BE" sz="2400" b="1" dirty="0" err="1" smtClean="0">
+                <a:latin typeface="Arial" charset="0"/>
+                <a:cs typeface="Arial" charset="0"/>
+              </a:rPr>
+              <a:t>MathModelica</a:t>
+            </a:r>
+            <a:r>
+              <a:rPr lang="en-GB" altLang="nl-BE" sz="2400" dirty="0" smtClean="0">
+                <a:latin typeface="Arial" charset="0"/>
+                <a:cs typeface="Arial" charset="0"/>
+              </a:rPr>
+              <a:t> (</a:t>
+            </a:r>
+            <a:r>
+              <a:rPr lang="en-GB" altLang="nl-BE" sz="2400" dirty="0" err="1" smtClean="0">
+                <a:latin typeface="Arial" charset="0"/>
+                <a:cs typeface="Arial" charset="0"/>
+              </a:rPr>
+              <a:t>MathCore</a:t>
+            </a:r>
+            <a:r>
+              <a:rPr lang="en-GB" altLang="nl-BE" sz="2400" dirty="0" smtClean="0">
+                <a:latin typeface="Arial" charset="0"/>
+                <a:cs typeface="Arial" charset="0"/>
+              </a:rPr>
+              <a:t>, Sweden)</a:t>
+            </a:r>
+          </a:p>
+          <a:p>
+            <a:pPr eaLnBrk="1" hangingPunct="1"/>
+            <a:r>
+              <a:rPr lang="en-GB" altLang="nl-BE" sz="2400" b="1" dirty="0" err="1" smtClean="0">
+                <a:latin typeface="Arial" charset="0"/>
+                <a:cs typeface="Arial" charset="0"/>
+              </a:rPr>
+              <a:t>SimulationX</a:t>
+            </a:r>
+            <a:r>
+              <a:rPr lang="en-GB" altLang="nl-BE" sz="2400" dirty="0" smtClean="0">
+                <a:latin typeface="Arial" charset="0"/>
+                <a:cs typeface="Arial" charset="0"/>
+              </a:rPr>
+              <a:t> (ITI, Germany)</a:t>
+            </a:r>
+          </a:p>
+          <a:p>
+            <a:pPr eaLnBrk="1" hangingPunct="1"/>
+            <a:r>
+              <a:rPr lang="en-GB" altLang="nl-BE" sz="2400" b="1" dirty="0" err="1" smtClean="0">
+                <a:latin typeface="Arial" charset="0"/>
+                <a:cs typeface="Arial" charset="0"/>
+              </a:rPr>
+              <a:t>MapleSim</a:t>
+            </a:r>
+            <a:r>
+              <a:rPr lang="en-GB" altLang="nl-BE" sz="2400" dirty="0" smtClean="0">
+                <a:latin typeface="Arial" charset="0"/>
+                <a:cs typeface="Arial" charset="0"/>
+              </a:rPr>
+              <a:t> (</a:t>
+            </a:r>
+            <a:r>
+              <a:rPr lang="en-GB" altLang="nl-BE" sz="2400" dirty="0" err="1" smtClean="0">
+                <a:latin typeface="Arial" charset="0"/>
+                <a:cs typeface="Arial" charset="0"/>
+              </a:rPr>
+              <a:t>Maplesoft</a:t>
+            </a:r>
+            <a:r>
+              <a:rPr lang="en-GB" altLang="nl-BE" sz="2400" dirty="0" smtClean="0">
+                <a:latin typeface="Arial" charset="0"/>
+                <a:cs typeface="Arial" charset="0"/>
+              </a:rPr>
+              <a:t>, Canada)</a:t>
+            </a:r>
+          </a:p>
+          <a:p>
+            <a:pPr eaLnBrk="1" hangingPunct="1"/>
+            <a:endParaRPr lang="en-GB" altLang="nl-BE" sz="2400" dirty="0" smtClean="0">
+              <a:latin typeface="Arial" charset="0"/>
+              <a:cs typeface="Arial" charset="0"/>
+            </a:endParaRPr>
+          </a:p>
+          <a:p>
+            <a:pPr eaLnBrk="1" hangingPunct="1">
+              <a:buFontTx/>
+              <a:buNone/>
+            </a:pPr>
+            <a:r>
+              <a:rPr lang="en-GB" altLang="nl-BE" dirty="0" smtClean="0">
+                <a:latin typeface="Arial" charset="0"/>
+                <a:cs typeface="Arial" charset="0"/>
+              </a:rPr>
+              <a:t>Free and open source tools</a:t>
+            </a:r>
+          </a:p>
+          <a:p>
+            <a:pPr eaLnBrk="1" hangingPunct="1"/>
+            <a:r>
+              <a:rPr lang="en-GB" altLang="nl-BE" sz="2400" b="1" dirty="0" err="1" smtClean="0">
+                <a:latin typeface="Arial" charset="0"/>
+                <a:cs typeface="Arial" charset="0"/>
+              </a:rPr>
+              <a:t>OpenModelica</a:t>
+            </a:r>
+            <a:r>
+              <a:rPr lang="en-GB" altLang="nl-BE" sz="2400" dirty="0" smtClean="0">
+                <a:latin typeface="Arial" charset="0"/>
+                <a:cs typeface="Arial" charset="0"/>
+              </a:rPr>
+              <a:t> (Open Source </a:t>
+            </a:r>
+            <a:r>
+              <a:rPr lang="en-GB" altLang="nl-BE" sz="2400" dirty="0" err="1" smtClean="0">
+                <a:latin typeface="Arial" charset="0"/>
+                <a:cs typeface="Arial" charset="0"/>
+              </a:rPr>
+              <a:t>Modelica</a:t>
+            </a:r>
+            <a:r>
+              <a:rPr lang="en-GB" altLang="nl-BE" sz="2400" dirty="0" smtClean="0">
+                <a:latin typeface="Arial" charset="0"/>
+                <a:cs typeface="Arial" charset="0"/>
+              </a:rPr>
+              <a:t> Consortium, Sweden and other countries)</a:t>
+            </a:r>
+          </a:p>
+          <a:p>
+            <a:pPr eaLnBrk="1" hangingPunct="1"/>
+            <a:r>
+              <a:rPr lang="en-GB" altLang="nl-BE" sz="2400" b="1" dirty="0" err="1" smtClean="0">
+                <a:latin typeface="Arial" charset="0"/>
+                <a:cs typeface="Arial" charset="0"/>
+              </a:rPr>
+              <a:t>JModelica</a:t>
+            </a:r>
+            <a:r>
+              <a:rPr lang="en-GB" altLang="nl-BE" sz="2400" dirty="0" smtClean="0">
+                <a:latin typeface="Arial" charset="0"/>
+                <a:cs typeface="Arial" charset="0"/>
+              </a:rPr>
+              <a:t> (</a:t>
+            </a:r>
+            <a:r>
+              <a:rPr lang="en-GB" altLang="nl-BE" sz="2400" dirty="0" err="1" smtClean="0">
+                <a:latin typeface="Arial" charset="0"/>
+                <a:cs typeface="Arial" charset="0"/>
+              </a:rPr>
+              <a:t>Modelon</a:t>
+            </a:r>
+            <a:r>
+              <a:rPr lang="en-GB" altLang="nl-BE" sz="2400" dirty="0" smtClean="0">
+                <a:latin typeface="Arial" charset="0"/>
+                <a:cs typeface="Arial" charset="0"/>
+              </a:rPr>
+              <a:t>, Sweden)</a:t>
+            </a:r>
+          </a:p>
+        </p:txBody>
+      </p:sp>
+    </p:spTree>
+    <p:extLst>
+      <p:ext uri="{BB962C8B-B14F-4D97-AF65-F5344CB8AC3E}">
+        <p14:creationId xmlns:p14="http://schemas.microsoft.com/office/powerpoint/2010/main" val="1827808836"/>
+      </p:ext>
+    </p:extLst>
+  </p:cSld>
+  <p:clrMapOvr>
+    <a:masterClrMapping/>
+  </p:clrMapOvr>
+  <p:timing>
+    <p:tnLst>
+      <p:par>
+        <p:cTn id="1" dur="indefinite" restart="never" nodeType="tmRoot"/>
+      </p:par>
+    </p:tnLst>
+  </p:timing>
+</p:sld>
+</file>
+
+<file path=ppt/slides/slide13.xml><?xml version="1.0" encoding="utf-8"?>
+<p:sld xmlns:a="http://schemas.openxmlformats.org/drawingml/2006/main" xmlns:r="http://schemas.openxmlformats.org/officeDocument/2006/relationships" xmlns:p="http://schemas.openxmlformats.org/presentationml/2006/main">
+  <p:cSld>
+    <p:spTree>
+      <p:nvGrpSpPr>
+        <p:cNvPr id="1" name=""/>
+        <p:cNvGrpSpPr/>
+        <p:nvPr/>
+      </p:nvGrpSpPr>
+      <p:grpSpPr>
+        <a:xfrm>
+          <a:off x="0" y="0"/>
+          <a:ext cx="0" cy="0"/>
+          <a:chOff x="0" y="0"/>
+          <a:chExt cx="0" cy="0"/>
+        </a:xfrm>
+      </p:grpSpPr>
+      <p:sp>
+        <p:nvSpPr>
+          <p:cNvPr id="2" name="Title 1"/>
+          <p:cNvSpPr>
+            <a:spLocks noGrp="1"/>
+          </p:cNvSpPr>
+          <p:nvPr>
+            <p:ph type="title"/>
+          </p:nvPr>
+        </p:nvSpPr>
+        <p:spPr/>
+        <p:txBody>
+          <a:bodyPr/>
+          <a:lstStyle/>
+          <a:p>
+            <a:r>
+              <a:rPr lang="en-GB" dirty="0" smtClean="0"/>
+              <a:t>What does </a:t>
+            </a:r>
+            <a:r>
+              <a:rPr lang="en-GB" dirty="0" err="1" smtClean="0"/>
+              <a:t>Dymola</a:t>
+            </a:r>
+            <a:r>
+              <a:rPr lang="en-GB" dirty="0" smtClean="0"/>
+              <a:t> do?</a:t>
+            </a:r>
+            <a:endParaRPr lang="en-GB" dirty="0"/>
+          </a:p>
+        </p:txBody>
+      </p:sp>
+      <mc:AlternateContent xmlns:mc="http://schemas.openxmlformats.org/markup-compatibility/2006" xmlns:a14="http://schemas.microsoft.com/office/drawing/2010/main">
+        <mc:Choice Requires="a14">
+          <p:sp>
+            <p:nvSpPr>
+              <p:cNvPr id="3" name="Content Placeholder 2"/>
+              <p:cNvSpPr>
+                <a:spLocks noGrp="1"/>
+              </p:cNvSpPr>
+              <p:nvPr>
+                <p:ph idx="1"/>
+              </p:nvPr>
+            </p:nvSpPr>
+            <p:spPr/>
+            <p:txBody>
+              <a:bodyPr/>
+              <a:lstStyle/>
+              <a:p>
+                <a:r>
+                  <a:rPr lang="en-GB" b="1" dirty="0" smtClean="0"/>
+                  <a:t>Compiles </a:t>
+                </a:r>
+                <a:r>
+                  <a:rPr lang="en-GB" smtClean="0"/>
+                  <a:t>and </a:t>
+                </a:r>
+                <a:r>
+                  <a:rPr lang="en-GB" b="1" smtClean="0"/>
+                  <a:t>integrates</a:t>
+                </a:r>
+                <a:r>
+                  <a:rPr lang="en-GB" smtClean="0"/>
+                  <a:t> </a:t>
+                </a:r>
+                <a:r>
+                  <a:rPr lang="en-GB" dirty="0" smtClean="0"/>
+                  <a:t>equations</a:t>
+                </a:r>
+              </a:p>
+              <a:p>
+                <a:pPr lvl="1"/>
+                <a:r>
+                  <a:rPr lang="en-GB" dirty="0" smtClean="0"/>
+                  <a:t>Finds solution to ODEs at indicated times</a:t>
+                </a:r>
+              </a:p>
+              <a:p>
+                <a:pPr lvl="1"/>
+                <a14:m>
+                  <m:oMath xmlns:m="http://schemas.openxmlformats.org/officeDocument/2006/math">
+                    <m:f>
+                      <m:fPr>
+                        <m:ctrlPr>
+                          <a:rPr lang="nl-NL" b="0" i="1" smtClean="0">
+                            <a:latin typeface="Cambria Math" panose="02040503050406030204" pitchFamily="18" charset="0"/>
+                          </a:rPr>
+                        </m:ctrlPr>
+                      </m:fPr>
+                      <m:num>
+                        <m:r>
+                          <a:rPr lang="nl-NL" b="0" i="1" smtClean="0">
+                            <a:latin typeface="Cambria Math"/>
+                          </a:rPr>
+                          <m:t>𝑑𝑥</m:t>
+                        </m:r>
+                      </m:num>
+                      <m:den>
+                        <m:r>
+                          <a:rPr lang="nl-NL" b="0" i="1" smtClean="0">
+                            <a:latin typeface="Cambria Math"/>
+                          </a:rPr>
+                          <m:t>𝑑𝑡</m:t>
+                        </m:r>
+                      </m:den>
+                    </m:f>
+                    <m:r>
+                      <a:rPr lang="nl-NL" b="0" i="1" smtClean="0">
+                        <a:latin typeface="Cambria Math"/>
+                      </a:rPr>
+                      <m:t>=</m:t>
+                    </m:r>
+                    <m:r>
+                      <a:rPr lang="nl-NL" b="0" i="1" smtClean="0">
+                        <a:latin typeface="Cambria Math"/>
+                      </a:rPr>
+                      <m:t>𝑓</m:t>
+                    </m:r>
+                    <m:r>
+                      <a:rPr lang="nl-NL" b="0" i="1" smtClean="0">
+                        <a:latin typeface="Cambria Math"/>
+                      </a:rPr>
+                      <m:t>(</m:t>
+                    </m:r>
+                    <m:r>
+                      <a:rPr lang="nl-NL" b="0" i="1" smtClean="0">
+                        <a:latin typeface="Cambria Math"/>
+                      </a:rPr>
+                      <m:t>𝑥</m:t>
+                    </m:r>
+                    <m:r>
+                      <a:rPr lang="nl-NL" b="0" i="1" smtClean="0">
+                        <a:latin typeface="Cambria Math"/>
+                      </a:rPr>
+                      <m:t>,</m:t>
+                    </m:r>
+                    <m:r>
+                      <a:rPr lang="nl-NL" b="0" i="1" smtClean="0">
+                        <a:latin typeface="Cambria Math"/>
+                      </a:rPr>
+                      <m:t>𝑢</m:t>
+                    </m:r>
+                    <m:r>
+                      <a:rPr lang="nl-NL" b="0" i="1" smtClean="0">
+                        <a:latin typeface="Cambria Math"/>
+                      </a:rPr>
+                      <m:t>,…)</m:t>
+                    </m:r>
+                  </m:oMath>
+                </a14:m>
+                <a:r>
+                  <a:rPr lang="en-GB" dirty="0" smtClean="0"/>
+                  <a:t> </a:t>
+                </a:r>
+                <a:r>
+                  <a:rPr lang="en-GB" dirty="0" smtClean="0">
+                    <a:sym typeface="Wingdings" panose="05000000000000000000" pitchFamily="2" charset="2"/>
+                  </a:rPr>
+                  <a:t> </a:t>
+                </a:r>
+                <a14:m>
+                  <m:oMath xmlns:m="http://schemas.openxmlformats.org/officeDocument/2006/math">
+                    <m:sSub>
+                      <m:sSubPr>
+                        <m:ctrlPr>
+                          <a:rPr lang="nl-NL" b="0" i="1" smtClean="0">
+                            <a:latin typeface="Cambria Math" panose="02040503050406030204" pitchFamily="18" charset="0"/>
+                            <a:sym typeface="Wingdings" panose="05000000000000000000" pitchFamily="2" charset="2"/>
+                          </a:rPr>
+                        </m:ctrlPr>
+                      </m:sSubPr>
+                      <m:e>
+                        <m:r>
+                          <a:rPr lang="nl-NL" b="0" i="1" smtClean="0">
+                            <a:latin typeface="Cambria Math"/>
+                            <a:sym typeface="Wingdings" panose="05000000000000000000" pitchFamily="2" charset="2"/>
+                          </a:rPr>
+                          <m:t>𝑥</m:t>
+                        </m:r>
+                      </m:e>
+                      <m:sub>
+                        <m:r>
+                          <a:rPr lang="nl-NL" b="0" i="1" smtClean="0">
+                            <a:latin typeface="Cambria Math"/>
+                            <a:sym typeface="Wingdings" panose="05000000000000000000" pitchFamily="2" charset="2"/>
+                          </a:rPr>
+                          <m:t>𝑡</m:t>
+                        </m:r>
+                        <m:r>
+                          <a:rPr lang="nl-NL" b="0" i="1" smtClean="0">
+                            <a:latin typeface="Cambria Math"/>
+                            <a:sym typeface="Wingdings" panose="05000000000000000000" pitchFamily="2" charset="2"/>
+                          </a:rPr>
+                          <m:t>+1</m:t>
+                        </m:r>
+                      </m:sub>
+                    </m:sSub>
+                    <m:r>
+                      <a:rPr lang="nl-NL" b="0" i="1" smtClean="0">
+                        <a:latin typeface="Cambria Math"/>
+                        <a:sym typeface="Wingdings" panose="05000000000000000000" pitchFamily="2" charset="2"/>
+                      </a:rPr>
+                      <m:t>=</m:t>
+                    </m:r>
+                    <m:acc>
+                      <m:accPr>
+                        <m:chr m:val="̂"/>
+                        <m:ctrlPr>
+                          <a:rPr lang="nl-NL" b="0" i="1" smtClean="0">
+                            <a:latin typeface="Cambria Math" panose="02040503050406030204" pitchFamily="18" charset="0"/>
+                            <a:sym typeface="Wingdings" panose="05000000000000000000" pitchFamily="2" charset="2"/>
+                          </a:rPr>
+                        </m:ctrlPr>
+                      </m:accPr>
+                      <m:e>
+                        <m:r>
+                          <a:rPr lang="nl-NL" b="0" i="1" smtClean="0">
+                            <a:latin typeface="Cambria Math"/>
+                            <a:sym typeface="Wingdings" panose="05000000000000000000" pitchFamily="2" charset="2"/>
+                          </a:rPr>
+                          <m:t>𝑓</m:t>
+                        </m:r>
+                      </m:e>
+                    </m:acc>
+                    <m:r>
+                      <a:rPr lang="nl-NL" b="0" i="1" smtClean="0">
+                        <a:latin typeface="Cambria Math"/>
+                        <a:sym typeface="Wingdings" panose="05000000000000000000" pitchFamily="2" charset="2"/>
+                      </a:rPr>
+                      <m:t>(</m:t>
+                    </m:r>
+                    <m:sSub>
+                      <m:sSubPr>
+                        <m:ctrlPr>
+                          <a:rPr lang="nl-NL" b="0" i="1" smtClean="0">
+                            <a:latin typeface="Cambria Math" panose="02040503050406030204" pitchFamily="18" charset="0"/>
+                            <a:sym typeface="Wingdings" panose="05000000000000000000" pitchFamily="2" charset="2"/>
+                          </a:rPr>
+                        </m:ctrlPr>
+                      </m:sSubPr>
+                      <m:e>
+                        <m:r>
+                          <a:rPr lang="nl-NL" b="0" i="1" smtClean="0">
+                            <a:latin typeface="Cambria Math"/>
+                            <a:sym typeface="Wingdings" panose="05000000000000000000" pitchFamily="2" charset="2"/>
+                          </a:rPr>
+                          <m:t>𝑥</m:t>
+                        </m:r>
+                      </m:e>
+                      <m:sub>
+                        <m:r>
+                          <a:rPr lang="nl-NL" b="0" i="1" smtClean="0">
+                            <a:latin typeface="Cambria Math"/>
+                            <a:sym typeface="Wingdings" panose="05000000000000000000" pitchFamily="2" charset="2"/>
+                          </a:rPr>
+                          <m:t>𝑡</m:t>
+                        </m:r>
+                      </m:sub>
+                    </m:sSub>
+                    <m:r>
+                      <a:rPr lang="nl-NL" b="0" i="1" smtClean="0">
+                        <a:latin typeface="Cambria Math"/>
+                        <a:sym typeface="Wingdings" panose="05000000000000000000" pitchFamily="2" charset="2"/>
+                      </a:rPr>
+                      <m:t>,</m:t>
+                    </m:r>
+                    <m:sSub>
+                      <m:sSubPr>
+                        <m:ctrlPr>
+                          <a:rPr lang="nl-NL" b="0" i="1" smtClean="0">
+                            <a:latin typeface="Cambria Math" panose="02040503050406030204" pitchFamily="18" charset="0"/>
+                            <a:sym typeface="Wingdings" panose="05000000000000000000" pitchFamily="2" charset="2"/>
+                          </a:rPr>
+                        </m:ctrlPr>
+                      </m:sSubPr>
+                      <m:e>
+                        <m:r>
+                          <a:rPr lang="nl-NL" b="0" i="1" smtClean="0">
+                            <a:latin typeface="Cambria Math"/>
+                            <a:sym typeface="Wingdings" panose="05000000000000000000" pitchFamily="2" charset="2"/>
+                          </a:rPr>
+                          <m:t>𝑢</m:t>
+                        </m:r>
+                      </m:e>
+                      <m:sub>
+                        <m:r>
+                          <a:rPr lang="nl-NL" b="0" i="1" smtClean="0">
+                            <a:latin typeface="Cambria Math"/>
+                            <a:sym typeface="Wingdings" panose="05000000000000000000" pitchFamily="2" charset="2"/>
+                          </a:rPr>
+                          <m:t>𝑡</m:t>
+                        </m:r>
+                      </m:sub>
+                    </m:sSub>
+                    <m:r>
+                      <a:rPr lang="nl-NL" b="0" i="1" smtClean="0">
+                        <a:latin typeface="Cambria Math"/>
+                        <a:sym typeface="Wingdings" panose="05000000000000000000" pitchFamily="2" charset="2"/>
+                      </a:rPr>
+                      <m:t>,…)</m:t>
+                    </m:r>
+                  </m:oMath>
+                </a14:m>
+                <a:endParaRPr lang="en-GB" dirty="0" smtClean="0"/>
+              </a:p>
+              <a:p>
+                <a:pPr lvl="1"/>
+                <a:r>
+                  <a:rPr lang="en-GB" dirty="0" smtClean="0"/>
+                  <a:t>Different solvers</a:t>
+                </a:r>
+              </a:p>
+              <a:p>
+                <a:pPr lvl="2"/>
+                <a:r>
+                  <a:rPr lang="en-GB" dirty="0" err="1" smtClean="0"/>
+                  <a:t>Radau</a:t>
+                </a:r>
+                <a:r>
+                  <a:rPr lang="en-GB" dirty="0" smtClean="0"/>
+                  <a:t>, </a:t>
+                </a:r>
+                <a:r>
+                  <a:rPr lang="en-GB" dirty="0" err="1" smtClean="0"/>
+                  <a:t>Dassl</a:t>
+                </a:r>
+                <a:r>
+                  <a:rPr lang="en-GB" dirty="0" smtClean="0"/>
+                  <a:t>, Euler, </a:t>
+                </a:r>
+                <a:r>
+                  <a:rPr lang="en-GB" dirty="0" err="1" smtClean="0"/>
+                  <a:t>Runge-Kutta</a:t>
+                </a:r>
+                <a:r>
+                  <a:rPr lang="en-GB" dirty="0" smtClean="0"/>
+                  <a:t>,</a:t>
+                </a:r>
+                <a:r>
+                  <a:rPr lang="is-IS" dirty="0" smtClean="0"/>
+                  <a:t>…</a:t>
+                </a:r>
+              </a:p>
+              <a:p>
+                <a:pPr lvl="2"/>
+                <a:r>
+                  <a:rPr lang="is-IS" dirty="0" smtClean="0"/>
+                  <a:t>Define </a:t>
+                </a:r>
+                <a:r>
+                  <a:rPr lang="is-IS" i="1" dirty="0" smtClean="0"/>
+                  <a:t>start</a:t>
+                </a:r>
+                <a:r>
+                  <a:rPr lang="is-IS" dirty="0" smtClean="0"/>
+                  <a:t> and </a:t>
+                </a:r>
+                <a:r>
+                  <a:rPr lang="is-IS" i="1" dirty="0" smtClean="0"/>
+                  <a:t>end time</a:t>
+                </a:r>
+                <a:r>
+                  <a:rPr lang="is-IS" dirty="0" smtClean="0"/>
+                  <a:t>, </a:t>
+                </a:r>
+                <a:r>
+                  <a:rPr lang="is-IS" i="1" dirty="0" smtClean="0"/>
+                  <a:t>time step</a:t>
+                </a:r>
+              </a:p>
+              <a:p>
+                <a:pPr lvl="2"/>
+                <a:r>
+                  <a:rPr lang="is-IS" dirty="0" smtClean="0"/>
+                  <a:t>Define </a:t>
+                </a:r>
+                <a:r>
+                  <a:rPr lang="is-IS" i="1" dirty="0" smtClean="0"/>
+                  <a:t>Solver tolerance</a:t>
+                </a:r>
+              </a:p>
+              <a:p>
+                <a:r>
+                  <a:rPr lang="en-GB" b="1" dirty="0" smtClean="0"/>
+                  <a:t>Simulates </a:t>
+                </a:r>
+                <a:r>
+                  <a:rPr lang="en-GB" dirty="0" smtClean="0"/>
+                  <a:t>model</a:t>
+                </a:r>
+              </a:p>
+              <a:p>
+                <a:r>
+                  <a:rPr lang="en-GB" b="1" dirty="0" smtClean="0"/>
+                  <a:t>Plots</a:t>
+                </a:r>
+                <a:r>
+                  <a:rPr lang="en-GB" dirty="0" smtClean="0"/>
+                  <a:t> output</a:t>
+                </a:r>
+                <a:endParaRPr lang="en-GB" b="1" dirty="0" smtClean="0"/>
+              </a:p>
+              <a:p>
+                <a:endParaRPr lang="en-GB" dirty="0"/>
+              </a:p>
+            </p:txBody>
+          </p:sp>
+        </mc:Choice>
+        <mc:Fallback xmlns="">
+          <p:sp>
+            <p:nvSpPr>
+              <p:cNvPr id="3" name="Content Placeholder 2"/>
+              <p:cNvSpPr>
+                <a:spLocks noGrp="1" noRot="1" noChangeAspect="1" noMove="1" noResize="1" noEditPoints="1" noAdjustHandles="1" noChangeArrowheads="1" noChangeShapeType="1" noTextEdit="1"/>
+              </p:cNvSpPr>
+              <p:nvPr>
+                <p:ph idx="1"/>
+              </p:nvPr>
+            </p:nvSpPr>
+            <p:spPr>
+              <a:blipFill rotWithShape="1">
+                <a:blip r:embed="rId2"/>
+                <a:stretch>
+                  <a:fillRect l="-2238" t="-2230"/>
+                </a:stretch>
+              </a:blipFill>
+            </p:spPr>
+            <p:txBody>
+              <a:bodyPr/>
+              <a:lstStyle/>
+              <a:p>
+                <a:r>
+                  <a:rPr lang="nl-BE">
+                    <a:noFill/>
+                  </a:rPr>
+                  <a:t> </a:t>
+                </a:r>
+              </a:p>
+            </p:txBody>
+          </p:sp>
+        </mc:Fallback>
+      </mc:AlternateContent>
+    </p:spTree>
+    <p:extLst>
+      <p:ext uri="{BB962C8B-B14F-4D97-AF65-F5344CB8AC3E}">
+        <p14:creationId xmlns:p14="http://schemas.microsoft.com/office/powerpoint/2010/main" val="4154134893"/>
+      </p:ext>
+    </p:extLst>
+  </p:cSld>
+  <p:clrMapOvr>
+    <a:masterClrMapping/>
+  </p:clrMapOvr>
+  <p:timing>
+    <p:tnLst>
+      <p:par>
+        <p:cTn id="1" dur="indefinite" restart="never" nodeType="tmRoot"/>
+      </p:par>
+    </p:tnLst>
+  </p:timing>
+</p:sld>
+</file>
+
+<file path=ppt/slides/slide14.xml><?xml version="1.0" encoding="utf-8"?>
+<p:sld xmlns:a="http://schemas.openxmlformats.org/drawingml/2006/main" xmlns:r="http://schemas.openxmlformats.org/officeDocument/2006/relationships" xmlns:p="http://schemas.openxmlformats.org/presentationml/2006/main">
+  <p:cSld>
+    <p:spTree>
+      <p:nvGrpSpPr>
+        <p:cNvPr id="1" name=""/>
+        <p:cNvGrpSpPr/>
+        <p:nvPr/>
+      </p:nvGrpSpPr>
+      <p:grpSpPr>
+        <a:xfrm>
+          <a:off x="0" y="0"/>
+          <a:ext cx="0" cy="0"/>
+          <a:chOff x="0" y="0"/>
+          <a:chExt cx="0" cy="0"/>
+        </a:xfrm>
+      </p:grpSpPr>
+      <p:sp>
+        <p:nvSpPr>
+          <p:cNvPr id="2" name="Title 1"/>
+          <p:cNvSpPr>
+            <a:spLocks noGrp="1"/>
+          </p:cNvSpPr>
+          <p:nvPr>
+            <p:ph type="title"/>
+          </p:nvPr>
+        </p:nvSpPr>
+        <p:spPr/>
+        <p:txBody>
+          <a:bodyPr/>
+          <a:lstStyle/>
+          <a:p>
+            <a:r>
+              <a:rPr lang="nl-NL" dirty="0" err="1" smtClean="0"/>
+              <a:t>Graphical</a:t>
+            </a:r>
+            <a:r>
+              <a:rPr lang="nl-NL" dirty="0" smtClean="0"/>
+              <a:t> user interface</a:t>
+            </a:r>
+            <a:endParaRPr lang="nl-BE" dirty="0"/>
+          </a:p>
+        </p:txBody>
+      </p:sp>
+      <p:sp>
+        <p:nvSpPr>
+          <p:cNvPr id="3" name="Content Placeholder 2"/>
+          <p:cNvSpPr>
+            <a:spLocks noGrp="1"/>
+          </p:cNvSpPr>
+          <p:nvPr>
+            <p:ph idx="1"/>
+          </p:nvPr>
+        </p:nvSpPr>
+        <p:spPr/>
+        <p:txBody>
+          <a:bodyPr/>
+          <a:lstStyle/>
+          <a:p>
+            <a:endParaRPr lang="nl-BE"/>
+          </a:p>
+        </p:txBody>
+      </p:sp>
+      <p:pic>
+        <p:nvPicPr>
+          <p:cNvPr id="6147" name="Picture 3"/>
+          <p:cNvPicPr>
+            <a:picLocks noChangeAspect="1" noChangeArrowheads="1"/>
+          </p:cNvPicPr>
+          <p:nvPr/>
+        </p:nvPicPr>
+        <p:blipFill>
+          <a:blip r:embed="rId2">
+            <a:extLst>
+              <a:ext uri="{28A0092B-C50C-407E-A947-70E740481C1C}">
+                <a14:useLocalDpi xmlns:a14="http://schemas.microsoft.com/office/drawing/2010/main" val="0"/>
+              </a:ext>
+            </a:extLst>
+          </a:blip>
+          <a:srcRect/>
+          <a:stretch>
+            <a:fillRect/>
+          </a:stretch>
+        </p:blipFill>
+        <p:spPr bwMode="auto">
+          <a:xfrm>
+            <a:off x="1263576" y="1361728"/>
+            <a:ext cx="7766050" cy="5302250"/>
+          </a:xfrm>
+          <a:prstGeom prst="rect">
+            <a:avLst/>
+          </a:prstGeom>
+          <a:noFill/>
+          <a:ln>
+            <a:noFill/>
+          </a:ln>
+          <a:extLst>
+            <a:ext uri="{909E8E84-426E-40DD-AFC4-6F175D3DCCD1}">
+              <a14:hiddenFill xmlns:a14="http://schemas.microsoft.com/office/drawing/2010/main">
+                <a:solidFill>
+                  <a:schemeClr val="accent1"/>
+                </a:solidFill>
+              </a14:hiddenFill>
+            </a:ext>
+            <a:ext uri="{91240B29-F687-4F45-9708-019B960494DF}">
+              <a14:hiddenLine xmlns:a14="http://schemas.microsoft.com/office/drawing/2010/main" w="9525">
+                <a:solidFill>
+                  <a:schemeClr val="tx1"/>
+                </a:solidFill>
+                <a:miter lim="800000"/>
+                <a:headEnd/>
+                <a:tailEnd/>
+              </a14:hiddenLine>
+            </a:ext>
+          </a:extLst>
+        </p:spPr>
+      </p:pic>
+      <p:cxnSp>
+        <p:nvCxnSpPr>
+          <p:cNvPr id="5" name="Straight Arrow Connector 4"/>
+          <p:cNvCxnSpPr/>
+          <p:nvPr/>
+        </p:nvCxnSpPr>
+        <p:spPr>
+          <a:xfrm flipH="1">
+            <a:off x="6016104" y="1145704"/>
+            <a:ext cx="72008" cy="648072"/>
+          </a:xfrm>
+          <a:prstGeom prst="straightConnector1">
+            <a:avLst/>
+          </a:prstGeom>
+          <a:ln w="28575">
+            <a:tailEnd type="arrow"/>
+          </a:ln>
+        </p:spPr>
+        <p:style>
+          <a:lnRef idx="1">
+            <a:schemeClr val="accent1"/>
+          </a:lnRef>
+          <a:fillRef idx="0">
+            <a:schemeClr val="accent1"/>
+          </a:fillRef>
+          <a:effectRef idx="0">
+            <a:schemeClr val="accent1"/>
+          </a:effectRef>
+          <a:fontRef idx="minor">
+            <a:schemeClr val="tx1"/>
+          </a:fontRef>
+        </p:style>
+      </p:cxnSp>
+    </p:spTree>
+    <p:extLst>
+      <p:ext uri="{BB962C8B-B14F-4D97-AF65-F5344CB8AC3E}">
+        <p14:creationId xmlns:p14="http://schemas.microsoft.com/office/powerpoint/2010/main" val="1488960055"/>
+      </p:ext>
+    </p:extLst>
+  </p:cSld>
+  <p:clrMapOvr>
+    <a:masterClrMapping/>
+  </p:clrMapOvr>
+  <p:timing>
+    <p:tnLst>
+      <p:par>
+        <p:cTn id="1" dur="indefinite" restart="never" nodeType="tmRoot"/>
+      </p:par>
+    </p:tnLst>
+  </p:timing>
+</p:sld>
+</file>
+
+<file path=ppt/slides/slide15.xml><?xml version="1.0" encoding="utf-8"?>
+<p:sld xmlns:a="http://schemas.openxmlformats.org/drawingml/2006/main" xmlns:r="http://schemas.openxmlformats.org/officeDocument/2006/relationships" xmlns:p="http://schemas.openxmlformats.org/presentationml/2006/main">
+  <p:cSld>
+    <p:spTree>
+      <p:nvGrpSpPr>
+        <p:cNvPr id="1" name=""/>
+        <p:cNvGrpSpPr/>
+        <p:nvPr/>
+      </p:nvGrpSpPr>
+      <p:grpSpPr>
+        <a:xfrm>
+          <a:off x="0" y="0"/>
+          <a:ext cx="0" cy="0"/>
+          <a:chOff x="0" y="0"/>
+          <a:chExt cx="0" cy="0"/>
+        </a:xfrm>
+      </p:grpSpPr>
+      <p:sp>
+        <p:nvSpPr>
+          <p:cNvPr id="2" name="Title 1"/>
+          <p:cNvSpPr>
+            <a:spLocks noGrp="1"/>
+          </p:cNvSpPr>
+          <p:nvPr>
+            <p:ph type="title"/>
+          </p:nvPr>
+        </p:nvSpPr>
+        <p:spPr/>
+        <p:txBody>
+          <a:bodyPr/>
+          <a:lstStyle/>
+          <a:p>
+            <a:r>
+              <a:rPr lang="nl-NL" dirty="0" err="1" smtClean="0"/>
+              <a:t>Graphical</a:t>
+            </a:r>
+            <a:r>
+              <a:rPr lang="nl-NL" dirty="0" smtClean="0"/>
+              <a:t> user interface</a:t>
+            </a:r>
+            <a:endParaRPr lang="nl-BE" dirty="0"/>
+          </a:p>
+        </p:txBody>
+      </p:sp>
+      <p:sp>
+        <p:nvSpPr>
+          <p:cNvPr id="3" name="Content Placeholder 2"/>
+          <p:cNvSpPr>
+            <a:spLocks noGrp="1"/>
+          </p:cNvSpPr>
+          <p:nvPr>
+            <p:ph idx="1"/>
+          </p:nvPr>
+        </p:nvSpPr>
+        <p:spPr/>
+        <p:txBody>
+          <a:bodyPr/>
+          <a:lstStyle/>
+          <a:p>
+            <a:endParaRPr lang="nl-BE"/>
+          </a:p>
+        </p:txBody>
+      </p:sp>
+      <p:pic>
+        <p:nvPicPr>
+          <p:cNvPr id="6147" name="Picture 3"/>
+          <p:cNvPicPr>
+            <a:picLocks noChangeAspect="1" noChangeArrowheads="1"/>
+          </p:cNvPicPr>
+          <p:nvPr/>
+        </p:nvPicPr>
+        <p:blipFill>
+          <a:blip r:embed="rId2">
+            <a:extLst>
+              <a:ext uri="{28A0092B-C50C-407E-A947-70E740481C1C}">
+                <a14:useLocalDpi xmlns:a14="http://schemas.microsoft.com/office/drawing/2010/main" val="0"/>
+              </a:ext>
+            </a:extLst>
+          </a:blip>
+          <a:srcRect/>
+          <a:stretch>
+            <a:fillRect/>
+          </a:stretch>
+        </p:blipFill>
+        <p:spPr bwMode="auto">
+          <a:xfrm>
+            <a:off x="1263576" y="1361728"/>
+            <a:ext cx="7766050" cy="5302250"/>
+          </a:xfrm>
+          <a:prstGeom prst="rect">
+            <a:avLst/>
+          </a:prstGeom>
+          <a:noFill/>
+          <a:ln>
+            <a:noFill/>
+          </a:ln>
+          <a:extLst>
+            <a:ext uri="{909E8E84-426E-40DD-AFC4-6F175D3DCCD1}">
+              <a14:hiddenFill xmlns:a14="http://schemas.microsoft.com/office/drawing/2010/main">
+                <a:solidFill>
+                  <a:schemeClr val="accent1"/>
+                </a:solidFill>
+              </a14:hiddenFill>
+            </a:ext>
+            <a:ext uri="{91240B29-F687-4F45-9708-019B960494DF}">
+              <a14:hiddenLine xmlns:a14="http://schemas.microsoft.com/office/drawing/2010/main" w="9525">
+                <a:solidFill>
+                  <a:schemeClr val="tx1"/>
+                </a:solidFill>
+                <a:miter lim="800000"/>
+                <a:headEnd/>
+                <a:tailEnd/>
+              </a14:hiddenLine>
+            </a:ext>
+          </a:extLst>
+        </p:spPr>
+      </p:pic>
+      <p:pic>
+        <p:nvPicPr>
+          <p:cNvPr id="7170" name="Picture 2"/>
+          <p:cNvPicPr>
+            <a:picLocks noChangeAspect="1" noChangeArrowheads="1"/>
+          </p:cNvPicPr>
+          <p:nvPr/>
+        </p:nvPicPr>
+        <p:blipFill>
+          <a:blip r:embed="rId3">
+            <a:extLst>
+              <a:ext uri="{28A0092B-C50C-407E-A947-70E740481C1C}">
+                <a14:useLocalDpi xmlns:a14="http://schemas.microsoft.com/office/drawing/2010/main" val="0"/>
+              </a:ext>
+            </a:extLst>
+          </a:blip>
+          <a:srcRect/>
+          <a:stretch>
+            <a:fillRect/>
+          </a:stretch>
+        </p:blipFill>
+        <p:spPr bwMode="auto">
+          <a:xfrm>
+            <a:off x="1263576" y="1361728"/>
+            <a:ext cx="7766050" cy="5302250"/>
+          </a:xfrm>
+          <a:prstGeom prst="rect">
+            <a:avLst/>
+          </a:prstGeom>
+          <a:noFill/>
+          <a:ln>
+            <a:noFill/>
+          </a:ln>
+          <a:extLst>
+            <a:ext uri="{909E8E84-426E-40DD-AFC4-6F175D3DCCD1}">
+              <a14:hiddenFill xmlns:a14="http://schemas.microsoft.com/office/drawing/2010/main">
+                <a:solidFill>
+                  <a:schemeClr val="accent1"/>
+                </a:solidFill>
+              </a14:hiddenFill>
+            </a:ext>
+            <a:ext uri="{91240B29-F687-4F45-9708-019B960494DF}">
+              <a14:hiddenLine xmlns:a14="http://schemas.microsoft.com/office/drawing/2010/main" w="9525">
+                <a:solidFill>
+                  <a:schemeClr val="tx1"/>
+                </a:solidFill>
+                <a:miter lim="800000"/>
+                <a:headEnd/>
+                <a:tailEnd/>
+              </a14:hiddenLine>
+            </a:ext>
+          </a:extLst>
+        </p:spPr>
+      </p:pic>
+      <p:cxnSp>
+        <p:nvCxnSpPr>
+          <p:cNvPr id="5" name="Straight Arrow Connector 4"/>
+          <p:cNvCxnSpPr/>
+          <p:nvPr/>
+        </p:nvCxnSpPr>
+        <p:spPr>
+          <a:xfrm flipH="1">
+            <a:off x="6160120" y="1145704"/>
+            <a:ext cx="72008" cy="648072"/>
+          </a:xfrm>
+          <a:prstGeom prst="straightConnector1">
+            <a:avLst/>
+          </a:prstGeom>
+          <a:ln w="28575">
+            <a:tailEnd type="arrow"/>
+          </a:ln>
+        </p:spPr>
+        <p:style>
+          <a:lnRef idx="1">
+            <a:schemeClr val="accent1"/>
+          </a:lnRef>
+          <a:fillRef idx="0">
+            <a:schemeClr val="accent1"/>
+          </a:fillRef>
+          <a:effectRef idx="0">
+            <a:schemeClr val="accent1"/>
+          </a:effectRef>
+          <a:fontRef idx="minor">
+            <a:schemeClr val="tx1"/>
+          </a:fontRef>
+        </p:style>
+      </p:cxnSp>
+    </p:spTree>
+    <p:extLst>
+      <p:ext uri="{BB962C8B-B14F-4D97-AF65-F5344CB8AC3E}">
+        <p14:creationId xmlns:p14="http://schemas.microsoft.com/office/powerpoint/2010/main" val="213359992"/>
+      </p:ext>
+    </p:extLst>
+  </p:cSld>
+  <p:clrMapOvr>
+    <a:masterClrMapping/>
+  </p:clrMapOvr>
+  <p:timing>
+    <p:tnLst>
+      <p:par>
+        <p:cTn id="1" dur="indefinite" restart="never" nodeType="tmRoot"/>
+      </p:par>
+    </p:tnLst>
+  </p:timing>
+</p:sld>
+</file>
+
+<file path=ppt/slides/slide16.xml><?xml version="1.0" encoding="utf-8"?>
+<p:sld xmlns:a="http://schemas.openxmlformats.org/drawingml/2006/main" xmlns:r="http://schemas.openxmlformats.org/officeDocument/2006/relationships" xmlns:p="http://schemas.openxmlformats.org/presentationml/2006/main">
+  <p:cSld>
+    <p:spTree>
+      <p:nvGrpSpPr>
+        <p:cNvPr id="1" name=""/>
+        <p:cNvGrpSpPr/>
+        <p:nvPr/>
+      </p:nvGrpSpPr>
+      <p:grpSpPr>
+        <a:xfrm>
+          <a:off x="0" y="0"/>
+          <a:ext cx="0" cy="0"/>
+          <a:chOff x="0" y="0"/>
+          <a:chExt cx="0" cy="0"/>
+        </a:xfrm>
+      </p:grpSpPr>
+      <p:sp>
+        <p:nvSpPr>
+          <p:cNvPr id="2" name="Title 1"/>
+          <p:cNvSpPr>
+            <a:spLocks noGrp="1"/>
+          </p:cNvSpPr>
+          <p:nvPr>
+            <p:ph type="title"/>
+          </p:nvPr>
+        </p:nvSpPr>
+        <p:spPr/>
+        <p:txBody>
+          <a:bodyPr/>
+          <a:lstStyle/>
+          <a:p>
+            <a:r>
+              <a:rPr lang="nl-NL" dirty="0" err="1" smtClean="0"/>
+              <a:t>Graphical</a:t>
+            </a:r>
+            <a:r>
+              <a:rPr lang="nl-NL" dirty="0" smtClean="0"/>
+              <a:t> user interface</a:t>
+            </a:r>
+            <a:endParaRPr lang="nl-BE" dirty="0"/>
+          </a:p>
+        </p:txBody>
+      </p:sp>
+      <p:sp>
+        <p:nvSpPr>
+          <p:cNvPr id="3" name="Content Placeholder 2"/>
+          <p:cNvSpPr>
+            <a:spLocks noGrp="1"/>
+          </p:cNvSpPr>
+          <p:nvPr>
+            <p:ph idx="1"/>
+          </p:nvPr>
+        </p:nvSpPr>
+        <p:spPr/>
+        <p:txBody>
+          <a:bodyPr/>
+          <a:lstStyle/>
+          <a:p>
+            <a:endParaRPr lang="nl-BE"/>
+          </a:p>
+        </p:txBody>
+      </p:sp>
+      <p:pic>
+        <p:nvPicPr>
+          <p:cNvPr id="6147" name="Picture 3"/>
+          <p:cNvPicPr>
+            <a:picLocks noChangeAspect="1" noChangeArrowheads="1"/>
+          </p:cNvPicPr>
+          <p:nvPr/>
+        </p:nvPicPr>
+        <p:blipFill>
+          <a:blip r:embed="rId2">
+            <a:extLst>
+              <a:ext uri="{28A0092B-C50C-407E-A947-70E740481C1C}">
+                <a14:useLocalDpi xmlns:a14="http://schemas.microsoft.com/office/drawing/2010/main" val="0"/>
+              </a:ext>
+            </a:extLst>
+          </a:blip>
+          <a:srcRect/>
+          <a:stretch>
+            <a:fillRect/>
+          </a:stretch>
+        </p:blipFill>
+        <p:spPr bwMode="auto">
+          <a:xfrm>
+            <a:off x="1263576" y="1361728"/>
+            <a:ext cx="7766050" cy="5302250"/>
+          </a:xfrm>
+          <a:prstGeom prst="rect">
+            <a:avLst/>
+          </a:prstGeom>
+          <a:noFill/>
+          <a:ln>
+            <a:noFill/>
+          </a:ln>
+          <a:extLst>
+            <a:ext uri="{909E8E84-426E-40DD-AFC4-6F175D3DCCD1}">
+              <a14:hiddenFill xmlns:a14="http://schemas.microsoft.com/office/drawing/2010/main">
+                <a:solidFill>
+                  <a:schemeClr val="accent1"/>
+                </a:solidFill>
+              </a14:hiddenFill>
+            </a:ext>
+            <a:ext uri="{91240B29-F687-4F45-9708-019B960494DF}">
+              <a14:hiddenLine xmlns:a14="http://schemas.microsoft.com/office/drawing/2010/main" w="9525">
+                <a:solidFill>
+                  <a:schemeClr val="tx1"/>
+                </a:solidFill>
+                <a:miter lim="800000"/>
+                <a:headEnd/>
+                <a:tailEnd/>
+              </a14:hiddenLine>
+            </a:ext>
+          </a:extLst>
+        </p:spPr>
+      </p:pic>
+      <p:pic>
+        <p:nvPicPr>
+          <p:cNvPr id="8194" name="Picture 2"/>
+          <p:cNvPicPr>
+            <a:picLocks noChangeAspect="1" noChangeArrowheads="1"/>
+          </p:cNvPicPr>
+          <p:nvPr/>
+        </p:nvPicPr>
+        <p:blipFill>
+          <a:blip r:embed="rId3">
+            <a:extLst>
+              <a:ext uri="{28A0092B-C50C-407E-A947-70E740481C1C}">
+                <a14:useLocalDpi xmlns:a14="http://schemas.microsoft.com/office/drawing/2010/main" val="0"/>
+              </a:ext>
+            </a:extLst>
+          </a:blip>
+          <a:srcRect/>
+          <a:stretch>
+            <a:fillRect/>
+          </a:stretch>
+        </p:blipFill>
+        <p:spPr bwMode="auto">
+          <a:xfrm>
+            <a:off x="1263576" y="1361728"/>
+            <a:ext cx="7766050" cy="5302250"/>
+          </a:xfrm>
+          <a:prstGeom prst="rect">
+            <a:avLst/>
+          </a:prstGeom>
+          <a:noFill/>
+          <a:ln>
+            <a:noFill/>
+          </a:ln>
+          <a:extLst>
+            <a:ext uri="{909E8E84-426E-40DD-AFC4-6F175D3DCCD1}">
+              <a14:hiddenFill xmlns:a14="http://schemas.microsoft.com/office/drawing/2010/main">
+                <a:solidFill>
+                  <a:schemeClr val="accent1"/>
+                </a:solidFill>
+              </a14:hiddenFill>
+            </a:ext>
+            <a:ext uri="{91240B29-F687-4F45-9708-019B960494DF}">
+              <a14:hiddenLine xmlns:a14="http://schemas.microsoft.com/office/drawing/2010/main" w="9525">
+                <a:solidFill>
+                  <a:schemeClr val="tx1"/>
+                </a:solidFill>
+                <a:miter lim="800000"/>
+                <a:headEnd/>
+                <a:tailEnd/>
+              </a14:hiddenLine>
+            </a:ext>
+          </a:extLst>
+        </p:spPr>
+      </p:pic>
+      <p:cxnSp>
+        <p:nvCxnSpPr>
+          <p:cNvPr id="5" name="Straight Arrow Connector 4"/>
+          <p:cNvCxnSpPr/>
+          <p:nvPr/>
+        </p:nvCxnSpPr>
+        <p:spPr>
+          <a:xfrm flipH="1">
+            <a:off x="6304136" y="1145704"/>
+            <a:ext cx="72008" cy="648072"/>
+          </a:xfrm>
+          <a:prstGeom prst="straightConnector1">
+            <a:avLst/>
+          </a:prstGeom>
+          <a:ln w="28575">
+            <a:tailEnd type="arrow"/>
+          </a:ln>
+        </p:spPr>
+        <p:style>
+          <a:lnRef idx="1">
+            <a:schemeClr val="accent1"/>
+          </a:lnRef>
+          <a:fillRef idx="0">
+            <a:schemeClr val="accent1"/>
+          </a:fillRef>
+          <a:effectRef idx="0">
+            <a:schemeClr val="accent1"/>
+          </a:effectRef>
+          <a:fontRef idx="minor">
+            <a:schemeClr val="tx1"/>
+          </a:fontRef>
+        </p:style>
+      </p:cxnSp>
+    </p:spTree>
+    <p:extLst>
+      <p:ext uri="{BB962C8B-B14F-4D97-AF65-F5344CB8AC3E}">
+        <p14:creationId xmlns:p14="http://schemas.microsoft.com/office/powerpoint/2010/main" val="411021207"/>
+      </p:ext>
+    </p:extLst>
+  </p:cSld>
+  <p:clrMapOvr>
+    <a:masterClrMapping/>
+  </p:clrMapOvr>
+  <p:timing>
+    <p:tnLst>
+      <p:par>
+        <p:cTn id="1" dur="indefinite" restart="never" nodeType="tmRoot"/>
+      </p:par>
+    </p:tnLst>
+  </p:timing>
+</p:sld>
+</file>
+
+<file path=ppt/slides/slide17.xml><?xml version="1.0" encoding="utf-8"?>
+<p:sld xmlns:a="http://schemas.openxmlformats.org/drawingml/2006/main" xmlns:r="http://schemas.openxmlformats.org/officeDocument/2006/relationships" xmlns:p="http://schemas.openxmlformats.org/presentationml/2006/main">
+  <p:cSld>
+    <p:spTree>
+      <p:nvGrpSpPr>
+        <p:cNvPr id="1" name=""/>
+        <p:cNvGrpSpPr/>
+        <p:nvPr/>
+      </p:nvGrpSpPr>
+      <p:grpSpPr>
+        <a:xfrm>
+          <a:off x="0" y="0"/>
+          <a:ext cx="0" cy="0"/>
+          <a:chOff x="0" y="0"/>
+          <a:chExt cx="0" cy="0"/>
+        </a:xfrm>
+      </p:grpSpPr>
+      <p:sp>
+        <p:nvSpPr>
+          <p:cNvPr id="2" name="Title 1"/>
+          <p:cNvSpPr>
+            <a:spLocks noGrp="1"/>
+          </p:cNvSpPr>
+          <p:nvPr>
+            <p:ph type="title"/>
+          </p:nvPr>
+        </p:nvSpPr>
+        <p:spPr/>
+        <p:txBody>
+          <a:bodyPr/>
+          <a:lstStyle/>
+          <a:p>
+            <a:r>
+              <a:rPr lang="nl-NL" dirty="0" err="1" smtClean="0"/>
+              <a:t>Graphical</a:t>
+            </a:r>
+            <a:r>
+              <a:rPr lang="nl-NL" dirty="0" smtClean="0"/>
+              <a:t> user interface</a:t>
+            </a:r>
+            <a:endParaRPr lang="nl-BE" dirty="0"/>
+          </a:p>
+        </p:txBody>
+      </p:sp>
+      <p:sp>
+        <p:nvSpPr>
+          <p:cNvPr id="3" name="Content Placeholder 2"/>
+          <p:cNvSpPr>
+            <a:spLocks noGrp="1"/>
+          </p:cNvSpPr>
+          <p:nvPr>
+            <p:ph idx="1"/>
+          </p:nvPr>
+        </p:nvSpPr>
+        <p:spPr/>
+        <p:txBody>
+          <a:bodyPr/>
+          <a:lstStyle/>
+          <a:p>
+            <a:endParaRPr lang="nl-BE" dirty="0"/>
+          </a:p>
+        </p:txBody>
+      </p:sp>
+      <p:pic>
+        <p:nvPicPr>
+          <p:cNvPr id="6147" name="Picture 3"/>
+          <p:cNvPicPr>
+            <a:picLocks noChangeAspect="1" noChangeArrowheads="1"/>
+          </p:cNvPicPr>
+          <p:nvPr/>
+        </p:nvPicPr>
+        <p:blipFill>
+          <a:blip r:embed="rId2">
+            <a:extLst>
+              <a:ext uri="{28A0092B-C50C-407E-A947-70E740481C1C}">
+                <a14:useLocalDpi xmlns:a14="http://schemas.microsoft.com/office/drawing/2010/main" val="0"/>
+              </a:ext>
+            </a:extLst>
+          </a:blip>
+          <a:srcRect/>
+          <a:stretch>
+            <a:fillRect/>
+          </a:stretch>
+        </p:blipFill>
+        <p:spPr bwMode="auto">
+          <a:xfrm>
+            <a:off x="1263576" y="1361728"/>
+            <a:ext cx="7766050" cy="5302250"/>
+          </a:xfrm>
+          <a:prstGeom prst="rect">
+            <a:avLst/>
+          </a:prstGeom>
+          <a:noFill/>
+          <a:ln>
+            <a:noFill/>
+          </a:ln>
+          <a:extLst>
+            <a:ext uri="{909E8E84-426E-40DD-AFC4-6F175D3DCCD1}">
+              <a14:hiddenFill xmlns:a14="http://schemas.microsoft.com/office/drawing/2010/main">
+                <a:solidFill>
+                  <a:schemeClr val="accent1"/>
+                </a:solidFill>
+              </a14:hiddenFill>
+            </a:ext>
+            <a:ext uri="{91240B29-F687-4F45-9708-019B960494DF}">
+              <a14:hiddenLine xmlns:a14="http://schemas.microsoft.com/office/drawing/2010/main" w="9525">
+                <a:solidFill>
+                  <a:schemeClr val="tx1"/>
+                </a:solidFill>
+                <a:miter lim="800000"/>
+                <a:headEnd/>
+                <a:tailEnd/>
+              </a14:hiddenLine>
+            </a:ext>
+          </a:extLst>
+        </p:spPr>
+      </p:pic>
+      <p:pic>
+        <p:nvPicPr>
+          <p:cNvPr id="9218" name="Picture 2"/>
+          <p:cNvPicPr>
+            <a:picLocks noChangeAspect="1" noChangeArrowheads="1"/>
+          </p:cNvPicPr>
+          <p:nvPr/>
+        </p:nvPicPr>
+        <p:blipFill>
+          <a:blip r:embed="rId3">
+            <a:extLst>
+              <a:ext uri="{28A0092B-C50C-407E-A947-70E740481C1C}">
+                <a14:useLocalDpi xmlns:a14="http://schemas.microsoft.com/office/drawing/2010/main" val="0"/>
+              </a:ext>
+            </a:extLst>
+          </a:blip>
+          <a:srcRect/>
+          <a:stretch>
+            <a:fillRect/>
+          </a:stretch>
+        </p:blipFill>
+        <p:spPr bwMode="auto">
+          <a:xfrm>
+            <a:off x="1263576" y="1361728"/>
+            <a:ext cx="7766050" cy="5302250"/>
+          </a:xfrm>
+          <a:prstGeom prst="rect">
+            <a:avLst/>
+          </a:prstGeom>
+          <a:noFill/>
+          <a:ln>
+            <a:noFill/>
+          </a:ln>
+          <a:extLst>
+            <a:ext uri="{909E8E84-426E-40DD-AFC4-6F175D3DCCD1}">
+              <a14:hiddenFill xmlns:a14="http://schemas.microsoft.com/office/drawing/2010/main">
+                <a:solidFill>
+                  <a:schemeClr val="accent1"/>
+                </a:solidFill>
+              </a14:hiddenFill>
+            </a:ext>
+            <a:ext uri="{91240B29-F687-4F45-9708-019B960494DF}">
+              <a14:hiddenLine xmlns:a14="http://schemas.microsoft.com/office/drawing/2010/main" w="9525">
+                <a:solidFill>
+                  <a:schemeClr val="tx1"/>
+                </a:solidFill>
+                <a:miter lim="800000"/>
+                <a:headEnd/>
+                <a:tailEnd/>
+              </a14:hiddenLine>
+            </a:ext>
+          </a:extLst>
+        </p:spPr>
+      </p:pic>
+      <p:cxnSp>
+        <p:nvCxnSpPr>
+          <p:cNvPr id="5" name="Straight Arrow Connector 4"/>
+          <p:cNvCxnSpPr/>
+          <p:nvPr/>
+        </p:nvCxnSpPr>
+        <p:spPr>
+          <a:xfrm flipH="1">
+            <a:off x="8824416" y="6330280"/>
+            <a:ext cx="648072" cy="144016"/>
+          </a:xfrm>
+          <a:prstGeom prst="straightConnector1">
+            <a:avLst/>
+          </a:prstGeom>
+          <a:ln w="28575">
+            <a:tailEnd type="arrow"/>
+          </a:ln>
+        </p:spPr>
+        <p:style>
+          <a:lnRef idx="1">
+            <a:schemeClr val="accent1"/>
+          </a:lnRef>
+          <a:fillRef idx="0">
+            <a:schemeClr val="accent1"/>
+          </a:fillRef>
+          <a:effectRef idx="0">
+            <a:schemeClr val="accent1"/>
+          </a:effectRef>
+          <a:fontRef idx="minor">
+            <a:schemeClr val="tx1"/>
+          </a:fontRef>
+        </p:style>
+      </p:cxnSp>
+      <p:sp>
+        <p:nvSpPr>
+          <p:cNvPr id="6" name="Oval 5"/>
+          <p:cNvSpPr/>
+          <p:nvPr/>
+        </p:nvSpPr>
+        <p:spPr>
+          <a:xfrm>
+            <a:off x="4143896" y="1721768"/>
+            <a:ext cx="216024" cy="216024"/>
+          </a:xfrm>
+          <a:prstGeom prst="ellipse">
+            <a:avLst/>
+          </a:prstGeom>
+          <a:noFill/>
+          <a:ln w="19050"/>
+        </p:spPr>
+        <p:style>
+          <a:lnRef idx="2">
+            <a:schemeClr val="accent6"/>
+          </a:lnRef>
+          <a:fillRef idx="1">
+            <a:schemeClr val="lt1"/>
+          </a:fillRef>
+          <a:effectRef idx="0">
+            <a:schemeClr val="accent6"/>
+          </a:effectRef>
+          <a:fontRef idx="minor">
+            <a:schemeClr val="dk1"/>
+          </a:fontRef>
+        </p:style>
+        <p:txBody>
+          <a:bodyPr rtlCol="0" anchor="ctr"/>
+          <a:lstStyle/>
+          <a:p>
+            <a:pPr algn="ctr"/>
+            <a:endParaRPr lang="nl-BE"/>
+          </a:p>
+        </p:txBody>
+      </p:sp>
+      <p:sp>
+        <p:nvSpPr>
+          <p:cNvPr id="10" name="Oval 9"/>
+          <p:cNvSpPr/>
+          <p:nvPr/>
+        </p:nvSpPr>
+        <p:spPr>
+          <a:xfrm>
+            <a:off x="4503936" y="1721768"/>
+            <a:ext cx="216024" cy="216024"/>
+          </a:xfrm>
+          <a:prstGeom prst="ellipse">
+            <a:avLst/>
+          </a:prstGeom>
+          <a:noFill/>
+          <a:ln w="19050"/>
+        </p:spPr>
+        <p:style>
+          <a:lnRef idx="2">
+            <a:schemeClr val="accent6"/>
+          </a:lnRef>
+          <a:fillRef idx="1">
+            <a:schemeClr val="lt1"/>
+          </a:fillRef>
+          <a:effectRef idx="0">
+            <a:schemeClr val="accent6"/>
+          </a:effectRef>
+          <a:fontRef idx="minor">
+            <a:schemeClr val="dk1"/>
+          </a:fontRef>
+        </p:style>
+        <p:txBody>
+          <a:bodyPr rtlCol="0" anchor="ctr"/>
+          <a:lstStyle/>
+          <a:p>
+            <a:pPr algn="ctr"/>
+            <a:endParaRPr lang="nl-BE"/>
+          </a:p>
+        </p:txBody>
+      </p:sp>
+    </p:spTree>
+    <p:extLst>
+      <p:ext uri="{BB962C8B-B14F-4D97-AF65-F5344CB8AC3E}">
+        <p14:creationId xmlns:p14="http://schemas.microsoft.com/office/powerpoint/2010/main" val="1057810204"/>
+      </p:ext>
+    </p:extLst>
+  </p:cSld>
+  <p:clrMapOvr>
+    <a:masterClrMapping/>
+  </p:clrMapOvr>
+  <p:timing>
+    <p:tnLst>
+      <p:par>
+        <p:cTn id="1" dur="indefinite" restart="never" nodeType="tmRoot"/>
+      </p:par>
+    </p:tnLst>
+  </p:timing>
+</p:sld>
+</file>
+
+<file path=ppt/slides/slide18.xml><?xml version="1.0" encoding="utf-8"?>
+<p:sld xmlns:a="http://schemas.openxmlformats.org/drawingml/2006/main" xmlns:r="http://schemas.openxmlformats.org/officeDocument/2006/relationships" xmlns:p="http://schemas.openxmlformats.org/presentationml/2006/main">
+  <p:cSld>
+    <p:spTree>
+      <p:nvGrpSpPr>
+        <p:cNvPr id="1" name=""/>
+        <p:cNvGrpSpPr/>
+        <p:nvPr/>
+      </p:nvGrpSpPr>
+      <p:grpSpPr>
+        <a:xfrm>
+          <a:off x="0" y="0"/>
+          <a:ext cx="0" cy="0"/>
+          <a:chOff x="0" y="0"/>
+          <a:chExt cx="0" cy="0"/>
+        </a:xfrm>
+      </p:grpSpPr>
+      <p:sp>
+        <p:nvSpPr>
+          <p:cNvPr id="4" name="Title 3"/>
+          <p:cNvSpPr>
+            <a:spLocks noGrp="1"/>
+          </p:cNvSpPr>
+          <p:nvPr>
+            <p:ph type="ctrTitle"/>
+          </p:nvPr>
+        </p:nvSpPr>
+        <p:spPr/>
+        <p:txBody>
+          <a:bodyPr/>
+          <a:lstStyle/>
+          <a:p>
+            <a:r>
               <a:rPr lang="en-GB" sz="3600" dirty="0" smtClean="0"/>
               <a:t>How does </a:t>
             </a:r>
@@ -7678,7 +9499,7 @@
 </p:sld>
 </file>
 
-<file path=ppt/slides/slide12.xml><?xml version="1.0" encoding="utf-8"?>
+<file path=ppt/slides/slide19.xml><?xml version="1.0" encoding="utf-8"?>
 <p:sld xmlns:a="http://schemas.openxmlformats.org/drawingml/2006/main" xmlns:r="http://schemas.openxmlformats.org/officeDocument/2006/relationships" xmlns:p="http://schemas.openxmlformats.org/presentationml/2006/main">
   <p:cSld>
     <p:spTree>
@@ -8151,7 +9972,151 @@
 </p:sld>
 </file>
 
-<file path=ppt/slides/slide13.xml><?xml version="1.0" encoding="utf-8"?>
+<file path=ppt/slides/slide2.xml><?xml version="1.0" encoding="utf-8"?>
+<p:sld xmlns:a="http://schemas.openxmlformats.org/drawingml/2006/main" xmlns:r="http://schemas.openxmlformats.org/officeDocument/2006/relationships" xmlns:p="http://schemas.openxmlformats.org/presentationml/2006/main">
+  <p:cSld>
+    <p:spTree>
+      <p:nvGrpSpPr>
+        <p:cNvPr id="1" name=""/>
+        <p:cNvGrpSpPr/>
+        <p:nvPr/>
+      </p:nvGrpSpPr>
+      <p:grpSpPr>
+        <a:xfrm>
+          <a:off x="0" y="0"/>
+          <a:ext cx="0" cy="0"/>
+          <a:chOff x="0" y="0"/>
+          <a:chExt cx="0" cy="0"/>
+        </a:xfrm>
+      </p:grpSpPr>
+      <p:sp>
+        <p:nvSpPr>
+          <p:cNvPr id="2" name="Title 1"/>
+          <p:cNvSpPr>
+            <a:spLocks noGrp="1"/>
+          </p:cNvSpPr>
+          <p:nvPr>
+            <p:ph type="title"/>
+          </p:nvPr>
+        </p:nvSpPr>
+        <p:spPr/>
+        <p:txBody>
+          <a:bodyPr/>
+          <a:lstStyle/>
+          <a:p>
+            <a:r>
+              <a:rPr lang="nl-NL" smtClean="0"/>
+              <a:t>Modelica crash course</a:t>
+            </a:r>
+            <a:endParaRPr lang="nl-BE" dirty="0"/>
+          </a:p>
+        </p:txBody>
+      </p:sp>
+      <p:sp>
+        <p:nvSpPr>
+          <p:cNvPr id="3" name="Content Placeholder 2"/>
+          <p:cNvSpPr>
+            <a:spLocks noGrp="1"/>
+          </p:cNvSpPr>
+          <p:nvPr>
+            <p:ph idx="1"/>
+          </p:nvPr>
+        </p:nvSpPr>
+        <p:spPr/>
+        <p:txBody>
+          <a:bodyPr/>
+          <a:lstStyle/>
+          <a:p>
+            <a:r>
+              <a:rPr lang="en-US" dirty="0" smtClean="0"/>
+              <a:t>What is </a:t>
+            </a:r>
+            <a:r>
+              <a:rPr lang="en-US" dirty="0" err="1" smtClean="0"/>
+              <a:t>Modelica</a:t>
+            </a:r>
+            <a:r>
+              <a:rPr lang="en-US" dirty="0" smtClean="0"/>
+              <a:t> ? </a:t>
+            </a:r>
+          </a:p>
+          <a:p>
+            <a:r>
+              <a:rPr lang="en-US" dirty="0" smtClean="0"/>
+              <a:t>Syntax, language concepts and model structuring</a:t>
+            </a:r>
+          </a:p>
+          <a:p>
+            <a:r>
+              <a:rPr lang="en-US" dirty="0" err="1" smtClean="0"/>
+              <a:t>Modelica</a:t>
+            </a:r>
+            <a:r>
+              <a:rPr lang="en-US" dirty="0" smtClean="0"/>
+              <a:t> tools</a:t>
+            </a:r>
+          </a:p>
+          <a:p>
+            <a:r>
+              <a:rPr lang="en-US" dirty="0" smtClean="0"/>
+              <a:t>Use of IDEAS library</a:t>
+            </a:r>
+          </a:p>
+          <a:p>
+            <a:r>
+              <a:rPr lang="en-US" dirty="0" smtClean="0"/>
+              <a:t>Getting started (tutorials, reference docs, libraries, software implementations, ...)</a:t>
+            </a:r>
+          </a:p>
+          <a:p>
+            <a:endParaRPr lang="en-US" dirty="0" smtClean="0"/>
+          </a:p>
+          <a:p>
+            <a:r>
+              <a:rPr lang="en-US" dirty="0" smtClean="0">
+                <a:sym typeface="Wingdings" panose="05000000000000000000" pitchFamily="2" charset="2"/>
+              </a:rPr>
+              <a:t></a:t>
+            </a:r>
+            <a:r>
+              <a:rPr lang="en-US" dirty="0" smtClean="0"/>
+              <a:t> To get you started with </a:t>
+            </a:r>
+            <a:r>
+              <a:rPr lang="en-US" dirty="0" err="1" smtClean="0"/>
+              <a:t>Modelica</a:t>
+            </a:r>
+            <a:r>
+              <a:rPr lang="en-US" dirty="0" smtClean="0"/>
+              <a:t>! </a:t>
+            </a:r>
+          </a:p>
+          <a:p>
+            <a:endParaRPr lang="nl-BE" dirty="0"/>
+          </a:p>
+        </p:txBody>
+      </p:sp>
+    </p:spTree>
+    <p:extLst>
+      <p:ext uri="{BB962C8B-B14F-4D97-AF65-F5344CB8AC3E}">
+        <p14:creationId xmlns:p14="http://schemas.microsoft.com/office/powerpoint/2010/main" val="164379939"/>
+      </p:ext>
+    </p:extLst>
+  </p:cSld>
+  <p:clrMapOvr>
+    <a:masterClrMapping/>
+  </p:clrMapOvr>
+  <p:timing>
+    <p:tnLst>
+      <p:par>
+        <p:cTn id="1" dur="indefinite" restart="never" nodeType="tmRoot"/>
+      </p:par>
+    </p:tnLst>
+  </p:timing>
+</p:sld>
+</file>
+
+<file path=ppt/slides/slide20.xml><?xml version="1.0" encoding="utf-8"?>
 <p:sld xmlns:a="http://schemas.openxmlformats.org/drawingml/2006/main" xmlns:r="http://schemas.openxmlformats.org/officeDocument/2006/relationships" xmlns:p="http://schemas.openxmlformats.org/presentationml/2006/main">
   <p:cSld>
     <p:spTree>
@@ -8339,7 +10304,7 @@
 </p:sld>
 </file>
 
-<file path=ppt/slides/slide14.xml><?xml version="1.0" encoding="utf-8"?>
+<file path=ppt/slides/slide21.xml><?xml version="1.0" encoding="utf-8"?>
 <p:sld xmlns:a="http://schemas.openxmlformats.org/drawingml/2006/main" xmlns:r="http://schemas.openxmlformats.org/officeDocument/2006/relationships" xmlns:p="http://schemas.openxmlformats.org/presentationml/2006/main">
   <p:cSld>
     <p:spTree>
@@ -9558,7 +11523,7 @@
 </p:sld>
 </file>
 
-<file path=ppt/slides/slide15.xml><?xml version="1.0" encoding="utf-8"?>
+<file path=ppt/slides/slide22.xml><?xml version="1.0" encoding="utf-8"?>
 <p:sld xmlns:a="http://schemas.openxmlformats.org/drawingml/2006/main" xmlns:r="http://schemas.openxmlformats.org/officeDocument/2006/relationships" xmlns:p="http://schemas.openxmlformats.org/presentationml/2006/main">
   <p:cSld>
     <p:spTree>
@@ -9738,7 +11703,7 @@
 </p:sld>
 </file>
 
-<file path=ppt/slides/slide16.xml><?xml version="1.0" encoding="utf-8"?>
+<file path=ppt/slides/slide23.xml><?xml version="1.0" encoding="utf-8"?>
 <p:sld xmlns:a="http://schemas.openxmlformats.org/drawingml/2006/main" xmlns:r="http://schemas.openxmlformats.org/officeDocument/2006/relationships" xmlns:p="http://schemas.openxmlformats.org/presentationml/2006/main">
   <p:cSld>
     <p:spTree>
@@ -10042,7 +12007,7 @@
 </p:sld>
 </file>
 
-<file path=ppt/slides/slide17.xml><?xml version="1.0" encoding="utf-8"?>
+<file path=ppt/slides/slide24.xml><?xml version="1.0" encoding="utf-8"?>
 <p:sld xmlns:a="http://schemas.openxmlformats.org/drawingml/2006/main" xmlns:r="http://schemas.openxmlformats.org/officeDocument/2006/relationships" xmlns:p="http://schemas.openxmlformats.org/presentationml/2006/main">
   <p:cSld>
     <p:spTree>
@@ -10747,2642 +12712,6 @@
 </p:sld>
 </file>
 
-<file path=ppt/slides/slide18.xml><?xml version="1.0" encoding="utf-8"?>
-<p:sld xmlns:a="http://schemas.openxmlformats.org/drawingml/2006/main" xmlns:r="http://schemas.openxmlformats.org/officeDocument/2006/relationships" xmlns:p="http://schemas.openxmlformats.org/presentationml/2006/main">
-  <p:cSld>
-    <p:spTree>
-      <p:nvGrpSpPr>
-        <p:cNvPr id="1" name=""/>
-        <p:cNvGrpSpPr/>
-        <p:nvPr/>
-      </p:nvGrpSpPr>
-      <p:grpSpPr>
-        <a:xfrm>
-          <a:off x="0" y="0"/>
-          <a:ext cx="0" cy="0"/>
-          <a:chOff x="0" y="0"/>
-          <a:chExt cx="0" cy="0"/>
-        </a:xfrm>
-      </p:grpSpPr>
-      <p:sp>
-        <p:nvSpPr>
-          <p:cNvPr id="2" name="Title 1"/>
-          <p:cNvSpPr>
-            <a:spLocks noGrp="1"/>
-          </p:cNvSpPr>
-          <p:nvPr>
-            <p:ph type="title"/>
-          </p:nvPr>
-        </p:nvSpPr>
-        <p:spPr/>
-        <p:txBody>
-          <a:bodyPr/>
-          <a:lstStyle/>
-          <a:p>
-            <a:r>
-              <a:rPr lang="en-GB" dirty="0" smtClean="0"/>
-              <a:t>Components</a:t>
-            </a:r>
-            <a:endParaRPr lang="en-GB" dirty="0"/>
-          </a:p>
-        </p:txBody>
-      </p:sp>
-      <p:sp>
-        <p:nvSpPr>
-          <p:cNvPr id="3" name="Content Placeholder 2"/>
-          <p:cNvSpPr>
-            <a:spLocks noGrp="1"/>
-          </p:cNvSpPr>
-          <p:nvPr>
-            <p:ph idx="1"/>
-          </p:nvPr>
-        </p:nvSpPr>
-        <p:spPr/>
-        <p:txBody>
-          <a:bodyPr/>
-          <a:lstStyle/>
-          <a:p>
-            <a:r>
-              <a:rPr lang="en-GB" dirty="0" smtClean="0"/>
-              <a:t>Instances of a </a:t>
-            </a:r>
-            <a:r>
-              <a:rPr lang="en-GB" dirty="0" smtClean="0">
-                <a:latin typeface="Monaco"/>
-                <a:cs typeface="Monaco"/>
-              </a:rPr>
-              <a:t>model</a:t>
-            </a:r>
-          </a:p>
-          <a:p>
-            <a:r>
-              <a:rPr lang="en-GB" dirty="0" smtClean="0">
-                <a:latin typeface="Monaco"/>
-                <a:cs typeface="Monaco"/>
-              </a:rPr>
-              <a:t>model </a:t>
-            </a:r>
-            <a:r>
-              <a:rPr lang="en-GB" dirty="0" smtClean="0">
-                <a:latin typeface="Arial"/>
-                <a:cs typeface="Arial"/>
-              </a:rPr>
-              <a:t>name usually Capitalized, instance not</a:t>
-            </a:r>
-          </a:p>
-          <a:p>
-            <a:pPr lvl="1"/>
-            <a:r>
-              <a:rPr lang="en-GB" dirty="0" smtClean="0">
-                <a:latin typeface="Monaco"/>
-                <a:cs typeface="Monaco"/>
-              </a:rPr>
-              <a:t>Wall </a:t>
-            </a:r>
-            <a:r>
-              <a:rPr lang="en-GB" dirty="0" err="1" smtClean="0">
-                <a:latin typeface="Monaco"/>
-                <a:cs typeface="Monaco"/>
-              </a:rPr>
-              <a:t>innerWall</a:t>
-            </a:r>
-            <a:r>
-              <a:rPr lang="en-GB" dirty="0" smtClean="0">
-                <a:latin typeface="Monaco"/>
-                <a:cs typeface="Monaco"/>
-              </a:rPr>
-              <a:t>(res = 200, A = 10</a:t>
-            </a:r>
-            <a:r>
-              <a:rPr lang="en-GB" dirty="0" smtClean="0">
-                <a:latin typeface="Monaco"/>
-                <a:cs typeface="Monaco"/>
-              </a:rPr>
-              <a:t>);</a:t>
-            </a:r>
-            <a:endParaRPr lang="en-GB" dirty="0" smtClean="0">
-              <a:latin typeface="Monaco"/>
-              <a:cs typeface="Monaco"/>
-            </a:endParaRPr>
-          </a:p>
-          <a:p>
-            <a:r>
-              <a:rPr lang="en-GB" i="1" dirty="0" smtClean="0">
-                <a:latin typeface="Arial"/>
-                <a:cs typeface="Arial"/>
-              </a:rPr>
-              <a:t>public</a:t>
-            </a:r>
-            <a:r>
-              <a:rPr lang="en-GB" dirty="0" smtClean="0">
-                <a:latin typeface="Arial"/>
-                <a:cs typeface="Arial"/>
-              </a:rPr>
-              <a:t> variables and parameters can be accessed with dot notation, e.g.:</a:t>
-            </a:r>
-          </a:p>
-          <a:p>
-            <a:pPr lvl="1"/>
-            <a:r>
-              <a:rPr lang="en-GB" dirty="0" err="1" smtClean="0">
-                <a:latin typeface="Monaco"/>
-                <a:cs typeface="Monaco"/>
-              </a:rPr>
-              <a:t>heatPort.Qflow</a:t>
-            </a:r>
-            <a:endParaRPr lang="en-GB" dirty="0" smtClean="0">
-              <a:latin typeface="Monaco"/>
-              <a:cs typeface="Monaco"/>
-            </a:endParaRPr>
-          </a:p>
-          <a:p>
-            <a:pPr lvl="1"/>
-            <a:r>
-              <a:rPr lang="en-GB" dirty="0" err="1" smtClean="0">
-                <a:latin typeface="Monaco"/>
-                <a:cs typeface="Monaco"/>
-              </a:rPr>
-              <a:t>wall.res</a:t>
-            </a:r>
-            <a:endParaRPr lang="en-GB" dirty="0" smtClean="0">
-              <a:latin typeface="Monaco"/>
-              <a:cs typeface="Monaco"/>
-            </a:endParaRPr>
-          </a:p>
-          <a:p>
-            <a:r>
-              <a:rPr lang="en-GB" i="1" dirty="0" smtClean="0">
-                <a:latin typeface="Arial"/>
-                <a:cs typeface="Arial"/>
-              </a:rPr>
-              <a:t>Protected </a:t>
-            </a:r>
-            <a:r>
-              <a:rPr lang="en-GB" dirty="0" smtClean="0">
-                <a:latin typeface="Arial"/>
-                <a:cs typeface="Arial"/>
-              </a:rPr>
-              <a:t>variables/</a:t>
-            </a:r>
-            <a:r>
-              <a:rPr lang="en-GB" dirty="0" err="1" smtClean="0">
-                <a:latin typeface="Arial"/>
-                <a:cs typeface="Arial"/>
-              </a:rPr>
-              <a:t>params</a:t>
-            </a:r>
-            <a:r>
-              <a:rPr lang="en-GB" dirty="0" smtClean="0">
-                <a:latin typeface="Arial"/>
-                <a:cs typeface="Arial"/>
-              </a:rPr>
-              <a:t> cannot be accessed</a:t>
-            </a:r>
-          </a:p>
-          <a:p>
-            <a:pPr lvl="1"/>
-            <a:r>
-              <a:rPr lang="en-GB" dirty="0" smtClean="0">
-                <a:latin typeface="Arial"/>
-                <a:cs typeface="Arial"/>
-              </a:rPr>
-              <a:t>Don’t show up in simulation results</a:t>
-            </a:r>
-            <a:endParaRPr lang="en-GB" dirty="0">
-              <a:latin typeface="Arial"/>
-              <a:cs typeface="Arial"/>
-            </a:endParaRPr>
-          </a:p>
-        </p:txBody>
-      </p:sp>
-    </p:spTree>
-    <p:extLst>
-      <p:ext uri="{BB962C8B-B14F-4D97-AF65-F5344CB8AC3E}">
-        <p14:creationId xmlns:p14="http://schemas.microsoft.com/office/powerpoint/2010/main" val="1796310501"/>
-      </p:ext>
-    </p:extLst>
-  </p:cSld>
-  <p:clrMapOvr>
-    <a:masterClrMapping/>
-  </p:clrMapOvr>
-  <p:timing>
-    <p:tnLst>
-      <p:par>
-        <p:cTn id="1" dur="indefinite" restart="never" nodeType="tmRoot"/>
-      </p:par>
-    </p:tnLst>
-  </p:timing>
-</p:sld>
-</file>
-
-<file path=ppt/slides/slide19.xml><?xml version="1.0" encoding="utf-8"?>
-<p:sld xmlns:a="http://schemas.openxmlformats.org/drawingml/2006/main" xmlns:r="http://schemas.openxmlformats.org/officeDocument/2006/relationships" xmlns:p="http://schemas.openxmlformats.org/presentationml/2006/main">
-  <p:cSld>
-    <p:spTree>
-      <p:nvGrpSpPr>
-        <p:cNvPr id="1" name=""/>
-        <p:cNvGrpSpPr/>
-        <p:nvPr/>
-      </p:nvGrpSpPr>
-      <p:grpSpPr>
-        <a:xfrm>
-          <a:off x="0" y="0"/>
-          <a:ext cx="0" cy="0"/>
-          <a:chOff x="0" y="0"/>
-          <a:chExt cx="0" cy="0"/>
-        </a:xfrm>
-      </p:grpSpPr>
-      <p:sp>
-        <p:nvSpPr>
-          <p:cNvPr id="2" name="Title 1"/>
-          <p:cNvSpPr>
-            <a:spLocks noGrp="1"/>
-          </p:cNvSpPr>
-          <p:nvPr>
-            <p:ph type="title"/>
-          </p:nvPr>
-        </p:nvSpPr>
-        <p:spPr/>
-        <p:txBody>
-          <a:bodyPr/>
-          <a:lstStyle/>
-          <a:p>
-            <a:r>
-              <a:rPr lang="nl-NL" dirty="0" err="1" smtClean="0"/>
-              <a:t>Inheritance</a:t>
-            </a:r>
-            <a:endParaRPr lang="nl-BE" dirty="0"/>
-          </a:p>
-        </p:txBody>
-      </p:sp>
-      <p:sp>
-        <p:nvSpPr>
-          <p:cNvPr id="3" name="Content Placeholder 2"/>
-          <p:cNvSpPr>
-            <a:spLocks noGrp="1"/>
-          </p:cNvSpPr>
-          <p:nvPr>
-            <p:ph idx="1"/>
-          </p:nvPr>
-        </p:nvSpPr>
-        <p:spPr/>
-        <p:txBody>
-          <a:bodyPr/>
-          <a:lstStyle/>
-          <a:p>
-            <a:r>
-              <a:rPr lang="nl-NL" dirty="0" smtClean="0"/>
-              <a:t>Model </a:t>
-            </a:r>
-            <a:r>
-              <a:rPr lang="nl-NL" i="1" dirty="0" err="1" smtClean="0"/>
-              <a:t>inherits</a:t>
-            </a:r>
-            <a:r>
-              <a:rPr lang="nl-NL" i="1" dirty="0" smtClean="0"/>
-              <a:t> </a:t>
-            </a:r>
-            <a:r>
-              <a:rPr lang="nl-NL" dirty="0" err="1" smtClean="0"/>
-              <a:t>from</a:t>
-            </a:r>
-            <a:r>
-              <a:rPr lang="nl-NL" dirty="0" smtClean="0"/>
-              <a:t> </a:t>
-            </a:r>
-            <a:r>
-              <a:rPr lang="nl-NL" dirty="0" err="1" smtClean="0"/>
-              <a:t>other</a:t>
-            </a:r>
-            <a:r>
-              <a:rPr lang="nl-NL" dirty="0" smtClean="0"/>
-              <a:t> model</a:t>
-            </a:r>
-          </a:p>
-          <a:p>
-            <a:pPr lvl="1"/>
-            <a:r>
-              <a:rPr lang="nl-NL" i="1" dirty="0" smtClean="0"/>
-              <a:t>Variables, parameters, </a:t>
-            </a:r>
-            <a:r>
-              <a:rPr lang="nl-NL" i="1" dirty="0" err="1" smtClean="0"/>
-              <a:t>equations</a:t>
-            </a:r>
-            <a:endParaRPr lang="nl-NL" i="1" dirty="0" smtClean="0"/>
-          </a:p>
-          <a:p>
-            <a:r>
-              <a:rPr lang="nl-NL" dirty="0" err="1" smtClean="0">
-                <a:latin typeface="Monaco" panose="020B0509030404040204" pitchFamily="49" charset="0"/>
-              </a:rPr>
-              <a:t>partial</a:t>
-            </a:r>
-            <a:r>
-              <a:rPr lang="nl-NL" dirty="0" smtClean="0">
-                <a:latin typeface="Monaco" panose="020B0509030404040204" pitchFamily="49" charset="0"/>
-              </a:rPr>
-              <a:t> model</a:t>
-            </a:r>
-          </a:p>
-          <a:p>
-            <a:r>
-              <a:rPr lang="nl-NL" dirty="0" smtClean="0">
-                <a:latin typeface="+mj-lt"/>
-              </a:rPr>
-              <a:t>Code </a:t>
-            </a:r>
-            <a:r>
-              <a:rPr lang="nl-NL" dirty="0" err="1" smtClean="0">
-                <a:latin typeface="+mj-lt"/>
-              </a:rPr>
-              <a:t>can</a:t>
-            </a:r>
-            <a:r>
-              <a:rPr lang="nl-NL" dirty="0" smtClean="0">
-                <a:latin typeface="+mj-lt"/>
-              </a:rPr>
-              <a:t> </a:t>
-            </a:r>
-            <a:r>
-              <a:rPr lang="nl-NL" dirty="0" err="1" smtClean="0">
-                <a:latin typeface="+mj-lt"/>
-              </a:rPr>
-              <a:t>be</a:t>
-            </a:r>
-            <a:r>
-              <a:rPr lang="nl-NL" dirty="0" smtClean="0">
-                <a:latin typeface="+mj-lt"/>
-              </a:rPr>
-              <a:t> </a:t>
-            </a:r>
-            <a:r>
-              <a:rPr lang="nl-NL" dirty="0" err="1" smtClean="0">
-                <a:latin typeface="+mj-lt"/>
-              </a:rPr>
-              <a:t>managed</a:t>
-            </a:r>
-            <a:r>
-              <a:rPr lang="nl-NL" dirty="0" smtClean="0">
-                <a:latin typeface="+mj-lt"/>
-              </a:rPr>
-              <a:t> more </a:t>
-            </a:r>
-            <a:r>
-              <a:rPr lang="nl-NL" dirty="0" err="1" smtClean="0">
-                <a:latin typeface="+mj-lt"/>
-              </a:rPr>
-              <a:t>easily</a:t>
-            </a:r>
-            <a:endParaRPr lang="nl-NL" dirty="0" smtClean="0">
-              <a:latin typeface="+mj-lt"/>
-            </a:endParaRPr>
-          </a:p>
-          <a:p>
-            <a:r>
-              <a:rPr lang="nl-NL" dirty="0" err="1" smtClean="0">
-                <a:latin typeface="+mj-lt"/>
-              </a:rPr>
-              <a:t>Example</a:t>
-            </a:r>
-            <a:endParaRPr lang="nl-NL" dirty="0" smtClean="0">
-              <a:latin typeface="+mj-lt"/>
-            </a:endParaRPr>
-          </a:p>
-          <a:p>
-            <a:pPr lvl="1"/>
-            <a:endParaRPr lang="nl-BE" dirty="0"/>
-          </a:p>
-        </p:txBody>
-      </p:sp>
-    </p:spTree>
-    <p:extLst>
-      <p:ext uri="{BB962C8B-B14F-4D97-AF65-F5344CB8AC3E}">
-        <p14:creationId xmlns:p14="http://schemas.microsoft.com/office/powerpoint/2010/main" val="1964542570"/>
-      </p:ext>
-    </p:extLst>
-  </p:cSld>
-  <p:clrMapOvr>
-    <a:masterClrMapping/>
-  </p:clrMapOvr>
-  <p:timing>
-    <p:tnLst>
-      <p:par>
-        <p:cTn id="1" dur="indefinite" restart="never" nodeType="tmRoot"/>
-      </p:par>
-    </p:tnLst>
-  </p:timing>
-</p:sld>
-</file>
-
-<file path=ppt/slides/slide2.xml><?xml version="1.0" encoding="utf-8"?>
-<p:sld xmlns:a="http://schemas.openxmlformats.org/drawingml/2006/main" xmlns:r="http://schemas.openxmlformats.org/officeDocument/2006/relationships" xmlns:p="http://schemas.openxmlformats.org/presentationml/2006/main">
-  <p:cSld>
-    <p:spTree>
-      <p:nvGrpSpPr>
-        <p:cNvPr id="1" name=""/>
-        <p:cNvGrpSpPr/>
-        <p:nvPr/>
-      </p:nvGrpSpPr>
-      <p:grpSpPr>
-        <a:xfrm>
-          <a:off x="0" y="0"/>
-          <a:ext cx="0" cy="0"/>
-          <a:chOff x="0" y="0"/>
-          <a:chExt cx="0" cy="0"/>
-        </a:xfrm>
-      </p:grpSpPr>
-      <p:sp>
-        <p:nvSpPr>
-          <p:cNvPr id="2" name="Title 1"/>
-          <p:cNvSpPr>
-            <a:spLocks noGrp="1"/>
-          </p:cNvSpPr>
-          <p:nvPr>
-            <p:ph type="title"/>
-          </p:nvPr>
-        </p:nvSpPr>
-        <p:spPr/>
-        <p:txBody>
-          <a:bodyPr/>
-          <a:lstStyle/>
-          <a:p>
-            <a:r>
-              <a:rPr lang="nl-NL" smtClean="0"/>
-              <a:t>Modelica crash course</a:t>
-            </a:r>
-            <a:endParaRPr lang="nl-BE" dirty="0"/>
-          </a:p>
-        </p:txBody>
-      </p:sp>
-      <p:sp>
-        <p:nvSpPr>
-          <p:cNvPr id="3" name="Content Placeholder 2"/>
-          <p:cNvSpPr>
-            <a:spLocks noGrp="1"/>
-          </p:cNvSpPr>
-          <p:nvPr>
-            <p:ph idx="1"/>
-          </p:nvPr>
-        </p:nvSpPr>
-        <p:spPr/>
-        <p:txBody>
-          <a:bodyPr/>
-          <a:lstStyle/>
-          <a:p>
-            <a:r>
-              <a:rPr lang="en-US" dirty="0" smtClean="0"/>
-              <a:t>What is </a:t>
-            </a:r>
-            <a:r>
-              <a:rPr lang="en-US" dirty="0" err="1" smtClean="0"/>
-              <a:t>Modelica</a:t>
-            </a:r>
-            <a:r>
-              <a:rPr lang="en-US" dirty="0" smtClean="0"/>
-              <a:t> ? </a:t>
-            </a:r>
-          </a:p>
-          <a:p>
-            <a:r>
-              <a:rPr lang="en-US" dirty="0" smtClean="0"/>
-              <a:t>Syntax, </a:t>
-            </a:r>
-            <a:r>
-              <a:rPr lang="en-US" dirty="0" smtClean="0"/>
-              <a:t>language concepts and model structuring</a:t>
-            </a:r>
-          </a:p>
-          <a:p>
-            <a:r>
-              <a:rPr lang="en-US" dirty="0" err="1" smtClean="0"/>
-              <a:t>Modelica</a:t>
-            </a:r>
-            <a:r>
-              <a:rPr lang="en-US" dirty="0" smtClean="0"/>
-              <a:t> tools</a:t>
-            </a:r>
-          </a:p>
-          <a:p>
-            <a:r>
-              <a:rPr lang="en-US" dirty="0" smtClean="0"/>
-              <a:t>Use of IDEAS library</a:t>
-            </a:r>
-          </a:p>
-          <a:p>
-            <a:r>
-              <a:rPr lang="en-US" dirty="0" smtClean="0"/>
-              <a:t>Getting started (tutorials, reference docs, libraries, software implementations, ...)</a:t>
-            </a:r>
-          </a:p>
-          <a:p>
-            <a:endParaRPr lang="en-US" dirty="0" smtClean="0"/>
-          </a:p>
-          <a:p>
-            <a:r>
-              <a:rPr lang="en-US" dirty="0" smtClean="0">
-                <a:sym typeface="Wingdings" panose="05000000000000000000" pitchFamily="2" charset="2"/>
-              </a:rPr>
-              <a:t></a:t>
-            </a:r>
-            <a:r>
-              <a:rPr lang="en-US" dirty="0" smtClean="0"/>
-              <a:t> To get you started with </a:t>
-            </a:r>
-            <a:r>
-              <a:rPr lang="en-US" dirty="0" err="1" smtClean="0"/>
-              <a:t>Modelica</a:t>
-            </a:r>
-            <a:r>
-              <a:rPr lang="en-US" dirty="0" smtClean="0"/>
-              <a:t>! </a:t>
-            </a:r>
-          </a:p>
-          <a:p>
-            <a:endParaRPr lang="nl-BE" dirty="0"/>
-          </a:p>
-        </p:txBody>
-      </p:sp>
-    </p:spTree>
-    <p:extLst>
-      <p:ext uri="{BB962C8B-B14F-4D97-AF65-F5344CB8AC3E}">
-        <p14:creationId xmlns:p14="http://schemas.microsoft.com/office/powerpoint/2010/main" val="164379939"/>
-      </p:ext>
-    </p:extLst>
-  </p:cSld>
-  <p:clrMapOvr>
-    <a:masterClrMapping/>
-  </p:clrMapOvr>
-  <p:timing>
-    <p:tnLst>
-      <p:par>
-        <p:cTn id="1" dur="indefinite" restart="never" nodeType="tmRoot"/>
-      </p:par>
-    </p:tnLst>
-  </p:timing>
-</p:sld>
-</file>
-
-<file path=ppt/slides/slide20.xml><?xml version="1.0" encoding="utf-8"?>
-<p:sld xmlns:a="http://schemas.openxmlformats.org/drawingml/2006/main" xmlns:r="http://schemas.openxmlformats.org/officeDocument/2006/relationships" xmlns:p="http://schemas.openxmlformats.org/presentationml/2006/main">
-  <p:cSld>
-    <p:spTree>
-      <p:nvGrpSpPr>
-        <p:cNvPr id="1" name=""/>
-        <p:cNvGrpSpPr/>
-        <p:nvPr/>
-      </p:nvGrpSpPr>
-      <p:grpSpPr>
-        <a:xfrm>
-          <a:off x="0" y="0"/>
-          <a:ext cx="0" cy="0"/>
-          <a:chOff x="0" y="0"/>
-          <a:chExt cx="0" cy="0"/>
-        </a:xfrm>
-      </p:grpSpPr>
-      <p:sp>
-        <p:nvSpPr>
-          <p:cNvPr id="2" name="Title 1"/>
-          <p:cNvSpPr>
-            <a:spLocks noGrp="1"/>
-          </p:cNvSpPr>
-          <p:nvPr>
-            <p:ph type="title"/>
-          </p:nvPr>
-        </p:nvSpPr>
-        <p:spPr/>
-        <p:txBody>
-          <a:bodyPr/>
-          <a:lstStyle/>
-          <a:p>
-            <a:endParaRPr lang="nl-BE"/>
-          </a:p>
-        </p:txBody>
-      </p:sp>
-      <p:sp>
-        <p:nvSpPr>
-          <p:cNvPr id="3" name="Content Placeholder 2"/>
-          <p:cNvSpPr>
-            <a:spLocks noGrp="1"/>
-          </p:cNvSpPr>
-          <p:nvPr>
-            <p:ph idx="1"/>
-          </p:nvPr>
-        </p:nvSpPr>
-        <p:spPr/>
-        <p:txBody>
-          <a:bodyPr/>
-          <a:lstStyle/>
-          <a:p>
-            <a:endParaRPr lang="nl-BE"/>
-          </a:p>
-        </p:txBody>
-      </p:sp>
-      <p:pic>
-        <p:nvPicPr>
-          <p:cNvPr id="1026" name="Picture 2"/>
-          <p:cNvPicPr>
-            <a:picLocks noChangeAspect="1" noChangeArrowheads="1"/>
-          </p:cNvPicPr>
-          <p:nvPr/>
-        </p:nvPicPr>
-        <p:blipFill>
-          <a:blip r:embed="rId2">
-            <a:extLst>
-              <a:ext uri="{28A0092B-C50C-407E-A947-70E740481C1C}">
-                <a14:useLocalDpi xmlns:a14="http://schemas.microsoft.com/office/drawing/2010/main" val="0"/>
-              </a:ext>
-            </a:extLst>
-          </a:blip>
-          <a:srcRect/>
-          <a:stretch>
-            <a:fillRect/>
-          </a:stretch>
-        </p:blipFill>
-        <p:spPr bwMode="auto">
-          <a:xfrm>
-            <a:off x="183456" y="-6424"/>
-            <a:ext cx="9793088" cy="7377381"/>
-          </a:xfrm>
-          <a:prstGeom prst="rect">
-            <a:avLst/>
-          </a:prstGeom>
-          <a:noFill/>
-          <a:ln>
-            <a:noFill/>
-          </a:ln>
-          <a:extLst>
-            <a:ext uri="{909E8E84-426E-40DD-AFC4-6F175D3DCCD1}">
-              <a14:hiddenFill xmlns:a14="http://schemas.microsoft.com/office/drawing/2010/main">
-                <a:solidFill>
-                  <a:schemeClr val="accent1"/>
-                </a:solidFill>
-              </a14:hiddenFill>
-            </a:ext>
-            <a:ext uri="{91240B29-F687-4F45-9708-019B960494DF}">
-              <a14:hiddenLine xmlns:a14="http://schemas.microsoft.com/office/drawing/2010/main" w="9525">
-                <a:solidFill>
-                  <a:schemeClr val="tx1"/>
-                </a:solidFill>
-                <a:miter lim="800000"/>
-                <a:headEnd/>
-                <a:tailEnd/>
-              </a14:hiddenLine>
-            </a:ext>
-          </a:extLst>
-        </p:spPr>
-      </p:pic>
-      <p:sp>
-        <p:nvSpPr>
-          <p:cNvPr id="5" name="TextBox 2"/>
-          <p:cNvSpPr txBox="1">
-            <a:spLocks noChangeArrowheads="1"/>
-          </p:cNvSpPr>
-          <p:nvPr/>
-        </p:nvSpPr>
-        <p:spPr bwMode="auto">
-          <a:xfrm>
-            <a:off x="471488" y="7370763"/>
-            <a:ext cx="9145587" cy="400050"/>
-          </a:xfrm>
-          <a:prstGeom prst="rect">
-            <a:avLst/>
-          </a:prstGeom>
-          <a:noFill/>
-          <a:ln>
-            <a:noFill/>
-          </a:ln>
-          <a:extLst>
-            <a:ext uri="{909E8E84-426E-40DD-AFC4-6F175D3DCCD1}">
-              <a14:hiddenFill xmlns:a14="http://schemas.microsoft.com/office/drawing/2010/main">
-                <a:solidFill>
-                  <a:srgbClr val="FFFFFF"/>
-                </a:solidFill>
-              </a14:hiddenFill>
-            </a:ext>
-            <a:ext uri="{91240B29-F687-4F45-9708-019B960494DF}">
-              <a14:hiddenLine xmlns:a14="http://schemas.microsoft.com/office/drawing/2010/main" w="9525">
-                <a:solidFill>
-                  <a:srgbClr val="000000"/>
-                </a:solidFill>
-                <a:miter lim="800000"/>
-                <a:headEnd/>
-                <a:tailEnd/>
-              </a14:hiddenLine>
-            </a:ext>
-          </a:extLst>
-        </p:spPr>
-        <p:txBody>
-          <a:bodyPr>
-            <a:spAutoFit/>
-          </a:bodyPr>
-          <a:lstStyle>
-            <a:lvl1pPr eaLnBrk="0" hangingPunct="0">
-              <a:spcBef>
-                <a:spcPct val="20000"/>
-              </a:spcBef>
-              <a:buChar char="•"/>
-              <a:defRPr sz="3200">
-                <a:solidFill>
-                  <a:schemeClr val="tx1"/>
-                </a:solidFill>
-                <a:latin typeface="Times New Roman" pitchFamily="18" charset="0"/>
-              </a:defRPr>
-            </a:lvl1pPr>
-            <a:lvl2pPr marL="742950" indent="-285750" eaLnBrk="0" hangingPunct="0">
-              <a:spcBef>
-                <a:spcPct val="20000"/>
-              </a:spcBef>
-              <a:buChar char="–"/>
-              <a:defRPr sz="2800">
-                <a:solidFill>
-                  <a:schemeClr val="tx1"/>
-                </a:solidFill>
-                <a:latin typeface="Times New Roman" pitchFamily="18" charset="0"/>
-              </a:defRPr>
-            </a:lvl2pPr>
-            <a:lvl3pPr marL="1143000" indent="-228600" eaLnBrk="0" hangingPunct="0">
-              <a:spcBef>
-                <a:spcPct val="20000"/>
-              </a:spcBef>
-              <a:buChar char="•"/>
-              <a:defRPr sz="2400">
-                <a:solidFill>
-                  <a:schemeClr val="tx1"/>
-                </a:solidFill>
-                <a:latin typeface="Times New Roman" pitchFamily="18" charset="0"/>
-              </a:defRPr>
-            </a:lvl3pPr>
-            <a:lvl4pPr marL="1600200" indent="-228600" eaLnBrk="0" hangingPunct="0">
-              <a:spcBef>
-                <a:spcPct val="20000"/>
-              </a:spcBef>
-              <a:buChar char="–"/>
-              <a:defRPr sz="2000">
-                <a:solidFill>
-                  <a:schemeClr val="tx1"/>
-                </a:solidFill>
-                <a:latin typeface="Times New Roman" pitchFamily="18" charset="0"/>
-              </a:defRPr>
-            </a:lvl4pPr>
-            <a:lvl5pPr marL="2057400" indent="-228600" eaLnBrk="0" hangingPunct="0">
-              <a:spcBef>
-                <a:spcPct val="20000"/>
-              </a:spcBef>
-              <a:buChar char="»"/>
-              <a:defRPr sz="2000">
-                <a:solidFill>
-                  <a:schemeClr val="tx1"/>
-                </a:solidFill>
-                <a:latin typeface="Times New Roman" pitchFamily="18" charset="0"/>
-              </a:defRPr>
-            </a:lvl5pPr>
-            <a:lvl6pPr marL="2514600" indent="-228600" eaLnBrk="0" fontAlgn="base" hangingPunct="0">
-              <a:spcBef>
-                <a:spcPct val="20000"/>
-              </a:spcBef>
-              <a:spcAft>
-                <a:spcPct val="0"/>
-              </a:spcAft>
-              <a:buChar char="»"/>
-              <a:defRPr sz="2000">
-                <a:solidFill>
-                  <a:schemeClr val="tx1"/>
-                </a:solidFill>
-                <a:latin typeface="Times New Roman" pitchFamily="18" charset="0"/>
-              </a:defRPr>
-            </a:lvl6pPr>
-            <a:lvl7pPr marL="2971800" indent="-228600" eaLnBrk="0" fontAlgn="base" hangingPunct="0">
-              <a:spcBef>
-                <a:spcPct val="20000"/>
-              </a:spcBef>
-              <a:spcAft>
-                <a:spcPct val="0"/>
-              </a:spcAft>
-              <a:buChar char="»"/>
-              <a:defRPr sz="2000">
-                <a:solidFill>
-                  <a:schemeClr val="tx1"/>
-                </a:solidFill>
-                <a:latin typeface="Times New Roman" pitchFamily="18" charset="0"/>
-              </a:defRPr>
-            </a:lvl7pPr>
-            <a:lvl8pPr marL="3429000" indent="-228600" eaLnBrk="0" fontAlgn="base" hangingPunct="0">
-              <a:spcBef>
-                <a:spcPct val="20000"/>
-              </a:spcBef>
-              <a:spcAft>
-                <a:spcPct val="0"/>
-              </a:spcAft>
-              <a:buChar char="»"/>
-              <a:defRPr sz="2000">
-                <a:solidFill>
-                  <a:schemeClr val="tx1"/>
-                </a:solidFill>
-                <a:latin typeface="Times New Roman" pitchFamily="18" charset="0"/>
-              </a:defRPr>
-            </a:lvl8pPr>
-            <a:lvl9pPr marL="3886200" indent="-228600" eaLnBrk="0" fontAlgn="base" hangingPunct="0">
-              <a:spcBef>
-                <a:spcPct val="20000"/>
-              </a:spcBef>
-              <a:spcAft>
-                <a:spcPct val="0"/>
-              </a:spcAft>
-              <a:buChar char="»"/>
-              <a:defRPr sz="2000">
-                <a:solidFill>
-                  <a:schemeClr val="tx1"/>
-                </a:solidFill>
-                <a:latin typeface="Times New Roman" pitchFamily="18" charset="0"/>
-              </a:defRPr>
-            </a:lvl9pPr>
-          </a:lstStyle>
-          <a:p>
-            <a:pPr eaLnBrk="1" hangingPunct="1">
-              <a:spcBef>
-                <a:spcPct val="0"/>
-              </a:spcBef>
-              <a:buFontTx/>
-              <a:buNone/>
-            </a:pPr>
-            <a:r>
-              <a:rPr lang="en-GB" altLang="nl-BE" sz="1000" dirty="0">
-                <a:latin typeface="Arial" charset="0"/>
-                <a:cs typeface="Arial" charset="0"/>
-              </a:rPr>
-              <a:t>Slide from </a:t>
-            </a:r>
-            <a:r>
-              <a:rPr lang="pt-BR" altLang="nl-BE" sz="1000" dirty="0">
-                <a:latin typeface="Arial" charset="0"/>
-                <a:cs typeface="Arial" charset="0"/>
-              </a:rPr>
-              <a:t>Peter Fritzson, </a:t>
-            </a:r>
-            <a:r>
-              <a:rPr lang="en-GB" altLang="nl-BE" sz="1000" dirty="0">
-                <a:latin typeface="Arial" charset="0"/>
-                <a:cs typeface="Arial" charset="0"/>
-              </a:rPr>
-              <a:t>Introduction to Object-Oriented </a:t>
-            </a:r>
-            <a:r>
-              <a:rPr lang="en-GB" altLang="nl-BE" sz="1000" dirty="0" err="1">
-                <a:latin typeface="Arial" charset="0"/>
-                <a:cs typeface="Arial" charset="0"/>
-              </a:rPr>
-              <a:t>Modeling</a:t>
-            </a:r>
-            <a:r>
-              <a:rPr lang="en-GB" altLang="nl-BE" sz="1000" dirty="0">
-                <a:latin typeface="Arial" charset="0"/>
-                <a:cs typeface="Arial" charset="0"/>
-              </a:rPr>
-              <a:t>, Simulation and Control with </a:t>
-            </a:r>
-            <a:r>
-              <a:rPr lang="en-GB" altLang="nl-BE" sz="1000" dirty="0" err="1">
-                <a:latin typeface="Arial" charset="0"/>
-                <a:cs typeface="Arial" charset="0"/>
-              </a:rPr>
-              <a:t>Modelica</a:t>
-            </a:r>
-            <a:r>
-              <a:rPr lang="en-GB" altLang="nl-BE" sz="1000" dirty="0">
-                <a:latin typeface="Arial" charset="0"/>
-                <a:cs typeface="Arial" charset="0"/>
-              </a:rPr>
-              <a:t>, </a:t>
-            </a:r>
-            <a:r>
-              <a:rPr lang="pt-BR" altLang="nl-BE" sz="1000" dirty="0">
-                <a:latin typeface="Arial" charset="0"/>
-                <a:cs typeface="Arial" charset="0"/>
-              </a:rPr>
-              <a:t>Tutorial for Modelica Conference 2011,  Dresden</a:t>
-            </a:r>
-          </a:p>
-          <a:p>
-            <a:pPr eaLnBrk="1" hangingPunct="1">
-              <a:spcBef>
-                <a:spcPct val="0"/>
-              </a:spcBef>
-              <a:buFontTx/>
-              <a:buNone/>
-            </a:pPr>
-            <a:endParaRPr lang="en-GB" altLang="nl-BE" sz="1000" dirty="0"/>
-          </a:p>
-        </p:txBody>
-      </p:sp>
-    </p:spTree>
-    <p:extLst>
-      <p:ext uri="{BB962C8B-B14F-4D97-AF65-F5344CB8AC3E}">
-        <p14:creationId xmlns:p14="http://schemas.microsoft.com/office/powerpoint/2010/main" val="1462559855"/>
-      </p:ext>
-    </p:extLst>
-  </p:cSld>
-  <p:clrMapOvr>
-    <a:masterClrMapping/>
-  </p:clrMapOvr>
-  <p:timing>
-    <p:tnLst>
-      <p:par>
-        <p:cTn id="1" dur="indefinite" restart="never" nodeType="tmRoot"/>
-      </p:par>
-    </p:tnLst>
-  </p:timing>
-</p:sld>
-</file>
-
-<file path=ppt/slides/slide21.xml><?xml version="1.0" encoding="utf-8"?>
-<p:sld xmlns:a="http://schemas.openxmlformats.org/drawingml/2006/main" xmlns:r="http://schemas.openxmlformats.org/officeDocument/2006/relationships" xmlns:p="http://schemas.openxmlformats.org/presentationml/2006/main">
-  <p:cSld>
-    <p:spTree>
-      <p:nvGrpSpPr>
-        <p:cNvPr id="1" name=""/>
-        <p:cNvGrpSpPr/>
-        <p:nvPr/>
-      </p:nvGrpSpPr>
-      <p:grpSpPr>
-        <a:xfrm>
-          <a:off x="0" y="0"/>
-          <a:ext cx="0" cy="0"/>
-          <a:chOff x="0" y="0"/>
-          <a:chExt cx="0" cy="0"/>
-        </a:xfrm>
-      </p:grpSpPr>
-      <p:sp>
-        <p:nvSpPr>
-          <p:cNvPr id="2" name="Title 1"/>
-          <p:cNvSpPr>
-            <a:spLocks noGrp="1"/>
-          </p:cNvSpPr>
-          <p:nvPr>
-            <p:ph type="title"/>
-          </p:nvPr>
-        </p:nvSpPr>
-        <p:spPr/>
-        <p:txBody>
-          <a:bodyPr/>
-          <a:lstStyle/>
-          <a:p>
-            <a:endParaRPr lang="nl-BE"/>
-          </a:p>
-        </p:txBody>
-      </p:sp>
-      <p:sp>
-        <p:nvSpPr>
-          <p:cNvPr id="3" name="Content Placeholder 2"/>
-          <p:cNvSpPr>
-            <a:spLocks noGrp="1"/>
-          </p:cNvSpPr>
-          <p:nvPr>
-            <p:ph idx="1"/>
-          </p:nvPr>
-        </p:nvSpPr>
-        <p:spPr/>
-        <p:txBody>
-          <a:bodyPr/>
-          <a:lstStyle/>
-          <a:p>
-            <a:endParaRPr lang="nl-BE"/>
-          </a:p>
-        </p:txBody>
-      </p:sp>
-      <p:pic>
-        <p:nvPicPr>
-          <p:cNvPr id="2050" name="Picture 2"/>
-          <p:cNvPicPr>
-            <a:picLocks noChangeAspect="1" noChangeArrowheads="1"/>
-          </p:cNvPicPr>
-          <p:nvPr/>
-        </p:nvPicPr>
-        <p:blipFill>
-          <a:blip r:embed="rId2">
-            <a:extLst>
-              <a:ext uri="{28A0092B-C50C-407E-A947-70E740481C1C}">
-                <a14:useLocalDpi xmlns:a14="http://schemas.microsoft.com/office/drawing/2010/main" val="0"/>
-              </a:ext>
-            </a:extLst>
-          </a:blip>
-          <a:srcRect/>
-          <a:stretch>
-            <a:fillRect/>
-          </a:stretch>
-        </p:blipFill>
-        <p:spPr bwMode="auto">
-          <a:xfrm>
-            <a:off x="183456" y="-6424"/>
-            <a:ext cx="9865096" cy="7398822"/>
-          </a:xfrm>
-          <a:prstGeom prst="rect">
-            <a:avLst/>
-          </a:prstGeom>
-          <a:noFill/>
-          <a:ln>
-            <a:noFill/>
-          </a:ln>
-          <a:extLst>
-            <a:ext uri="{909E8E84-426E-40DD-AFC4-6F175D3DCCD1}">
-              <a14:hiddenFill xmlns:a14="http://schemas.microsoft.com/office/drawing/2010/main">
-                <a:solidFill>
-                  <a:schemeClr val="accent1"/>
-                </a:solidFill>
-              </a14:hiddenFill>
-            </a:ext>
-            <a:ext uri="{91240B29-F687-4F45-9708-019B960494DF}">
-              <a14:hiddenLine xmlns:a14="http://schemas.microsoft.com/office/drawing/2010/main" w="9525">
-                <a:solidFill>
-                  <a:schemeClr val="tx1"/>
-                </a:solidFill>
-                <a:miter lim="800000"/>
-                <a:headEnd/>
-                <a:tailEnd/>
-              </a14:hiddenLine>
-            </a:ext>
-          </a:extLst>
-        </p:spPr>
-      </p:pic>
-      <p:sp>
-        <p:nvSpPr>
-          <p:cNvPr id="5" name="TextBox 2"/>
-          <p:cNvSpPr txBox="1">
-            <a:spLocks noChangeArrowheads="1"/>
-          </p:cNvSpPr>
-          <p:nvPr/>
-        </p:nvSpPr>
-        <p:spPr bwMode="auto">
-          <a:xfrm>
-            <a:off x="471488" y="7370763"/>
-            <a:ext cx="9145587" cy="400050"/>
-          </a:xfrm>
-          <a:prstGeom prst="rect">
-            <a:avLst/>
-          </a:prstGeom>
-          <a:noFill/>
-          <a:ln>
-            <a:noFill/>
-          </a:ln>
-          <a:extLst>
-            <a:ext uri="{909E8E84-426E-40DD-AFC4-6F175D3DCCD1}">
-              <a14:hiddenFill xmlns:a14="http://schemas.microsoft.com/office/drawing/2010/main">
-                <a:solidFill>
-                  <a:srgbClr val="FFFFFF"/>
-                </a:solidFill>
-              </a14:hiddenFill>
-            </a:ext>
-            <a:ext uri="{91240B29-F687-4F45-9708-019B960494DF}">
-              <a14:hiddenLine xmlns:a14="http://schemas.microsoft.com/office/drawing/2010/main" w="9525">
-                <a:solidFill>
-                  <a:srgbClr val="000000"/>
-                </a:solidFill>
-                <a:miter lim="800000"/>
-                <a:headEnd/>
-                <a:tailEnd/>
-              </a14:hiddenLine>
-            </a:ext>
-          </a:extLst>
-        </p:spPr>
-        <p:txBody>
-          <a:bodyPr>
-            <a:spAutoFit/>
-          </a:bodyPr>
-          <a:lstStyle>
-            <a:lvl1pPr eaLnBrk="0" hangingPunct="0">
-              <a:spcBef>
-                <a:spcPct val="20000"/>
-              </a:spcBef>
-              <a:buChar char="•"/>
-              <a:defRPr sz="3200">
-                <a:solidFill>
-                  <a:schemeClr val="tx1"/>
-                </a:solidFill>
-                <a:latin typeface="Times New Roman" pitchFamily="18" charset="0"/>
-              </a:defRPr>
-            </a:lvl1pPr>
-            <a:lvl2pPr marL="742950" indent="-285750" eaLnBrk="0" hangingPunct="0">
-              <a:spcBef>
-                <a:spcPct val="20000"/>
-              </a:spcBef>
-              <a:buChar char="–"/>
-              <a:defRPr sz="2800">
-                <a:solidFill>
-                  <a:schemeClr val="tx1"/>
-                </a:solidFill>
-                <a:latin typeface="Times New Roman" pitchFamily="18" charset="0"/>
-              </a:defRPr>
-            </a:lvl2pPr>
-            <a:lvl3pPr marL="1143000" indent="-228600" eaLnBrk="0" hangingPunct="0">
-              <a:spcBef>
-                <a:spcPct val="20000"/>
-              </a:spcBef>
-              <a:buChar char="•"/>
-              <a:defRPr sz="2400">
-                <a:solidFill>
-                  <a:schemeClr val="tx1"/>
-                </a:solidFill>
-                <a:latin typeface="Times New Roman" pitchFamily="18" charset="0"/>
-              </a:defRPr>
-            </a:lvl3pPr>
-            <a:lvl4pPr marL="1600200" indent="-228600" eaLnBrk="0" hangingPunct="0">
-              <a:spcBef>
-                <a:spcPct val="20000"/>
-              </a:spcBef>
-              <a:buChar char="–"/>
-              <a:defRPr sz="2000">
-                <a:solidFill>
-                  <a:schemeClr val="tx1"/>
-                </a:solidFill>
-                <a:latin typeface="Times New Roman" pitchFamily="18" charset="0"/>
-              </a:defRPr>
-            </a:lvl4pPr>
-            <a:lvl5pPr marL="2057400" indent="-228600" eaLnBrk="0" hangingPunct="0">
-              <a:spcBef>
-                <a:spcPct val="20000"/>
-              </a:spcBef>
-              <a:buChar char="»"/>
-              <a:defRPr sz="2000">
-                <a:solidFill>
-                  <a:schemeClr val="tx1"/>
-                </a:solidFill>
-                <a:latin typeface="Times New Roman" pitchFamily="18" charset="0"/>
-              </a:defRPr>
-            </a:lvl5pPr>
-            <a:lvl6pPr marL="2514600" indent="-228600" eaLnBrk="0" fontAlgn="base" hangingPunct="0">
-              <a:spcBef>
-                <a:spcPct val="20000"/>
-              </a:spcBef>
-              <a:spcAft>
-                <a:spcPct val="0"/>
-              </a:spcAft>
-              <a:buChar char="»"/>
-              <a:defRPr sz="2000">
-                <a:solidFill>
-                  <a:schemeClr val="tx1"/>
-                </a:solidFill>
-                <a:latin typeface="Times New Roman" pitchFamily="18" charset="0"/>
-              </a:defRPr>
-            </a:lvl6pPr>
-            <a:lvl7pPr marL="2971800" indent="-228600" eaLnBrk="0" fontAlgn="base" hangingPunct="0">
-              <a:spcBef>
-                <a:spcPct val="20000"/>
-              </a:spcBef>
-              <a:spcAft>
-                <a:spcPct val="0"/>
-              </a:spcAft>
-              <a:buChar char="»"/>
-              <a:defRPr sz="2000">
-                <a:solidFill>
-                  <a:schemeClr val="tx1"/>
-                </a:solidFill>
-                <a:latin typeface="Times New Roman" pitchFamily="18" charset="0"/>
-              </a:defRPr>
-            </a:lvl7pPr>
-            <a:lvl8pPr marL="3429000" indent="-228600" eaLnBrk="0" fontAlgn="base" hangingPunct="0">
-              <a:spcBef>
-                <a:spcPct val="20000"/>
-              </a:spcBef>
-              <a:spcAft>
-                <a:spcPct val="0"/>
-              </a:spcAft>
-              <a:buChar char="»"/>
-              <a:defRPr sz="2000">
-                <a:solidFill>
-                  <a:schemeClr val="tx1"/>
-                </a:solidFill>
-                <a:latin typeface="Times New Roman" pitchFamily="18" charset="0"/>
-              </a:defRPr>
-            </a:lvl8pPr>
-            <a:lvl9pPr marL="3886200" indent="-228600" eaLnBrk="0" fontAlgn="base" hangingPunct="0">
-              <a:spcBef>
-                <a:spcPct val="20000"/>
-              </a:spcBef>
-              <a:spcAft>
-                <a:spcPct val="0"/>
-              </a:spcAft>
-              <a:buChar char="»"/>
-              <a:defRPr sz="2000">
-                <a:solidFill>
-                  <a:schemeClr val="tx1"/>
-                </a:solidFill>
-                <a:latin typeface="Times New Roman" pitchFamily="18" charset="0"/>
-              </a:defRPr>
-            </a:lvl9pPr>
-          </a:lstStyle>
-          <a:p>
-            <a:pPr eaLnBrk="1" hangingPunct="1">
-              <a:spcBef>
-                <a:spcPct val="0"/>
-              </a:spcBef>
-              <a:buFontTx/>
-              <a:buNone/>
-            </a:pPr>
-            <a:r>
-              <a:rPr lang="en-GB" altLang="nl-BE" sz="1000" dirty="0">
-                <a:latin typeface="Arial" charset="0"/>
-                <a:cs typeface="Arial" charset="0"/>
-              </a:rPr>
-              <a:t>Slide from </a:t>
-            </a:r>
-            <a:r>
-              <a:rPr lang="pt-BR" altLang="nl-BE" sz="1000" dirty="0">
-                <a:latin typeface="Arial" charset="0"/>
-                <a:cs typeface="Arial" charset="0"/>
-              </a:rPr>
-              <a:t>Peter Fritzson, </a:t>
-            </a:r>
-            <a:r>
-              <a:rPr lang="en-GB" altLang="nl-BE" sz="1000" dirty="0">
-                <a:latin typeface="Arial" charset="0"/>
-                <a:cs typeface="Arial" charset="0"/>
-              </a:rPr>
-              <a:t>Introduction to Object-Oriented </a:t>
-            </a:r>
-            <a:r>
-              <a:rPr lang="en-GB" altLang="nl-BE" sz="1000" dirty="0" err="1">
-                <a:latin typeface="Arial" charset="0"/>
-                <a:cs typeface="Arial" charset="0"/>
-              </a:rPr>
-              <a:t>Modeling</a:t>
-            </a:r>
-            <a:r>
-              <a:rPr lang="en-GB" altLang="nl-BE" sz="1000" dirty="0">
-                <a:latin typeface="Arial" charset="0"/>
-                <a:cs typeface="Arial" charset="0"/>
-              </a:rPr>
-              <a:t>, Simulation and Control with </a:t>
-            </a:r>
-            <a:r>
-              <a:rPr lang="en-GB" altLang="nl-BE" sz="1000" dirty="0" err="1">
-                <a:latin typeface="Arial" charset="0"/>
-                <a:cs typeface="Arial" charset="0"/>
-              </a:rPr>
-              <a:t>Modelica</a:t>
-            </a:r>
-            <a:r>
-              <a:rPr lang="en-GB" altLang="nl-BE" sz="1000" dirty="0">
-                <a:latin typeface="Arial" charset="0"/>
-                <a:cs typeface="Arial" charset="0"/>
-              </a:rPr>
-              <a:t>, </a:t>
-            </a:r>
-            <a:r>
-              <a:rPr lang="pt-BR" altLang="nl-BE" sz="1000" dirty="0">
-                <a:latin typeface="Arial" charset="0"/>
-                <a:cs typeface="Arial" charset="0"/>
-              </a:rPr>
-              <a:t>Tutorial for Modelica Conference 2011,  Dresden</a:t>
-            </a:r>
-          </a:p>
-          <a:p>
-            <a:pPr eaLnBrk="1" hangingPunct="1">
-              <a:spcBef>
-                <a:spcPct val="0"/>
-              </a:spcBef>
-              <a:buFontTx/>
-              <a:buNone/>
-            </a:pPr>
-            <a:endParaRPr lang="en-GB" altLang="nl-BE" sz="1000" dirty="0"/>
-          </a:p>
-        </p:txBody>
-      </p:sp>
-    </p:spTree>
-    <p:extLst>
-      <p:ext uri="{BB962C8B-B14F-4D97-AF65-F5344CB8AC3E}">
-        <p14:creationId xmlns:p14="http://schemas.microsoft.com/office/powerpoint/2010/main" val="818438202"/>
-      </p:ext>
-    </p:extLst>
-  </p:cSld>
-  <p:clrMapOvr>
-    <a:masterClrMapping/>
-  </p:clrMapOvr>
-  <p:timing>
-    <p:tnLst>
-      <p:par>
-        <p:cTn id="1" dur="indefinite" restart="never" nodeType="tmRoot"/>
-      </p:par>
-    </p:tnLst>
-  </p:timing>
-</p:sld>
-</file>
-
-<file path=ppt/slides/slide22.xml><?xml version="1.0" encoding="utf-8"?>
-<p:sld xmlns:a="http://schemas.openxmlformats.org/drawingml/2006/main" xmlns:r="http://schemas.openxmlformats.org/officeDocument/2006/relationships" xmlns:p="http://schemas.openxmlformats.org/presentationml/2006/main">
-  <p:cSld>
-    <p:spTree>
-      <p:nvGrpSpPr>
-        <p:cNvPr id="1" name=""/>
-        <p:cNvGrpSpPr/>
-        <p:nvPr/>
-      </p:nvGrpSpPr>
-      <p:grpSpPr>
-        <a:xfrm>
-          <a:off x="0" y="0"/>
-          <a:ext cx="0" cy="0"/>
-          <a:chOff x="0" y="0"/>
-          <a:chExt cx="0" cy="0"/>
-        </a:xfrm>
-      </p:grpSpPr>
-      <p:sp>
-        <p:nvSpPr>
-          <p:cNvPr id="2" name="Title 1"/>
-          <p:cNvSpPr>
-            <a:spLocks noGrp="1"/>
-          </p:cNvSpPr>
-          <p:nvPr>
-            <p:ph type="title"/>
-          </p:nvPr>
-        </p:nvSpPr>
-        <p:spPr/>
-        <p:txBody>
-          <a:bodyPr/>
-          <a:lstStyle/>
-          <a:p>
-            <a:r>
-              <a:rPr lang="nl-NL" dirty="0" err="1" smtClean="0"/>
-              <a:t>Inheritance</a:t>
-            </a:r>
-            <a:r>
-              <a:rPr lang="nl-NL" dirty="0" smtClean="0"/>
-              <a:t> </a:t>
-            </a:r>
-            <a:r>
-              <a:rPr lang="nl-NL" dirty="0" err="1" smtClean="0"/>
-              <a:t>and</a:t>
-            </a:r>
-            <a:r>
-              <a:rPr lang="nl-NL" dirty="0" smtClean="0"/>
-              <a:t> </a:t>
-            </a:r>
-            <a:r>
-              <a:rPr lang="nl-NL" dirty="0" err="1" smtClean="0"/>
-              <a:t>connectors</a:t>
-            </a:r>
-            <a:endParaRPr lang="nl-BE" dirty="0"/>
-          </a:p>
-        </p:txBody>
-      </p:sp>
-      <p:sp>
-        <p:nvSpPr>
-          <p:cNvPr id="3" name="Content Placeholder 2"/>
-          <p:cNvSpPr>
-            <a:spLocks noGrp="1"/>
-          </p:cNvSpPr>
-          <p:nvPr>
-            <p:ph idx="1"/>
-          </p:nvPr>
-        </p:nvSpPr>
-        <p:spPr/>
-        <p:txBody>
-          <a:bodyPr/>
-          <a:lstStyle/>
-          <a:p>
-            <a:endParaRPr lang="nl-BE" dirty="0"/>
-          </a:p>
-        </p:txBody>
-      </p:sp>
-      <p:pic>
-        <p:nvPicPr>
-          <p:cNvPr id="4098" name="Picture 2"/>
-          <p:cNvPicPr>
-            <a:picLocks noChangeAspect="1" noChangeArrowheads="1"/>
-          </p:cNvPicPr>
-          <p:nvPr/>
-        </p:nvPicPr>
-        <p:blipFill>
-          <a:blip r:embed="rId2">
-            <a:extLst>
-              <a:ext uri="{28A0092B-C50C-407E-A947-70E740481C1C}">
-                <a14:useLocalDpi xmlns:a14="http://schemas.microsoft.com/office/drawing/2010/main" val="0"/>
-              </a:ext>
-            </a:extLst>
-          </a:blip>
-          <a:srcRect/>
-          <a:stretch>
-            <a:fillRect/>
-          </a:stretch>
-        </p:blipFill>
-        <p:spPr bwMode="auto">
-          <a:xfrm>
-            <a:off x="1983656" y="337932"/>
-            <a:ext cx="7002399" cy="1920301"/>
-          </a:xfrm>
-          <a:prstGeom prst="rect">
-            <a:avLst/>
-          </a:prstGeom>
-          <a:noFill/>
-          <a:ln>
-            <a:noFill/>
-          </a:ln>
-          <a:extLst>
-            <a:ext uri="{909E8E84-426E-40DD-AFC4-6F175D3DCCD1}">
-              <a14:hiddenFill xmlns:a14="http://schemas.microsoft.com/office/drawing/2010/main">
-                <a:solidFill>
-                  <a:schemeClr val="accent1"/>
-                </a:solidFill>
-              </a14:hiddenFill>
-            </a:ext>
-            <a:ext uri="{91240B29-F687-4F45-9708-019B960494DF}">
-              <a14:hiddenLine xmlns:a14="http://schemas.microsoft.com/office/drawing/2010/main" w="9525">
-                <a:solidFill>
-                  <a:schemeClr val="tx1"/>
-                </a:solidFill>
-                <a:miter lim="800000"/>
-                <a:headEnd/>
-                <a:tailEnd/>
-              </a14:hiddenLine>
-            </a:ext>
-          </a:extLst>
-        </p:spPr>
-      </p:pic>
-      <p:pic>
-        <p:nvPicPr>
-          <p:cNvPr id="4099" name="Picture 3"/>
-          <p:cNvPicPr>
-            <a:picLocks noChangeAspect="1" noChangeArrowheads="1"/>
-          </p:cNvPicPr>
-          <p:nvPr/>
-        </p:nvPicPr>
-        <p:blipFill>
-          <a:blip r:embed="rId3">
-            <a:extLst>
-              <a:ext uri="{28A0092B-C50C-407E-A947-70E740481C1C}">
-                <a14:useLocalDpi xmlns:a14="http://schemas.microsoft.com/office/drawing/2010/main" val="0"/>
-              </a:ext>
-            </a:extLst>
-          </a:blip>
-          <a:srcRect/>
-          <a:stretch>
-            <a:fillRect/>
-          </a:stretch>
-        </p:blipFill>
-        <p:spPr bwMode="auto">
-          <a:xfrm>
-            <a:off x="2361319" y="2269248"/>
-            <a:ext cx="6624736" cy="4187028"/>
-          </a:xfrm>
-          <a:prstGeom prst="rect">
-            <a:avLst/>
-          </a:prstGeom>
-          <a:noFill/>
-          <a:ln>
-            <a:noFill/>
-          </a:ln>
-          <a:extLst>
-            <a:ext uri="{909E8E84-426E-40DD-AFC4-6F175D3DCCD1}">
-              <a14:hiddenFill xmlns:a14="http://schemas.microsoft.com/office/drawing/2010/main">
-                <a:solidFill>
-                  <a:schemeClr val="accent1"/>
-                </a:solidFill>
-              </a14:hiddenFill>
-            </a:ext>
-            <a:ext uri="{91240B29-F687-4F45-9708-019B960494DF}">
-              <a14:hiddenLine xmlns:a14="http://schemas.microsoft.com/office/drawing/2010/main" w="9525">
-                <a:solidFill>
-                  <a:schemeClr val="tx1"/>
-                </a:solidFill>
-                <a:miter lim="800000"/>
-                <a:headEnd/>
-                <a:tailEnd/>
-              </a14:hiddenLine>
-            </a:ext>
-          </a:extLst>
-        </p:spPr>
-      </p:pic>
-      <p:sp>
-        <p:nvSpPr>
-          <p:cNvPr id="6" name="TextBox 2"/>
-          <p:cNvSpPr txBox="1">
-            <a:spLocks noChangeArrowheads="1"/>
-          </p:cNvSpPr>
-          <p:nvPr/>
-        </p:nvSpPr>
-        <p:spPr bwMode="auto">
-          <a:xfrm>
-            <a:off x="471488" y="7370763"/>
-            <a:ext cx="9145587" cy="400050"/>
-          </a:xfrm>
-          <a:prstGeom prst="rect">
-            <a:avLst/>
-          </a:prstGeom>
-          <a:noFill/>
-          <a:ln>
-            <a:noFill/>
-          </a:ln>
-          <a:extLst>
-            <a:ext uri="{909E8E84-426E-40DD-AFC4-6F175D3DCCD1}">
-              <a14:hiddenFill xmlns:a14="http://schemas.microsoft.com/office/drawing/2010/main">
-                <a:solidFill>
-                  <a:srgbClr val="FFFFFF"/>
-                </a:solidFill>
-              </a14:hiddenFill>
-            </a:ext>
-            <a:ext uri="{91240B29-F687-4F45-9708-019B960494DF}">
-              <a14:hiddenLine xmlns:a14="http://schemas.microsoft.com/office/drawing/2010/main" w="9525">
-                <a:solidFill>
-                  <a:srgbClr val="000000"/>
-                </a:solidFill>
-                <a:miter lim="800000"/>
-                <a:headEnd/>
-                <a:tailEnd/>
-              </a14:hiddenLine>
-            </a:ext>
-          </a:extLst>
-        </p:spPr>
-        <p:txBody>
-          <a:bodyPr>
-            <a:spAutoFit/>
-          </a:bodyPr>
-          <a:lstStyle>
-            <a:lvl1pPr eaLnBrk="0" hangingPunct="0">
-              <a:spcBef>
-                <a:spcPct val="20000"/>
-              </a:spcBef>
-              <a:buChar char="•"/>
-              <a:defRPr sz="3200">
-                <a:solidFill>
-                  <a:schemeClr val="tx1"/>
-                </a:solidFill>
-                <a:latin typeface="Times New Roman" pitchFamily="18" charset="0"/>
-              </a:defRPr>
-            </a:lvl1pPr>
-            <a:lvl2pPr marL="742950" indent="-285750" eaLnBrk="0" hangingPunct="0">
-              <a:spcBef>
-                <a:spcPct val="20000"/>
-              </a:spcBef>
-              <a:buChar char="–"/>
-              <a:defRPr sz="2800">
-                <a:solidFill>
-                  <a:schemeClr val="tx1"/>
-                </a:solidFill>
-                <a:latin typeface="Times New Roman" pitchFamily="18" charset="0"/>
-              </a:defRPr>
-            </a:lvl2pPr>
-            <a:lvl3pPr marL="1143000" indent="-228600" eaLnBrk="0" hangingPunct="0">
-              <a:spcBef>
-                <a:spcPct val="20000"/>
-              </a:spcBef>
-              <a:buChar char="•"/>
-              <a:defRPr sz="2400">
-                <a:solidFill>
-                  <a:schemeClr val="tx1"/>
-                </a:solidFill>
-                <a:latin typeface="Times New Roman" pitchFamily="18" charset="0"/>
-              </a:defRPr>
-            </a:lvl3pPr>
-            <a:lvl4pPr marL="1600200" indent="-228600" eaLnBrk="0" hangingPunct="0">
-              <a:spcBef>
-                <a:spcPct val="20000"/>
-              </a:spcBef>
-              <a:buChar char="–"/>
-              <a:defRPr sz="2000">
-                <a:solidFill>
-                  <a:schemeClr val="tx1"/>
-                </a:solidFill>
-                <a:latin typeface="Times New Roman" pitchFamily="18" charset="0"/>
-              </a:defRPr>
-            </a:lvl4pPr>
-            <a:lvl5pPr marL="2057400" indent="-228600" eaLnBrk="0" hangingPunct="0">
-              <a:spcBef>
-                <a:spcPct val="20000"/>
-              </a:spcBef>
-              <a:buChar char="»"/>
-              <a:defRPr sz="2000">
-                <a:solidFill>
-                  <a:schemeClr val="tx1"/>
-                </a:solidFill>
-                <a:latin typeface="Times New Roman" pitchFamily="18" charset="0"/>
-              </a:defRPr>
-            </a:lvl5pPr>
-            <a:lvl6pPr marL="2514600" indent="-228600" eaLnBrk="0" fontAlgn="base" hangingPunct="0">
-              <a:spcBef>
-                <a:spcPct val="20000"/>
-              </a:spcBef>
-              <a:spcAft>
-                <a:spcPct val="0"/>
-              </a:spcAft>
-              <a:buChar char="»"/>
-              <a:defRPr sz="2000">
-                <a:solidFill>
-                  <a:schemeClr val="tx1"/>
-                </a:solidFill>
-                <a:latin typeface="Times New Roman" pitchFamily="18" charset="0"/>
-              </a:defRPr>
-            </a:lvl6pPr>
-            <a:lvl7pPr marL="2971800" indent="-228600" eaLnBrk="0" fontAlgn="base" hangingPunct="0">
-              <a:spcBef>
-                <a:spcPct val="20000"/>
-              </a:spcBef>
-              <a:spcAft>
-                <a:spcPct val="0"/>
-              </a:spcAft>
-              <a:buChar char="»"/>
-              <a:defRPr sz="2000">
-                <a:solidFill>
-                  <a:schemeClr val="tx1"/>
-                </a:solidFill>
-                <a:latin typeface="Times New Roman" pitchFamily="18" charset="0"/>
-              </a:defRPr>
-            </a:lvl7pPr>
-            <a:lvl8pPr marL="3429000" indent="-228600" eaLnBrk="0" fontAlgn="base" hangingPunct="0">
-              <a:spcBef>
-                <a:spcPct val="20000"/>
-              </a:spcBef>
-              <a:spcAft>
-                <a:spcPct val="0"/>
-              </a:spcAft>
-              <a:buChar char="»"/>
-              <a:defRPr sz="2000">
-                <a:solidFill>
-                  <a:schemeClr val="tx1"/>
-                </a:solidFill>
-                <a:latin typeface="Times New Roman" pitchFamily="18" charset="0"/>
-              </a:defRPr>
-            </a:lvl8pPr>
-            <a:lvl9pPr marL="3886200" indent="-228600" eaLnBrk="0" fontAlgn="base" hangingPunct="0">
-              <a:spcBef>
-                <a:spcPct val="20000"/>
-              </a:spcBef>
-              <a:spcAft>
-                <a:spcPct val="0"/>
-              </a:spcAft>
-              <a:buChar char="»"/>
-              <a:defRPr sz="2000">
-                <a:solidFill>
-                  <a:schemeClr val="tx1"/>
-                </a:solidFill>
-                <a:latin typeface="Times New Roman" pitchFamily="18" charset="0"/>
-              </a:defRPr>
-            </a:lvl9pPr>
-          </a:lstStyle>
-          <a:p>
-            <a:pPr eaLnBrk="1" hangingPunct="1">
-              <a:spcBef>
-                <a:spcPct val="0"/>
-              </a:spcBef>
-              <a:buFontTx/>
-              <a:buNone/>
-            </a:pPr>
-            <a:r>
-              <a:rPr lang="en-GB" altLang="nl-BE" sz="1000" dirty="0" smtClean="0">
-                <a:latin typeface="Arial" charset="0"/>
-                <a:cs typeface="Arial" charset="0"/>
-              </a:rPr>
-              <a:t>Slides </a:t>
-            </a:r>
-            <a:r>
-              <a:rPr lang="en-GB" altLang="nl-BE" sz="1000" dirty="0">
-                <a:latin typeface="Arial" charset="0"/>
-                <a:cs typeface="Arial" charset="0"/>
-              </a:rPr>
-              <a:t>from </a:t>
-            </a:r>
-            <a:r>
-              <a:rPr lang="pt-BR" altLang="nl-BE" sz="1000" dirty="0">
-                <a:latin typeface="Arial" charset="0"/>
-                <a:cs typeface="Arial" charset="0"/>
-              </a:rPr>
-              <a:t>Peter Fritzson, </a:t>
-            </a:r>
-            <a:r>
-              <a:rPr lang="en-GB" altLang="nl-BE" sz="1000" dirty="0">
-                <a:latin typeface="Arial" charset="0"/>
-                <a:cs typeface="Arial" charset="0"/>
-              </a:rPr>
-              <a:t>Introduction to Object-Oriented </a:t>
-            </a:r>
-            <a:r>
-              <a:rPr lang="en-GB" altLang="nl-BE" sz="1000" dirty="0" err="1">
-                <a:latin typeface="Arial" charset="0"/>
-                <a:cs typeface="Arial" charset="0"/>
-              </a:rPr>
-              <a:t>Modeling</a:t>
-            </a:r>
-            <a:r>
-              <a:rPr lang="en-GB" altLang="nl-BE" sz="1000" dirty="0">
-                <a:latin typeface="Arial" charset="0"/>
-                <a:cs typeface="Arial" charset="0"/>
-              </a:rPr>
-              <a:t>, Simulation and Control with </a:t>
-            </a:r>
-            <a:r>
-              <a:rPr lang="en-GB" altLang="nl-BE" sz="1000" dirty="0" err="1">
-                <a:latin typeface="Arial" charset="0"/>
-                <a:cs typeface="Arial" charset="0"/>
-              </a:rPr>
-              <a:t>Modelica</a:t>
-            </a:r>
-            <a:r>
-              <a:rPr lang="en-GB" altLang="nl-BE" sz="1000" dirty="0">
-                <a:latin typeface="Arial" charset="0"/>
-                <a:cs typeface="Arial" charset="0"/>
-              </a:rPr>
-              <a:t>, </a:t>
-            </a:r>
-            <a:r>
-              <a:rPr lang="pt-BR" altLang="nl-BE" sz="1000" dirty="0">
-                <a:latin typeface="Arial" charset="0"/>
-                <a:cs typeface="Arial" charset="0"/>
-              </a:rPr>
-              <a:t>Tutorial for Modelica Conference 2011,  Dresden</a:t>
-            </a:r>
-          </a:p>
-          <a:p>
-            <a:pPr eaLnBrk="1" hangingPunct="1">
-              <a:spcBef>
-                <a:spcPct val="0"/>
-              </a:spcBef>
-              <a:buFontTx/>
-              <a:buNone/>
-            </a:pPr>
-            <a:endParaRPr lang="en-GB" altLang="nl-BE" sz="1000" dirty="0"/>
-          </a:p>
-        </p:txBody>
-      </p:sp>
-    </p:spTree>
-    <p:extLst>
-      <p:ext uri="{BB962C8B-B14F-4D97-AF65-F5344CB8AC3E}">
-        <p14:creationId xmlns:p14="http://schemas.microsoft.com/office/powerpoint/2010/main" val="3453850349"/>
-      </p:ext>
-    </p:extLst>
-  </p:cSld>
-  <p:clrMapOvr>
-    <a:masterClrMapping/>
-  </p:clrMapOvr>
-  <p:timing>
-    <p:tnLst>
-      <p:par>
-        <p:cTn id="1" dur="indefinite" restart="never" nodeType="tmRoot">
-          <p:childTnLst>
-            <p:seq concurrent="1" nextAc="seek">
-              <p:cTn id="2" dur="indefinite" nodeType="mainSeq">
-                <p:childTnLst>
-                  <p:par>
-                    <p:cTn id="3" fill="hold">
-                      <p:stCondLst>
-                        <p:cond delay="indefinite"/>
-                      </p:stCondLst>
-                      <p:childTnLst>
-                        <p:par>
-                          <p:cTn id="4" fill="hold">
-                            <p:stCondLst>
-                              <p:cond delay="0"/>
-                            </p:stCondLst>
-                            <p:childTnLst>
-                              <p:par>
-                                <p:cTn id="5" presetID="1" presetClass="entr" presetSubtype="0" fill="hold" nodeType="clickEffect">
-                                  <p:stCondLst>
-                                    <p:cond delay="0"/>
-                                  </p:stCondLst>
-                                  <p:childTnLst>
-                                    <p:set>
-                                      <p:cBhvr>
-                                        <p:cTn id="6" dur="1" fill="hold">
-                                          <p:stCondLst>
-                                            <p:cond delay="0"/>
-                                          </p:stCondLst>
-                                        </p:cTn>
-                                        <p:tgtEl>
-                                          <p:spTgt spid="4098"/>
-                                        </p:tgtEl>
-                                        <p:attrNameLst>
-                                          <p:attrName>style.visibility</p:attrName>
-                                        </p:attrNameLst>
-                                      </p:cBhvr>
-                                      <p:to>
-                                        <p:strVal val="visible"/>
-                                      </p:to>
-                                    </p:set>
-                                  </p:childTnLst>
-                                </p:cTn>
-                              </p:par>
-                            </p:childTnLst>
-                          </p:cTn>
-                        </p:par>
-                      </p:childTnLst>
-                    </p:cTn>
-                  </p:par>
-                  <p:par>
-                    <p:cTn id="7" fill="hold">
-                      <p:stCondLst>
-                        <p:cond delay="indefinite"/>
-                      </p:stCondLst>
-                      <p:childTnLst>
-                        <p:par>
-                          <p:cTn id="8" fill="hold">
-                            <p:stCondLst>
-                              <p:cond delay="0"/>
-                            </p:stCondLst>
-                            <p:childTnLst>
-                              <p:par>
-                                <p:cTn id="9" presetID="1" presetClass="entr" presetSubtype="0" fill="hold" nodeType="clickEffect">
-                                  <p:stCondLst>
-                                    <p:cond delay="0"/>
-                                  </p:stCondLst>
-                                  <p:childTnLst>
-                                    <p:set>
-                                      <p:cBhvr>
-                                        <p:cTn id="10" dur="1" fill="hold">
-                                          <p:stCondLst>
-                                            <p:cond delay="0"/>
-                                          </p:stCondLst>
-                                        </p:cTn>
-                                        <p:tgtEl>
-                                          <p:spTgt spid="4099"/>
-                                        </p:tgtEl>
-                                        <p:attrNameLst>
-                                          <p:attrName>style.visibility</p:attrName>
-                                        </p:attrNameLst>
-                                      </p:cBhvr>
-                                      <p:to>
-                                        <p:strVal val="visible"/>
-                                      </p:to>
-                                    </p:set>
-                                  </p:childTnLst>
-                                </p:cTn>
-                              </p:par>
-                            </p:childTnLst>
-                          </p:cTn>
-                        </p:par>
-                      </p:childTnLst>
-                    </p:cTn>
-                  </p:par>
-                </p:childTnLst>
-              </p:cTn>
-              <p:prevCondLst>
-                <p:cond evt="onPrev" delay="0">
-                  <p:tgtEl>
-                    <p:sldTgt/>
-                  </p:tgtEl>
-                </p:cond>
-              </p:prevCondLst>
-              <p:nextCondLst>
-                <p:cond evt="onNext" delay="0">
-                  <p:tgtEl>
-                    <p:sldTgt/>
-                  </p:tgtEl>
-                </p:cond>
-              </p:nextCondLst>
-            </p:seq>
-          </p:childTnLst>
-        </p:cTn>
-      </p:par>
-    </p:tnLst>
-  </p:timing>
-</p:sld>
-</file>
-
-<file path=ppt/slides/slide23.xml><?xml version="1.0" encoding="utf-8"?>
-<p:sld xmlns:a="http://schemas.openxmlformats.org/drawingml/2006/main" xmlns:r="http://schemas.openxmlformats.org/officeDocument/2006/relationships" xmlns:p="http://schemas.openxmlformats.org/presentationml/2006/main">
-  <p:cSld>
-    <p:spTree>
-      <p:nvGrpSpPr>
-        <p:cNvPr id="1" name=""/>
-        <p:cNvGrpSpPr/>
-        <p:nvPr/>
-      </p:nvGrpSpPr>
-      <p:grpSpPr>
-        <a:xfrm>
-          <a:off x="0" y="0"/>
-          <a:ext cx="0" cy="0"/>
-          <a:chOff x="0" y="0"/>
-          <a:chExt cx="0" cy="0"/>
-        </a:xfrm>
-      </p:grpSpPr>
-      <p:sp>
-        <p:nvSpPr>
-          <p:cNvPr id="2" name="Title 1"/>
-          <p:cNvSpPr>
-            <a:spLocks noGrp="1"/>
-          </p:cNvSpPr>
-          <p:nvPr>
-            <p:ph type="title"/>
-          </p:nvPr>
-        </p:nvSpPr>
-        <p:spPr/>
-        <p:txBody>
-          <a:bodyPr/>
-          <a:lstStyle/>
-          <a:p>
-            <a:endParaRPr lang="nl-BE"/>
-          </a:p>
-        </p:txBody>
-      </p:sp>
-      <p:sp>
-        <p:nvSpPr>
-          <p:cNvPr id="3" name="Content Placeholder 2"/>
-          <p:cNvSpPr>
-            <a:spLocks noGrp="1"/>
-          </p:cNvSpPr>
-          <p:nvPr>
-            <p:ph idx="1"/>
-          </p:nvPr>
-        </p:nvSpPr>
-        <p:spPr/>
-        <p:txBody>
-          <a:bodyPr/>
-          <a:lstStyle/>
-          <a:p>
-            <a:endParaRPr lang="nl-BE"/>
-          </a:p>
-        </p:txBody>
-      </p:sp>
-      <p:pic>
-        <p:nvPicPr>
-          <p:cNvPr id="5122" name="Picture 2"/>
-          <p:cNvPicPr>
-            <a:picLocks noChangeAspect="1" noChangeArrowheads="1"/>
-          </p:cNvPicPr>
-          <p:nvPr/>
-        </p:nvPicPr>
-        <p:blipFill>
-          <a:blip r:embed="rId2">
-            <a:extLst>
-              <a:ext uri="{28A0092B-C50C-407E-A947-70E740481C1C}">
-                <a14:useLocalDpi xmlns:a14="http://schemas.microsoft.com/office/drawing/2010/main" val="0"/>
-              </a:ext>
-            </a:extLst>
-          </a:blip>
-          <a:srcRect/>
-          <a:stretch>
-            <a:fillRect/>
-          </a:stretch>
-        </p:blipFill>
-        <p:spPr bwMode="auto">
-          <a:xfrm>
-            <a:off x="759520" y="137592"/>
-            <a:ext cx="9001000" cy="6581981"/>
-          </a:xfrm>
-          <a:prstGeom prst="rect">
-            <a:avLst/>
-          </a:prstGeom>
-          <a:noFill/>
-          <a:ln>
-            <a:noFill/>
-          </a:ln>
-          <a:extLst>
-            <a:ext uri="{909E8E84-426E-40DD-AFC4-6F175D3DCCD1}">
-              <a14:hiddenFill xmlns:a14="http://schemas.microsoft.com/office/drawing/2010/main">
-                <a:solidFill>
-                  <a:schemeClr val="accent1"/>
-                </a:solidFill>
-              </a14:hiddenFill>
-            </a:ext>
-            <a:ext uri="{91240B29-F687-4F45-9708-019B960494DF}">
-              <a14:hiddenLine xmlns:a14="http://schemas.microsoft.com/office/drawing/2010/main" w="9525">
-                <a:solidFill>
-                  <a:schemeClr val="tx1"/>
-                </a:solidFill>
-                <a:miter lim="800000"/>
-                <a:headEnd/>
-                <a:tailEnd/>
-              </a14:hiddenLine>
-            </a:ext>
-          </a:extLst>
-        </p:spPr>
-      </p:pic>
-      <p:sp>
-        <p:nvSpPr>
-          <p:cNvPr id="5" name="Oval 4"/>
-          <p:cNvSpPr/>
-          <p:nvPr/>
-        </p:nvSpPr>
-        <p:spPr>
-          <a:xfrm>
-            <a:off x="1191568" y="1217712"/>
-            <a:ext cx="1944216" cy="288032"/>
-          </a:xfrm>
-          <a:prstGeom prst="ellipse">
-            <a:avLst/>
-          </a:prstGeom>
-          <a:noFill/>
-          <a:ln w="19050"/>
-        </p:spPr>
-        <p:style>
-          <a:lnRef idx="2">
-            <a:schemeClr val="accent6"/>
-          </a:lnRef>
-          <a:fillRef idx="1">
-            <a:schemeClr val="lt1"/>
-          </a:fillRef>
-          <a:effectRef idx="0">
-            <a:schemeClr val="accent6"/>
-          </a:effectRef>
-          <a:fontRef idx="minor">
-            <a:schemeClr val="dk1"/>
-          </a:fontRef>
-        </p:style>
-        <p:txBody>
-          <a:bodyPr rtlCol="0" anchor="ctr"/>
-          <a:lstStyle/>
-          <a:p>
-            <a:pPr algn="ctr"/>
-            <a:endParaRPr lang="nl-BE"/>
-          </a:p>
-        </p:txBody>
-      </p:sp>
-      <p:sp>
-        <p:nvSpPr>
-          <p:cNvPr id="6" name="Oval 5"/>
-          <p:cNvSpPr/>
-          <p:nvPr/>
-        </p:nvSpPr>
-        <p:spPr>
-          <a:xfrm>
-            <a:off x="1191568" y="2873896"/>
-            <a:ext cx="1944216" cy="288032"/>
-          </a:xfrm>
-          <a:prstGeom prst="ellipse">
-            <a:avLst/>
-          </a:prstGeom>
-          <a:noFill/>
-          <a:ln w="19050"/>
-        </p:spPr>
-        <p:style>
-          <a:lnRef idx="2">
-            <a:schemeClr val="accent6"/>
-          </a:lnRef>
-          <a:fillRef idx="1">
-            <a:schemeClr val="lt1"/>
-          </a:fillRef>
-          <a:effectRef idx="0">
-            <a:schemeClr val="accent6"/>
-          </a:effectRef>
-          <a:fontRef idx="minor">
-            <a:schemeClr val="dk1"/>
-          </a:fontRef>
-        </p:style>
-        <p:txBody>
-          <a:bodyPr rtlCol="0" anchor="ctr"/>
-          <a:lstStyle/>
-          <a:p>
-            <a:pPr algn="ctr"/>
-            <a:endParaRPr lang="nl-BE"/>
-          </a:p>
-        </p:txBody>
-      </p:sp>
-      <p:sp>
-        <p:nvSpPr>
-          <p:cNvPr id="7" name="Oval 6"/>
-          <p:cNvSpPr/>
-          <p:nvPr/>
-        </p:nvSpPr>
-        <p:spPr>
-          <a:xfrm>
-            <a:off x="1191568" y="4746104"/>
-            <a:ext cx="1944216" cy="288032"/>
-          </a:xfrm>
-          <a:prstGeom prst="ellipse">
-            <a:avLst/>
-          </a:prstGeom>
-          <a:noFill/>
-          <a:ln w="19050"/>
-        </p:spPr>
-        <p:style>
-          <a:lnRef idx="2">
-            <a:schemeClr val="accent6"/>
-          </a:lnRef>
-          <a:fillRef idx="1">
-            <a:schemeClr val="lt1"/>
-          </a:fillRef>
-          <a:effectRef idx="0">
-            <a:schemeClr val="accent6"/>
-          </a:effectRef>
-          <a:fontRef idx="minor">
-            <a:schemeClr val="dk1"/>
-          </a:fontRef>
-        </p:style>
-        <p:txBody>
-          <a:bodyPr rtlCol="0" anchor="ctr"/>
-          <a:lstStyle/>
-          <a:p>
-            <a:pPr algn="ctr"/>
-            <a:endParaRPr lang="nl-BE"/>
-          </a:p>
-        </p:txBody>
-      </p:sp>
-      <p:sp>
-        <p:nvSpPr>
-          <p:cNvPr id="8" name="TextBox 2"/>
-          <p:cNvSpPr txBox="1">
-            <a:spLocks noChangeArrowheads="1"/>
-          </p:cNvSpPr>
-          <p:nvPr/>
-        </p:nvSpPr>
-        <p:spPr bwMode="auto">
-          <a:xfrm>
-            <a:off x="471488" y="7370763"/>
-            <a:ext cx="9145587" cy="400050"/>
-          </a:xfrm>
-          <a:prstGeom prst="rect">
-            <a:avLst/>
-          </a:prstGeom>
-          <a:noFill/>
-          <a:ln>
-            <a:noFill/>
-          </a:ln>
-          <a:extLst>
-            <a:ext uri="{909E8E84-426E-40DD-AFC4-6F175D3DCCD1}">
-              <a14:hiddenFill xmlns:a14="http://schemas.microsoft.com/office/drawing/2010/main">
-                <a:solidFill>
-                  <a:srgbClr val="FFFFFF"/>
-                </a:solidFill>
-              </a14:hiddenFill>
-            </a:ext>
-            <a:ext uri="{91240B29-F687-4F45-9708-019B960494DF}">
-              <a14:hiddenLine xmlns:a14="http://schemas.microsoft.com/office/drawing/2010/main" w="9525">
-                <a:solidFill>
-                  <a:srgbClr val="000000"/>
-                </a:solidFill>
-                <a:miter lim="800000"/>
-                <a:headEnd/>
-                <a:tailEnd/>
-              </a14:hiddenLine>
-            </a:ext>
-          </a:extLst>
-        </p:spPr>
-        <p:txBody>
-          <a:bodyPr>
-            <a:spAutoFit/>
-          </a:bodyPr>
-          <a:lstStyle>
-            <a:lvl1pPr eaLnBrk="0" hangingPunct="0">
-              <a:spcBef>
-                <a:spcPct val="20000"/>
-              </a:spcBef>
-              <a:buChar char="•"/>
-              <a:defRPr sz="3200">
-                <a:solidFill>
-                  <a:schemeClr val="tx1"/>
-                </a:solidFill>
-                <a:latin typeface="Times New Roman" pitchFamily="18" charset="0"/>
-              </a:defRPr>
-            </a:lvl1pPr>
-            <a:lvl2pPr marL="742950" indent="-285750" eaLnBrk="0" hangingPunct="0">
-              <a:spcBef>
-                <a:spcPct val="20000"/>
-              </a:spcBef>
-              <a:buChar char="–"/>
-              <a:defRPr sz="2800">
-                <a:solidFill>
-                  <a:schemeClr val="tx1"/>
-                </a:solidFill>
-                <a:latin typeface="Times New Roman" pitchFamily="18" charset="0"/>
-              </a:defRPr>
-            </a:lvl2pPr>
-            <a:lvl3pPr marL="1143000" indent="-228600" eaLnBrk="0" hangingPunct="0">
-              <a:spcBef>
-                <a:spcPct val="20000"/>
-              </a:spcBef>
-              <a:buChar char="•"/>
-              <a:defRPr sz="2400">
-                <a:solidFill>
-                  <a:schemeClr val="tx1"/>
-                </a:solidFill>
-                <a:latin typeface="Times New Roman" pitchFamily="18" charset="0"/>
-              </a:defRPr>
-            </a:lvl3pPr>
-            <a:lvl4pPr marL="1600200" indent="-228600" eaLnBrk="0" hangingPunct="0">
-              <a:spcBef>
-                <a:spcPct val="20000"/>
-              </a:spcBef>
-              <a:buChar char="–"/>
-              <a:defRPr sz="2000">
-                <a:solidFill>
-                  <a:schemeClr val="tx1"/>
-                </a:solidFill>
-                <a:latin typeface="Times New Roman" pitchFamily="18" charset="0"/>
-              </a:defRPr>
-            </a:lvl4pPr>
-            <a:lvl5pPr marL="2057400" indent="-228600" eaLnBrk="0" hangingPunct="0">
-              <a:spcBef>
-                <a:spcPct val="20000"/>
-              </a:spcBef>
-              <a:buChar char="»"/>
-              <a:defRPr sz="2000">
-                <a:solidFill>
-                  <a:schemeClr val="tx1"/>
-                </a:solidFill>
-                <a:latin typeface="Times New Roman" pitchFamily="18" charset="0"/>
-              </a:defRPr>
-            </a:lvl5pPr>
-            <a:lvl6pPr marL="2514600" indent="-228600" eaLnBrk="0" fontAlgn="base" hangingPunct="0">
-              <a:spcBef>
-                <a:spcPct val="20000"/>
-              </a:spcBef>
-              <a:spcAft>
-                <a:spcPct val="0"/>
-              </a:spcAft>
-              <a:buChar char="»"/>
-              <a:defRPr sz="2000">
-                <a:solidFill>
-                  <a:schemeClr val="tx1"/>
-                </a:solidFill>
-                <a:latin typeface="Times New Roman" pitchFamily="18" charset="0"/>
-              </a:defRPr>
-            </a:lvl6pPr>
-            <a:lvl7pPr marL="2971800" indent="-228600" eaLnBrk="0" fontAlgn="base" hangingPunct="0">
-              <a:spcBef>
-                <a:spcPct val="20000"/>
-              </a:spcBef>
-              <a:spcAft>
-                <a:spcPct val="0"/>
-              </a:spcAft>
-              <a:buChar char="»"/>
-              <a:defRPr sz="2000">
-                <a:solidFill>
-                  <a:schemeClr val="tx1"/>
-                </a:solidFill>
-                <a:latin typeface="Times New Roman" pitchFamily="18" charset="0"/>
-              </a:defRPr>
-            </a:lvl7pPr>
-            <a:lvl8pPr marL="3429000" indent="-228600" eaLnBrk="0" fontAlgn="base" hangingPunct="0">
-              <a:spcBef>
-                <a:spcPct val="20000"/>
-              </a:spcBef>
-              <a:spcAft>
-                <a:spcPct val="0"/>
-              </a:spcAft>
-              <a:buChar char="»"/>
-              <a:defRPr sz="2000">
-                <a:solidFill>
-                  <a:schemeClr val="tx1"/>
-                </a:solidFill>
-                <a:latin typeface="Times New Roman" pitchFamily="18" charset="0"/>
-              </a:defRPr>
-            </a:lvl8pPr>
-            <a:lvl9pPr marL="3886200" indent="-228600" eaLnBrk="0" fontAlgn="base" hangingPunct="0">
-              <a:spcBef>
-                <a:spcPct val="20000"/>
-              </a:spcBef>
-              <a:spcAft>
-                <a:spcPct val="0"/>
-              </a:spcAft>
-              <a:buChar char="»"/>
-              <a:defRPr sz="2000">
-                <a:solidFill>
-                  <a:schemeClr val="tx1"/>
-                </a:solidFill>
-                <a:latin typeface="Times New Roman" pitchFamily="18" charset="0"/>
-              </a:defRPr>
-            </a:lvl9pPr>
-          </a:lstStyle>
-          <a:p>
-            <a:pPr eaLnBrk="1" hangingPunct="1">
-              <a:spcBef>
-                <a:spcPct val="0"/>
-              </a:spcBef>
-              <a:buFontTx/>
-              <a:buNone/>
-            </a:pPr>
-            <a:r>
-              <a:rPr lang="en-GB" altLang="nl-BE" sz="1000" dirty="0">
-                <a:latin typeface="Arial" charset="0"/>
-                <a:cs typeface="Arial" charset="0"/>
-              </a:rPr>
-              <a:t>Slide from </a:t>
-            </a:r>
-            <a:r>
-              <a:rPr lang="pt-BR" altLang="nl-BE" sz="1000" dirty="0">
-                <a:latin typeface="Arial" charset="0"/>
-                <a:cs typeface="Arial" charset="0"/>
-              </a:rPr>
-              <a:t>Peter Fritzson, </a:t>
-            </a:r>
-            <a:r>
-              <a:rPr lang="en-GB" altLang="nl-BE" sz="1000" dirty="0">
-                <a:latin typeface="Arial" charset="0"/>
-                <a:cs typeface="Arial" charset="0"/>
-              </a:rPr>
-              <a:t>Introduction to Object-Oriented </a:t>
-            </a:r>
-            <a:r>
-              <a:rPr lang="en-GB" altLang="nl-BE" sz="1000" dirty="0" err="1">
-                <a:latin typeface="Arial" charset="0"/>
-                <a:cs typeface="Arial" charset="0"/>
-              </a:rPr>
-              <a:t>Modeling</a:t>
-            </a:r>
-            <a:r>
-              <a:rPr lang="en-GB" altLang="nl-BE" sz="1000" dirty="0">
-                <a:latin typeface="Arial" charset="0"/>
-                <a:cs typeface="Arial" charset="0"/>
-              </a:rPr>
-              <a:t>, Simulation and Control with </a:t>
-            </a:r>
-            <a:r>
-              <a:rPr lang="en-GB" altLang="nl-BE" sz="1000" dirty="0" err="1">
-                <a:latin typeface="Arial" charset="0"/>
-                <a:cs typeface="Arial" charset="0"/>
-              </a:rPr>
-              <a:t>Modelica</a:t>
-            </a:r>
-            <a:r>
-              <a:rPr lang="en-GB" altLang="nl-BE" sz="1000" dirty="0">
-                <a:latin typeface="Arial" charset="0"/>
-                <a:cs typeface="Arial" charset="0"/>
-              </a:rPr>
-              <a:t>, </a:t>
-            </a:r>
-            <a:r>
-              <a:rPr lang="pt-BR" altLang="nl-BE" sz="1000" dirty="0">
-                <a:latin typeface="Arial" charset="0"/>
-                <a:cs typeface="Arial" charset="0"/>
-              </a:rPr>
-              <a:t>Tutorial for Modelica Conference 2011,  Dresden</a:t>
-            </a:r>
-          </a:p>
-          <a:p>
-            <a:pPr eaLnBrk="1" hangingPunct="1">
-              <a:spcBef>
-                <a:spcPct val="0"/>
-              </a:spcBef>
-              <a:buFontTx/>
-              <a:buNone/>
-            </a:pPr>
-            <a:endParaRPr lang="en-GB" altLang="nl-BE" sz="1000" dirty="0"/>
-          </a:p>
-        </p:txBody>
-      </p:sp>
-    </p:spTree>
-    <p:extLst>
-      <p:ext uri="{BB962C8B-B14F-4D97-AF65-F5344CB8AC3E}">
-        <p14:creationId xmlns:p14="http://schemas.microsoft.com/office/powerpoint/2010/main" val="1680177636"/>
-      </p:ext>
-    </p:extLst>
-  </p:cSld>
-  <p:clrMapOvr>
-    <a:masterClrMapping/>
-  </p:clrMapOvr>
-  <p:timing>
-    <p:tnLst>
-      <p:par>
-        <p:cTn id="1" dur="indefinite" restart="never" nodeType="tmRoot">
-          <p:childTnLst>
-            <p:seq concurrent="1" nextAc="seek">
-              <p:cTn id="2" dur="indefinite" nodeType="mainSeq">
-                <p:childTnLst>
-                  <p:par>
-                    <p:cTn id="3" fill="hold">
-                      <p:stCondLst>
-                        <p:cond delay="indefinite"/>
-                      </p:stCondLst>
-                      <p:childTnLst>
-                        <p:par>
-                          <p:cTn id="4" fill="hold">
-                            <p:stCondLst>
-                              <p:cond delay="0"/>
-                            </p:stCondLst>
-                            <p:childTnLst>
-                              <p:par>
-                                <p:cTn id="5" presetID="1" presetClass="entr" presetSubtype="0" fill="hold" grpId="0" nodeType="clickEffect">
-                                  <p:stCondLst>
-                                    <p:cond delay="0"/>
-                                  </p:stCondLst>
-                                  <p:childTnLst>
-                                    <p:set>
-                                      <p:cBhvr>
-                                        <p:cTn id="6" dur="1" fill="hold">
-                                          <p:stCondLst>
-                                            <p:cond delay="0"/>
-                                          </p:stCondLst>
-                                        </p:cTn>
-                                        <p:tgtEl>
-                                          <p:spTgt spid="5"/>
-                                        </p:tgtEl>
-                                        <p:attrNameLst>
-                                          <p:attrName>style.visibility</p:attrName>
-                                        </p:attrNameLst>
-                                      </p:cBhvr>
-                                      <p:to>
-                                        <p:strVal val="visible"/>
-                                      </p:to>
-                                    </p:set>
-                                  </p:childTnLst>
-                                </p:cTn>
-                              </p:par>
-                            </p:childTnLst>
-                          </p:cTn>
-                        </p:par>
-                      </p:childTnLst>
-                    </p:cTn>
-                  </p:par>
-                  <p:par>
-                    <p:cTn id="7" fill="hold">
-                      <p:stCondLst>
-                        <p:cond delay="indefinite"/>
-                      </p:stCondLst>
-                      <p:childTnLst>
-                        <p:par>
-                          <p:cTn id="8" fill="hold">
-                            <p:stCondLst>
-                              <p:cond delay="0"/>
-                            </p:stCondLst>
-                            <p:childTnLst>
-                              <p:par>
-                                <p:cTn id="9" presetID="1" presetClass="entr" presetSubtype="0" fill="hold" grpId="0" nodeType="clickEffect">
-                                  <p:stCondLst>
-                                    <p:cond delay="0"/>
-                                  </p:stCondLst>
-                                  <p:childTnLst>
-                                    <p:set>
-                                      <p:cBhvr>
-                                        <p:cTn id="10" dur="1" fill="hold">
-                                          <p:stCondLst>
-                                            <p:cond delay="0"/>
-                                          </p:stCondLst>
-                                        </p:cTn>
-                                        <p:tgtEl>
-                                          <p:spTgt spid="6"/>
-                                        </p:tgtEl>
-                                        <p:attrNameLst>
-                                          <p:attrName>style.visibility</p:attrName>
-                                        </p:attrNameLst>
-                                      </p:cBhvr>
-                                      <p:to>
-                                        <p:strVal val="visible"/>
-                                      </p:to>
-                                    </p:set>
-                                  </p:childTnLst>
-                                </p:cTn>
-                              </p:par>
-                            </p:childTnLst>
-                          </p:cTn>
-                        </p:par>
-                      </p:childTnLst>
-                    </p:cTn>
-                  </p:par>
-                  <p:par>
-                    <p:cTn id="11" fill="hold">
-                      <p:stCondLst>
-                        <p:cond delay="indefinite"/>
-                      </p:stCondLst>
-                      <p:childTnLst>
-                        <p:par>
-                          <p:cTn id="12" fill="hold">
-                            <p:stCondLst>
-                              <p:cond delay="0"/>
-                            </p:stCondLst>
-                            <p:childTnLst>
-                              <p:par>
-                                <p:cTn id="13" presetID="1" presetClass="entr" presetSubtype="0" fill="hold" grpId="0" nodeType="clickEffect">
-                                  <p:stCondLst>
-                                    <p:cond delay="0"/>
-                                  </p:stCondLst>
-                                  <p:childTnLst>
-                                    <p:set>
-                                      <p:cBhvr>
-                                        <p:cTn id="14" dur="1" fill="hold">
-                                          <p:stCondLst>
-                                            <p:cond delay="0"/>
-                                          </p:stCondLst>
-                                        </p:cTn>
-                                        <p:tgtEl>
-                                          <p:spTgt spid="7"/>
-                                        </p:tgtEl>
-                                        <p:attrNameLst>
-                                          <p:attrName>style.visibility</p:attrName>
-                                        </p:attrNameLst>
-                                      </p:cBhvr>
-                                      <p:to>
-                                        <p:strVal val="visible"/>
-                                      </p:to>
-                                    </p:set>
-                                  </p:childTnLst>
-                                </p:cTn>
-                              </p:par>
-                            </p:childTnLst>
-                          </p:cTn>
-                        </p:par>
-                      </p:childTnLst>
-                    </p:cTn>
-                  </p:par>
-                </p:childTnLst>
-              </p:cTn>
-              <p:prevCondLst>
-                <p:cond evt="onPrev" delay="0">
-                  <p:tgtEl>
-                    <p:sldTgt/>
-                  </p:tgtEl>
-                </p:cond>
-              </p:prevCondLst>
-              <p:nextCondLst>
-                <p:cond evt="onNext" delay="0">
-                  <p:tgtEl>
-                    <p:sldTgt/>
-                  </p:tgtEl>
-                </p:cond>
-              </p:nextCondLst>
-            </p:seq>
-          </p:childTnLst>
-        </p:cTn>
-      </p:par>
-    </p:tnLst>
-    <p:bldLst>
-      <p:bldP spid="5" grpId="0" animBg="1"/>
-      <p:bldP spid="6" grpId="0" animBg="1"/>
-      <p:bldP spid="7" grpId="0" animBg="1"/>
-    </p:bldLst>
-  </p:timing>
-</p:sld>
-</file>
-
-<file path=ppt/slides/slide24.xml><?xml version="1.0" encoding="utf-8"?>
-<p:sld xmlns:a="http://schemas.openxmlformats.org/drawingml/2006/main" xmlns:r="http://schemas.openxmlformats.org/officeDocument/2006/relationships" xmlns:p="http://schemas.openxmlformats.org/presentationml/2006/main">
-  <p:cSld>
-    <p:spTree>
-      <p:nvGrpSpPr>
-        <p:cNvPr id="1" name=""/>
-        <p:cNvGrpSpPr/>
-        <p:nvPr/>
-      </p:nvGrpSpPr>
-      <p:grpSpPr>
-        <a:xfrm>
-          <a:off x="0" y="0"/>
-          <a:ext cx="0" cy="0"/>
-          <a:chOff x="0" y="0"/>
-          <a:chExt cx="0" cy="0"/>
-        </a:xfrm>
-      </p:grpSpPr>
-      <p:sp>
-        <p:nvSpPr>
-          <p:cNvPr id="4" name="Title 3"/>
-          <p:cNvSpPr>
-            <a:spLocks noGrp="1"/>
-          </p:cNvSpPr>
-          <p:nvPr>
-            <p:ph type="ctrTitle"/>
-          </p:nvPr>
-        </p:nvSpPr>
-        <p:spPr/>
-        <p:txBody>
-          <a:bodyPr/>
-          <a:lstStyle/>
-          <a:p>
-            <a:r>
-              <a:rPr lang="nl-NL" sz="4000" dirty="0" smtClean="0"/>
-              <a:t>How does </a:t>
-            </a:r>
-            <a:r>
-              <a:rPr lang="nl-NL" sz="4000" dirty="0" err="1" smtClean="0"/>
-              <a:t>Dymola</a:t>
-            </a:r>
-            <a:r>
-              <a:rPr lang="nl-NL" sz="4000" dirty="0" smtClean="0"/>
-              <a:t> </a:t>
-            </a:r>
-            <a:r>
-              <a:rPr lang="nl-NL" sz="4000" dirty="0" err="1" smtClean="0"/>
-              <a:t>work</a:t>
-            </a:r>
-            <a:r>
-              <a:rPr lang="nl-NL" sz="4000" dirty="0" smtClean="0"/>
-              <a:t>?</a:t>
-            </a:r>
-            <a:endParaRPr lang="nl-BE" sz="4000" dirty="0"/>
-          </a:p>
-        </p:txBody>
-      </p:sp>
-      <p:sp>
-        <p:nvSpPr>
-          <p:cNvPr id="5" name="Subtitle 4"/>
-          <p:cNvSpPr>
-            <a:spLocks noGrp="1"/>
-          </p:cNvSpPr>
-          <p:nvPr>
-            <p:ph type="subTitle" idx="1"/>
-          </p:nvPr>
-        </p:nvSpPr>
-        <p:spPr/>
-        <p:txBody>
-          <a:bodyPr/>
-          <a:lstStyle/>
-          <a:p>
-            <a:endParaRPr lang="nl-BE"/>
-          </a:p>
-        </p:txBody>
-      </p:sp>
-    </p:spTree>
-    <p:extLst>
-      <p:ext uri="{BB962C8B-B14F-4D97-AF65-F5344CB8AC3E}">
-        <p14:creationId xmlns:p14="http://schemas.microsoft.com/office/powerpoint/2010/main" val="1102075466"/>
-      </p:ext>
-    </p:extLst>
-  </p:cSld>
-  <p:clrMapOvr>
-    <a:masterClrMapping/>
-  </p:clrMapOvr>
-  <p:timing>
-    <p:tnLst>
-      <p:par>
-        <p:cTn id="1" dur="indefinite" restart="never" nodeType="tmRoot"/>
-      </p:par>
-    </p:tnLst>
-  </p:timing>
-</p:sld>
-</file>
-
 <file path=ppt/slides/slide25.xml><?xml version="1.0" encoding="utf-8"?>
 <p:sld xmlns:a="http://schemas.openxmlformats.org/drawingml/2006/main" xmlns:r="http://schemas.openxmlformats.org/officeDocument/2006/relationships" xmlns:p="http://schemas.openxmlformats.org/presentationml/2006/main">
   <p:cSld>
@@ -13402,7 +12731,7 @@
       </p:grpSpPr>
       <p:sp>
         <p:nvSpPr>
-          <p:cNvPr id="12290" name="Title 1"/>
+          <p:cNvPr id="2" name="Title 1"/>
           <p:cNvSpPr>
             <a:spLocks noGrp="1"/>
           </p:cNvSpPr>
@@ -13415,20 +12744,17 @@
           <a:bodyPr/>
           <a:lstStyle/>
           <a:p>
-            <a:pPr eaLnBrk="1" hangingPunct="1"/>
-            <a:r>
-              <a:rPr lang="en-GB" altLang="nl-BE" smtClean="0">
-                <a:latin typeface="Arial" charset="0"/>
-                <a:cs typeface="Arial" charset="0"/>
-              </a:rPr>
-              <a:t>Modelica environments</a:t>
-            </a:r>
-          </a:p>
-        </p:txBody>
-      </p:sp>
-      <p:sp>
-        <p:nvSpPr>
-          <p:cNvPr id="12291" name="Content Placeholder 2"/>
+            <a:r>
+              <a:rPr lang="en-GB" dirty="0" smtClean="0"/>
+              <a:t>Components</a:t>
+            </a:r>
+            <a:endParaRPr lang="en-GB" dirty="0"/>
+          </a:p>
+        </p:txBody>
+      </p:sp>
+      <p:sp>
+        <p:nvSpPr>
+          <p:cNvPr id="3" name="Content Placeholder 2"/>
           <p:cNvSpPr>
             <a:spLocks noGrp="1"/>
           </p:cNvSpPr>
@@ -13441,230 +12767,152 @@
           <a:bodyPr/>
           <a:lstStyle/>
           <a:p>
-            <a:pPr eaLnBrk="1" hangingPunct="1">
-              <a:buFontTx/>
-              <a:buNone/>
-            </a:pPr>
-            <a:r>
-              <a:rPr lang="en-GB" altLang="nl-BE" dirty="0" smtClean="0">
-                <a:latin typeface="Arial" charset="0"/>
-                <a:cs typeface="Arial" charset="0"/>
-              </a:rPr>
-              <a:t>Commercial software tools</a:t>
-            </a:r>
-          </a:p>
-          <a:p>
-            <a:pPr eaLnBrk="1" hangingPunct="1"/>
-            <a:r>
-              <a:rPr lang="en-GB" altLang="nl-BE" sz="2400" b="1" u="sng" dirty="0" err="1" smtClean="0">
-                <a:latin typeface="Arial" charset="0"/>
-                <a:cs typeface="Arial" charset="0"/>
-              </a:rPr>
-              <a:t>Dymola</a:t>
-            </a:r>
-            <a:r>
-              <a:rPr lang="en-GB" altLang="nl-BE" sz="2400" dirty="0" smtClean="0">
-                <a:latin typeface="Arial" charset="0"/>
-                <a:cs typeface="Arial" charset="0"/>
-              </a:rPr>
-              <a:t> (</a:t>
-            </a:r>
-            <a:r>
-              <a:rPr lang="en-GB" altLang="nl-BE" sz="2400" dirty="0" err="1" smtClean="0">
-                <a:latin typeface="Arial" charset="0"/>
-                <a:cs typeface="Arial" charset="0"/>
-              </a:rPr>
-              <a:t>Dassault</a:t>
-            </a:r>
-            <a:r>
-              <a:rPr lang="en-GB" altLang="nl-BE" sz="2400" dirty="0" smtClean="0">
-                <a:latin typeface="Arial" charset="0"/>
-                <a:cs typeface="Arial" charset="0"/>
-              </a:rPr>
-              <a:t> </a:t>
-            </a:r>
-            <a:r>
-              <a:rPr lang="en-GB" altLang="nl-BE" sz="2400" dirty="0" err="1" smtClean="0">
-                <a:latin typeface="Arial" charset="0"/>
-                <a:cs typeface="Arial" charset="0"/>
-              </a:rPr>
-              <a:t>Systèmes</a:t>
-            </a:r>
-            <a:r>
-              <a:rPr lang="en-GB" altLang="nl-BE" sz="2400" dirty="0" smtClean="0">
-                <a:latin typeface="Arial" charset="0"/>
-                <a:cs typeface="Arial" charset="0"/>
-              </a:rPr>
-              <a:t>, Sweden)</a:t>
-            </a:r>
-          </a:p>
-          <a:p>
-            <a:pPr eaLnBrk="1" hangingPunct="1"/>
-            <a:r>
-              <a:rPr lang="en-GB" altLang="nl-BE" sz="2400" b="1" dirty="0" err="1" smtClean="0">
-                <a:latin typeface="Arial" charset="0"/>
-                <a:cs typeface="Arial" charset="0"/>
-              </a:rPr>
-              <a:t>MathModelica</a:t>
-            </a:r>
-            <a:r>
-              <a:rPr lang="en-GB" altLang="nl-BE" sz="2400" dirty="0" smtClean="0">
-                <a:latin typeface="Arial" charset="0"/>
-                <a:cs typeface="Arial" charset="0"/>
-              </a:rPr>
-              <a:t> (</a:t>
-            </a:r>
-            <a:r>
-              <a:rPr lang="en-GB" altLang="nl-BE" sz="2400" dirty="0" err="1" smtClean="0">
-                <a:latin typeface="Arial" charset="0"/>
-                <a:cs typeface="Arial" charset="0"/>
-              </a:rPr>
-              <a:t>MathCore</a:t>
-            </a:r>
-            <a:r>
-              <a:rPr lang="en-GB" altLang="nl-BE" sz="2400" dirty="0" smtClean="0">
-                <a:latin typeface="Arial" charset="0"/>
-                <a:cs typeface="Arial" charset="0"/>
-              </a:rPr>
-              <a:t>, Sweden)</a:t>
-            </a:r>
-          </a:p>
-          <a:p>
-            <a:pPr eaLnBrk="1" hangingPunct="1"/>
-            <a:r>
-              <a:rPr lang="en-GB" altLang="nl-BE" sz="2400" b="1" dirty="0" err="1" smtClean="0">
-                <a:latin typeface="Arial" charset="0"/>
-                <a:cs typeface="Arial" charset="0"/>
-              </a:rPr>
-              <a:t>SimulationX</a:t>
-            </a:r>
-            <a:r>
-              <a:rPr lang="en-GB" altLang="nl-BE" sz="2400" dirty="0" smtClean="0">
-                <a:latin typeface="Arial" charset="0"/>
-                <a:cs typeface="Arial" charset="0"/>
-              </a:rPr>
-              <a:t> (ITI, Germany)</a:t>
-            </a:r>
-          </a:p>
-          <a:p>
-            <a:pPr eaLnBrk="1" hangingPunct="1"/>
-            <a:r>
-              <a:rPr lang="en-GB" altLang="nl-BE" sz="2400" b="1" dirty="0" err="1" smtClean="0">
-                <a:latin typeface="Arial" charset="0"/>
-                <a:cs typeface="Arial" charset="0"/>
-              </a:rPr>
-              <a:t>MapleSim</a:t>
-            </a:r>
-            <a:r>
-              <a:rPr lang="en-GB" altLang="nl-BE" sz="2400" dirty="0" smtClean="0">
-                <a:latin typeface="Arial" charset="0"/>
-                <a:cs typeface="Arial" charset="0"/>
-              </a:rPr>
-              <a:t> (</a:t>
-            </a:r>
-            <a:r>
-              <a:rPr lang="en-GB" altLang="nl-BE" sz="2400" dirty="0" err="1" smtClean="0">
-                <a:latin typeface="Arial" charset="0"/>
-                <a:cs typeface="Arial" charset="0"/>
-              </a:rPr>
-              <a:t>Maplesoft</a:t>
-            </a:r>
-            <a:r>
-              <a:rPr lang="en-GB" altLang="nl-BE" sz="2400" dirty="0" smtClean="0">
-                <a:latin typeface="Arial" charset="0"/>
-                <a:cs typeface="Arial" charset="0"/>
-              </a:rPr>
-              <a:t>, Canada)</a:t>
-            </a:r>
-          </a:p>
-          <a:p>
-            <a:pPr eaLnBrk="1" hangingPunct="1"/>
-            <a:endParaRPr lang="en-GB" altLang="nl-BE" sz="2400" dirty="0" smtClean="0">
-              <a:latin typeface="Arial" charset="0"/>
-              <a:cs typeface="Arial" charset="0"/>
+            <a:r>
+              <a:rPr lang="en-GB" dirty="0" smtClean="0"/>
+              <a:t>Instances of a </a:t>
+            </a:r>
+            <a:r>
+              <a:rPr lang="en-GB" dirty="0" smtClean="0">
+                <a:latin typeface="Monaco"/>
+                <a:cs typeface="Monaco"/>
+              </a:rPr>
+              <a:t>model</a:t>
+            </a:r>
+          </a:p>
+          <a:p>
+            <a:r>
+              <a:rPr lang="en-GB" dirty="0" smtClean="0">
+                <a:latin typeface="Monaco"/>
+                <a:cs typeface="Monaco"/>
+              </a:rPr>
+              <a:t>model </a:t>
+            </a:r>
+            <a:r>
+              <a:rPr lang="en-GB" dirty="0" smtClean="0">
+                <a:latin typeface="Arial"/>
+                <a:cs typeface="Arial"/>
+              </a:rPr>
+              <a:t>name usually Capitalized, instance not</a:t>
+            </a:r>
+          </a:p>
+          <a:p>
+            <a:pPr lvl="1"/>
+            <a:r>
+              <a:rPr lang="en-GB" dirty="0" smtClean="0">
+                <a:latin typeface="Monaco"/>
+                <a:cs typeface="Monaco"/>
+              </a:rPr>
+              <a:t>Wall </a:t>
+            </a:r>
+            <a:r>
+              <a:rPr lang="en-GB" dirty="0" err="1" smtClean="0">
+                <a:latin typeface="Monaco"/>
+                <a:cs typeface="Monaco"/>
+              </a:rPr>
+              <a:t>innerWall</a:t>
+            </a:r>
+            <a:r>
+              <a:rPr lang="en-GB" dirty="0" smtClean="0">
+                <a:latin typeface="Monaco"/>
+                <a:cs typeface="Monaco"/>
+              </a:rPr>
+              <a:t>(res = 200, A = 10);</a:t>
+            </a:r>
+          </a:p>
+          <a:p>
+            <a:r>
+              <a:rPr lang="en-GB" i="1" dirty="0" smtClean="0">
+                <a:latin typeface="Arial"/>
+                <a:cs typeface="Arial"/>
+              </a:rPr>
+              <a:t>public</a:t>
+            </a:r>
+            <a:r>
+              <a:rPr lang="en-GB" dirty="0" smtClean="0">
+                <a:latin typeface="Arial"/>
+                <a:cs typeface="Arial"/>
+              </a:rPr>
+              <a:t> variables and parameters can be accessed with dot notation, e.g.:</a:t>
+            </a:r>
+          </a:p>
+          <a:p>
+            <a:pPr lvl="1"/>
+            <a:r>
+              <a:rPr lang="en-GB" dirty="0" err="1" smtClean="0">
+                <a:latin typeface="Monaco"/>
+                <a:cs typeface="Monaco"/>
+              </a:rPr>
+              <a:t>heatPort.Qflow</a:t>
+            </a:r>
+            <a:endParaRPr lang="en-GB" dirty="0" smtClean="0">
+              <a:latin typeface="Monaco"/>
+              <a:cs typeface="Monaco"/>
             </a:endParaRPr>
           </a:p>
           <a:p>
-            <a:pPr eaLnBrk="1" hangingPunct="1">
-              <a:buFontTx/>
-              <a:buNone/>
-            </a:pPr>
-            <a:r>
-              <a:rPr lang="en-GB" altLang="nl-BE" dirty="0" smtClean="0">
-                <a:latin typeface="Arial" charset="0"/>
-                <a:cs typeface="Arial" charset="0"/>
-              </a:rPr>
-              <a:t>Free and open source tools</a:t>
-            </a:r>
-          </a:p>
-          <a:p>
-            <a:pPr eaLnBrk="1" hangingPunct="1"/>
-            <a:r>
-              <a:rPr lang="en-GB" altLang="nl-BE" sz="2400" b="1" dirty="0" err="1" smtClean="0">
-                <a:latin typeface="Arial" charset="0"/>
-                <a:cs typeface="Arial" charset="0"/>
-              </a:rPr>
-              <a:t>OpenModelica</a:t>
-            </a:r>
-            <a:r>
-              <a:rPr lang="en-GB" altLang="nl-BE" sz="2400" dirty="0" smtClean="0">
-                <a:latin typeface="Arial" charset="0"/>
-                <a:cs typeface="Arial" charset="0"/>
-              </a:rPr>
-              <a:t> (Open Source </a:t>
-            </a:r>
-            <a:r>
-              <a:rPr lang="en-GB" altLang="nl-BE" sz="2400" dirty="0" err="1" smtClean="0">
-                <a:latin typeface="Arial" charset="0"/>
-                <a:cs typeface="Arial" charset="0"/>
-              </a:rPr>
-              <a:t>Modelica</a:t>
-            </a:r>
-            <a:r>
-              <a:rPr lang="en-GB" altLang="nl-BE" sz="2400" dirty="0" smtClean="0">
-                <a:latin typeface="Arial" charset="0"/>
-                <a:cs typeface="Arial" charset="0"/>
-              </a:rPr>
-              <a:t> Consortium, Sweden and other countries)</a:t>
-            </a:r>
-          </a:p>
-          <a:p>
-            <a:pPr eaLnBrk="1" hangingPunct="1"/>
-            <a:r>
-              <a:rPr lang="en-GB" altLang="nl-BE" sz="2400" b="1" dirty="0" err="1" smtClean="0">
-                <a:latin typeface="Arial" charset="0"/>
-                <a:cs typeface="Arial" charset="0"/>
-              </a:rPr>
-              <a:t>JModelica</a:t>
-            </a:r>
-            <a:r>
-              <a:rPr lang="en-GB" altLang="nl-BE" sz="2400" dirty="0" smtClean="0">
-                <a:latin typeface="Arial" charset="0"/>
-                <a:cs typeface="Arial" charset="0"/>
-              </a:rPr>
-              <a:t> (</a:t>
-            </a:r>
-            <a:r>
-              <a:rPr lang="en-GB" altLang="nl-BE" sz="2400" dirty="0" err="1" smtClean="0">
-                <a:latin typeface="Arial" charset="0"/>
-                <a:cs typeface="Arial" charset="0"/>
-              </a:rPr>
-              <a:t>Modelon</a:t>
-            </a:r>
-            <a:r>
-              <a:rPr lang="en-GB" altLang="nl-BE" sz="2400" dirty="0" smtClean="0">
-                <a:latin typeface="Arial" charset="0"/>
-                <a:cs typeface="Arial" charset="0"/>
-              </a:rPr>
-              <a:t>, Sweden)</a:t>
-            </a:r>
+            <a:pPr lvl="1"/>
+            <a:r>
+              <a:rPr lang="en-GB" dirty="0" err="1" smtClean="0">
+                <a:latin typeface="Monaco"/>
+                <a:cs typeface="Monaco"/>
+              </a:rPr>
+              <a:t>wall.res</a:t>
+            </a:r>
+            <a:endParaRPr lang="en-GB" dirty="0" smtClean="0">
+              <a:latin typeface="Monaco"/>
+              <a:cs typeface="Monaco"/>
+            </a:endParaRPr>
+          </a:p>
+          <a:p>
+            <a:r>
+              <a:rPr lang="en-GB" i="1" dirty="0" smtClean="0">
+                <a:latin typeface="Arial"/>
+                <a:cs typeface="Arial"/>
+              </a:rPr>
+              <a:t>Protected </a:t>
+            </a:r>
+            <a:r>
+              <a:rPr lang="en-GB" dirty="0" smtClean="0">
+                <a:latin typeface="Arial"/>
+                <a:cs typeface="Arial"/>
+              </a:rPr>
+              <a:t>variables/</a:t>
+            </a:r>
+            <a:r>
+              <a:rPr lang="en-GB" dirty="0" err="1" smtClean="0">
+                <a:latin typeface="Arial"/>
+                <a:cs typeface="Arial"/>
+              </a:rPr>
+              <a:t>params</a:t>
+            </a:r>
+            <a:r>
+              <a:rPr lang="en-GB" dirty="0" smtClean="0">
+                <a:latin typeface="Arial"/>
+                <a:cs typeface="Arial"/>
+              </a:rPr>
+              <a:t> cannot be accessed</a:t>
+            </a:r>
+          </a:p>
+          <a:p>
+            <a:pPr lvl="1"/>
+            <a:r>
+              <a:rPr lang="en-GB" dirty="0" smtClean="0">
+                <a:latin typeface="Arial"/>
+                <a:cs typeface="Arial"/>
+              </a:rPr>
+              <a:t>Don’t show up in simulation results</a:t>
+            </a:r>
+            <a:endParaRPr lang="en-GB" dirty="0">
+              <a:latin typeface="Arial"/>
+              <a:cs typeface="Arial"/>
+            </a:endParaRPr>
           </a:p>
         </p:txBody>
       </p:sp>
     </p:spTree>
     <p:extLst>
       <p:ext uri="{BB962C8B-B14F-4D97-AF65-F5344CB8AC3E}">
-        <p14:creationId xmlns:p14="http://schemas.microsoft.com/office/powerpoint/2010/main" val="3863056017"/>
+        <p14:creationId xmlns:p14="http://schemas.microsoft.com/office/powerpoint/2010/main" val="1796310501"/>
       </p:ext>
     </p:extLst>
   </p:cSld>
@@ -13714,448 +12962,52 @@
           <a:lstStyle/>
           <a:p>
             <a:r>
-              <a:rPr lang="en-GB" dirty="0" smtClean="0"/>
-              <a:t>What does </a:t>
-            </a:r>
-            <a:r>
-              <a:rPr lang="en-GB" dirty="0" err="1" smtClean="0"/>
-              <a:t>Dymola</a:t>
-            </a:r>
-            <a:r>
-              <a:rPr lang="en-GB" dirty="0" smtClean="0"/>
-              <a:t> do?</a:t>
-            </a:r>
-            <a:endParaRPr lang="en-GB" dirty="0"/>
-          </a:p>
-        </p:txBody>
-      </p:sp>
-      <mc:AlternateContent xmlns:mc="http://schemas.openxmlformats.org/markup-compatibility/2006" xmlns:a14="http://schemas.microsoft.com/office/drawing/2010/main">
-        <mc:Choice Requires="a14">
-          <p:sp>
-            <p:nvSpPr>
-              <p:cNvPr id="3" name="Content Placeholder 2"/>
-              <p:cNvSpPr>
-                <a:spLocks noGrp="1"/>
-              </p:cNvSpPr>
-              <p:nvPr>
-                <p:ph idx="1"/>
-              </p:nvPr>
-            </p:nvSpPr>
-            <p:spPr/>
-            <p:txBody>
-              <a:bodyPr/>
-              <a:lstStyle/>
-              <a:p>
-                <a:r>
-                  <a:rPr lang="en-GB" b="1" dirty="0" smtClean="0"/>
-                  <a:t>Compiles </a:t>
-                </a:r>
-                <a:r>
-                  <a:rPr lang="en-GB" smtClean="0"/>
-                  <a:t>and </a:t>
-                </a:r>
-                <a:r>
-                  <a:rPr lang="en-GB" b="1" smtClean="0"/>
-                  <a:t>integrates</a:t>
-                </a:r>
-                <a:r>
-                  <a:rPr lang="en-GB" smtClean="0"/>
-                  <a:t> </a:t>
-                </a:r>
-                <a:r>
-                  <a:rPr lang="en-GB" dirty="0" smtClean="0"/>
-                  <a:t>equations</a:t>
-                </a:r>
-              </a:p>
-              <a:p>
-                <a:pPr lvl="1"/>
-                <a:r>
-                  <a:rPr lang="en-GB" dirty="0" smtClean="0"/>
-                  <a:t>Finds solution to ODEs at indicated times</a:t>
-                </a:r>
-              </a:p>
-              <a:p>
-                <a:pPr lvl="1"/>
-                <a14:m>
-                  <m:oMath xmlns:m="http://schemas.openxmlformats.org/officeDocument/2006/math">
-                    <m:f>
-                      <m:fPr>
-                        <m:ctrlPr>
-                          <a:rPr lang="nl-NL" b="0" i="1" smtClean="0">
-                            <a:latin typeface="Cambria Math"/>
-                          </a:rPr>
-                        </m:ctrlPr>
-                      </m:fPr>
-                      <m:num>
-                        <m:r>
-                          <a:rPr lang="nl-NL" b="0" i="1" smtClean="0">
-                            <a:latin typeface="Cambria Math"/>
-                          </a:rPr>
-                          <m:t>𝑑𝑥</m:t>
-                        </m:r>
-                      </m:num>
-                      <m:den>
-                        <m:r>
-                          <a:rPr lang="nl-NL" b="0" i="1" smtClean="0">
-                            <a:latin typeface="Cambria Math"/>
-                          </a:rPr>
-                          <m:t>𝑑𝑡</m:t>
-                        </m:r>
-                      </m:den>
-                    </m:f>
-                    <m:r>
-                      <a:rPr lang="nl-NL" b="0" i="1" smtClean="0">
-                        <a:latin typeface="Cambria Math"/>
-                      </a:rPr>
-                      <m:t>=</m:t>
-                    </m:r>
-                    <m:r>
-                      <a:rPr lang="nl-NL" b="0" i="1" smtClean="0">
-                        <a:latin typeface="Cambria Math"/>
-                      </a:rPr>
-                      <m:t>𝑓</m:t>
-                    </m:r>
-                    <m:r>
-                      <a:rPr lang="nl-NL" b="0" i="1" smtClean="0">
-                        <a:latin typeface="Cambria Math"/>
-                      </a:rPr>
-                      <m:t>(</m:t>
-                    </m:r>
-                    <m:r>
-                      <a:rPr lang="nl-NL" b="0" i="1" smtClean="0">
-                        <a:latin typeface="Cambria Math"/>
-                      </a:rPr>
-                      <m:t>𝑥</m:t>
-                    </m:r>
-                    <m:r>
-                      <a:rPr lang="nl-NL" b="0" i="1" smtClean="0">
-                        <a:latin typeface="Cambria Math"/>
-                      </a:rPr>
-                      <m:t>,</m:t>
-                    </m:r>
-                    <m:r>
-                      <a:rPr lang="nl-NL" b="0" i="1" smtClean="0">
-                        <a:latin typeface="Cambria Math"/>
-                      </a:rPr>
-                      <m:t>𝑢</m:t>
-                    </m:r>
-                    <m:r>
-                      <a:rPr lang="nl-NL" b="0" i="1" smtClean="0">
-                        <a:latin typeface="Cambria Math"/>
-                      </a:rPr>
-                      <m:t>,…)</m:t>
-                    </m:r>
-                  </m:oMath>
-                </a14:m>
-                <a:r>
-                  <a:rPr lang="en-GB" dirty="0" smtClean="0"/>
-                  <a:t> </a:t>
-                </a:r>
-                <a:r>
-                  <a:rPr lang="en-GB" dirty="0" smtClean="0">
-                    <a:sym typeface="Wingdings" panose="05000000000000000000" pitchFamily="2" charset="2"/>
-                  </a:rPr>
-                  <a:t> </a:t>
-                </a:r>
-                <a14:m>
-                  <m:oMath xmlns:m="http://schemas.openxmlformats.org/officeDocument/2006/math">
-                    <m:sSub>
-                      <m:sSubPr>
-                        <m:ctrlPr>
-                          <a:rPr lang="nl-NL" b="0" i="1" smtClean="0">
-                            <a:latin typeface="Cambria Math"/>
-                            <a:sym typeface="Wingdings" panose="05000000000000000000" pitchFamily="2" charset="2"/>
-                          </a:rPr>
-                        </m:ctrlPr>
-                      </m:sSubPr>
-                      <m:e>
-                        <m:r>
-                          <a:rPr lang="nl-NL" b="0" i="1" smtClean="0">
-                            <a:latin typeface="Cambria Math"/>
-                            <a:sym typeface="Wingdings" panose="05000000000000000000" pitchFamily="2" charset="2"/>
-                          </a:rPr>
-                          <m:t>𝑥</m:t>
-                        </m:r>
-                      </m:e>
-                      <m:sub>
-                        <m:r>
-                          <a:rPr lang="nl-NL" b="0" i="1" smtClean="0">
-                            <a:latin typeface="Cambria Math"/>
-                            <a:sym typeface="Wingdings" panose="05000000000000000000" pitchFamily="2" charset="2"/>
-                          </a:rPr>
-                          <m:t>𝑡</m:t>
-                        </m:r>
-                        <m:r>
-                          <a:rPr lang="nl-NL" b="0" i="1" smtClean="0">
-                            <a:latin typeface="Cambria Math"/>
-                            <a:sym typeface="Wingdings" panose="05000000000000000000" pitchFamily="2" charset="2"/>
-                          </a:rPr>
-                          <m:t>+1</m:t>
-                        </m:r>
-                      </m:sub>
-                    </m:sSub>
-                    <m:r>
-                      <a:rPr lang="nl-NL" b="0" i="1" smtClean="0">
-                        <a:latin typeface="Cambria Math"/>
-                        <a:sym typeface="Wingdings" panose="05000000000000000000" pitchFamily="2" charset="2"/>
-                      </a:rPr>
-                      <m:t>=</m:t>
-                    </m:r>
-                    <m:acc>
-                      <m:accPr>
-                        <m:chr m:val="̂"/>
-                        <m:ctrlPr>
-                          <a:rPr lang="nl-NL" b="0" i="1" smtClean="0">
-                            <a:latin typeface="Cambria Math"/>
-                            <a:sym typeface="Wingdings" panose="05000000000000000000" pitchFamily="2" charset="2"/>
-                          </a:rPr>
-                        </m:ctrlPr>
-                      </m:accPr>
-                      <m:e>
-                        <m:r>
-                          <a:rPr lang="nl-NL" b="0" i="1" smtClean="0">
-                            <a:latin typeface="Cambria Math"/>
-                            <a:sym typeface="Wingdings" panose="05000000000000000000" pitchFamily="2" charset="2"/>
-                          </a:rPr>
-                          <m:t>𝑓</m:t>
-                        </m:r>
-                      </m:e>
-                    </m:acc>
-                    <m:r>
-                      <a:rPr lang="nl-NL" b="0" i="1" smtClean="0">
-                        <a:latin typeface="Cambria Math"/>
-                        <a:sym typeface="Wingdings" panose="05000000000000000000" pitchFamily="2" charset="2"/>
-                      </a:rPr>
-                      <m:t>(</m:t>
-                    </m:r>
-                    <m:sSub>
-                      <m:sSubPr>
-                        <m:ctrlPr>
-                          <a:rPr lang="nl-NL" b="0" i="1" smtClean="0">
-                            <a:latin typeface="Cambria Math"/>
-                            <a:sym typeface="Wingdings" panose="05000000000000000000" pitchFamily="2" charset="2"/>
-                          </a:rPr>
-                        </m:ctrlPr>
-                      </m:sSubPr>
-                      <m:e>
-                        <m:r>
-                          <a:rPr lang="nl-NL" b="0" i="1" smtClean="0">
-                            <a:latin typeface="Cambria Math"/>
-                            <a:sym typeface="Wingdings" panose="05000000000000000000" pitchFamily="2" charset="2"/>
-                          </a:rPr>
-                          <m:t>𝑥</m:t>
-                        </m:r>
-                      </m:e>
-                      <m:sub>
-                        <m:r>
-                          <a:rPr lang="nl-NL" b="0" i="1" smtClean="0">
-                            <a:latin typeface="Cambria Math"/>
-                            <a:sym typeface="Wingdings" panose="05000000000000000000" pitchFamily="2" charset="2"/>
-                          </a:rPr>
-                          <m:t>𝑡</m:t>
-                        </m:r>
-                      </m:sub>
-                    </m:sSub>
-                    <m:r>
-                      <a:rPr lang="nl-NL" b="0" i="1" smtClean="0">
-                        <a:latin typeface="Cambria Math"/>
-                        <a:sym typeface="Wingdings" panose="05000000000000000000" pitchFamily="2" charset="2"/>
-                      </a:rPr>
-                      <m:t>,</m:t>
-                    </m:r>
-                    <m:sSub>
-                      <m:sSubPr>
-                        <m:ctrlPr>
-                          <a:rPr lang="nl-NL" b="0" i="1" smtClean="0">
-                            <a:latin typeface="Cambria Math"/>
-                            <a:sym typeface="Wingdings" panose="05000000000000000000" pitchFamily="2" charset="2"/>
-                          </a:rPr>
-                        </m:ctrlPr>
-                      </m:sSubPr>
-                      <m:e>
-                        <m:r>
-                          <a:rPr lang="nl-NL" b="0" i="1" smtClean="0">
-                            <a:latin typeface="Cambria Math"/>
-                            <a:sym typeface="Wingdings" panose="05000000000000000000" pitchFamily="2" charset="2"/>
-                          </a:rPr>
-                          <m:t>𝑢</m:t>
-                        </m:r>
-                      </m:e>
-                      <m:sub>
-                        <m:r>
-                          <a:rPr lang="nl-NL" b="0" i="1" smtClean="0">
-                            <a:latin typeface="Cambria Math"/>
-                            <a:sym typeface="Wingdings" panose="05000000000000000000" pitchFamily="2" charset="2"/>
-                          </a:rPr>
-                          <m:t>𝑡</m:t>
-                        </m:r>
-                      </m:sub>
-                    </m:sSub>
-                    <m:r>
-                      <a:rPr lang="nl-NL" b="0" i="1" smtClean="0">
-                        <a:latin typeface="Cambria Math"/>
-                        <a:sym typeface="Wingdings" panose="05000000000000000000" pitchFamily="2" charset="2"/>
-                      </a:rPr>
-                      <m:t>,…)</m:t>
-                    </m:r>
-                  </m:oMath>
-                </a14:m>
-                <a:endParaRPr lang="en-GB" dirty="0" smtClean="0"/>
-              </a:p>
-              <a:p>
-                <a:pPr lvl="1"/>
-                <a:r>
-                  <a:rPr lang="en-GB" dirty="0" smtClean="0"/>
-                  <a:t>Different solvers</a:t>
-                </a:r>
-              </a:p>
-              <a:p>
-                <a:pPr lvl="2"/>
-                <a:r>
-                  <a:rPr lang="en-GB" dirty="0" err="1" smtClean="0"/>
-                  <a:t>Radau</a:t>
-                </a:r>
-                <a:r>
-                  <a:rPr lang="en-GB" dirty="0" smtClean="0"/>
-                  <a:t>, </a:t>
-                </a:r>
-                <a:r>
-                  <a:rPr lang="en-GB" dirty="0" err="1" smtClean="0"/>
-                  <a:t>Dassl</a:t>
-                </a:r>
-                <a:r>
-                  <a:rPr lang="en-GB" dirty="0" smtClean="0"/>
-                  <a:t>, Euler, </a:t>
-                </a:r>
-                <a:r>
-                  <a:rPr lang="en-GB" dirty="0" err="1" smtClean="0"/>
-                  <a:t>Runge-Kutta</a:t>
-                </a:r>
-                <a:r>
-                  <a:rPr lang="en-GB" dirty="0" smtClean="0"/>
-                  <a:t>,</a:t>
-                </a:r>
-                <a:r>
-                  <a:rPr lang="is-IS" dirty="0" smtClean="0"/>
-                  <a:t>…</a:t>
-                </a:r>
-              </a:p>
-              <a:p>
-                <a:pPr lvl="2"/>
-                <a:r>
-                  <a:rPr lang="is-IS" dirty="0" smtClean="0"/>
-                  <a:t>Define </a:t>
-                </a:r>
-                <a:r>
-                  <a:rPr lang="is-IS" i="1" dirty="0" smtClean="0"/>
-                  <a:t>start</a:t>
-                </a:r>
-                <a:r>
-                  <a:rPr lang="is-IS" dirty="0" smtClean="0"/>
-                  <a:t> and </a:t>
-                </a:r>
-                <a:r>
-                  <a:rPr lang="is-IS" i="1" dirty="0" smtClean="0"/>
-                  <a:t>end time</a:t>
-                </a:r>
-                <a:r>
-                  <a:rPr lang="is-IS" dirty="0" smtClean="0"/>
-                  <a:t>, </a:t>
-                </a:r>
-                <a:r>
-                  <a:rPr lang="is-IS" i="1" dirty="0" smtClean="0"/>
-                  <a:t>time step</a:t>
-                </a:r>
-              </a:p>
-              <a:p>
-                <a:pPr lvl="2"/>
-                <a:r>
-                  <a:rPr lang="is-IS" dirty="0" smtClean="0"/>
-                  <a:t>Define </a:t>
-                </a:r>
-                <a:r>
-                  <a:rPr lang="is-IS" i="1" dirty="0" smtClean="0"/>
-                  <a:t>Solver tolerance</a:t>
-                </a:r>
-              </a:p>
-              <a:p>
-                <a:r>
-                  <a:rPr lang="en-GB" b="1" dirty="0" smtClean="0"/>
-                  <a:t>Simulates </a:t>
-                </a:r>
-                <a:r>
-                  <a:rPr lang="en-GB" dirty="0" smtClean="0"/>
-                  <a:t>model</a:t>
-                </a:r>
-              </a:p>
-              <a:p>
-                <a:r>
-                  <a:rPr lang="en-GB" b="1" dirty="0" smtClean="0"/>
-                  <a:t>Plots</a:t>
-                </a:r>
-                <a:r>
-                  <a:rPr lang="en-GB" dirty="0" smtClean="0"/>
-                  <a:t> output</a:t>
-                </a:r>
-                <a:endParaRPr lang="en-GB" b="1" dirty="0" smtClean="0"/>
-              </a:p>
-              <a:p>
-                <a:endParaRPr lang="en-GB" dirty="0"/>
-              </a:p>
-            </p:txBody>
-          </p:sp>
-        </mc:Choice>
-        <mc:Fallback xmlns="">
-          <p:sp>
-            <p:nvSpPr>
-              <p:cNvPr id="3" name="Content Placeholder 2"/>
-              <p:cNvSpPr>
-                <a:spLocks noGrp="1" noRot="1" noChangeAspect="1" noMove="1" noResize="1" noEditPoints="1" noAdjustHandles="1" noChangeArrowheads="1" noChangeShapeType="1" noTextEdit="1"/>
-              </p:cNvSpPr>
-              <p:nvPr>
-                <p:ph idx="1"/>
-              </p:nvPr>
-            </p:nvSpPr>
-            <p:spPr>
-              <a:blipFill rotWithShape="1">
-                <a:blip r:embed="rId2"/>
-                <a:stretch>
-                  <a:fillRect l="-2238" t="-2230"/>
-                </a:stretch>
-              </a:blipFill>
-            </p:spPr>
-            <p:txBody>
-              <a:bodyPr/>
-              <a:lstStyle/>
-              <a:p>
-                <a:r>
-                  <a:rPr lang="nl-BE">
-                    <a:noFill/>
-                  </a:rPr>
-                  <a:t> </a:t>
-                </a:r>
-              </a:p>
-            </p:txBody>
-          </p:sp>
-        </mc:Fallback>
-      </mc:AlternateContent>
+              <a:rPr lang="en-US" dirty="0" smtClean="0"/>
+              <a:t>Homework exercise</a:t>
+            </a:r>
+            <a:endParaRPr lang="en-US" dirty="0"/>
+          </a:p>
+        </p:txBody>
+      </p:sp>
+      <p:pic>
+        <p:nvPicPr>
+          <p:cNvPr id="6" name="Content Placeholder 5"/>
+          <p:cNvPicPr>
+            <a:picLocks noGrp="1" noChangeAspect="1"/>
+          </p:cNvPicPr>
+          <p:nvPr>
+            <p:ph idx="1"/>
+          </p:nvPr>
+        </p:nvPicPr>
+        <p:blipFill>
+          <a:blip r:embed="rId2" cstate="print">
+            <a:extLst>
+              <a:ext uri="{28A0092B-C50C-407E-A947-70E740481C1C}">
+                <a14:useLocalDpi xmlns:a14="http://schemas.microsoft.com/office/drawing/2010/main" val="0"/>
+              </a:ext>
+            </a:extLst>
+          </a:blip>
+          <a:stretch>
+            <a:fillRect/>
+          </a:stretch>
+        </p:blipFill>
+        <p:spPr>
+          <a:xfrm>
+            <a:off x="2252704" y="1500188"/>
+            <a:ext cx="5954629" cy="4919662"/>
+          </a:xfrm>
+        </p:spPr>
+      </p:pic>
     </p:spTree>
     <p:extLst>
       <p:ext uri="{BB962C8B-B14F-4D97-AF65-F5344CB8AC3E}">
-        <p14:creationId xmlns:p14="http://schemas.microsoft.com/office/powerpoint/2010/main" val="1005508533"/>
+        <p14:creationId xmlns:p14="http://schemas.microsoft.com/office/powerpoint/2010/main" val="4255606563"/>
       </p:ext>
     </p:extLst>
   </p:cSld>
   <p:clrMapOvr>
     <a:masterClrMapping/>
   </p:clrMapOvr>
-  <p:timing>
-    <p:tnLst>
-      <p:par>
-        <p:cTn id="1" dur="indefinite" restart="never" nodeType="tmRoot"/>
-      </p:par>
-    </p:tnLst>
-  </p:timing>
 </p:sld>
 </file>
 
@@ -14188,18 +13040,20 @@
         </p:nvSpPr>
         <p:spPr/>
         <p:txBody>
-          <a:bodyPr/>
+          <a:bodyPr>
+            <a:normAutofit fontScale="90000"/>
+          </a:bodyPr>
           <a:lstStyle/>
           <a:p>
             <a:r>
-              <a:rPr lang="nl-NL" dirty="0" err="1" smtClean="0"/>
-              <a:t>Graphical</a:t>
-            </a:r>
-            <a:r>
-              <a:rPr lang="nl-NL" dirty="0" smtClean="0"/>
-              <a:t> user interface</a:t>
-            </a:r>
-            <a:endParaRPr lang="nl-BE" dirty="0"/>
+              <a:rPr lang="en-US" dirty="0" err="1" smtClean="0"/>
+              <a:t>ToDo</a:t>
+            </a:r>
+            <a:r>
+              <a:rPr lang="en-US" dirty="0" smtClean="0"/>
+              <a:t> BRAM: add slides on homework example and link to inheritance</a:t>
+            </a:r>
+            <a:endParaRPr lang="en-US" dirty="0"/>
           </a:p>
         </p:txBody>
       </p:sp>
@@ -14218,114 +13072,20 @@
           <a:bodyPr/>
           <a:lstStyle/>
           <a:p>
-            <a:endParaRPr lang="nl-BE"/>
-          </a:p>
-        </p:txBody>
-      </p:sp>
-      <p:pic>
-        <p:nvPicPr>
-          <p:cNvPr id="6147" name="Picture 3"/>
-          <p:cNvPicPr>
-            <a:picLocks noChangeAspect="1" noChangeArrowheads="1"/>
-          </p:cNvPicPr>
-          <p:nvPr/>
-        </p:nvPicPr>
-        <p:blipFill>
-          <a:blip r:embed="rId2">
-            <a:extLst>
-              <a:ext uri="{28A0092B-C50C-407E-A947-70E740481C1C}">
-                <a14:useLocalDpi xmlns:a14="http://schemas.microsoft.com/office/drawing/2010/main" val="0"/>
-              </a:ext>
-            </a:extLst>
-          </a:blip>
-          <a:srcRect/>
-          <a:stretch>
-            <a:fillRect/>
-          </a:stretch>
-        </p:blipFill>
-        <p:spPr bwMode="auto">
-          <a:xfrm>
-            <a:off x="1263576" y="1361728"/>
-            <a:ext cx="7766050" cy="5302250"/>
-          </a:xfrm>
-          <a:prstGeom prst="rect">
-            <a:avLst/>
-          </a:prstGeom>
-          <a:noFill/>
-          <a:ln>
-            <a:noFill/>
-          </a:ln>
-          <a:extLst>
-            <a:ext uri="{909E8E84-426E-40DD-AFC4-6F175D3DCCD1}">
-              <a14:hiddenFill xmlns:a14="http://schemas.microsoft.com/office/drawing/2010/main">
-                <a:solidFill>
-                  <a:schemeClr val="accent1"/>
-                </a:solidFill>
-              </a14:hiddenFill>
-            </a:ext>
-            <a:ext uri="{91240B29-F687-4F45-9708-019B960494DF}">
-              <a14:hiddenLine xmlns:a14="http://schemas.microsoft.com/office/drawing/2010/main" w="9525">
-                <a:solidFill>
-                  <a:schemeClr val="tx1"/>
-                </a:solidFill>
-                <a:miter lim="800000"/>
-                <a:headEnd/>
-                <a:tailEnd/>
-              </a14:hiddenLine>
-            </a:ext>
-          </a:extLst>
-        </p:spPr>
-      </p:pic>
-      <p:cxnSp>
-        <p:nvCxnSpPr>
-          <p:cNvPr id="5" name="Straight Arrow Connector 4"/>
-          <p:cNvCxnSpPr/>
-          <p:nvPr/>
-        </p:nvCxnSpPr>
-        <p:spPr>
-          <a:xfrm flipH="1">
-            <a:off x="6016104" y="1145704"/>
-            <a:ext cx="72008" cy="648072"/>
-          </a:xfrm>
-          <a:prstGeom prst="straightConnector1">
-            <a:avLst/>
-          </a:prstGeom>
-          <a:ln w="28575">
-            <a:tailEnd type="arrow"/>
-          </a:ln>
-        </p:spPr>
-        <p:style>
-          <a:lnRef idx="1">
-            <a:schemeClr val="accent1"/>
-          </a:lnRef>
-          <a:fillRef idx="0">
-            <a:schemeClr val="accent1"/>
-          </a:fillRef>
-          <a:effectRef idx="0">
-            <a:schemeClr val="accent1"/>
-          </a:effectRef>
-          <a:fontRef idx="minor">
-            <a:schemeClr val="tx1"/>
-          </a:fontRef>
-        </p:style>
-      </p:cxnSp>
+            <a:endParaRPr lang="en-US"/>
+          </a:p>
+        </p:txBody>
+      </p:sp>
     </p:spTree>
     <p:extLst>
       <p:ext uri="{BB962C8B-B14F-4D97-AF65-F5344CB8AC3E}">
-        <p14:creationId xmlns:p14="http://schemas.microsoft.com/office/powerpoint/2010/main" val="4128822929"/>
+        <p14:creationId xmlns:p14="http://schemas.microsoft.com/office/powerpoint/2010/main" val="2938485761"/>
       </p:ext>
     </p:extLst>
   </p:cSld>
   <p:clrMapOvr>
     <a:masterClrMapping/>
   </p:clrMapOvr>
-  <p:timing>
-    <p:tnLst>
-      <p:par>
-        <p:cTn id="1" dur="indefinite" restart="never" nodeType="tmRoot"/>
-      </p:par>
-    </p:tnLst>
-  </p:timing>
 </p:sld>
 </file>
 
@@ -14363,11 +13123,7 @@
           <a:p>
             <a:r>
               <a:rPr lang="nl-NL" dirty="0" err="1" smtClean="0"/>
-              <a:t>Graphical</a:t>
-            </a:r>
-            <a:r>
-              <a:rPr lang="nl-NL" dirty="0" smtClean="0"/>
-              <a:t> user interface</a:t>
+              <a:t>Inheritance</a:t>
             </a:r>
             <a:endParaRPr lang="nl-BE" dirty="0"/>
           </a:p>
@@ -14388,155 +13144,135 @@
           <a:bodyPr/>
           <a:lstStyle/>
           <a:p>
-            <a:endParaRPr lang="nl-BE"/>
-          </a:p>
-        </p:txBody>
-      </p:sp>
-      <p:pic>
-        <p:nvPicPr>
-          <p:cNvPr id="6147" name="Picture 3"/>
-          <p:cNvPicPr>
-            <a:picLocks noChangeAspect="1" noChangeArrowheads="1"/>
-          </p:cNvPicPr>
-          <p:nvPr/>
-        </p:nvPicPr>
-        <p:blipFill>
-          <a:blip r:embed="rId2">
-            <a:extLst>
-              <a:ext uri="{28A0092B-C50C-407E-A947-70E740481C1C}">
-                <a14:useLocalDpi xmlns:a14="http://schemas.microsoft.com/office/drawing/2010/main" val="0"/>
-              </a:ext>
-            </a:extLst>
-          </a:blip>
-          <a:srcRect/>
-          <a:stretch>
-            <a:fillRect/>
-          </a:stretch>
-        </p:blipFill>
-        <p:spPr bwMode="auto">
-          <a:xfrm>
-            <a:off x="1263576" y="1361728"/>
-            <a:ext cx="7766050" cy="5302250"/>
-          </a:xfrm>
-          <a:prstGeom prst="rect">
-            <a:avLst/>
-          </a:prstGeom>
-          <a:noFill/>
-          <a:ln>
-            <a:noFill/>
-          </a:ln>
-          <a:extLst>
-            <a:ext uri="{909E8E84-426E-40DD-AFC4-6F175D3DCCD1}">
-              <a14:hiddenFill xmlns:a14="http://schemas.microsoft.com/office/drawing/2010/main">
-                <a:solidFill>
-                  <a:schemeClr val="accent1"/>
-                </a:solidFill>
-              </a14:hiddenFill>
-            </a:ext>
-            <a:ext uri="{91240B29-F687-4F45-9708-019B960494DF}">
-              <a14:hiddenLine xmlns:a14="http://schemas.microsoft.com/office/drawing/2010/main" w="9525">
-                <a:solidFill>
-                  <a:schemeClr val="tx1"/>
-                </a:solidFill>
-                <a:miter lim="800000"/>
-                <a:headEnd/>
-                <a:tailEnd/>
-              </a14:hiddenLine>
-            </a:ext>
-          </a:extLst>
-        </p:spPr>
-      </p:pic>
-      <p:pic>
-        <p:nvPicPr>
-          <p:cNvPr id="7170" name="Picture 2"/>
-          <p:cNvPicPr>
-            <a:picLocks noChangeAspect="1" noChangeArrowheads="1"/>
-          </p:cNvPicPr>
-          <p:nvPr/>
-        </p:nvPicPr>
-        <p:blipFill>
-          <a:blip r:embed="rId3">
-            <a:extLst>
-              <a:ext uri="{28A0092B-C50C-407E-A947-70E740481C1C}">
-                <a14:useLocalDpi xmlns:a14="http://schemas.microsoft.com/office/drawing/2010/main" val="0"/>
-              </a:ext>
-            </a:extLst>
-          </a:blip>
-          <a:srcRect/>
-          <a:stretch>
-            <a:fillRect/>
-          </a:stretch>
-        </p:blipFill>
-        <p:spPr bwMode="auto">
-          <a:xfrm>
-            <a:off x="1263576" y="1361728"/>
-            <a:ext cx="7766050" cy="5302250"/>
-          </a:xfrm>
-          <a:prstGeom prst="rect">
-            <a:avLst/>
-          </a:prstGeom>
-          <a:noFill/>
-          <a:ln>
-            <a:noFill/>
-          </a:ln>
-          <a:extLst>
-            <a:ext uri="{909E8E84-426E-40DD-AFC4-6F175D3DCCD1}">
-              <a14:hiddenFill xmlns:a14="http://schemas.microsoft.com/office/drawing/2010/main">
-                <a:solidFill>
-                  <a:schemeClr val="accent1"/>
-                </a:solidFill>
-              </a14:hiddenFill>
-            </a:ext>
-            <a:ext uri="{91240B29-F687-4F45-9708-019B960494DF}">
-              <a14:hiddenLine xmlns:a14="http://schemas.microsoft.com/office/drawing/2010/main" w="9525">
-                <a:solidFill>
-                  <a:schemeClr val="tx1"/>
-                </a:solidFill>
-                <a:miter lim="800000"/>
-                <a:headEnd/>
-                <a:tailEnd/>
-              </a14:hiddenLine>
-            </a:ext>
-          </a:extLst>
-        </p:spPr>
-      </p:pic>
-      <p:cxnSp>
-        <p:nvCxnSpPr>
-          <p:cNvPr id="5" name="Straight Arrow Connector 4"/>
-          <p:cNvCxnSpPr/>
-          <p:nvPr/>
-        </p:nvCxnSpPr>
-        <p:spPr>
-          <a:xfrm flipH="1">
-            <a:off x="6160120" y="1145704"/>
-            <a:ext cx="72008" cy="648072"/>
-          </a:xfrm>
-          <a:prstGeom prst="straightConnector1">
-            <a:avLst/>
-          </a:prstGeom>
-          <a:ln w="28575">
-            <a:tailEnd type="arrow"/>
-          </a:ln>
-        </p:spPr>
-        <p:style>
-          <a:lnRef idx="1">
-            <a:schemeClr val="accent1"/>
-          </a:lnRef>
-          <a:fillRef idx="0">
-            <a:schemeClr val="accent1"/>
-          </a:fillRef>
-          <a:effectRef idx="0">
-            <a:schemeClr val="accent1"/>
-          </a:effectRef>
-          <a:fontRef idx="minor">
-            <a:schemeClr val="tx1"/>
-          </a:fontRef>
-        </p:style>
-      </p:cxnSp>
+            <a:r>
+              <a:rPr lang="nl-NL" dirty="0" smtClean="0"/>
+              <a:t>Model </a:t>
+            </a:r>
+            <a:r>
+              <a:rPr lang="nl-NL" i="1" dirty="0" err="1" smtClean="0"/>
+              <a:t>inherits</a:t>
+            </a:r>
+            <a:r>
+              <a:rPr lang="nl-NL" i="1" dirty="0" smtClean="0"/>
+              <a:t> </a:t>
+            </a:r>
+            <a:r>
+              <a:rPr lang="nl-NL" dirty="0" err="1" smtClean="0"/>
+              <a:t>from</a:t>
+            </a:r>
+            <a:r>
+              <a:rPr lang="nl-NL" dirty="0" smtClean="0"/>
+              <a:t> </a:t>
+            </a:r>
+            <a:r>
+              <a:rPr lang="nl-NL" dirty="0" err="1" smtClean="0"/>
+              <a:t>other</a:t>
+            </a:r>
+            <a:r>
+              <a:rPr lang="nl-NL" dirty="0" smtClean="0"/>
+              <a:t> model</a:t>
+            </a:r>
+          </a:p>
+          <a:p>
+            <a:pPr lvl="1"/>
+            <a:r>
+              <a:rPr lang="nl-NL" i="1" dirty="0" smtClean="0"/>
+              <a:t>Variables, parameters, </a:t>
+            </a:r>
+            <a:r>
+              <a:rPr lang="nl-NL" i="1" dirty="0" err="1" smtClean="0"/>
+              <a:t>equations</a:t>
+            </a:r>
+            <a:endParaRPr lang="nl-NL" i="1" dirty="0" smtClean="0"/>
+          </a:p>
+          <a:p>
+            <a:r>
+              <a:rPr lang="nl-NL" dirty="0" err="1" smtClean="0">
+                <a:latin typeface="Monaco" panose="020B0509030404040204" pitchFamily="49" charset="0"/>
+              </a:rPr>
+              <a:t>partial</a:t>
+            </a:r>
+            <a:r>
+              <a:rPr lang="nl-NL" dirty="0" smtClean="0">
+                <a:latin typeface="Monaco" panose="020B0509030404040204" pitchFamily="49" charset="0"/>
+              </a:rPr>
+              <a:t> model</a:t>
+            </a:r>
+          </a:p>
+          <a:p>
+            <a:r>
+              <a:rPr lang="nl-NL" dirty="0" smtClean="0">
+                <a:latin typeface="+mj-lt"/>
+              </a:rPr>
+              <a:t>Code </a:t>
+            </a:r>
+            <a:r>
+              <a:rPr lang="nl-NL" dirty="0" err="1" smtClean="0">
+                <a:latin typeface="+mj-lt"/>
+              </a:rPr>
+              <a:t>can</a:t>
+            </a:r>
+            <a:r>
+              <a:rPr lang="nl-NL" dirty="0" smtClean="0">
+                <a:latin typeface="+mj-lt"/>
+              </a:rPr>
+              <a:t> </a:t>
+            </a:r>
+            <a:r>
+              <a:rPr lang="nl-NL" dirty="0" err="1" smtClean="0">
+                <a:latin typeface="+mj-lt"/>
+              </a:rPr>
+              <a:t>be</a:t>
+            </a:r>
+            <a:r>
+              <a:rPr lang="nl-NL" dirty="0" smtClean="0">
+                <a:latin typeface="+mj-lt"/>
+              </a:rPr>
+              <a:t> </a:t>
+            </a:r>
+            <a:r>
+              <a:rPr lang="nl-NL" dirty="0" err="1" smtClean="0">
+                <a:latin typeface="+mj-lt"/>
+              </a:rPr>
+              <a:t>managed</a:t>
+            </a:r>
+            <a:r>
+              <a:rPr lang="nl-NL" dirty="0" smtClean="0">
+                <a:latin typeface="+mj-lt"/>
+              </a:rPr>
+              <a:t> more </a:t>
+            </a:r>
+            <a:r>
+              <a:rPr lang="nl-NL" dirty="0" err="1" smtClean="0">
+                <a:latin typeface="+mj-lt"/>
+              </a:rPr>
+              <a:t>easily</a:t>
+            </a:r>
+            <a:endParaRPr lang="nl-NL" dirty="0" smtClean="0">
+              <a:latin typeface="+mj-lt"/>
+            </a:endParaRPr>
+          </a:p>
+          <a:p>
+            <a:r>
+              <a:rPr lang="nl-NL" dirty="0" err="1" smtClean="0">
+                <a:latin typeface="+mj-lt"/>
+              </a:rPr>
+              <a:t>Example</a:t>
+            </a:r>
+            <a:endParaRPr lang="nl-NL" dirty="0" smtClean="0">
+              <a:latin typeface="+mj-lt"/>
+            </a:endParaRPr>
+          </a:p>
+          <a:p>
+            <a:pPr lvl="1"/>
+            <a:endParaRPr lang="nl-BE" dirty="0"/>
+          </a:p>
+        </p:txBody>
+      </p:sp>
     </p:spTree>
     <p:extLst>
       <p:ext uri="{BB962C8B-B14F-4D97-AF65-F5344CB8AC3E}">
-        <p14:creationId xmlns:p14="http://schemas.microsoft.com/office/powerpoint/2010/main" val="1717768209"/>
+        <p14:creationId xmlns:p14="http://schemas.microsoft.com/office/powerpoint/2010/main" val="1964542570"/>
       </p:ext>
     </p:extLst>
   </p:cSld>
@@ -14586,14 +13322,10 @@
           <a:lstStyle/>
           <a:p>
             <a:r>
-              <a:rPr lang="nl-NL" dirty="0" err="1" smtClean="0"/>
-              <a:t>Graphical</a:t>
-            </a:r>
-            <a:r>
-              <a:rPr lang="nl-NL" dirty="0" smtClean="0"/>
-              <a:t> user interface</a:t>
-            </a:r>
-            <a:endParaRPr lang="nl-BE" dirty="0"/>
+              <a:rPr lang="en-GB" dirty="0" smtClean="0"/>
+              <a:t>Interface with other programs</a:t>
+            </a:r>
+            <a:endParaRPr lang="en-GB" dirty="0"/>
           </a:p>
         </p:txBody>
       </p:sp>
@@ -14612,155 +13344,93 @@
           <a:bodyPr/>
           <a:lstStyle/>
           <a:p>
-            <a:endParaRPr lang="nl-BE"/>
-          </a:p>
-        </p:txBody>
-      </p:sp>
-      <p:pic>
-        <p:nvPicPr>
-          <p:cNvPr id="6147" name="Picture 3"/>
-          <p:cNvPicPr>
-            <a:picLocks noChangeAspect="1" noChangeArrowheads="1"/>
-          </p:cNvPicPr>
-          <p:nvPr/>
-        </p:nvPicPr>
-        <p:blipFill>
-          <a:blip r:embed="rId2">
-            <a:extLst>
-              <a:ext uri="{28A0092B-C50C-407E-A947-70E740481C1C}">
-                <a14:useLocalDpi xmlns:a14="http://schemas.microsoft.com/office/drawing/2010/main" val="0"/>
-              </a:ext>
-            </a:extLst>
-          </a:blip>
-          <a:srcRect/>
-          <a:stretch>
-            <a:fillRect/>
-          </a:stretch>
-        </p:blipFill>
-        <p:spPr bwMode="auto">
-          <a:xfrm>
-            <a:off x="1263576" y="1361728"/>
-            <a:ext cx="7766050" cy="5302250"/>
-          </a:xfrm>
-          <a:prstGeom prst="rect">
-            <a:avLst/>
-          </a:prstGeom>
-          <a:noFill/>
-          <a:ln>
-            <a:noFill/>
-          </a:ln>
-          <a:extLst>
-            <a:ext uri="{909E8E84-426E-40DD-AFC4-6F175D3DCCD1}">
-              <a14:hiddenFill xmlns:a14="http://schemas.microsoft.com/office/drawing/2010/main">
-                <a:solidFill>
-                  <a:schemeClr val="accent1"/>
-                </a:solidFill>
-              </a14:hiddenFill>
-            </a:ext>
-            <a:ext uri="{91240B29-F687-4F45-9708-019B960494DF}">
-              <a14:hiddenLine xmlns:a14="http://schemas.microsoft.com/office/drawing/2010/main" w="9525">
-                <a:solidFill>
-                  <a:schemeClr val="tx1"/>
-                </a:solidFill>
-                <a:miter lim="800000"/>
-                <a:headEnd/>
-                <a:tailEnd/>
-              </a14:hiddenLine>
-            </a:ext>
-          </a:extLst>
-        </p:spPr>
-      </p:pic>
-      <p:pic>
-        <p:nvPicPr>
-          <p:cNvPr id="8194" name="Picture 2"/>
-          <p:cNvPicPr>
-            <a:picLocks noChangeAspect="1" noChangeArrowheads="1"/>
-          </p:cNvPicPr>
-          <p:nvPr/>
-        </p:nvPicPr>
-        <p:blipFill>
-          <a:blip r:embed="rId3">
-            <a:extLst>
-              <a:ext uri="{28A0092B-C50C-407E-A947-70E740481C1C}">
-                <a14:useLocalDpi xmlns:a14="http://schemas.microsoft.com/office/drawing/2010/main" val="0"/>
-              </a:ext>
-            </a:extLst>
-          </a:blip>
-          <a:srcRect/>
-          <a:stretch>
-            <a:fillRect/>
-          </a:stretch>
-        </p:blipFill>
-        <p:spPr bwMode="auto">
-          <a:xfrm>
-            <a:off x="1263576" y="1361728"/>
-            <a:ext cx="7766050" cy="5302250"/>
-          </a:xfrm>
-          <a:prstGeom prst="rect">
-            <a:avLst/>
-          </a:prstGeom>
-          <a:noFill/>
-          <a:ln>
-            <a:noFill/>
-          </a:ln>
-          <a:extLst>
-            <a:ext uri="{909E8E84-426E-40DD-AFC4-6F175D3DCCD1}">
-              <a14:hiddenFill xmlns:a14="http://schemas.microsoft.com/office/drawing/2010/main">
-                <a:solidFill>
-                  <a:schemeClr val="accent1"/>
-                </a:solidFill>
-              </a14:hiddenFill>
-            </a:ext>
-            <a:ext uri="{91240B29-F687-4F45-9708-019B960494DF}">
-              <a14:hiddenLine xmlns:a14="http://schemas.microsoft.com/office/drawing/2010/main" w="9525">
-                <a:solidFill>
-                  <a:schemeClr val="tx1"/>
-                </a:solidFill>
-                <a:miter lim="800000"/>
-                <a:headEnd/>
-                <a:tailEnd/>
-              </a14:hiddenLine>
-            </a:ext>
-          </a:extLst>
-        </p:spPr>
-      </p:pic>
-      <p:cxnSp>
-        <p:nvCxnSpPr>
-          <p:cNvPr id="5" name="Straight Arrow Connector 4"/>
-          <p:cNvCxnSpPr/>
-          <p:nvPr/>
-        </p:nvCxnSpPr>
-        <p:spPr>
-          <a:xfrm flipH="1">
-            <a:off x="6304136" y="1145704"/>
-            <a:ext cx="72008" cy="648072"/>
-          </a:xfrm>
-          <a:prstGeom prst="straightConnector1">
-            <a:avLst/>
-          </a:prstGeom>
-          <a:ln w="28575">
-            <a:tailEnd type="arrow"/>
-          </a:ln>
-        </p:spPr>
-        <p:style>
-          <a:lnRef idx="1">
-            <a:schemeClr val="accent1"/>
-          </a:lnRef>
-          <a:fillRef idx="0">
-            <a:schemeClr val="accent1"/>
-          </a:fillRef>
-          <a:effectRef idx="0">
-            <a:schemeClr val="accent1"/>
-          </a:effectRef>
-          <a:fontRef idx="minor">
-            <a:schemeClr val="tx1"/>
-          </a:fontRef>
-        </p:style>
-      </p:cxnSp>
+            <a:r>
+              <a:rPr lang="en-GB" dirty="0" smtClean="0"/>
+              <a:t>Scripting</a:t>
+            </a:r>
+          </a:p>
+          <a:p>
+            <a:pPr lvl="1"/>
+            <a:r>
+              <a:rPr lang="en-GB" dirty="0" smtClean="0"/>
+              <a:t>Parameter variation</a:t>
+            </a:r>
+          </a:p>
+          <a:p>
+            <a:pPr lvl="1"/>
+            <a:r>
+              <a:rPr lang="en-GB" dirty="0" smtClean="0"/>
+              <a:t>Parallel simulations</a:t>
+            </a:r>
+          </a:p>
+          <a:p>
+            <a:pPr lvl="1"/>
+            <a:r>
+              <a:rPr lang="en-GB" dirty="0" smtClean="0"/>
+              <a:t>Optimal control</a:t>
+            </a:r>
+          </a:p>
+          <a:p>
+            <a:r>
+              <a:rPr lang="en-GB" dirty="0" smtClean="0"/>
+              <a:t>Python scripts using </a:t>
+            </a:r>
+            <a:r>
+              <a:rPr lang="en-GB" i="1" dirty="0" err="1" smtClean="0"/>
+              <a:t>BuildingsPy</a:t>
+            </a:r>
+            <a:endParaRPr lang="en-GB" i="1" dirty="0" smtClean="0"/>
+          </a:p>
+          <a:p>
+            <a:pPr lvl="1"/>
+            <a:r>
+              <a:rPr lang="en-GB" dirty="0" smtClean="0"/>
+              <a:t>Nice for plotting</a:t>
+            </a:r>
+          </a:p>
+          <a:p>
+            <a:pPr lvl="1"/>
+            <a:r>
+              <a:rPr lang="en-GB" dirty="0">
+                <a:hlinkClick r:id="rId2"/>
+              </a:rPr>
+              <a:t>http://simulationresearch.lbl.gov/modelica/buildingspy</a:t>
+            </a:r>
+            <a:r>
+              <a:rPr lang="en-GB" dirty="0" smtClean="0">
+                <a:hlinkClick r:id="rId2"/>
+              </a:rPr>
+              <a:t>/</a:t>
+            </a:r>
+            <a:r>
+              <a:rPr lang="en-GB" dirty="0" smtClean="0"/>
+              <a:t> </a:t>
+            </a:r>
+          </a:p>
+          <a:p>
+            <a:r>
+              <a:rPr lang="en-GB" dirty="0" smtClean="0"/>
+              <a:t>MATLAB</a:t>
+            </a:r>
+          </a:p>
+          <a:p>
+            <a:pPr lvl="1"/>
+            <a:r>
+              <a:rPr lang="en-GB" dirty="0" smtClean="0"/>
+              <a:t>Built-in with </a:t>
+            </a:r>
+            <a:r>
+              <a:rPr lang="en-GB" dirty="0" err="1" smtClean="0"/>
+              <a:t>Dymola</a:t>
+            </a:r>
+            <a:endParaRPr lang="en-GB" dirty="0"/>
+          </a:p>
+        </p:txBody>
+      </p:sp>
     </p:spTree>
     <p:extLst>
       <p:ext uri="{BB962C8B-B14F-4D97-AF65-F5344CB8AC3E}">
-        <p14:creationId xmlns:p14="http://schemas.microsoft.com/office/powerpoint/2010/main" val="2251469408"/>
+        <p14:creationId xmlns:p14="http://schemas.microsoft.com/office/powerpoint/2010/main" val="4225182537"/>
       </p:ext>
     </p:extLst>
   </p:cSld>
@@ -14819,8 +13489,20 @@
                 <a:tableStyleId>{5C22544A-7EE6-4342-B048-85BDC9FD1C3A}</a:tableStyleId>
               </a:tblPr>
               <a:tblGrid>
-                <a:gridCol w="2128287"/>
-                <a:gridCol w="7591975"/>
+                <a:gridCol w="2128287">
+                  <a:extLst>
+                    <a:ext uri="{9D8B030D-6E8A-4147-A177-3AD203B41FA5}">
+                      <a16:colId xmlns:a16="http://schemas.microsoft.com/office/drawing/2014/main" val="20000"/>
+                    </a:ext>
+                  </a:extLst>
+                </a:gridCol>
+                <a:gridCol w="7591975">
+                  <a:extLst>
+                    <a:ext uri="{9D8B030D-6E8A-4147-A177-3AD203B41FA5}">
+                      <a16:colId xmlns:a16="http://schemas.microsoft.com/office/drawing/2014/main" val="20001"/>
+                    </a:ext>
+                  </a:extLst>
+                </a:gridCol>
               </a:tblGrid>
               <a:tr h="766257">
                 <a:tc>
@@ -14872,6 +13554,11 @@
                   </a:txBody>
                   <a:tcPr marL="50796" marR="50796" marT="50800" marB="50800"/>
                 </a:tc>
+                <a:extLst>
+                  <a:ext uri="{0D108BD9-81ED-4DB2-BD59-A6C34878D82A}">
+                    <a16:rowId xmlns:a16="http://schemas.microsoft.com/office/drawing/2014/main" val="10000"/>
+                  </a:ext>
+                </a:extLst>
               </a:tr>
               <a:tr h="766257">
                 <a:tc>
@@ -14924,6 +13611,11 @@
                   </a:txBody>
                   <a:tcPr marL="50796" marR="50796" marT="50800" marB="50800"/>
                 </a:tc>
+                <a:extLst>
+                  <a:ext uri="{0D108BD9-81ED-4DB2-BD59-A6C34878D82A}">
+                    <a16:rowId xmlns:a16="http://schemas.microsoft.com/office/drawing/2014/main" val="10001"/>
+                  </a:ext>
+                </a:extLst>
               </a:tr>
               <a:tr h="900503">
                 <a:tc>
@@ -14991,6 +13683,11 @@
                   </a:txBody>
                   <a:tcPr marL="50796" marR="50796" marT="50800" marB="50800"/>
                 </a:tc>
+                <a:extLst>
+                  <a:ext uri="{0D108BD9-81ED-4DB2-BD59-A6C34878D82A}">
+                    <a16:rowId xmlns:a16="http://schemas.microsoft.com/office/drawing/2014/main" val="10002"/>
+                  </a:ext>
+                </a:extLst>
               </a:tr>
               <a:tr h="766257">
                 <a:tc>
@@ -15047,6 +13744,11 @@
                   </a:txBody>
                   <a:tcPr marL="50796" marR="50796" marT="50800" marB="50800"/>
                 </a:tc>
+                <a:extLst>
+                  <a:ext uri="{0D108BD9-81ED-4DB2-BD59-A6C34878D82A}">
+                    <a16:rowId xmlns:a16="http://schemas.microsoft.com/office/drawing/2014/main" val="10003"/>
+                  </a:ext>
+                </a:extLst>
               </a:tr>
               <a:tr h="766257">
                 <a:tc>
@@ -15095,6 +13797,11 @@
                   </a:txBody>
                   <a:tcPr marL="50796" marR="50796" marT="50800" marB="50800"/>
                 </a:tc>
+                <a:extLst>
+                  <a:ext uri="{0D108BD9-81ED-4DB2-BD59-A6C34878D82A}">
+                    <a16:rowId xmlns:a16="http://schemas.microsoft.com/office/drawing/2014/main" val="10004"/>
+                  </a:ext>
+                </a:extLst>
               </a:tr>
               <a:tr h="766257">
                 <a:tc>
@@ -15151,6 +13858,11 @@
                   </a:txBody>
                   <a:tcPr marL="50796" marR="50796" marT="50800" marB="50800"/>
                 </a:tc>
+                <a:extLst>
+                  <a:ext uri="{0D108BD9-81ED-4DB2-BD59-A6C34878D82A}">
+                    <a16:rowId xmlns:a16="http://schemas.microsoft.com/office/drawing/2014/main" val="10005"/>
+                  </a:ext>
+                </a:extLst>
               </a:tr>
               <a:tr h="766257">
                 <a:tc>
@@ -15198,6 +13910,11 @@
                   </a:txBody>
                   <a:tcPr marL="50796" marR="50796" marT="50800" marB="50800"/>
                 </a:tc>
+                <a:extLst>
+                  <a:ext uri="{0D108BD9-81ED-4DB2-BD59-A6C34878D82A}">
+                    <a16:rowId xmlns:a16="http://schemas.microsoft.com/office/drawing/2014/main" val="10006"/>
+                  </a:ext>
+                </a:extLst>
               </a:tr>
               <a:tr h="766257">
                 <a:tc>
@@ -15237,6 +13954,11 @@
                   </a:txBody>
                   <a:tcPr marL="50796" marR="50796" marT="50800" marB="50800"/>
                 </a:tc>
+                <a:extLst>
+                  <a:ext uri="{0D108BD9-81ED-4DB2-BD59-A6C34878D82A}">
+                    <a16:rowId xmlns:a16="http://schemas.microsoft.com/office/drawing/2014/main" val="10007"/>
+                  </a:ext>
+                </a:extLst>
               </a:tr>
             </a:tbl>
           </a:graphicData>
@@ -15276,7 +13998,7 @@
       </p:grpSpPr>
       <p:sp>
         <p:nvSpPr>
-          <p:cNvPr id="2" name="Title 1"/>
+          <p:cNvPr id="13314" name="Title 1"/>
           <p:cNvSpPr>
             <a:spLocks noGrp="1"/>
           </p:cNvSpPr>
@@ -15290,25 +14012,20 @@
           <a:lstStyle/>
           <a:p>
             <a:r>
-              <a:rPr lang="nl-NL" dirty="0" err="1" smtClean="0"/>
-              <a:t>Graphical</a:t>
-            </a:r>
-            <a:r>
-              <a:rPr lang="nl-NL" dirty="0" smtClean="0"/>
-              <a:t> user interface</a:t>
-            </a:r>
-            <a:endParaRPr lang="nl-BE" dirty="0"/>
-          </a:p>
-        </p:txBody>
-      </p:sp>
-      <p:sp>
-        <p:nvSpPr>
-          <p:cNvPr id="3" name="Content Placeholder 2"/>
+              <a:rPr lang="en-GB" altLang="nl-BE" smtClean="0"/>
+              <a:t>Websites</a:t>
+            </a:r>
+          </a:p>
+        </p:txBody>
+      </p:sp>
+      <p:sp>
+        <p:nvSpPr>
+          <p:cNvPr id="36867" name="Content Placeholder 2"/>
           <p:cNvSpPr>
             <a:spLocks noGrp="1"/>
           </p:cNvSpPr>
           <p:nvPr>
-            <p:ph idx="1"/>
+            <p:ph sz="half" idx="1"/>
           </p:nvPr>
         </p:nvSpPr>
         <p:spPr/>
@@ -15316,235 +14033,469 @@
           <a:bodyPr/>
           <a:lstStyle/>
           <a:p>
-            <a:endParaRPr lang="nl-BE" dirty="0"/>
-          </a:p>
-        </p:txBody>
-      </p:sp>
-      <p:pic>
-        <p:nvPicPr>
-          <p:cNvPr id="6147" name="Picture 3"/>
-          <p:cNvPicPr>
-            <a:picLocks noChangeAspect="1" noChangeArrowheads="1"/>
-          </p:cNvPicPr>
-          <p:nvPr/>
-        </p:nvPicPr>
-        <p:blipFill>
-          <a:blip r:embed="rId2">
-            <a:extLst>
-              <a:ext uri="{28A0092B-C50C-407E-A947-70E740481C1C}">
-                <a14:useLocalDpi xmlns:a14="http://schemas.microsoft.com/office/drawing/2010/main" val="0"/>
-              </a:ext>
-            </a:extLst>
-          </a:blip>
-          <a:srcRect/>
-          <a:stretch>
-            <a:fillRect/>
-          </a:stretch>
-        </p:blipFill>
-        <p:spPr bwMode="auto">
-          <a:xfrm>
-            <a:off x="1263576" y="1361728"/>
-            <a:ext cx="7766050" cy="5302250"/>
-          </a:xfrm>
-          <a:prstGeom prst="rect">
-            <a:avLst/>
-          </a:prstGeom>
-          <a:noFill/>
-          <a:ln>
-            <a:noFill/>
-          </a:ln>
-          <a:extLst>
-            <a:ext uri="{909E8E84-426E-40DD-AFC4-6F175D3DCCD1}">
-              <a14:hiddenFill xmlns:a14="http://schemas.microsoft.com/office/drawing/2010/main">
+            <a:pPr marL="0" indent="0">
+              <a:buFontTx/>
+              <a:buNone/>
+              <a:defRPr/>
+            </a:pPr>
+            <a:r>
+              <a:rPr lang="en-GB" altLang="nl-BE" sz="2000" b="1" dirty="0" smtClean="0"/>
+              <a:t>General</a:t>
+            </a:r>
+          </a:p>
+          <a:p>
+            <a:pPr>
+              <a:defRPr/>
+            </a:pPr>
+            <a:r>
+              <a:rPr lang="en-GB" altLang="nl-BE" sz="2000" dirty="0"/>
+              <a:t>www.modelica.org</a:t>
+            </a:r>
+          </a:p>
+          <a:p>
+            <a:pPr>
+              <a:defRPr/>
+            </a:pPr>
+            <a:r>
+              <a:rPr lang="en-GB" altLang="nl-BE" sz="2000" dirty="0" smtClean="0">
+                <a:hlinkClick r:id="rId2"/>
+              </a:rPr>
+              <a:t>www.openmodelica.org</a:t>
+            </a:r>
+            <a:endParaRPr lang="en-GB" altLang="nl-BE" sz="2000" dirty="0" smtClean="0"/>
+          </a:p>
+          <a:p>
+            <a:pPr>
+              <a:defRPr/>
+            </a:pPr>
+            <a:r>
+              <a:rPr lang="en-GB" altLang="nl-BE" sz="2000" dirty="0" smtClean="0">
+                <a:hlinkClick r:id="rId3"/>
+              </a:rPr>
+              <a:t>www.jmodelica.org</a:t>
+            </a:r>
+            <a:endParaRPr lang="en-GB" altLang="nl-BE" sz="2000" dirty="0" smtClean="0"/>
+          </a:p>
+          <a:p>
+            <a:pPr>
+              <a:defRPr/>
+            </a:pPr>
+            <a:r>
+              <a:rPr lang="en-GB" altLang="nl-BE" sz="2000" dirty="0" smtClean="0">
+                <a:hlinkClick r:id="rId4"/>
+              </a:rPr>
+              <a:t>http://www.claytex.com/tech-blog/</a:t>
+            </a:r>
+            <a:endParaRPr lang="en-GB" altLang="nl-BE" sz="2000" dirty="0" smtClean="0"/>
+          </a:p>
+          <a:p>
+            <a:pPr marL="0" indent="0">
+              <a:buFontTx/>
+              <a:buNone/>
+              <a:defRPr/>
+            </a:pPr>
+            <a:r>
+              <a:rPr lang="en-GB" altLang="nl-BE" sz="2000" b="1" dirty="0" err="1" smtClean="0"/>
+              <a:t>Modelica</a:t>
+            </a:r>
+            <a:r>
+              <a:rPr lang="en-GB" altLang="nl-BE" sz="2000" b="1" dirty="0" smtClean="0"/>
+              <a:t> language</a:t>
+            </a:r>
+          </a:p>
+          <a:p>
+            <a:pPr>
+              <a:defRPr/>
+            </a:pPr>
+            <a:r>
+              <a:rPr lang="en-GB" altLang="nl-BE" sz="2000" dirty="0" smtClean="0">
+                <a:hlinkClick r:id="rId5"/>
+              </a:rPr>
+              <a:t>http://modref.xogeny.com/</a:t>
+            </a:r>
+            <a:r>
+              <a:rPr lang="en-GB" altLang="nl-BE" sz="2000" dirty="0" smtClean="0"/>
+              <a:t> </a:t>
+            </a:r>
+            <a:r>
+              <a:rPr lang="en-GB" altLang="nl-BE" sz="2000" dirty="0" smtClean="0">
+                <a:solidFill>
+                  <a:srgbClr val="FF0000"/>
+                </a:solidFill>
+              </a:rPr>
+              <a:t>!!!</a:t>
+            </a:r>
+          </a:p>
+          <a:p>
+            <a:pPr>
+              <a:defRPr/>
+            </a:pPr>
+            <a:r>
+              <a:rPr lang="en-GB" altLang="nl-BE" sz="2000" dirty="0">
+                <a:hlinkClick r:id="rId6"/>
+              </a:rPr>
+              <a:t>http://book.xogeny.com</a:t>
+            </a:r>
+            <a:r>
+              <a:rPr lang="en-GB" altLang="nl-BE" sz="2000" dirty="0" smtClean="0">
+                <a:hlinkClick r:id="rId6"/>
+              </a:rPr>
+              <a:t>/</a:t>
+            </a:r>
+            <a:r>
+              <a:rPr lang="en-GB" altLang="nl-BE" sz="2000" dirty="0" smtClean="0"/>
+              <a:t> </a:t>
+            </a:r>
+            <a:r>
+              <a:rPr lang="en-GB" altLang="nl-BE" sz="2000" dirty="0" smtClean="0">
+                <a:solidFill>
+                  <a:srgbClr val="FF0000"/>
+                </a:solidFill>
+              </a:rPr>
+              <a:t>!!!</a:t>
+            </a:r>
+            <a:endParaRPr lang="en-GB" altLang="nl-BE" sz="2000" dirty="0" smtClean="0"/>
+          </a:p>
+          <a:p>
+            <a:pPr marL="0" indent="0">
+              <a:buFontTx/>
+              <a:buNone/>
+              <a:defRPr/>
+            </a:pPr>
+            <a:r>
+              <a:rPr lang="en-GB" altLang="nl-BE" sz="2000" b="1" dirty="0" smtClean="0"/>
+              <a:t>KUL </a:t>
+            </a:r>
+            <a:r>
+              <a:rPr lang="en-GB" altLang="nl-BE" sz="2000" b="1" dirty="0" err="1" smtClean="0"/>
+              <a:t>modeling</a:t>
+            </a:r>
+            <a:r>
+              <a:rPr lang="en-GB" altLang="nl-BE" sz="2000" b="1" dirty="0" smtClean="0"/>
+              <a:t> conventions</a:t>
+            </a:r>
+          </a:p>
+          <a:p>
+            <a:pPr>
+              <a:defRPr/>
+            </a:pPr>
+            <a:r>
+              <a:rPr lang="en-GB" altLang="nl-BE" sz="2000" dirty="0" smtClean="0">
+                <a:hlinkClick r:id="rId7"/>
+              </a:rPr>
+              <a:t>https://docs.google.com/document/d/1MaNKTdLz-YPpEEH3Eg12ECzG0ErK-rIK9IHd6gsBp7Q/edit?usp=sharing</a:t>
+            </a:r>
+            <a:endParaRPr lang="en-GB" altLang="nl-BE" sz="2000" dirty="0" smtClean="0"/>
+          </a:p>
+          <a:p>
+            <a:pPr>
+              <a:defRPr/>
+            </a:pPr>
+            <a:endParaRPr lang="en-GB" altLang="nl-BE" sz="2400" dirty="0" smtClean="0"/>
+          </a:p>
+          <a:p>
+            <a:pPr>
+              <a:defRPr/>
+            </a:pPr>
+            <a:endParaRPr lang="en-GB" altLang="nl-BE" sz="2400" dirty="0" smtClean="0"/>
+          </a:p>
+        </p:txBody>
+      </p:sp>
+      <p:sp>
+        <p:nvSpPr>
+          <p:cNvPr id="2" name="Content Placeholder 1"/>
+          <p:cNvSpPr>
+            <a:spLocks noGrp="1"/>
+          </p:cNvSpPr>
+          <p:nvPr>
+            <p:ph sz="half" idx="2"/>
+          </p:nvPr>
+        </p:nvSpPr>
+        <p:spPr/>
+        <p:txBody>
+          <a:bodyPr>
+            <a:normAutofit/>
+          </a:bodyPr>
+          <a:lstStyle/>
+          <a:p>
+            <a:pPr marL="0" indent="0">
+              <a:buFontTx/>
+              <a:buNone/>
+              <a:defRPr/>
+            </a:pPr>
+            <a:r>
+              <a:rPr lang="en-GB" altLang="nl-BE" sz="2000" b="1" dirty="0"/>
+              <a:t>Libraries:</a:t>
+            </a:r>
+          </a:p>
+          <a:p>
+            <a:pPr>
+              <a:defRPr/>
+            </a:pPr>
+            <a:r>
+              <a:rPr lang="en-GB" altLang="nl-BE" sz="2000" dirty="0">
+                <a:hlinkClick r:id="rId8"/>
+              </a:rPr>
+              <a:t>https://github.com/open-ideas</a:t>
+            </a:r>
+            <a:r>
+              <a:rPr lang="en-GB" altLang="nl-BE" sz="2000" dirty="0"/>
+              <a:t> --&gt; IDEAS + Crash Course</a:t>
+            </a:r>
+          </a:p>
+          <a:p>
+            <a:pPr>
+              <a:defRPr/>
+            </a:pPr>
+            <a:r>
+              <a:rPr lang="en-GB" altLang="nl-BE" sz="2000" dirty="0">
+                <a:hlinkClick r:id="rId9"/>
+              </a:rPr>
+              <a:t>https://simulationresearch.lbl.gov/modelica</a:t>
+            </a:r>
+            <a:r>
+              <a:rPr lang="en-GB" altLang="nl-BE" sz="2000" dirty="0"/>
+              <a:t> --&gt; </a:t>
+            </a:r>
+            <a:r>
+              <a:rPr lang="en-GB" altLang="nl-BE" sz="2000" dirty="0">
+                <a:solidFill>
+                  <a:srgbClr val="FF0000"/>
+                </a:solidFill>
+              </a:rPr>
+              <a:t>look at </a:t>
+            </a:r>
+            <a:r>
+              <a:rPr lang="en-GB" altLang="nl-BE" sz="2000" dirty="0" err="1" smtClean="0">
+                <a:solidFill>
+                  <a:srgbClr val="FF0000"/>
+                </a:solidFill>
+              </a:rPr>
+              <a:t>Buildings.Examples.Tutorial</a:t>
+            </a:r>
+            <a:endParaRPr lang="en-GB" altLang="nl-BE" sz="2000" dirty="0">
+              <a:solidFill>
+                <a:srgbClr val="FF0000"/>
+              </a:solidFill>
+            </a:endParaRPr>
+          </a:p>
+          <a:p>
+            <a:pPr>
+              <a:defRPr/>
+            </a:pPr>
+            <a:r>
+              <a:rPr lang="en-GB" altLang="nl-BE" sz="2000" dirty="0" smtClean="0">
                 <a:solidFill>
                   <a:schemeClr val="accent1"/>
                 </a:solidFill>
-              </a14:hiddenFill>
-            </a:ext>
-            <a:ext uri="{91240B29-F687-4F45-9708-019B960494DF}">
-              <a14:hiddenLine xmlns:a14="http://schemas.microsoft.com/office/drawing/2010/main" w="9525">
-                <a:solidFill>
-                  <a:schemeClr val="tx1"/>
-                </a:solidFill>
-                <a:miter lim="800000"/>
-                <a:headEnd/>
-                <a:tailEnd/>
-              </a14:hiddenLine>
-            </a:ext>
-          </a:extLst>
-        </p:spPr>
-      </p:pic>
-      <p:pic>
-        <p:nvPicPr>
-          <p:cNvPr id="9218" name="Picture 2"/>
-          <p:cNvPicPr>
-            <a:picLocks noChangeAspect="1" noChangeArrowheads="1"/>
-          </p:cNvPicPr>
-          <p:nvPr/>
-        </p:nvPicPr>
-        <p:blipFill>
-          <a:blip r:embed="rId3">
-            <a:extLst>
-              <a:ext uri="{28A0092B-C50C-407E-A947-70E740481C1C}">
-                <a14:useLocalDpi xmlns:a14="http://schemas.microsoft.com/office/drawing/2010/main" val="0"/>
-              </a:ext>
-            </a:extLst>
-          </a:blip>
-          <a:srcRect/>
-          <a:stretch>
-            <a:fillRect/>
-          </a:stretch>
-        </p:blipFill>
-        <p:spPr bwMode="auto">
-          <a:xfrm>
-            <a:off x="1263576" y="1361728"/>
-            <a:ext cx="7766050" cy="5302250"/>
-          </a:xfrm>
-          <a:prstGeom prst="rect">
-            <a:avLst/>
-          </a:prstGeom>
-          <a:noFill/>
-          <a:ln>
-            <a:noFill/>
-          </a:ln>
-          <a:extLst>
-            <a:ext uri="{909E8E84-426E-40DD-AFC4-6F175D3DCCD1}">
-              <a14:hiddenFill xmlns:a14="http://schemas.microsoft.com/office/drawing/2010/main">
+              </a:rPr>
+              <a:t>Annex 60:</a:t>
+            </a:r>
+            <a:r>
+              <a:rPr lang="en-GB" altLang="nl-BE" sz="2000" dirty="0">
                 <a:solidFill>
                   <a:schemeClr val="accent1"/>
                 </a:solidFill>
-              </a14:hiddenFill>
-            </a:ext>
-            <a:ext uri="{91240B29-F687-4F45-9708-019B960494DF}">
-              <a14:hiddenLine xmlns:a14="http://schemas.microsoft.com/office/drawing/2010/main" w="9525">
-                <a:solidFill>
-                  <a:schemeClr val="tx1"/>
-                </a:solidFill>
-                <a:miter lim="800000"/>
-                <a:headEnd/>
-                <a:tailEnd/>
-              </a14:hiddenLine>
-            </a:ext>
-          </a:extLst>
-        </p:spPr>
-      </p:pic>
-      <p:cxnSp>
-        <p:nvCxnSpPr>
-          <p:cNvPr id="5" name="Straight Arrow Connector 4"/>
-          <p:cNvCxnSpPr/>
-          <p:nvPr/>
-        </p:nvCxnSpPr>
-        <p:spPr>
-          <a:xfrm flipH="1">
-            <a:off x="8824416" y="6330280"/>
-            <a:ext cx="648072" cy="144016"/>
-          </a:xfrm>
-          <a:prstGeom prst="straightConnector1">
-            <a:avLst/>
-          </a:prstGeom>
-          <a:ln w="28575">
-            <a:tailEnd type="arrow"/>
-          </a:ln>
-        </p:spPr>
-        <p:style>
-          <a:lnRef idx="1">
-            <a:schemeClr val="accent1"/>
-          </a:lnRef>
-          <a:fillRef idx="0">
-            <a:schemeClr val="accent1"/>
-          </a:fillRef>
-          <a:effectRef idx="0">
-            <a:schemeClr val="accent1"/>
-          </a:effectRef>
-          <a:fontRef idx="minor">
-            <a:schemeClr val="tx1"/>
-          </a:fontRef>
-        </p:style>
-      </p:cxnSp>
-      <p:sp>
-        <p:nvSpPr>
-          <p:cNvPr id="6" name="Oval 5"/>
-          <p:cNvSpPr/>
-          <p:nvPr/>
-        </p:nvSpPr>
-        <p:spPr>
-          <a:xfrm>
-            <a:off x="4143896" y="1721768"/>
-            <a:ext cx="216024" cy="216024"/>
-          </a:xfrm>
-          <a:prstGeom prst="ellipse">
-            <a:avLst/>
-          </a:prstGeom>
-          <a:noFill/>
-          <a:ln w="19050"/>
-        </p:spPr>
-        <p:style>
-          <a:lnRef idx="2">
-            <a:schemeClr val="accent6"/>
-          </a:lnRef>
-          <a:fillRef idx="1">
-            <a:schemeClr val="lt1"/>
-          </a:fillRef>
-          <a:effectRef idx="0">
-            <a:schemeClr val="accent6"/>
-          </a:effectRef>
-          <a:fontRef idx="minor">
-            <a:schemeClr val="dk1"/>
-          </a:fontRef>
-        </p:style>
-        <p:txBody>
-          <a:bodyPr rtlCol="0" anchor="ctr"/>
-          <a:lstStyle/>
-          <a:p>
-            <a:pPr algn="ctr"/>
-            <a:endParaRPr lang="nl-BE"/>
-          </a:p>
-        </p:txBody>
-      </p:sp>
-      <p:sp>
-        <p:nvSpPr>
-          <p:cNvPr id="10" name="Oval 9"/>
-          <p:cNvSpPr/>
-          <p:nvPr/>
-        </p:nvSpPr>
-        <p:spPr>
-          <a:xfrm>
-            <a:off x="4503936" y="1721768"/>
-            <a:ext cx="216024" cy="216024"/>
-          </a:xfrm>
-          <a:prstGeom prst="ellipse">
-            <a:avLst/>
-          </a:prstGeom>
-          <a:noFill/>
-          <a:ln w="19050"/>
-        </p:spPr>
-        <p:style>
-          <a:lnRef idx="2">
-            <a:schemeClr val="accent6"/>
-          </a:lnRef>
-          <a:fillRef idx="1">
-            <a:schemeClr val="lt1"/>
-          </a:fillRef>
-          <a:effectRef idx="0">
-            <a:schemeClr val="accent6"/>
-          </a:effectRef>
-          <a:fontRef idx="minor">
-            <a:schemeClr val="dk1"/>
-          </a:fontRef>
-        </p:style>
-        <p:txBody>
-          <a:bodyPr rtlCol="0" anchor="ctr"/>
-          <a:lstStyle/>
-          <a:p>
-            <a:pPr algn="ctr"/>
-            <a:endParaRPr lang="nl-BE"/>
+              </a:rPr>
+              <a:t> </a:t>
+            </a:r>
+            <a:r>
+              <a:rPr lang="en-GB" altLang="nl-BE" sz="2000" dirty="0" smtClean="0">
+                <a:solidFill>
+                  <a:srgbClr val="FF0000"/>
+                </a:solidFill>
+                <a:hlinkClick r:id="rId10"/>
+              </a:rPr>
+              <a:t>https</a:t>
+            </a:r>
+            <a:r>
+              <a:rPr lang="en-GB" altLang="nl-BE" sz="2000" dirty="0">
+                <a:solidFill>
+                  <a:srgbClr val="FF0000"/>
+                </a:solidFill>
+                <a:hlinkClick r:id="rId10"/>
+              </a:rPr>
+              <a:t>://github.com/iea-annex60/modelica-</a:t>
+            </a:r>
+            <a:r>
+              <a:rPr lang="en-GB" altLang="nl-BE" sz="2000" dirty="0" smtClean="0">
+                <a:solidFill>
+                  <a:srgbClr val="FF0000"/>
+                </a:solidFill>
+                <a:hlinkClick r:id="rId10"/>
+              </a:rPr>
+              <a:t>annex60</a:t>
+            </a:r>
+            <a:r>
+              <a:rPr lang="en-GB" altLang="nl-BE" sz="2000" dirty="0" smtClean="0">
+                <a:solidFill>
+                  <a:srgbClr val="FF0000"/>
+                </a:solidFill>
+              </a:rPr>
+              <a:t> </a:t>
+            </a:r>
+          </a:p>
+          <a:p>
+            <a:pPr marL="0" indent="0">
+              <a:buNone/>
+              <a:defRPr/>
+            </a:pPr>
+            <a:r>
+              <a:rPr lang="en-GB" altLang="nl-BE" sz="2000" b="1" dirty="0" err="1" smtClean="0"/>
+              <a:t>Dymola</a:t>
+            </a:r>
+            <a:r>
+              <a:rPr lang="en-GB" altLang="nl-BE" sz="2000" b="1" dirty="0" smtClean="0"/>
+              <a:t> </a:t>
+            </a:r>
+            <a:r>
+              <a:rPr lang="en-GB" altLang="nl-BE" sz="2000" b="1" dirty="0"/>
+              <a:t>user guide</a:t>
+            </a:r>
+          </a:p>
+          <a:p>
+            <a:pPr>
+              <a:defRPr/>
+            </a:pPr>
+            <a:r>
+              <a:rPr lang="en-GB" altLang="nl-BE" sz="2000" dirty="0"/>
+              <a:t>Volume 1 &amp; 2: </a:t>
+            </a:r>
+            <a:r>
+              <a:rPr lang="pt-BR" sz="2000" u="sng" dirty="0">
+                <a:solidFill>
+                  <a:schemeClr val="accent2"/>
+                </a:solidFill>
+              </a:rPr>
+              <a:t>C:\</a:t>
+            </a:r>
+            <a:r>
+              <a:rPr lang="pt-BR" sz="2000" u="sng" dirty="0" err="1">
+                <a:solidFill>
+                  <a:schemeClr val="accent2"/>
+                </a:solidFill>
+              </a:rPr>
+              <a:t>Program</a:t>
+            </a:r>
+            <a:r>
+              <a:rPr lang="pt-BR" sz="2000" u="sng" dirty="0">
+                <a:solidFill>
+                  <a:schemeClr val="accent2"/>
+                </a:solidFill>
+              </a:rPr>
+              <a:t> Files (x86)\</a:t>
+            </a:r>
+            <a:r>
+              <a:rPr lang="pt-BR" sz="2000" u="sng" dirty="0" err="1" smtClean="0">
+                <a:solidFill>
+                  <a:schemeClr val="accent2"/>
+                </a:solidFill>
+              </a:rPr>
+              <a:t>Dymola</a:t>
+            </a:r>
+            <a:r>
+              <a:rPr lang="pt-BR" sz="2000" u="sng" dirty="0" smtClean="0">
+                <a:solidFill>
+                  <a:schemeClr val="accent2"/>
+                </a:solidFill>
+              </a:rPr>
+              <a:t> 2017</a:t>
+            </a:r>
+            <a:r>
+              <a:rPr lang="pt-BR" sz="2000" u="sng" dirty="0">
+                <a:solidFill>
+                  <a:schemeClr val="accent2"/>
+                </a:solidFill>
+              </a:rPr>
+              <a:t>\</a:t>
+            </a:r>
+            <a:r>
+              <a:rPr lang="pt-BR" sz="2000" u="sng" dirty="0" err="1">
+                <a:solidFill>
+                  <a:schemeClr val="accent2"/>
+                </a:solidFill>
+              </a:rPr>
+              <a:t>Documentation</a:t>
+            </a:r>
+            <a:r>
+              <a:rPr lang="pt-BR" sz="2000" u="sng" dirty="0">
+                <a:solidFill>
+                  <a:schemeClr val="accent2"/>
+                </a:solidFill>
+              </a:rPr>
+              <a:t>\</a:t>
+            </a:r>
+            <a:r>
+              <a:rPr lang="pt-BR" sz="2000" u="sng" dirty="0" err="1">
+                <a:solidFill>
+                  <a:schemeClr val="accent2"/>
+                </a:solidFill>
+              </a:rPr>
+              <a:t>Dymola</a:t>
+            </a:r>
+            <a:r>
+              <a:rPr lang="pt-BR" sz="2000" u="sng" dirty="0">
+                <a:solidFill>
+                  <a:schemeClr val="accent2"/>
+                </a:solidFill>
+              </a:rPr>
+              <a:t> </a:t>
+            </a:r>
+            <a:r>
+              <a:rPr lang="pt-BR" sz="2000" u="sng" dirty="0" err="1">
+                <a:solidFill>
+                  <a:schemeClr val="accent2"/>
+                </a:solidFill>
+              </a:rPr>
+              <a:t>User</a:t>
+            </a:r>
+            <a:r>
+              <a:rPr lang="pt-BR" sz="2000" u="sng" dirty="0">
+                <a:solidFill>
+                  <a:schemeClr val="accent2"/>
+                </a:solidFill>
+              </a:rPr>
+              <a:t> Manual Volume </a:t>
+            </a:r>
+            <a:r>
+              <a:rPr lang="pt-BR" sz="2000" u="sng" dirty="0" smtClean="0">
+                <a:solidFill>
+                  <a:schemeClr val="accent2"/>
+                </a:solidFill>
+              </a:rPr>
+              <a:t>1</a:t>
+            </a:r>
+            <a:r>
+              <a:rPr lang="pt-BR" sz="2000" dirty="0" smtClean="0"/>
+              <a:t> </a:t>
+            </a:r>
+            <a:r>
+              <a:rPr lang="pt-BR" sz="2000" dirty="0" err="1"/>
+              <a:t>or</a:t>
+            </a:r>
+            <a:r>
+              <a:rPr lang="pt-BR" sz="2000" dirty="0"/>
+              <a:t> via </a:t>
+            </a:r>
+            <a:r>
+              <a:rPr lang="pt-BR" sz="2000" dirty="0" err="1"/>
+              <a:t>Dymola</a:t>
+            </a:r>
+            <a:r>
+              <a:rPr lang="pt-BR" sz="2000" dirty="0"/>
+              <a:t> &gt; help.</a:t>
+            </a:r>
+            <a:endParaRPr lang="en-GB" altLang="nl-BE" sz="2000" dirty="0"/>
+          </a:p>
+          <a:p>
+            <a:endParaRPr lang="en-GB" dirty="0"/>
           </a:p>
         </p:txBody>
       </p:sp>
     </p:spTree>
     <p:extLst>
       <p:ext uri="{BB962C8B-B14F-4D97-AF65-F5344CB8AC3E}">
-        <p14:creationId xmlns:p14="http://schemas.microsoft.com/office/powerpoint/2010/main" val="3565325170"/>
+        <p14:creationId xmlns:p14="http://schemas.microsoft.com/office/powerpoint/2010/main" val="2974380802"/>
       </p:ext>
     </p:extLst>
   </p:cSld>
@@ -15580,697 +14531,6 @@
       </p:grpSpPr>
       <p:sp>
         <p:nvSpPr>
-          <p:cNvPr id="2" name="Title 1"/>
-          <p:cNvSpPr>
-            <a:spLocks noGrp="1"/>
-          </p:cNvSpPr>
-          <p:nvPr>
-            <p:ph type="title"/>
-          </p:nvPr>
-        </p:nvSpPr>
-        <p:spPr/>
-        <p:txBody>
-          <a:bodyPr/>
-          <a:lstStyle/>
-          <a:p>
-            <a:r>
-              <a:rPr lang="en-GB" dirty="0" smtClean="0"/>
-              <a:t>Interface with other programs</a:t>
-            </a:r>
-            <a:endParaRPr lang="en-GB" dirty="0"/>
-          </a:p>
-        </p:txBody>
-      </p:sp>
-      <p:sp>
-        <p:nvSpPr>
-          <p:cNvPr id="3" name="Content Placeholder 2"/>
-          <p:cNvSpPr>
-            <a:spLocks noGrp="1"/>
-          </p:cNvSpPr>
-          <p:nvPr>
-            <p:ph idx="1"/>
-          </p:nvPr>
-        </p:nvSpPr>
-        <p:spPr/>
-        <p:txBody>
-          <a:bodyPr/>
-          <a:lstStyle/>
-          <a:p>
-            <a:r>
-              <a:rPr lang="en-GB" dirty="0" smtClean="0"/>
-              <a:t>Scripting</a:t>
-            </a:r>
-          </a:p>
-          <a:p>
-            <a:pPr lvl="1"/>
-            <a:r>
-              <a:rPr lang="en-GB" dirty="0" smtClean="0"/>
-              <a:t>Parameter variation</a:t>
-            </a:r>
-          </a:p>
-          <a:p>
-            <a:pPr lvl="1"/>
-            <a:r>
-              <a:rPr lang="en-GB" dirty="0" smtClean="0"/>
-              <a:t>Parallel simulations</a:t>
-            </a:r>
-          </a:p>
-          <a:p>
-            <a:pPr lvl="1"/>
-            <a:r>
-              <a:rPr lang="en-GB" dirty="0" smtClean="0"/>
-              <a:t>Optimal control</a:t>
-            </a:r>
-          </a:p>
-          <a:p>
-            <a:r>
-              <a:rPr lang="en-GB" dirty="0" smtClean="0"/>
-              <a:t>Python scripts using </a:t>
-            </a:r>
-            <a:r>
-              <a:rPr lang="en-GB" i="1" dirty="0" err="1" smtClean="0"/>
-              <a:t>BuildingsPy</a:t>
-            </a:r>
-            <a:endParaRPr lang="en-GB" i="1" dirty="0" smtClean="0"/>
-          </a:p>
-          <a:p>
-            <a:pPr lvl="1"/>
-            <a:r>
-              <a:rPr lang="en-GB" dirty="0" smtClean="0"/>
-              <a:t>Nice for plotting</a:t>
-            </a:r>
-          </a:p>
-          <a:p>
-            <a:pPr lvl="1"/>
-            <a:r>
-              <a:rPr lang="en-GB" dirty="0">
-                <a:hlinkClick r:id="rId2"/>
-              </a:rPr>
-              <a:t>http://simulationresearch.lbl.gov/modelica/buildingspy</a:t>
-            </a:r>
-            <a:r>
-              <a:rPr lang="en-GB" dirty="0" smtClean="0">
-                <a:hlinkClick r:id="rId2"/>
-              </a:rPr>
-              <a:t>/</a:t>
-            </a:r>
-            <a:r>
-              <a:rPr lang="en-GB" dirty="0" smtClean="0"/>
-              <a:t> </a:t>
-            </a:r>
-          </a:p>
-          <a:p>
-            <a:r>
-              <a:rPr lang="en-GB" dirty="0" smtClean="0"/>
-              <a:t>MATLAB</a:t>
-            </a:r>
-          </a:p>
-          <a:p>
-            <a:pPr lvl="1"/>
-            <a:r>
-              <a:rPr lang="en-GB" dirty="0" smtClean="0"/>
-              <a:t>Built-in with </a:t>
-            </a:r>
-            <a:r>
-              <a:rPr lang="en-GB" dirty="0" err="1" smtClean="0"/>
-              <a:t>Dymola</a:t>
-            </a:r>
-            <a:endParaRPr lang="en-GB" dirty="0"/>
-          </a:p>
-        </p:txBody>
-      </p:sp>
-    </p:spTree>
-    <p:extLst>
-      <p:ext uri="{BB962C8B-B14F-4D97-AF65-F5344CB8AC3E}">
-        <p14:creationId xmlns:p14="http://schemas.microsoft.com/office/powerpoint/2010/main" val="4225182537"/>
-      </p:ext>
-    </p:extLst>
-  </p:cSld>
-  <p:clrMapOvr>
-    <a:masterClrMapping/>
-  </p:clrMapOvr>
-  <p:timing>
-    <p:tnLst>
-      <p:par>
-        <p:cTn id="1" dur="indefinite" restart="never" nodeType="tmRoot"/>
-      </p:par>
-    </p:tnLst>
-  </p:timing>
-</p:sld>
-</file>
-
-<file path=ppt/slides/slide32.xml><?xml version="1.0" encoding="utf-8"?>
-<p:sld xmlns:a="http://schemas.openxmlformats.org/drawingml/2006/main" xmlns:r="http://schemas.openxmlformats.org/officeDocument/2006/relationships" xmlns:p="http://schemas.openxmlformats.org/presentationml/2006/main">
-  <p:cSld>
-    <p:spTree>
-      <p:nvGrpSpPr>
-        <p:cNvPr id="1" name=""/>
-        <p:cNvGrpSpPr/>
-        <p:nvPr/>
-      </p:nvGrpSpPr>
-      <p:grpSpPr>
-        <a:xfrm>
-          <a:off x="0" y="0"/>
-          <a:ext cx="0" cy="0"/>
-          <a:chOff x="0" y="0"/>
-          <a:chExt cx="0" cy="0"/>
-        </a:xfrm>
-      </p:grpSpPr>
-      <p:sp>
-        <p:nvSpPr>
-          <p:cNvPr id="13314" name="Title 1"/>
-          <p:cNvSpPr>
-            <a:spLocks noGrp="1"/>
-          </p:cNvSpPr>
-          <p:nvPr>
-            <p:ph type="title"/>
-          </p:nvPr>
-        </p:nvSpPr>
-        <p:spPr/>
-        <p:txBody>
-          <a:bodyPr/>
-          <a:lstStyle/>
-          <a:p>
-            <a:r>
-              <a:rPr lang="en-GB" altLang="nl-BE" smtClean="0"/>
-              <a:t>Websites</a:t>
-            </a:r>
-          </a:p>
-        </p:txBody>
-      </p:sp>
-      <p:sp>
-        <p:nvSpPr>
-          <p:cNvPr id="36867" name="Content Placeholder 2"/>
-          <p:cNvSpPr>
-            <a:spLocks noGrp="1"/>
-          </p:cNvSpPr>
-          <p:nvPr>
-            <p:ph sz="half" idx="1"/>
-          </p:nvPr>
-        </p:nvSpPr>
-        <p:spPr/>
-        <p:txBody>
-          <a:bodyPr/>
-          <a:lstStyle/>
-          <a:p>
-            <a:pPr marL="0" indent="0">
-              <a:buFontTx/>
-              <a:buNone/>
-              <a:defRPr/>
-            </a:pPr>
-            <a:r>
-              <a:rPr lang="en-GB" altLang="nl-BE" sz="2000" b="1" dirty="0" smtClean="0"/>
-              <a:t>General</a:t>
-            </a:r>
-          </a:p>
-          <a:p>
-            <a:pPr>
-              <a:defRPr/>
-            </a:pPr>
-            <a:r>
-              <a:rPr lang="en-GB" altLang="nl-BE" sz="2000" dirty="0"/>
-              <a:t>www.modelica.org</a:t>
-            </a:r>
-          </a:p>
-          <a:p>
-            <a:pPr>
-              <a:defRPr/>
-            </a:pPr>
-            <a:r>
-              <a:rPr lang="en-GB" altLang="nl-BE" sz="2000" dirty="0" smtClean="0">
-                <a:hlinkClick r:id="rId2"/>
-              </a:rPr>
-              <a:t>www.openmodelica.org</a:t>
-            </a:r>
-            <a:endParaRPr lang="en-GB" altLang="nl-BE" sz="2000" dirty="0" smtClean="0"/>
-          </a:p>
-          <a:p>
-            <a:pPr>
-              <a:defRPr/>
-            </a:pPr>
-            <a:r>
-              <a:rPr lang="en-GB" altLang="nl-BE" sz="2000" dirty="0" smtClean="0">
-                <a:hlinkClick r:id="rId3"/>
-              </a:rPr>
-              <a:t>www.jmodelica.org</a:t>
-            </a:r>
-            <a:endParaRPr lang="en-GB" altLang="nl-BE" sz="2000" dirty="0" smtClean="0"/>
-          </a:p>
-          <a:p>
-            <a:pPr>
-              <a:defRPr/>
-            </a:pPr>
-            <a:r>
-              <a:rPr lang="en-GB" altLang="nl-BE" sz="2000" dirty="0" smtClean="0">
-                <a:hlinkClick r:id="rId4"/>
-              </a:rPr>
-              <a:t>http://www.claytex.com/tech-blog/</a:t>
-            </a:r>
-            <a:endParaRPr lang="en-GB" altLang="nl-BE" sz="2000" dirty="0" smtClean="0"/>
-          </a:p>
-          <a:p>
-            <a:pPr marL="0" indent="0">
-              <a:buFontTx/>
-              <a:buNone/>
-              <a:defRPr/>
-            </a:pPr>
-            <a:r>
-              <a:rPr lang="en-GB" altLang="nl-BE" sz="2000" b="1" dirty="0" err="1" smtClean="0"/>
-              <a:t>Modelica</a:t>
-            </a:r>
-            <a:r>
-              <a:rPr lang="en-GB" altLang="nl-BE" sz="2000" b="1" dirty="0" smtClean="0"/>
-              <a:t> language</a:t>
-            </a:r>
-          </a:p>
-          <a:p>
-            <a:pPr>
-              <a:defRPr/>
-            </a:pPr>
-            <a:r>
-              <a:rPr lang="en-GB" altLang="nl-BE" sz="2000" dirty="0" smtClean="0">
-                <a:hlinkClick r:id="rId5"/>
-              </a:rPr>
-              <a:t>http://modref.xogeny.com/</a:t>
-            </a:r>
-            <a:r>
-              <a:rPr lang="en-GB" altLang="nl-BE" sz="2000" dirty="0" smtClean="0"/>
-              <a:t> </a:t>
-            </a:r>
-            <a:r>
-              <a:rPr lang="en-GB" altLang="nl-BE" sz="2000" dirty="0" smtClean="0">
-                <a:solidFill>
-                  <a:srgbClr val="FF0000"/>
-                </a:solidFill>
-              </a:rPr>
-              <a:t>!!!</a:t>
-            </a:r>
-          </a:p>
-          <a:p>
-            <a:pPr>
-              <a:defRPr/>
-            </a:pPr>
-            <a:r>
-              <a:rPr lang="en-GB" altLang="nl-BE" sz="2000" dirty="0">
-                <a:hlinkClick r:id="rId6"/>
-              </a:rPr>
-              <a:t>http://book.xogeny.com</a:t>
-            </a:r>
-            <a:r>
-              <a:rPr lang="en-GB" altLang="nl-BE" sz="2000" dirty="0" smtClean="0">
-                <a:hlinkClick r:id="rId6"/>
-              </a:rPr>
-              <a:t>/</a:t>
-            </a:r>
-            <a:r>
-              <a:rPr lang="en-GB" altLang="nl-BE" sz="2000" dirty="0" smtClean="0"/>
-              <a:t> </a:t>
-            </a:r>
-            <a:r>
-              <a:rPr lang="en-GB" altLang="nl-BE" sz="2000" dirty="0" smtClean="0">
-                <a:solidFill>
-                  <a:srgbClr val="FF0000"/>
-                </a:solidFill>
-              </a:rPr>
-              <a:t>!!!</a:t>
-            </a:r>
-            <a:endParaRPr lang="en-GB" altLang="nl-BE" sz="2000" dirty="0" smtClean="0"/>
-          </a:p>
-          <a:p>
-            <a:pPr marL="0" indent="0">
-              <a:buFontTx/>
-              <a:buNone/>
-              <a:defRPr/>
-            </a:pPr>
-            <a:r>
-              <a:rPr lang="en-GB" altLang="nl-BE" sz="2000" b="1" dirty="0" smtClean="0"/>
-              <a:t>KUL </a:t>
-            </a:r>
-            <a:r>
-              <a:rPr lang="en-GB" altLang="nl-BE" sz="2000" b="1" dirty="0" err="1" smtClean="0"/>
-              <a:t>modeling</a:t>
-            </a:r>
-            <a:r>
-              <a:rPr lang="en-GB" altLang="nl-BE" sz="2000" b="1" dirty="0" smtClean="0"/>
-              <a:t> conventions</a:t>
-            </a:r>
-          </a:p>
-          <a:p>
-            <a:pPr>
-              <a:defRPr/>
-            </a:pPr>
-            <a:r>
-              <a:rPr lang="en-GB" altLang="nl-BE" sz="2000" dirty="0" smtClean="0">
-                <a:hlinkClick r:id="rId7"/>
-              </a:rPr>
-              <a:t>https://docs.google.com/document/d/1MaNKTdLz-YPpEEH3Eg12ECzG0ErK-rIK9IHd6gsBp7Q/edit?usp=sharing</a:t>
-            </a:r>
-            <a:endParaRPr lang="en-GB" altLang="nl-BE" sz="2000" dirty="0" smtClean="0"/>
-          </a:p>
-          <a:p>
-            <a:pPr>
-              <a:defRPr/>
-            </a:pPr>
-            <a:endParaRPr lang="en-GB" altLang="nl-BE" sz="2400" dirty="0" smtClean="0"/>
-          </a:p>
-          <a:p>
-            <a:pPr>
-              <a:defRPr/>
-            </a:pPr>
-            <a:endParaRPr lang="en-GB" altLang="nl-BE" sz="2400" dirty="0" smtClean="0"/>
-          </a:p>
-        </p:txBody>
-      </p:sp>
-      <p:sp>
-        <p:nvSpPr>
-          <p:cNvPr id="2" name="Content Placeholder 1"/>
-          <p:cNvSpPr>
-            <a:spLocks noGrp="1"/>
-          </p:cNvSpPr>
-          <p:nvPr>
-            <p:ph sz="half" idx="2"/>
-          </p:nvPr>
-        </p:nvSpPr>
-        <p:spPr/>
-        <p:txBody>
-          <a:bodyPr>
-            <a:normAutofit/>
-          </a:bodyPr>
-          <a:lstStyle/>
-          <a:p>
-            <a:pPr marL="0" indent="0">
-              <a:buFontTx/>
-              <a:buNone/>
-              <a:defRPr/>
-            </a:pPr>
-            <a:r>
-              <a:rPr lang="en-GB" altLang="nl-BE" sz="2000" b="1" dirty="0"/>
-              <a:t>Libraries:</a:t>
-            </a:r>
-          </a:p>
-          <a:p>
-            <a:pPr>
-              <a:defRPr/>
-            </a:pPr>
-            <a:r>
-              <a:rPr lang="en-GB" altLang="nl-BE" sz="2000" dirty="0">
-                <a:hlinkClick r:id="rId8"/>
-              </a:rPr>
-              <a:t>https://github.com/open-ideas</a:t>
-            </a:r>
-            <a:r>
-              <a:rPr lang="en-GB" altLang="nl-BE" sz="2000" dirty="0"/>
-              <a:t> --&gt; IDEAS + Crash Course</a:t>
-            </a:r>
-          </a:p>
-          <a:p>
-            <a:pPr>
-              <a:defRPr/>
-            </a:pPr>
-            <a:r>
-              <a:rPr lang="en-GB" altLang="nl-BE" sz="2000" dirty="0">
-                <a:hlinkClick r:id="rId9"/>
-              </a:rPr>
-              <a:t>https://simulationresearch.lbl.gov/modelica</a:t>
-            </a:r>
-            <a:r>
-              <a:rPr lang="en-GB" altLang="nl-BE" sz="2000" dirty="0"/>
-              <a:t> --&gt; </a:t>
-            </a:r>
-            <a:r>
-              <a:rPr lang="en-GB" altLang="nl-BE" sz="2000" dirty="0">
-                <a:solidFill>
-                  <a:srgbClr val="FF0000"/>
-                </a:solidFill>
-              </a:rPr>
-              <a:t>look at </a:t>
-            </a:r>
-            <a:r>
-              <a:rPr lang="en-GB" altLang="nl-BE" sz="2000" dirty="0" err="1" smtClean="0">
-                <a:solidFill>
-                  <a:srgbClr val="FF0000"/>
-                </a:solidFill>
-              </a:rPr>
-              <a:t>Buildings.Examples.Tutorial</a:t>
-            </a:r>
-            <a:endParaRPr lang="en-GB" altLang="nl-BE" sz="2000" dirty="0">
-              <a:solidFill>
-                <a:srgbClr val="FF0000"/>
-              </a:solidFill>
-            </a:endParaRPr>
-          </a:p>
-          <a:p>
-            <a:pPr>
-              <a:defRPr/>
-            </a:pPr>
-            <a:r>
-              <a:rPr lang="en-GB" altLang="nl-BE" sz="2000" dirty="0" smtClean="0">
-                <a:solidFill>
-                  <a:schemeClr val="accent1"/>
-                </a:solidFill>
-              </a:rPr>
-              <a:t>Annex 60:</a:t>
-            </a:r>
-            <a:r>
-              <a:rPr lang="en-GB" altLang="nl-BE" sz="2000" dirty="0">
-                <a:solidFill>
-                  <a:schemeClr val="accent1"/>
-                </a:solidFill>
-              </a:rPr>
-              <a:t> </a:t>
-            </a:r>
-            <a:r>
-              <a:rPr lang="en-GB" altLang="nl-BE" sz="2000" dirty="0" smtClean="0">
-                <a:solidFill>
-                  <a:srgbClr val="FF0000"/>
-                </a:solidFill>
-                <a:hlinkClick r:id="rId10"/>
-              </a:rPr>
-              <a:t>https</a:t>
-            </a:r>
-            <a:r>
-              <a:rPr lang="en-GB" altLang="nl-BE" sz="2000" dirty="0">
-                <a:solidFill>
-                  <a:srgbClr val="FF0000"/>
-                </a:solidFill>
-                <a:hlinkClick r:id="rId10"/>
-              </a:rPr>
-              <a:t>://github.com/iea-annex60/modelica-</a:t>
-            </a:r>
-            <a:r>
-              <a:rPr lang="en-GB" altLang="nl-BE" sz="2000" dirty="0" smtClean="0">
-                <a:solidFill>
-                  <a:srgbClr val="FF0000"/>
-                </a:solidFill>
-                <a:hlinkClick r:id="rId10"/>
-              </a:rPr>
-              <a:t>annex60</a:t>
-            </a:r>
-            <a:r>
-              <a:rPr lang="en-GB" altLang="nl-BE" sz="2000" dirty="0" smtClean="0">
-                <a:solidFill>
-                  <a:srgbClr val="FF0000"/>
-                </a:solidFill>
-              </a:rPr>
-              <a:t> </a:t>
-            </a:r>
-          </a:p>
-          <a:p>
-            <a:pPr marL="0" indent="0">
-              <a:buNone/>
-              <a:defRPr/>
-            </a:pPr>
-            <a:r>
-              <a:rPr lang="en-GB" altLang="nl-BE" sz="2000" b="1" dirty="0" err="1" smtClean="0"/>
-              <a:t>Dymola</a:t>
-            </a:r>
-            <a:r>
-              <a:rPr lang="en-GB" altLang="nl-BE" sz="2000" b="1" dirty="0" smtClean="0"/>
-              <a:t> </a:t>
-            </a:r>
-            <a:r>
-              <a:rPr lang="en-GB" altLang="nl-BE" sz="2000" b="1" dirty="0"/>
-              <a:t>user guide</a:t>
-            </a:r>
-          </a:p>
-          <a:p>
-            <a:pPr>
-              <a:defRPr/>
-            </a:pPr>
-            <a:r>
-              <a:rPr lang="en-GB" altLang="nl-BE" sz="2000" dirty="0"/>
-              <a:t>Volume 1 &amp; 2: </a:t>
-            </a:r>
-            <a:r>
-              <a:rPr lang="pt-BR" sz="2000" u="sng" dirty="0">
-                <a:solidFill>
-                  <a:schemeClr val="accent2"/>
-                </a:solidFill>
-              </a:rPr>
-              <a:t>C:\</a:t>
-            </a:r>
-            <a:r>
-              <a:rPr lang="pt-BR" sz="2000" u="sng" dirty="0" err="1">
-                <a:solidFill>
-                  <a:schemeClr val="accent2"/>
-                </a:solidFill>
-              </a:rPr>
-              <a:t>Program</a:t>
-            </a:r>
-            <a:r>
-              <a:rPr lang="pt-BR" sz="2000" u="sng" dirty="0">
-                <a:solidFill>
-                  <a:schemeClr val="accent2"/>
-                </a:solidFill>
-              </a:rPr>
-              <a:t> Files (x86)\</a:t>
-            </a:r>
-            <a:r>
-              <a:rPr lang="pt-BR" sz="2000" u="sng" dirty="0" err="1" smtClean="0">
-                <a:solidFill>
-                  <a:schemeClr val="accent2"/>
-                </a:solidFill>
-              </a:rPr>
-              <a:t>Dymola</a:t>
-            </a:r>
-            <a:r>
-              <a:rPr lang="pt-BR" sz="2000" u="sng" dirty="0" smtClean="0">
-                <a:solidFill>
-                  <a:schemeClr val="accent2"/>
-                </a:solidFill>
-              </a:rPr>
-              <a:t> 2017</a:t>
-            </a:r>
-            <a:r>
-              <a:rPr lang="pt-BR" sz="2000" u="sng" dirty="0">
-                <a:solidFill>
-                  <a:schemeClr val="accent2"/>
-                </a:solidFill>
-              </a:rPr>
-              <a:t>\</a:t>
-            </a:r>
-            <a:r>
-              <a:rPr lang="pt-BR" sz="2000" u="sng" dirty="0" err="1">
-                <a:solidFill>
-                  <a:schemeClr val="accent2"/>
-                </a:solidFill>
-              </a:rPr>
-              <a:t>Documentation</a:t>
-            </a:r>
-            <a:r>
-              <a:rPr lang="pt-BR" sz="2000" u="sng" dirty="0">
-                <a:solidFill>
-                  <a:schemeClr val="accent2"/>
-                </a:solidFill>
-              </a:rPr>
-              <a:t>\</a:t>
-            </a:r>
-            <a:r>
-              <a:rPr lang="pt-BR" sz="2000" u="sng" dirty="0" err="1">
-                <a:solidFill>
-                  <a:schemeClr val="accent2"/>
-                </a:solidFill>
-              </a:rPr>
-              <a:t>Dymola</a:t>
-            </a:r>
-            <a:r>
-              <a:rPr lang="pt-BR" sz="2000" u="sng" dirty="0">
-                <a:solidFill>
-                  <a:schemeClr val="accent2"/>
-                </a:solidFill>
-              </a:rPr>
-              <a:t> </a:t>
-            </a:r>
-            <a:r>
-              <a:rPr lang="pt-BR" sz="2000" u="sng" dirty="0" err="1">
-                <a:solidFill>
-                  <a:schemeClr val="accent2"/>
-                </a:solidFill>
-              </a:rPr>
-              <a:t>User</a:t>
-            </a:r>
-            <a:r>
-              <a:rPr lang="pt-BR" sz="2000" u="sng" dirty="0">
-                <a:solidFill>
-                  <a:schemeClr val="accent2"/>
-                </a:solidFill>
-              </a:rPr>
-              <a:t> Manual Volume </a:t>
-            </a:r>
-            <a:r>
-              <a:rPr lang="pt-BR" sz="2000" u="sng" dirty="0" smtClean="0">
-                <a:solidFill>
-                  <a:schemeClr val="accent2"/>
-                </a:solidFill>
-              </a:rPr>
-              <a:t>1</a:t>
-            </a:r>
-            <a:r>
-              <a:rPr lang="pt-BR" sz="2000" dirty="0" smtClean="0"/>
-              <a:t> </a:t>
-            </a:r>
-            <a:r>
-              <a:rPr lang="pt-BR" sz="2000" dirty="0" err="1"/>
-              <a:t>or</a:t>
-            </a:r>
-            <a:r>
-              <a:rPr lang="pt-BR" sz="2000" dirty="0"/>
-              <a:t> via </a:t>
-            </a:r>
-            <a:r>
-              <a:rPr lang="pt-BR" sz="2000" dirty="0" err="1"/>
-              <a:t>Dymola</a:t>
-            </a:r>
-            <a:r>
-              <a:rPr lang="pt-BR" sz="2000" dirty="0"/>
-              <a:t> &gt; help.</a:t>
-            </a:r>
-            <a:endParaRPr lang="en-GB" altLang="nl-BE" sz="2000" dirty="0"/>
-          </a:p>
-          <a:p>
-            <a:endParaRPr lang="en-GB" dirty="0"/>
-          </a:p>
-        </p:txBody>
-      </p:sp>
-    </p:spTree>
-    <p:extLst>
-      <p:ext uri="{BB962C8B-B14F-4D97-AF65-F5344CB8AC3E}">
-        <p14:creationId xmlns:p14="http://schemas.microsoft.com/office/powerpoint/2010/main" val="2974380802"/>
-      </p:ext>
-    </p:extLst>
-  </p:cSld>
-  <p:clrMapOvr>
-    <a:masterClrMapping/>
-  </p:clrMapOvr>
-  <p:timing>
-    <p:tnLst>
-      <p:par>
-        <p:cTn id="1" dur="indefinite" restart="never" nodeType="tmRoot"/>
-      </p:par>
-    </p:tnLst>
-  </p:timing>
-</p:sld>
-</file>
-
-<file path=ppt/slides/slide33.xml><?xml version="1.0" encoding="utf-8"?>
-<p:sld xmlns:a="http://schemas.openxmlformats.org/drawingml/2006/main" xmlns:r="http://schemas.openxmlformats.org/officeDocument/2006/relationships" xmlns:p="http://schemas.openxmlformats.org/presentationml/2006/main">
-  <p:cSld>
-    <p:spTree>
-      <p:nvGrpSpPr>
-        <p:cNvPr id="1" name=""/>
-        <p:cNvGrpSpPr/>
-        <p:nvPr/>
-      </p:nvGrpSpPr>
-      <p:grpSpPr>
-        <a:xfrm>
-          <a:off x="0" y="0"/>
-          <a:ext cx="0" cy="0"/>
-          <a:chOff x="0" y="0"/>
-          <a:chExt cx="0" cy="0"/>
-        </a:xfrm>
-      </p:grpSpPr>
-      <p:sp>
-        <p:nvSpPr>
           <p:cNvPr id="14338" name="Title 1"/>
           <p:cNvSpPr>
             <a:spLocks noGrp="1"/>
@@ -16385,7 +14645,7 @@
 </p:sld>
 </file>
 
-<file path=ppt/slides/slide34.xml><?xml version="1.0" encoding="utf-8"?>
+<file path=ppt/slides/slide32.xml><?xml version="1.0" encoding="utf-8"?>
 <p:sld xmlns:a="http://schemas.openxmlformats.org/drawingml/2006/main" xmlns:r="http://schemas.openxmlformats.org/officeDocument/2006/relationships" xmlns:p="http://schemas.openxmlformats.org/presentationml/2006/main">
   <p:cSld>
     <p:spTree>
@@ -16601,7 +14861,7 @@
 </p:sld>
 </file>
 
-<file path=ppt/slides/slide35.xml><?xml version="1.0" encoding="utf-8"?>
+<file path=ppt/slides/slide33.xml><?xml version="1.0" encoding="utf-8"?>
 <p:sld xmlns:a="http://schemas.openxmlformats.org/drawingml/2006/main" xmlns:r="http://schemas.openxmlformats.org/officeDocument/2006/relationships" xmlns:p="http://schemas.openxmlformats.org/presentationml/2006/main">
   <p:cSld>
     <p:spTree>

--- a/2017-2018/Presentations/CrashCourse_2016.pptx
+++ b/2017-2018/Presentations/CrashCourse_2016.pptx
@@ -297,7 +297,7 @@
               <a:pPr>
                 <a:defRPr/>
               </a:pPr>
-              <a:t>29/09/2017</a:t>
+              <a:t>16/10/2017</a:t>
             </a:fld>
             <a:endParaRPr lang="en-GB"/>
           </a:p>
@@ -1850,7 +1850,7 @@
             <a:fld id="{C4DDCD72-59EE-436D-B435-201699A5BB49}" type="datetimeFigureOut">
               <a:rPr lang="nl-BE" smtClean="0"/>
               <a:pPr/>
-              <a:t>29/09/2017</a:t>
+              <a:t>16/10/2017</a:t>
             </a:fld>
             <a:endParaRPr lang="nl-BE" dirty="0"/>
           </a:p>
@@ -2539,7 +2539,7 @@
             <a:fld id="{C4DDCD72-59EE-436D-B435-201699A5BB49}" type="datetimeFigureOut">
               <a:rPr lang="nl-BE" smtClean="0"/>
               <a:pPr/>
-              <a:t>29/09/2017</a:t>
+              <a:t>16/10/2017</a:t>
             </a:fld>
             <a:endParaRPr lang="nl-BE"/>
           </a:p>
@@ -2978,7 +2978,7 @@
             <a:fld id="{C4DDCD72-59EE-436D-B435-201699A5BB49}" type="datetimeFigureOut">
               <a:rPr lang="nl-BE" smtClean="0"/>
               <a:pPr/>
-              <a:t>29/09/2017</a:t>
+              <a:t>16/10/2017</a:t>
             </a:fld>
             <a:endParaRPr lang="nl-BE"/>
           </a:p>
@@ -3109,7 +3109,7 @@
             <a:fld id="{C4DDCD72-59EE-436D-B435-201699A5BB49}" type="datetimeFigureOut">
               <a:rPr lang="nl-BE" smtClean="0"/>
               <a:pPr/>
-              <a:t>29/09/2017</a:t>
+              <a:t>16/10/2017</a:t>
             </a:fld>
             <a:endParaRPr lang="nl-BE"/>
           </a:p>
@@ -3213,7 +3213,7 @@
             <a:fld id="{C4DDCD72-59EE-436D-B435-201699A5BB49}" type="datetimeFigureOut">
               <a:rPr lang="nl-BE" smtClean="0"/>
               <a:pPr/>
-              <a:t>29/09/2017</a:t>
+              <a:t>16/10/2017</a:t>
             </a:fld>
             <a:endParaRPr lang="nl-BE"/>
           </a:p>
@@ -3506,7 +3506,7 @@
             <a:fld id="{C4DDCD72-59EE-436D-B435-201699A5BB49}" type="datetimeFigureOut">
               <a:rPr lang="nl-BE" smtClean="0"/>
               <a:pPr/>
-              <a:t>29/09/2017</a:t>
+              <a:t>16/10/2017</a:t>
             </a:fld>
             <a:endParaRPr lang="nl-BE"/>
           </a:p>
@@ -3637,7 +3637,7 @@
             <a:fld id="{C4DDCD72-59EE-436D-B435-201699A5BB49}" type="datetimeFigureOut">
               <a:rPr lang="nl-BE" smtClean="0"/>
               <a:pPr/>
-              <a:t>29/09/2017</a:t>
+              <a:t>16/10/2017</a:t>
             </a:fld>
             <a:endParaRPr lang="nl-BE" dirty="0"/>
           </a:p>
@@ -4036,7 +4036,7 @@
             <a:fld id="{C4DDCD72-59EE-436D-B435-201699A5BB49}" type="datetimeFigureOut">
               <a:rPr lang="nl-BE" smtClean="0"/>
               <a:pPr/>
-              <a:t>29/09/2017</a:t>
+              <a:t>16/10/2017</a:t>
             </a:fld>
             <a:endParaRPr lang="nl-BE" dirty="0"/>
           </a:p>
@@ -4599,7 +4599,7 @@
             <a:fld id="{C4DDCD72-59EE-436D-B435-201699A5BB49}" type="datetimeFigureOut">
               <a:rPr lang="nl-BE" smtClean="0"/>
               <a:pPr/>
-              <a:t>29/09/2017</a:t>
+              <a:t>16/10/2017</a:t>
             </a:fld>
             <a:endParaRPr lang="nl-BE"/>
           </a:p>
@@ -5038,7 +5038,7 @@
             <a:fld id="{C4DDCD72-59EE-436D-B435-201699A5BB49}" type="datetimeFigureOut">
               <a:rPr lang="nl-BE" smtClean="0"/>
               <a:pPr/>
-              <a:t>29/09/2017</a:t>
+              <a:t>16/10/2017</a:t>
             </a:fld>
             <a:endParaRPr lang="nl-BE"/>
           </a:p>
@@ -5169,7 +5169,7 @@
             <a:fld id="{C4DDCD72-59EE-436D-B435-201699A5BB49}" type="datetimeFigureOut">
               <a:rPr lang="nl-BE" smtClean="0"/>
               <a:pPr/>
-              <a:t>29/09/2017</a:t>
+              <a:t>16/10/2017</a:t>
             </a:fld>
             <a:endParaRPr lang="nl-BE"/>
           </a:p>
@@ -5273,7 +5273,7 @@
             <a:fld id="{C4DDCD72-59EE-436D-B435-201699A5BB49}" type="datetimeFigureOut">
               <a:rPr lang="nl-BE" smtClean="0"/>
               <a:pPr/>
-              <a:t>29/09/2017</a:t>
+              <a:t>16/10/2017</a:t>
             </a:fld>
             <a:endParaRPr lang="nl-BE"/>
           </a:p>
@@ -5562,7 +5562,7 @@
             <a:fld id="{C4DDCD72-59EE-436D-B435-201699A5BB49}" type="datetimeFigureOut">
               <a:rPr lang="nl-BE" smtClean="0"/>
               <a:pPr/>
-              <a:t>29/09/2017</a:t>
+              <a:t>16/10/2017</a:t>
             </a:fld>
             <a:endParaRPr lang="nl-BE"/>
           </a:p>
@@ -5835,7 +5835,7 @@
             <a:fld id="{C4DDCD72-59EE-436D-B435-201699A5BB49}" type="datetimeFigureOut">
               <a:rPr lang="nl-BE" smtClean="0"/>
               <a:pPr/>
-              <a:t>29/09/2017</a:t>
+              <a:t>16/10/2017</a:t>
             </a:fld>
             <a:endParaRPr lang="nl-BE" dirty="0"/>
           </a:p>
@@ -6062,7 +6062,7 @@
             <a:fld id="{C4DDCD72-59EE-436D-B435-201699A5BB49}" type="datetimeFigureOut">
               <a:rPr lang="nl-BE" smtClean="0"/>
               <a:pPr/>
-              <a:t>29/09/2017</a:t>
+              <a:t>16/10/2017</a:t>
             </a:fld>
             <a:endParaRPr lang="nl-BE" dirty="0"/>
           </a:p>
@@ -6690,7 +6690,7 @@
             <a:fld id="{C4DDCD72-59EE-436D-B435-201699A5BB49}" type="datetimeFigureOut">
               <a:rPr lang="nl-BE" smtClean="0"/>
               <a:pPr/>
-              <a:t>29/09/2017</a:t>
+              <a:t>16/10/2017</a:t>
             </a:fld>
             <a:endParaRPr lang="nl-BE" dirty="0"/>
           </a:p>
@@ -7342,8 +7342,23 @@
               <a:rPr lang="en-US" sz="2000" dirty="0" smtClean="0">
                 <a:latin typeface="+mj-lt"/>
               </a:rPr>
-              <a:t>October 13, 2016</a:t>
-            </a:r>
+              <a:t>October </a:t>
+            </a:r>
+            <a:r>
+              <a:rPr lang="en-US" sz="2000" dirty="0" smtClean="0">
+                <a:latin typeface="+mj-lt"/>
+              </a:rPr>
+              <a:t>19</a:t>
+            </a:r>
+            <a:r>
+              <a:rPr lang="en-US" sz="2000" smtClean="0">
+                <a:latin typeface="+mj-lt"/>
+              </a:rPr>
+              <a:t>, 2017</a:t>
+            </a:r>
+            <a:endParaRPr lang="en-US" sz="2000" dirty="0" smtClean="0">
+              <a:latin typeface="+mj-lt"/>
+            </a:endParaRPr>
           </a:p>
         </p:txBody>
       </p:sp>

--- a/2017-2018/Presentations/CrashCourse_2016.pptx
+++ b/2017-2018/Presentations/CrashCourse_2016.pptx
@@ -6,16 +6,16 @@
     <p:sldMasterId id="2147483677" r:id="rId2"/>
   </p:sldMasterIdLst>
   <p:notesMasterIdLst>
-    <p:notesMasterId r:id="rId36"/>
+    <p:notesMasterId r:id="rId37"/>
   </p:notesMasterIdLst>
   <p:sldIdLst>
     <p:sldId id="256" r:id="rId3"/>
     <p:sldId id="363" r:id="rId4"/>
     <p:sldId id="257" r:id="rId5"/>
     <p:sldId id="394" r:id="rId6"/>
-    <p:sldId id="340" r:id="rId7"/>
-    <p:sldId id="341" r:id="rId8"/>
-    <p:sldId id="342" r:id="rId9"/>
+    <p:sldId id="342" r:id="rId7"/>
+    <p:sldId id="340" r:id="rId8"/>
+    <p:sldId id="341" r:id="rId9"/>
     <p:sldId id="344" r:id="rId10"/>
     <p:sldId id="345" r:id="rId11"/>
     <p:sldId id="346" r:id="rId12"/>
@@ -26,22 +26,23 @@
     <p:sldId id="401" r:id="rId17"/>
     <p:sldId id="402" r:id="rId18"/>
     <p:sldId id="403" r:id="rId19"/>
-    <p:sldId id="368" r:id="rId20"/>
-    <p:sldId id="369" r:id="rId21"/>
-    <p:sldId id="370" r:id="rId22"/>
-    <p:sldId id="371" r:id="rId23"/>
-    <p:sldId id="372" r:id="rId24"/>
-    <p:sldId id="366" r:id="rId25"/>
-    <p:sldId id="373" r:id="rId26"/>
-    <p:sldId id="374" r:id="rId27"/>
-    <p:sldId id="395" r:id="rId28"/>
-    <p:sldId id="396" r:id="rId29"/>
-    <p:sldId id="375" r:id="rId30"/>
-    <p:sldId id="380" r:id="rId31"/>
-    <p:sldId id="381" r:id="rId32"/>
-    <p:sldId id="382" r:id="rId33"/>
-    <p:sldId id="383" r:id="rId34"/>
-    <p:sldId id="384" r:id="rId35"/>
+    <p:sldId id="384" r:id="rId20"/>
+    <p:sldId id="383" r:id="rId21"/>
+    <p:sldId id="368" r:id="rId22"/>
+    <p:sldId id="369" r:id="rId23"/>
+    <p:sldId id="370" r:id="rId24"/>
+    <p:sldId id="371" r:id="rId25"/>
+    <p:sldId id="372" r:id="rId26"/>
+    <p:sldId id="366" r:id="rId27"/>
+    <p:sldId id="373" r:id="rId28"/>
+    <p:sldId id="404" r:id="rId29"/>
+    <p:sldId id="374" r:id="rId30"/>
+    <p:sldId id="395" r:id="rId31"/>
+    <p:sldId id="396" r:id="rId32"/>
+    <p:sldId id="375" r:id="rId33"/>
+    <p:sldId id="380" r:id="rId34"/>
+    <p:sldId id="381" r:id="rId35"/>
+    <p:sldId id="382" r:id="rId36"/>
   </p:sldIdLst>
   <p:sldSz cx="10160000" cy="7620000"/>
   <p:notesSz cx="6858000" cy="9144000"/>
@@ -740,7 +741,7 @@
               <a:pPr>
                 <a:defRPr/>
               </a:pPr>
-              <a:t>19</a:t>
+              <a:t>21</a:t>
             </a:fld>
             <a:endParaRPr lang="en-GB"/>
           </a:p>
@@ -7348,13 +7349,7 @@
               <a:rPr lang="en-US" sz="2000" dirty="0" smtClean="0">
                 <a:latin typeface="+mj-lt"/>
               </a:rPr>
-              <a:t>19</a:t>
-            </a:r>
-            <a:r>
-              <a:rPr lang="en-US" sz="2000" smtClean="0">
-                <a:latin typeface="+mj-lt"/>
-              </a:rPr>
-              <a:t>, 2017</a:t>
+              <a:t>19, 2017</a:t>
             </a:r>
             <a:endParaRPr lang="en-US" sz="2000" dirty="0" smtClean="0">
               <a:latin typeface="+mj-lt"/>
@@ -9442,6 +9437,442 @@
       </p:grpSpPr>
       <p:sp>
         <p:nvSpPr>
+          <p:cNvPr id="2" name="Title 1"/>
+          <p:cNvSpPr>
+            <a:spLocks noGrp="1"/>
+          </p:cNvSpPr>
+          <p:nvPr>
+            <p:ph type="title"/>
+          </p:nvPr>
+        </p:nvSpPr>
+        <p:spPr/>
+        <p:txBody>
+          <a:bodyPr/>
+          <a:lstStyle/>
+          <a:p>
+            <a:r>
+              <a:rPr lang="en-GB" dirty="0" smtClean="0"/>
+              <a:t>Break</a:t>
+            </a:r>
+            <a:endParaRPr lang="en-GB" dirty="0"/>
+          </a:p>
+        </p:txBody>
+      </p:sp>
+      <p:sp>
+        <p:nvSpPr>
+          <p:cNvPr id="3" name="Content Placeholder 2"/>
+          <p:cNvSpPr>
+            <a:spLocks noGrp="1"/>
+          </p:cNvSpPr>
+          <p:nvPr>
+            <p:ph idx="1"/>
+          </p:nvPr>
+        </p:nvSpPr>
+        <p:spPr/>
+        <p:txBody>
+          <a:bodyPr/>
+          <a:lstStyle/>
+          <a:p>
+            <a:r>
+              <a:rPr lang="en-GB" dirty="0" smtClean="0"/>
+              <a:t>Time to activate and borrow your license!</a:t>
+            </a:r>
+            <a:endParaRPr lang="en-GB" dirty="0"/>
+          </a:p>
+        </p:txBody>
+      </p:sp>
+    </p:spTree>
+    <p:extLst>
+      <p:ext uri="{BB962C8B-B14F-4D97-AF65-F5344CB8AC3E}">
+        <p14:creationId xmlns:p14="http://schemas.microsoft.com/office/powerpoint/2010/main" val="130277479"/>
+      </p:ext>
+    </p:extLst>
+  </p:cSld>
+  <p:clrMapOvr>
+    <a:masterClrMapping/>
+  </p:clrMapOvr>
+</p:sld>
+</file>
+
+<file path=ppt/slides/slide19.xml><?xml version="1.0" encoding="utf-8"?>
+<p:sld xmlns:a="http://schemas.openxmlformats.org/drawingml/2006/main" xmlns:r="http://schemas.openxmlformats.org/officeDocument/2006/relationships" xmlns:p="http://schemas.openxmlformats.org/presentationml/2006/main">
+  <p:cSld>
+    <p:spTree>
+      <p:nvGrpSpPr>
+        <p:cNvPr id="1" name=""/>
+        <p:cNvGrpSpPr/>
+        <p:nvPr/>
+      </p:nvGrpSpPr>
+      <p:grpSpPr>
+        <a:xfrm>
+          <a:off x="0" y="0"/>
+          <a:ext cx="0" cy="0"/>
+          <a:chOff x="0" y="0"/>
+          <a:chExt cx="0" cy="0"/>
+        </a:xfrm>
+      </p:grpSpPr>
+      <p:sp>
+        <p:nvSpPr>
+          <p:cNvPr id="15362" name="Title 1"/>
+          <p:cNvSpPr>
+            <a:spLocks noGrp="1"/>
+          </p:cNvSpPr>
+          <p:nvPr>
+            <p:ph type="title"/>
+          </p:nvPr>
+        </p:nvSpPr>
+        <p:spPr/>
+        <p:txBody>
+          <a:bodyPr/>
+          <a:lstStyle/>
+          <a:p>
+            <a:r>
+              <a:rPr lang="en-GB" altLang="nl-BE" smtClean="0">
+                <a:latin typeface="Arial" charset="0"/>
+                <a:cs typeface="Arial" charset="0"/>
+              </a:rPr>
+              <a:t>Use of Dymola with KULeuven license</a:t>
+            </a:r>
+            <a:endParaRPr lang="nl-BE" altLang="nl-BE" smtClean="0"/>
+          </a:p>
+        </p:txBody>
+      </p:sp>
+      <p:sp>
+        <p:nvSpPr>
+          <p:cNvPr id="3" name="Content Placeholder 2"/>
+          <p:cNvSpPr>
+            <a:spLocks noGrp="1"/>
+          </p:cNvSpPr>
+          <p:nvPr>
+            <p:ph idx="1"/>
+          </p:nvPr>
+        </p:nvSpPr>
+        <p:spPr/>
+        <p:txBody>
+          <a:bodyPr/>
+          <a:lstStyle/>
+          <a:p>
+            <a:pPr marL="0" indent="0">
+              <a:buFontTx/>
+              <a:buNone/>
+              <a:defRPr/>
+            </a:pPr>
+            <a:r>
+              <a:rPr lang="nl-BE" dirty="0" smtClean="0"/>
+              <a:t>Access to a floating licence (on the building physics server).</a:t>
+            </a:r>
+          </a:p>
+          <a:p>
+            <a:pPr>
+              <a:defRPr/>
+            </a:pPr>
+            <a:r>
+              <a:rPr lang="nl-BE" dirty="0" smtClean="0"/>
+              <a:t>Connected physically</a:t>
+            </a:r>
+            <a:r>
+              <a:rPr lang="nl-BE" dirty="0"/>
+              <a:t> (cable)</a:t>
+            </a:r>
+            <a:r>
+              <a:rPr lang="nl-BE" dirty="0" smtClean="0"/>
+              <a:t> to the building physics or  mech network</a:t>
+            </a:r>
+          </a:p>
+          <a:p>
+            <a:pPr>
+              <a:defRPr/>
+            </a:pPr>
+            <a:r>
+              <a:rPr lang="nl-BE" dirty="0" smtClean="0"/>
+              <a:t>Open Dymola and go to help&gt;licence..</a:t>
+            </a:r>
+          </a:p>
+          <a:p>
+            <a:pPr>
+              <a:defRPr/>
+            </a:pPr>
+            <a:r>
+              <a:rPr lang="nl-NL" b="1" dirty="0" smtClean="0"/>
+              <a:t>Enter 10.112.72.4</a:t>
+            </a:r>
+            <a:r>
+              <a:rPr lang="nl-NL" dirty="0" smtClean="0"/>
+              <a:t> </a:t>
+            </a:r>
+            <a:br>
+              <a:rPr lang="nl-NL" dirty="0" smtClean="0"/>
+            </a:br>
+            <a:r>
+              <a:rPr lang="nl-NL" dirty="0" smtClean="0"/>
+              <a:t>and follow instructions</a:t>
+            </a:r>
+          </a:p>
+          <a:p>
+            <a:pPr>
+              <a:defRPr/>
+            </a:pPr>
+            <a:endParaRPr lang="nl-NL" dirty="0"/>
+          </a:p>
+          <a:p>
+            <a:pPr>
+              <a:defRPr/>
+            </a:pPr>
+            <a:r>
+              <a:rPr lang="nl-NL" dirty="0" smtClean="0"/>
+              <a:t>More information on </a:t>
+            </a:r>
+            <a:r>
+              <a:rPr lang="nl-NL" dirty="0" smtClean="0">
+                <a:hlinkClick r:id="rId2"/>
+              </a:rPr>
+              <a:t>Modelicans</a:t>
+            </a:r>
+            <a:r>
+              <a:rPr lang="nl-NL" dirty="0" smtClean="0"/>
+              <a:t> (google groups)</a:t>
+            </a:r>
+            <a:endParaRPr lang="nl-BE" dirty="0"/>
+          </a:p>
+        </p:txBody>
+      </p:sp>
+      <p:pic>
+        <p:nvPicPr>
+          <p:cNvPr id="15364" name="Picture 4"/>
+          <p:cNvPicPr>
+            <a:picLocks noChangeAspect="1" noChangeArrowheads="1"/>
+          </p:cNvPicPr>
+          <p:nvPr/>
+        </p:nvPicPr>
+        <p:blipFill>
+          <a:blip r:embed="rId3">
+            <a:extLst>
+              <a:ext uri="{28A0092B-C50C-407E-A947-70E740481C1C}">
+                <a14:useLocalDpi xmlns:a14="http://schemas.microsoft.com/office/drawing/2010/main" val="0"/>
+              </a:ext>
+            </a:extLst>
+          </a:blip>
+          <a:srcRect/>
+          <a:stretch>
+            <a:fillRect/>
+          </a:stretch>
+        </p:blipFill>
+        <p:spPr bwMode="auto">
+          <a:xfrm>
+            <a:off x="4431928" y="5466184"/>
+            <a:ext cx="3590925" cy="1581150"/>
+          </a:xfrm>
+          <a:prstGeom prst="rect">
+            <a:avLst/>
+          </a:prstGeom>
+          <a:noFill/>
+          <a:ln>
+            <a:noFill/>
+          </a:ln>
+          <a:extLst>
+            <a:ext uri="{909E8E84-426E-40DD-AFC4-6F175D3DCCD1}">
+              <a14:hiddenFill xmlns:a14="http://schemas.microsoft.com/office/drawing/2010/main">
+                <a:solidFill>
+                  <a:schemeClr val="accent1"/>
+                </a:solidFill>
+              </a14:hiddenFill>
+            </a:ext>
+            <a:ext uri="{91240B29-F687-4F45-9708-019B960494DF}">
+              <a14:hiddenLine xmlns:a14="http://schemas.microsoft.com/office/drawing/2010/main" w="9525">
+                <a:solidFill>
+                  <a:schemeClr val="tx1"/>
+                </a:solidFill>
+                <a:miter lim="800000"/>
+                <a:headEnd/>
+                <a:tailEnd/>
+              </a14:hiddenLine>
+            </a:ext>
+          </a:extLst>
+        </p:spPr>
+      </p:pic>
+    </p:spTree>
+    <p:extLst>
+      <p:ext uri="{BB962C8B-B14F-4D97-AF65-F5344CB8AC3E}">
+        <p14:creationId xmlns:p14="http://schemas.microsoft.com/office/powerpoint/2010/main" val="3727398000"/>
+      </p:ext>
+    </p:extLst>
+  </p:cSld>
+  <p:clrMapOvr>
+    <a:masterClrMapping/>
+  </p:clrMapOvr>
+  <p:timing>
+    <p:tnLst>
+      <p:par>
+        <p:cTn id="1" dur="indefinite" restart="never" nodeType="tmRoot"/>
+      </p:par>
+    </p:tnLst>
+  </p:timing>
+</p:sld>
+</file>
+
+<file path=ppt/slides/slide2.xml><?xml version="1.0" encoding="utf-8"?>
+<p:sld xmlns:a="http://schemas.openxmlformats.org/drawingml/2006/main" xmlns:r="http://schemas.openxmlformats.org/officeDocument/2006/relationships" xmlns:p="http://schemas.openxmlformats.org/presentationml/2006/main">
+  <p:cSld>
+    <p:spTree>
+      <p:nvGrpSpPr>
+        <p:cNvPr id="1" name=""/>
+        <p:cNvGrpSpPr/>
+        <p:nvPr/>
+      </p:nvGrpSpPr>
+      <p:grpSpPr>
+        <a:xfrm>
+          <a:off x="0" y="0"/>
+          <a:ext cx="0" cy="0"/>
+          <a:chOff x="0" y="0"/>
+          <a:chExt cx="0" cy="0"/>
+        </a:xfrm>
+      </p:grpSpPr>
+      <p:sp>
+        <p:nvSpPr>
+          <p:cNvPr id="2" name="Title 1"/>
+          <p:cNvSpPr>
+            <a:spLocks noGrp="1"/>
+          </p:cNvSpPr>
+          <p:nvPr>
+            <p:ph type="title"/>
+          </p:nvPr>
+        </p:nvSpPr>
+        <p:spPr/>
+        <p:txBody>
+          <a:bodyPr/>
+          <a:lstStyle/>
+          <a:p>
+            <a:r>
+              <a:rPr lang="nl-NL" smtClean="0"/>
+              <a:t>Modelica crash course</a:t>
+            </a:r>
+            <a:endParaRPr lang="nl-BE" dirty="0"/>
+          </a:p>
+        </p:txBody>
+      </p:sp>
+      <p:sp>
+        <p:nvSpPr>
+          <p:cNvPr id="3" name="Content Placeholder 2"/>
+          <p:cNvSpPr>
+            <a:spLocks noGrp="1"/>
+          </p:cNvSpPr>
+          <p:nvPr>
+            <p:ph idx="1"/>
+          </p:nvPr>
+        </p:nvSpPr>
+        <p:spPr/>
+        <p:txBody>
+          <a:bodyPr/>
+          <a:lstStyle/>
+          <a:p>
+            <a:r>
+              <a:rPr lang="en-US" dirty="0" smtClean="0"/>
+              <a:t>What is </a:t>
+            </a:r>
+            <a:r>
+              <a:rPr lang="en-US" dirty="0" err="1" smtClean="0"/>
+              <a:t>Modelica</a:t>
+            </a:r>
+            <a:r>
+              <a:rPr lang="en-US" dirty="0" smtClean="0"/>
+              <a:t> ? </a:t>
+            </a:r>
+          </a:p>
+          <a:p>
+            <a:r>
+              <a:rPr lang="en-US" dirty="0" smtClean="0"/>
+              <a:t>Syntax, language concepts and model structuring</a:t>
+            </a:r>
+          </a:p>
+          <a:p>
+            <a:r>
+              <a:rPr lang="en-US" dirty="0" err="1" smtClean="0"/>
+              <a:t>Modelica</a:t>
+            </a:r>
+            <a:r>
+              <a:rPr lang="en-US" dirty="0" smtClean="0"/>
+              <a:t> tools</a:t>
+            </a:r>
+          </a:p>
+          <a:p>
+            <a:r>
+              <a:rPr lang="en-US" dirty="0" smtClean="0"/>
+              <a:t>Use of IDEAS library</a:t>
+            </a:r>
+          </a:p>
+          <a:p>
+            <a:r>
+              <a:rPr lang="en-US" dirty="0" smtClean="0"/>
+              <a:t>Getting started (tutorials, reference docs, libraries, software implementations, ...)</a:t>
+            </a:r>
+          </a:p>
+          <a:p>
+            <a:endParaRPr lang="en-US" dirty="0" smtClean="0"/>
+          </a:p>
+          <a:p>
+            <a:r>
+              <a:rPr lang="en-US" dirty="0" smtClean="0">
+                <a:sym typeface="Wingdings" panose="05000000000000000000" pitchFamily="2" charset="2"/>
+              </a:rPr>
+              <a:t></a:t>
+            </a:r>
+            <a:r>
+              <a:rPr lang="en-US" dirty="0" smtClean="0"/>
+              <a:t> To get you started with </a:t>
+            </a:r>
+            <a:r>
+              <a:rPr lang="en-US" dirty="0" err="1" smtClean="0"/>
+              <a:t>Modelica</a:t>
+            </a:r>
+            <a:r>
+              <a:rPr lang="en-US" dirty="0" smtClean="0"/>
+              <a:t>! </a:t>
+            </a:r>
+          </a:p>
+          <a:p>
+            <a:endParaRPr lang="nl-BE" dirty="0"/>
+          </a:p>
+        </p:txBody>
+      </p:sp>
+    </p:spTree>
+    <p:extLst>
+      <p:ext uri="{BB962C8B-B14F-4D97-AF65-F5344CB8AC3E}">
+        <p14:creationId xmlns:p14="http://schemas.microsoft.com/office/powerpoint/2010/main" val="164379939"/>
+      </p:ext>
+    </p:extLst>
+  </p:cSld>
+  <p:clrMapOvr>
+    <a:masterClrMapping/>
+  </p:clrMapOvr>
+  <p:timing>
+    <p:tnLst>
+      <p:par>
+        <p:cTn id="1" dur="indefinite" restart="never" nodeType="tmRoot"/>
+      </p:par>
+    </p:tnLst>
+  </p:timing>
+</p:sld>
+</file>
+
+<file path=ppt/slides/slide20.xml><?xml version="1.0" encoding="utf-8"?>
+<p:sld xmlns:a="http://schemas.openxmlformats.org/drawingml/2006/main" xmlns:r="http://schemas.openxmlformats.org/officeDocument/2006/relationships" xmlns:p="http://schemas.openxmlformats.org/presentationml/2006/main">
+  <p:cSld>
+    <p:spTree>
+      <p:nvGrpSpPr>
+        <p:cNvPr id="1" name=""/>
+        <p:cNvGrpSpPr/>
+        <p:nvPr/>
+      </p:nvGrpSpPr>
+      <p:grpSpPr>
+        <a:xfrm>
+          <a:off x="0" y="0"/>
+          <a:ext cx="0" cy="0"/>
+          <a:chOff x="0" y="0"/>
+          <a:chExt cx="0" cy="0"/>
+        </a:xfrm>
+      </p:grpSpPr>
+      <p:sp>
+        <p:nvSpPr>
           <p:cNvPr id="4" name="Title 3"/>
           <p:cNvSpPr>
             <a:spLocks noGrp="1"/>
@@ -9514,7 +9945,7 @@
 </p:sld>
 </file>
 
-<file path=ppt/slides/slide19.xml><?xml version="1.0" encoding="utf-8"?>
+<file path=ppt/slides/slide21.xml><?xml version="1.0" encoding="utf-8"?>
 <p:sld xmlns:a="http://schemas.openxmlformats.org/drawingml/2006/main" xmlns:r="http://schemas.openxmlformats.org/officeDocument/2006/relationships" xmlns:p="http://schemas.openxmlformats.org/presentationml/2006/main">
   <p:cSld>
     <p:spTree>
@@ -9578,10 +10009,17 @@
             <a:pPr lvl="1"/>
             <a:r>
               <a:rPr lang="en-GB" dirty="0" smtClean="0">
+                <a:latin typeface="Lucida Console" panose="020B0609040504020204" pitchFamily="49" charset="0"/>
+                <a:cs typeface="Monaco"/>
+              </a:rPr>
+              <a:t>*, /, +, -, ^</a:t>
+            </a:r>
+            <a:r>
+              <a:rPr lang="en-GB" dirty="0" smtClean="0">
                 <a:latin typeface="Monaco"/>
                 <a:cs typeface="Monaco"/>
               </a:rPr>
-              <a:t>*, /, +, -, ^ </a:t>
+              <a:t> </a:t>
             </a:r>
             <a:r>
               <a:rPr lang="en-GB" dirty="0" smtClean="0">
@@ -9592,7 +10030,7 @@
             </a:r>
             <a:r>
               <a:rPr lang="en-GB" dirty="0" smtClean="0">
-                <a:latin typeface="Monaco"/>
+                <a:latin typeface="Lucida Console" panose="020B0609040504020204" pitchFamily="49" charset="0"/>
                 <a:cs typeface="Monaco"/>
               </a:rPr>
               <a:t>.</a:t>
@@ -9618,10 +10056,17 @@
             <a:pPr lvl="1"/>
             <a:r>
               <a:rPr lang="en-GB" dirty="0" smtClean="0">
+                <a:latin typeface="Lucida Console" panose="020B0609040504020204" pitchFamily="49" charset="0"/>
+                <a:cs typeface="Monaco"/>
+              </a:rPr>
+              <a:t>der(x) = x</a:t>
+            </a:r>
+            <a:r>
+              <a:rPr lang="en-GB" dirty="0" smtClean="0">
                 <a:latin typeface="Monaco"/>
                 <a:cs typeface="Monaco"/>
               </a:rPr>
-              <a:t>der(x) = x   ~</a:t>
+              <a:t>   ~</a:t>
             </a:r>
           </a:p>
           <a:p>
@@ -9987,7 +10432,7 @@
 </p:sld>
 </file>
 
-<file path=ppt/slides/slide2.xml><?xml version="1.0" encoding="utf-8"?>
+<file path=ppt/slides/slide22.xml><?xml version="1.0" encoding="utf-8"?>
 <p:sld xmlns:a="http://schemas.openxmlformats.org/drawingml/2006/main" xmlns:r="http://schemas.openxmlformats.org/officeDocument/2006/relationships" xmlns:p="http://schemas.openxmlformats.org/presentationml/2006/main">
   <p:cSld>
     <p:spTree>
@@ -10020,10 +10465,10 @@
           <a:lstStyle/>
           <a:p>
             <a:r>
-              <a:rPr lang="nl-NL" smtClean="0"/>
-              <a:t>Modelica crash course</a:t>
-            </a:r>
-            <a:endParaRPr lang="nl-BE" dirty="0"/>
+              <a:rPr lang="en-GB" dirty="0" smtClean="0"/>
+              <a:t>Logical operators, control flow</a:t>
+            </a:r>
+            <a:endParaRPr lang="en-GB" dirty="0"/>
           </a:p>
         </p:txBody>
       </p:sp>
@@ -10043,150 +10488,6 @@
           <a:lstStyle/>
           <a:p>
             <a:r>
-              <a:rPr lang="en-US" dirty="0" smtClean="0"/>
-              <a:t>What is </a:t>
-            </a:r>
-            <a:r>
-              <a:rPr lang="en-US" dirty="0" err="1" smtClean="0"/>
-              <a:t>Modelica</a:t>
-            </a:r>
-            <a:r>
-              <a:rPr lang="en-US" dirty="0" smtClean="0"/>
-              <a:t> ? </a:t>
-            </a:r>
-          </a:p>
-          <a:p>
-            <a:r>
-              <a:rPr lang="en-US" dirty="0" smtClean="0"/>
-              <a:t>Syntax, language concepts and model structuring</a:t>
-            </a:r>
-          </a:p>
-          <a:p>
-            <a:r>
-              <a:rPr lang="en-US" dirty="0" err="1" smtClean="0"/>
-              <a:t>Modelica</a:t>
-            </a:r>
-            <a:r>
-              <a:rPr lang="en-US" dirty="0" smtClean="0"/>
-              <a:t> tools</a:t>
-            </a:r>
-          </a:p>
-          <a:p>
-            <a:r>
-              <a:rPr lang="en-US" dirty="0" smtClean="0"/>
-              <a:t>Use of IDEAS library</a:t>
-            </a:r>
-          </a:p>
-          <a:p>
-            <a:r>
-              <a:rPr lang="en-US" dirty="0" smtClean="0"/>
-              <a:t>Getting started (tutorials, reference docs, libraries, software implementations, ...)</a:t>
-            </a:r>
-          </a:p>
-          <a:p>
-            <a:endParaRPr lang="en-US" dirty="0" smtClean="0"/>
-          </a:p>
-          <a:p>
-            <a:r>
-              <a:rPr lang="en-US" dirty="0" smtClean="0">
-                <a:sym typeface="Wingdings" panose="05000000000000000000" pitchFamily="2" charset="2"/>
-              </a:rPr>
-              <a:t></a:t>
-            </a:r>
-            <a:r>
-              <a:rPr lang="en-US" dirty="0" smtClean="0"/>
-              <a:t> To get you started with </a:t>
-            </a:r>
-            <a:r>
-              <a:rPr lang="en-US" dirty="0" err="1" smtClean="0"/>
-              <a:t>Modelica</a:t>
-            </a:r>
-            <a:r>
-              <a:rPr lang="en-US" dirty="0" smtClean="0"/>
-              <a:t>! </a:t>
-            </a:r>
-          </a:p>
-          <a:p>
-            <a:endParaRPr lang="nl-BE" dirty="0"/>
-          </a:p>
-        </p:txBody>
-      </p:sp>
-    </p:spTree>
-    <p:extLst>
-      <p:ext uri="{BB962C8B-B14F-4D97-AF65-F5344CB8AC3E}">
-        <p14:creationId xmlns:p14="http://schemas.microsoft.com/office/powerpoint/2010/main" val="164379939"/>
-      </p:ext>
-    </p:extLst>
-  </p:cSld>
-  <p:clrMapOvr>
-    <a:masterClrMapping/>
-  </p:clrMapOvr>
-  <p:timing>
-    <p:tnLst>
-      <p:par>
-        <p:cTn id="1" dur="indefinite" restart="never" nodeType="tmRoot"/>
-      </p:par>
-    </p:tnLst>
-  </p:timing>
-</p:sld>
-</file>
-
-<file path=ppt/slides/slide20.xml><?xml version="1.0" encoding="utf-8"?>
-<p:sld xmlns:a="http://schemas.openxmlformats.org/drawingml/2006/main" xmlns:r="http://schemas.openxmlformats.org/officeDocument/2006/relationships" xmlns:p="http://schemas.openxmlformats.org/presentationml/2006/main">
-  <p:cSld>
-    <p:spTree>
-      <p:nvGrpSpPr>
-        <p:cNvPr id="1" name=""/>
-        <p:cNvGrpSpPr/>
-        <p:nvPr/>
-      </p:nvGrpSpPr>
-      <p:grpSpPr>
-        <a:xfrm>
-          <a:off x="0" y="0"/>
-          <a:ext cx="0" cy="0"/>
-          <a:chOff x="0" y="0"/>
-          <a:chExt cx="0" cy="0"/>
-        </a:xfrm>
-      </p:grpSpPr>
-      <p:sp>
-        <p:nvSpPr>
-          <p:cNvPr id="2" name="Title 1"/>
-          <p:cNvSpPr>
-            <a:spLocks noGrp="1"/>
-          </p:cNvSpPr>
-          <p:nvPr>
-            <p:ph type="title"/>
-          </p:nvPr>
-        </p:nvSpPr>
-        <p:spPr/>
-        <p:txBody>
-          <a:bodyPr/>
-          <a:lstStyle/>
-          <a:p>
-            <a:r>
-              <a:rPr lang="en-GB" dirty="0" smtClean="0"/>
-              <a:t>Logical operators, control flow</a:t>
-            </a:r>
-            <a:endParaRPr lang="en-GB" dirty="0"/>
-          </a:p>
-        </p:txBody>
-      </p:sp>
-      <p:sp>
-        <p:nvSpPr>
-          <p:cNvPr id="3" name="Content Placeholder 2"/>
-          <p:cNvSpPr>
-            <a:spLocks noGrp="1"/>
-          </p:cNvSpPr>
-          <p:nvPr>
-            <p:ph idx="1"/>
-          </p:nvPr>
-        </p:nvSpPr>
-        <p:spPr/>
-        <p:txBody>
-          <a:bodyPr/>
-          <a:lstStyle/>
-          <a:p>
-            <a:r>
               <a:rPr lang="en-GB" dirty="0" smtClean="0"/>
               <a:t>Logical</a:t>
             </a:r>
@@ -10194,7 +10495,9 @@
           <a:p>
             <a:pPr lvl="1"/>
             <a:r>
-              <a:rPr lang="en-GB" dirty="0" smtClean="0"/>
+              <a:rPr lang="en-GB" dirty="0" smtClean="0">
+                <a:latin typeface="Lucida Console" panose="020B0609040504020204" pitchFamily="49" charset="0"/>
+              </a:rPr>
               <a:t>and, or, not</a:t>
             </a:r>
           </a:p>
@@ -10207,15 +10510,33 @@
           <a:p>
             <a:pPr lvl="1"/>
             <a:r>
-              <a:rPr lang="en-GB" dirty="0" smtClean="0"/>
-              <a:t>If, </a:t>
-            </a:r>
-            <a:r>
-              <a:rPr lang="en-GB" dirty="0" err="1" smtClean="0"/>
+              <a:rPr lang="en-GB" dirty="0">
+                <a:latin typeface="Lucida Console" panose="020B0609040504020204" pitchFamily="49" charset="0"/>
+              </a:rPr>
+              <a:t>i</a:t>
+            </a:r>
+            <a:r>
+              <a:rPr lang="en-GB" dirty="0" smtClean="0">
+                <a:latin typeface="Lucida Console" panose="020B0609040504020204" pitchFamily="49" charset="0"/>
+              </a:rPr>
+              <a:t>f</a:t>
+            </a:r>
+            <a:r>
+              <a:rPr lang="en-GB" dirty="0" smtClean="0">
+                <a:latin typeface="Lucida Console" panose="020B0609040504020204" pitchFamily="49" charset="0"/>
+              </a:rPr>
+              <a:t>, </a:t>
+            </a:r>
+            <a:r>
+              <a:rPr lang="en-GB" dirty="0" err="1" smtClean="0">
+                <a:latin typeface="Lucida Console" panose="020B0609040504020204" pitchFamily="49" charset="0"/>
+              </a:rPr>
               <a:t>elseif</a:t>
             </a:r>
             <a:r>
-              <a:rPr lang="en-GB" dirty="0" smtClean="0"/>
+              <a:rPr lang="en-GB" dirty="0" smtClean="0">
+                <a:latin typeface="Lucida Console" panose="020B0609040504020204" pitchFamily="49" charset="0"/>
+              </a:rPr>
               <a:t>, else</a:t>
             </a:r>
           </a:p>
@@ -10232,9 +10553,20 @@
           <a:p>
             <a:pPr lvl="1"/>
             <a:r>
-              <a:rPr lang="en-GB" dirty="0" smtClean="0"/>
-              <a:t>For</a:t>
-            </a:r>
+              <a:rPr lang="en-GB" dirty="0">
+                <a:latin typeface="Lucida Console" panose="020B0609040504020204" pitchFamily="49" charset="0"/>
+              </a:rPr>
+              <a:t>f</a:t>
+            </a:r>
+            <a:r>
+              <a:rPr lang="en-GB" dirty="0" smtClean="0">
+                <a:latin typeface="Lucida Console" panose="020B0609040504020204" pitchFamily="49" charset="0"/>
+              </a:rPr>
+              <a:t>or</a:t>
+            </a:r>
+            <a:endParaRPr lang="en-GB" dirty="0" smtClean="0">
+              <a:latin typeface="Lucida Console" panose="020B0609040504020204" pitchFamily="49" charset="0"/>
+            </a:endParaRPr>
           </a:p>
           <a:p>
             <a:r>
@@ -10245,8 +10577,14 @@
           <a:p>
             <a:pPr lvl="1"/>
             <a:r>
+              <a:rPr lang="en-GB" dirty="0" smtClean="0">
+                <a:latin typeface="Lucida Console" panose="020B0609040504020204" pitchFamily="49" charset="0"/>
+              </a:rPr>
+              <a:t>&gt;, &lt;, &lt;&gt;, &gt;=</a:t>
+            </a:r>
+            <a:r>
               <a:rPr lang="en-GB" dirty="0" smtClean="0"/>
-              <a:t>&gt;, &lt;, &lt;&gt;, &gt;=,…</a:t>
+              <a:t>,…</a:t>
             </a:r>
           </a:p>
         </p:txBody>
@@ -10267,7 +10605,7 @@
         </p:blipFill>
         <p:spPr>
           <a:xfrm>
-            <a:off x="4359920" y="2513856"/>
+            <a:off x="5569510" y="2513856"/>
             <a:ext cx="1899761" cy="1735584"/>
           </a:xfrm>
           <a:prstGeom prst="rect">
@@ -10291,7 +10629,7 @@
         </p:blipFill>
         <p:spPr>
           <a:xfrm>
-            <a:off x="4359920" y="4458072"/>
+            <a:off x="5569510" y="4458072"/>
             <a:ext cx="2376264" cy="447146"/>
           </a:xfrm>
           <a:prstGeom prst="rect">
@@ -10319,7 +10657,7 @@
 </p:sld>
 </file>
 
-<file path=ppt/slides/slide21.xml><?xml version="1.0" encoding="utf-8"?>
+<file path=ppt/slides/slide23.xml><?xml version="1.0" encoding="utf-8"?>
 <p:sld xmlns:a="http://schemas.openxmlformats.org/drawingml/2006/main" xmlns:r="http://schemas.openxmlformats.org/officeDocument/2006/relationships" xmlns:p="http://schemas.openxmlformats.org/presentationml/2006/main">
   <p:cSld>
     <p:spTree>
@@ -11538,7 +11876,7 @@
 </p:sld>
 </file>
 
-<file path=ppt/slides/slide22.xml><?xml version="1.0" encoding="utf-8"?>
+<file path=ppt/slides/slide24.xml><?xml version="1.0" encoding="utf-8"?>
 <p:sld xmlns:a="http://schemas.openxmlformats.org/drawingml/2006/main" xmlns:r="http://schemas.openxmlformats.org/officeDocument/2006/relationships" xmlns:p="http://schemas.openxmlformats.org/presentationml/2006/main">
   <p:cSld>
     <p:spTree>
@@ -11608,7 +11946,7 @@
             <a:pPr lvl="1"/>
             <a:r>
               <a:rPr lang="en-GB" dirty="0" smtClean="0">
-                <a:latin typeface="Monaco"/>
+                <a:latin typeface="Lucida Console" panose="020B0609040504020204" pitchFamily="49" charset="0"/>
                 <a:cs typeface="Monaco"/>
               </a:rPr>
               <a:t>“this is a comment”</a:t>
@@ -11637,7 +11975,7 @@
             <a:pPr lvl="1"/>
             <a:r>
               <a:rPr lang="en-GB" dirty="0" smtClean="0">
-                <a:latin typeface="Monaco"/>
+                <a:latin typeface="Lucida Console" panose="020B0609040504020204" pitchFamily="49" charset="0"/>
                 <a:cs typeface="Monaco"/>
               </a:rPr>
               <a:t>// This is a comment on one line</a:t>
@@ -11647,52 +11985,52 @@
             <a:pPr lvl="1"/>
             <a:r>
               <a:rPr lang="en-GB" dirty="0" smtClean="0">
-                <a:latin typeface="Monaco"/>
+                <a:latin typeface="Lucida Console" panose="020B0609040504020204" pitchFamily="49" charset="0"/>
                 <a:cs typeface="Monaco"/>
               </a:rPr>
               <a:t>/*</a:t>
             </a:r>
             <a:br>
               <a:rPr lang="en-GB" dirty="0" smtClean="0">
-                <a:latin typeface="Monaco"/>
+                <a:latin typeface="Lucida Console" panose="020B0609040504020204" pitchFamily="49" charset="0"/>
                 <a:cs typeface="Monaco"/>
               </a:rPr>
             </a:br>
             <a:r>
               <a:rPr lang="en-GB" dirty="0" smtClean="0">
-                <a:latin typeface="Monaco"/>
+                <a:latin typeface="Lucida Console" panose="020B0609040504020204" pitchFamily="49" charset="0"/>
                 <a:cs typeface="Monaco"/>
               </a:rPr>
               <a:t>This is a comment</a:t>
             </a:r>
             <a:br>
               <a:rPr lang="en-GB" dirty="0" smtClean="0">
-                <a:latin typeface="Monaco"/>
+                <a:latin typeface="Lucida Console" panose="020B0609040504020204" pitchFamily="49" charset="0"/>
                 <a:cs typeface="Monaco"/>
               </a:rPr>
             </a:br>
             <a:r>
               <a:rPr lang="en-GB" dirty="0" smtClean="0">
-                <a:latin typeface="Monaco"/>
+                <a:latin typeface="Lucida Console" panose="020B0609040504020204" pitchFamily="49" charset="0"/>
                 <a:cs typeface="Monaco"/>
               </a:rPr>
               <a:t>over multiple lines</a:t>
             </a:r>
             <a:br>
               <a:rPr lang="en-GB" dirty="0" smtClean="0">
-                <a:latin typeface="Monaco"/>
+                <a:latin typeface="Lucida Console" panose="020B0609040504020204" pitchFamily="49" charset="0"/>
                 <a:cs typeface="Monaco"/>
               </a:rPr>
             </a:br>
             <a:r>
               <a:rPr lang="en-GB" dirty="0" smtClean="0">
-                <a:latin typeface="Monaco"/>
+                <a:latin typeface="Lucida Console" panose="020B0609040504020204" pitchFamily="49" charset="0"/>
                 <a:cs typeface="Monaco"/>
               </a:rPr>
               <a:t>*/</a:t>
             </a:r>
             <a:endParaRPr lang="en-GB" dirty="0">
-              <a:latin typeface="Monaco"/>
+              <a:latin typeface="Lucida Console" panose="020B0609040504020204" pitchFamily="49" charset="0"/>
               <a:cs typeface="Monaco"/>
             </a:endParaRPr>
           </a:p>
@@ -11718,7 +12056,7 @@
 </p:sld>
 </file>
 
-<file path=ppt/slides/slide23.xml><?xml version="1.0" encoding="utf-8"?>
+<file path=ppt/slides/slide25.xml><?xml version="1.0" encoding="utf-8"?>
 <p:sld xmlns:a="http://schemas.openxmlformats.org/drawingml/2006/main" xmlns:r="http://schemas.openxmlformats.org/officeDocument/2006/relationships" xmlns:p="http://schemas.openxmlformats.org/presentationml/2006/main">
   <p:cSld>
     <p:spTree>
@@ -12022,7 +12360,7 @@
 </p:sld>
 </file>
 
-<file path=ppt/slides/slide24.xml><?xml version="1.0" encoding="utf-8"?>
+<file path=ppt/slides/slide26.xml><?xml version="1.0" encoding="utf-8"?>
 <p:sld xmlns:a="http://schemas.openxmlformats.org/drawingml/2006/main" xmlns:r="http://schemas.openxmlformats.org/officeDocument/2006/relationships" xmlns:p="http://schemas.openxmlformats.org/presentationml/2006/main">
   <p:cSld>
     <p:spTree>
@@ -12100,25 +12438,13 @@
             <a:pPr lvl="1"/>
             <a:r>
               <a:rPr lang="en-GB" dirty="0" smtClean="0"/>
-              <a:t>Heat flow (heat flow rate, temperature)</a:t>
-            </a:r>
-          </a:p>
-          <a:p>
-            <a:r>
-              <a:rPr lang="en-GB" dirty="0" smtClean="0">
-                <a:latin typeface="Monaco" panose="020B0509030404040204" pitchFamily="49" charset="0"/>
-              </a:rPr>
-              <a:t>flow </a:t>
-            </a:r>
-            <a:r>
-              <a:rPr lang="en-GB" dirty="0" smtClean="0">
-                <a:latin typeface="+mj-lt"/>
-              </a:rPr>
-              <a:t>variable, potential variable</a:t>
-            </a:r>
-            <a:endParaRPr lang="en-GB" dirty="0">
-              <a:latin typeface="+mj-lt"/>
-            </a:endParaRPr>
+              <a:t>Heat flow (heat flow rate, temperature</a:t>
+            </a:r>
+            <a:r>
+              <a:rPr lang="en-GB" dirty="0" smtClean="0"/>
+              <a:t>)</a:t>
+            </a:r>
+            <a:endParaRPr lang="en-GB" dirty="0" smtClean="0"/>
           </a:p>
         </p:txBody>
       </p:sp>
@@ -12410,9 +12736,135 @@
           </a:p>
         </p:txBody>
       </p:sp>
+    </p:spTree>
+    <p:extLst>
+      <p:ext uri="{BB962C8B-B14F-4D97-AF65-F5344CB8AC3E}">
+        <p14:creationId xmlns:p14="http://schemas.microsoft.com/office/powerpoint/2010/main" val="1273494810"/>
+      </p:ext>
+    </p:extLst>
+  </p:cSld>
+  <p:clrMapOvr>
+    <a:masterClrMapping/>
+  </p:clrMapOvr>
+  <p:timing>
+    <p:tnLst>
+      <p:par>
+        <p:cTn id="1" dur="indefinite" restart="never" nodeType="tmRoot"/>
+      </p:par>
+    </p:tnLst>
+  </p:timing>
+</p:sld>
+</file>
+
+<file path=ppt/slides/slide27.xml><?xml version="1.0" encoding="utf-8"?>
+<p:sld xmlns:a="http://schemas.openxmlformats.org/drawingml/2006/main" xmlns:r="http://schemas.openxmlformats.org/officeDocument/2006/relationships" xmlns:p="http://schemas.openxmlformats.org/presentationml/2006/main">
+  <p:cSld>
+    <p:spTree>
+      <p:nvGrpSpPr>
+        <p:cNvPr id="1" name=""/>
+        <p:cNvGrpSpPr/>
+        <p:nvPr/>
+      </p:nvGrpSpPr>
+      <p:grpSpPr>
+        <a:xfrm>
+          <a:off x="0" y="0"/>
+          <a:ext cx="0" cy="0"/>
+          <a:chOff x="0" y="0"/>
+          <a:chExt cx="0" cy="0"/>
+        </a:xfrm>
+      </p:grpSpPr>
+      <p:sp>
+        <p:nvSpPr>
+          <p:cNvPr id="2" name="Title 1"/>
+          <p:cNvSpPr>
+            <a:spLocks noGrp="1"/>
+          </p:cNvSpPr>
+          <p:nvPr>
+            <p:ph type="title"/>
+          </p:nvPr>
+        </p:nvSpPr>
+        <p:spPr/>
+        <p:txBody>
+          <a:bodyPr/>
+          <a:lstStyle/>
+          <a:p>
+            <a:r>
+              <a:rPr lang="en-US" dirty="0" smtClean="0"/>
+              <a:t>Connectors</a:t>
+            </a:r>
+            <a:endParaRPr lang="en-US" dirty="0"/>
+          </a:p>
+        </p:txBody>
+      </p:sp>
+      <p:sp>
+        <p:nvSpPr>
+          <p:cNvPr id="3" name="Content Placeholder 2"/>
+          <p:cNvSpPr>
+            <a:spLocks noGrp="1"/>
+          </p:cNvSpPr>
+          <p:nvPr>
+            <p:ph idx="1"/>
+          </p:nvPr>
+        </p:nvSpPr>
+        <p:spPr/>
+        <p:txBody>
+          <a:bodyPr/>
+          <a:lstStyle/>
+          <a:p>
+            <a:r>
+              <a:rPr lang="en-GB" dirty="0">
+                <a:latin typeface="Lucida Console" panose="020B0609040504020204" pitchFamily="49" charset="0"/>
+              </a:rPr>
+              <a:t>flow</a:t>
+            </a:r>
+            <a:r>
+              <a:rPr lang="en-GB" dirty="0">
+                <a:latin typeface="Monaco" panose="020B0509030404040204" pitchFamily="49" charset="0"/>
+              </a:rPr>
+              <a:t> </a:t>
+            </a:r>
+            <a:r>
+              <a:rPr lang="en-GB" dirty="0"/>
+              <a:t>variable, potential </a:t>
+            </a:r>
+            <a:r>
+              <a:rPr lang="en-GB" dirty="0" smtClean="0"/>
+              <a:t>variable</a:t>
+            </a:r>
+          </a:p>
+          <a:p>
+            <a:pPr lvl="1"/>
+            <a:r>
+              <a:rPr lang="en-GB" dirty="0" smtClean="0"/>
+              <a:t>Potential: voltage, pressure, temperature…</a:t>
+            </a:r>
+          </a:p>
+          <a:p>
+            <a:pPr lvl="1"/>
+            <a:r>
+              <a:rPr lang="en-GB" dirty="0" smtClean="0"/>
+              <a:t>Flow: current, mass/volume flow, heat flow…</a:t>
+            </a:r>
+          </a:p>
+          <a:p>
+            <a:r>
+              <a:rPr lang="en-GB" b="1" dirty="0" smtClean="0"/>
+              <a:t>Example:</a:t>
+            </a:r>
+            <a:r>
+              <a:rPr lang="en-GB" dirty="0" smtClean="0"/>
+              <a:t> Electrical model</a:t>
+            </a:r>
+            <a:endParaRPr lang="en-GB" b="1" dirty="0"/>
+          </a:p>
+          <a:p>
+            <a:endParaRPr lang="en-US" dirty="0"/>
+          </a:p>
+        </p:txBody>
+      </p:sp>
       <p:pic>
         <p:nvPicPr>
-          <p:cNvPr id="3074" name="Picture 2"/>
+          <p:cNvPr id="4" name="Picture 2"/>
           <p:cNvPicPr>
             <a:picLocks noChangeAspect="1" noChangeArrowheads="1"/>
           </p:cNvPicPr>
@@ -12466,7 +12918,7 @@
       </p:pic>
       <p:sp>
         <p:nvSpPr>
-          <p:cNvPr id="11" name="TextBox 2"/>
+          <p:cNvPr id="5" name="TextBox 2"/>
           <p:cNvSpPr txBox="1">
             <a:spLocks noChangeArrowheads="1"/>
           </p:cNvSpPr>
@@ -12710,24 +13162,17 @@
     </p:spTree>
     <p:extLst>
       <p:ext uri="{BB962C8B-B14F-4D97-AF65-F5344CB8AC3E}">
-        <p14:creationId xmlns:p14="http://schemas.microsoft.com/office/powerpoint/2010/main" val="1273494810"/>
+        <p14:creationId xmlns:p14="http://schemas.microsoft.com/office/powerpoint/2010/main" val="3646462091"/>
       </p:ext>
     </p:extLst>
   </p:cSld>
   <p:clrMapOvr>
     <a:masterClrMapping/>
   </p:clrMapOvr>
-  <p:timing>
-    <p:tnLst>
-      <p:par>
-        <p:cTn id="1" dur="indefinite" restart="never" nodeType="tmRoot"/>
-      </p:par>
-    </p:tnLst>
-  </p:timing>
 </p:sld>
 </file>
 
-<file path=ppt/slides/slide25.xml><?xml version="1.0" encoding="utf-8"?>
+<file path=ppt/slides/slide28.xml><?xml version="1.0" encoding="utf-8"?>
 <p:sld xmlns:a="http://schemas.openxmlformats.org/drawingml/2006/main" xmlns:r="http://schemas.openxmlformats.org/officeDocument/2006/relationships" xmlns:p="http://schemas.openxmlformats.org/presentationml/2006/main">
   <p:cSld>
     <p:spTree>
@@ -12944,7 +13389,7 @@
 </p:sld>
 </file>
 
-<file path=ppt/slides/slide26.xml><?xml version="1.0" encoding="utf-8"?>
+<file path=ppt/slides/slide29.xml><?xml version="1.0" encoding="utf-8"?>
 <p:sld xmlns:a="http://schemas.openxmlformats.org/drawingml/2006/main" xmlns:r="http://schemas.openxmlformats.org/officeDocument/2006/relationships" xmlns:p="http://schemas.openxmlformats.org/presentationml/2006/main">
   <p:cSld>
     <p:spTree>
@@ -13023,442 +13468,6 @@
   <p:clrMapOvr>
     <a:masterClrMapping/>
   </p:clrMapOvr>
-</p:sld>
-</file>
-
-<file path=ppt/slides/slide27.xml><?xml version="1.0" encoding="utf-8"?>
-<p:sld xmlns:a="http://schemas.openxmlformats.org/drawingml/2006/main" xmlns:r="http://schemas.openxmlformats.org/officeDocument/2006/relationships" xmlns:p="http://schemas.openxmlformats.org/presentationml/2006/main">
-  <p:cSld>
-    <p:spTree>
-      <p:nvGrpSpPr>
-        <p:cNvPr id="1" name=""/>
-        <p:cNvGrpSpPr/>
-        <p:nvPr/>
-      </p:nvGrpSpPr>
-      <p:grpSpPr>
-        <a:xfrm>
-          <a:off x="0" y="0"/>
-          <a:ext cx="0" cy="0"/>
-          <a:chOff x="0" y="0"/>
-          <a:chExt cx="0" cy="0"/>
-        </a:xfrm>
-      </p:grpSpPr>
-      <p:sp>
-        <p:nvSpPr>
-          <p:cNvPr id="2" name="Title 1"/>
-          <p:cNvSpPr>
-            <a:spLocks noGrp="1"/>
-          </p:cNvSpPr>
-          <p:nvPr>
-            <p:ph type="title"/>
-          </p:nvPr>
-        </p:nvSpPr>
-        <p:spPr/>
-        <p:txBody>
-          <a:bodyPr>
-            <a:normAutofit fontScale="90000"/>
-          </a:bodyPr>
-          <a:lstStyle/>
-          <a:p>
-            <a:r>
-              <a:rPr lang="en-US" dirty="0" err="1" smtClean="0"/>
-              <a:t>ToDo</a:t>
-            </a:r>
-            <a:r>
-              <a:rPr lang="en-US" dirty="0" smtClean="0"/>
-              <a:t> BRAM: add slides on homework example and link to inheritance</a:t>
-            </a:r>
-            <a:endParaRPr lang="en-US" dirty="0"/>
-          </a:p>
-        </p:txBody>
-      </p:sp>
-      <p:sp>
-        <p:nvSpPr>
-          <p:cNvPr id="3" name="Content Placeholder 2"/>
-          <p:cNvSpPr>
-            <a:spLocks noGrp="1"/>
-          </p:cNvSpPr>
-          <p:nvPr>
-            <p:ph idx="1"/>
-          </p:nvPr>
-        </p:nvSpPr>
-        <p:spPr/>
-        <p:txBody>
-          <a:bodyPr/>
-          <a:lstStyle/>
-          <a:p>
-            <a:endParaRPr lang="en-US"/>
-          </a:p>
-        </p:txBody>
-      </p:sp>
-    </p:spTree>
-    <p:extLst>
-      <p:ext uri="{BB962C8B-B14F-4D97-AF65-F5344CB8AC3E}">
-        <p14:creationId xmlns:p14="http://schemas.microsoft.com/office/powerpoint/2010/main" val="2938485761"/>
-      </p:ext>
-    </p:extLst>
-  </p:cSld>
-  <p:clrMapOvr>
-    <a:masterClrMapping/>
-  </p:clrMapOvr>
-</p:sld>
-</file>
-
-<file path=ppt/slides/slide28.xml><?xml version="1.0" encoding="utf-8"?>
-<p:sld xmlns:a="http://schemas.openxmlformats.org/drawingml/2006/main" xmlns:r="http://schemas.openxmlformats.org/officeDocument/2006/relationships" xmlns:p="http://schemas.openxmlformats.org/presentationml/2006/main">
-  <p:cSld>
-    <p:spTree>
-      <p:nvGrpSpPr>
-        <p:cNvPr id="1" name=""/>
-        <p:cNvGrpSpPr/>
-        <p:nvPr/>
-      </p:nvGrpSpPr>
-      <p:grpSpPr>
-        <a:xfrm>
-          <a:off x="0" y="0"/>
-          <a:ext cx="0" cy="0"/>
-          <a:chOff x="0" y="0"/>
-          <a:chExt cx="0" cy="0"/>
-        </a:xfrm>
-      </p:grpSpPr>
-      <p:sp>
-        <p:nvSpPr>
-          <p:cNvPr id="2" name="Title 1"/>
-          <p:cNvSpPr>
-            <a:spLocks noGrp="1"/>
-          </p:cNvSpPr>
-          <p:nvPr>
-            <p:ph type="title"/>
-          </p:nvPr>
-        </p:nvSpPr>
-        <p:spPr/>
-        <p:txBody>
-          <a:bodyPr/>
-          <a:lstStyle/>
-          <a:p>
-            <a:r>
-              <a:rPr lang="nl-NL" dirty="0" err="1" smtClean="0"/>
-              <a:t>Inheritance</a:t>
-            </a:r>
-            <a:endParaRPr lang="nl-BE" dirty="0"/>
-          </a:p>
-        </p:txBody>
-      </p:sp>
-      <p:sp>
-        <p:nvSpPr>
-          <p:cNvPr id="3" name="Content Placeholder 2"/>
-          <p:cNvSpPr>
-            <a:spLocks noGrp="1"/>
-          </p:cNvSpPr>
-          <p:nvPr>
-            <p:ph idx="1"/>
-          </p:nvPr>
-        </p:nvSpPr>
-        <p:spPr/>
-        <p:txBody>
-          <a:bodyPr/>
-          <a:lstStyle/>
-          <a:p>
-            <a:r>
-              <a:rPr lang="nl-NL" dirty="0" smtClean="0"/>
-              <a:t>Model </a:t>
-            </a:r>
-            <a:r>
-              <a:rPr lang="nl-NL" i="1" dirty="0" err="1" smtClean="0"/>
-              <a:t>inherits</a:t>
-            </a:r>
-            <a:r>
-              <a:rPr lang="nl-NL" i="1" dirty="0" smtClean="0"/>
-              <a:t> </a:t>
-            </a:r>
-            <a:r>
-              <a:rPr lang="nl-NL" dirty="0" err="1" smtClean="0"/>
-              <a:t>from</a:t>
-            </a:r>
-            <a:r>
-              <a:rPr lang="nl-NL" dirty="0" smtClean="0"/>
-              <a:t> </a:t>
-            </a:r>
-            <a:r>
-              <a:rPr lang="nl-NL" dirty="0" err="1" smtClean="0"/>
-              <a:t>other</a:t>
-            </a:r>
-            <a:r>
-              <a:rPr lang="nl-NL" dirty="0" smtClean="0"/>
-              <a:t> model</a:t>
-            </a:r>
-          </a:p>
-          <a:p>
-            <a:pPr lvl="1"/>
-            <a:r>
-              <a:rPr lang="nl-NL" i="1" dirty="0" smtClean="0"/>
-              <a:t>Variables, parameters, </a:t>
-            </a:r>
-            <a:r>
-              <a:rPr lang="nl-NL" i="1" dirty="0" err="1" smtClean="0"/>
-              <a:t>equations</a:t>
-            </a:r>
-            <a:endParaRPr lang="nl-NL" i="1" dirty="0" smtClean="0"/>
-          </a:p>
-          <a:p>
-            <a:r>
-              <a:rPr lang="nl-NL" dirty="0" err="1" smtClean="0">
-                <a:latin typeface="Monaco" panose="020B0509030404040204" pitchFamily="49" charset="0"/>
-              </a:rPr>
-              <a:t>partial</a:t>
-            </a:r>
-            <a:r>
-              <a:rPr lang="nl-NL" dirty="0" smtClean="0">
-                <a:latin typeface="Monaco" panose="020B0509030404040204" pitchFamily="49" charset="0"/>
-              </a:rPr>
-              <a:t> model</a:t>
-            </a:r>
-          </a:p>
-          <a:p>
-            <a:r>
-              <a:rPr lang="nl-NL" dirty="0" smtClean="0">
-                <a:latin typeface="+mj-lt"/>
-              </a:rPr>
-              <a:t>Code </a:t>
-            </a:r>
-            <a:r>
-              <a:rPr lang="nl-NL" dirty="0" err="1" smtClean="0">
-                <a:latin typeface="+mj-lt"/>
-              </a:rPr>
-              <a:t>can</a:t>
-            </a:r>
-            <a:r>
-              <a:rPr lang="nl-NL" dirty="0" smtClean="0">
-                <a:latin typeface="+mj-lt"/>
-              </a:rPr>
-              <a:t> </a:t>
-            </a:r>
-            <a:r>
-              <a:rPr lang="nl-NL" dirty="0" err="1" smtClean="0">
-                <a:latin typeface="+mj-lt"/>
-              </a:rPr>
-              <a:t>be</a:t>
-            </a:r>
-            <a:r>
-              <a:rPr lang="nl-NL" dirty="0" smtClean="0">
-                <a:latin typeface="+mj-lt"/>
-              </a:rPr>
-              <a:t> </a:t>
-            </a:r>
-            <a:r>
-              <a:rPr lang="nl-NL" dirty="0" err="1" smtClean="0">
-                <a:latin typeface="+mj-lt"/>
-              </a:rPr>
-              <a:t>managed</a:t>
-            </a:r>
-            <a:r>
-              <a:rPr lang="nl-NL" dirty="0" smtClean="0">
-                <a:latin typeface="+mj-lt"/>
-              </a:rPr>
-              <a:t> more </a:t>
-            </a:r>
-            <a:r>
-              <a:rPr lang="nl-NL" dirty="0" err="1" smtClean="0">
-                <a:latin typeface="+mj-lt"/>
-              </a:rPr>
-              <a:t>easily</a:t>
-            </a:r>
-            <a:endParaRPr lang="nl-NL" dirty="0" smtClean="0">
-              <a:latin typeface="+mj-lt"/>
-            </a:endParaRPr>
-          </a:p>
-          <a:p>
-            <a:r>
-              <a:rPr lang="nl-NL" dirty="0" err="1" smtClean="0">
-                <a:latin typeface="+mj-lt"/>
-              </a:rPr>
-              <a:t>Example</a:t>
-            </a:r>
-            <a:endParaRPr lang="nl-NL" dirty="0" smtClean="0">
-              <a:latin typeface="+mj-lt"/>
-            </a:endParaRPr>
-          </a:p>
-          <a:p>
-            <a:pPr lvl="1"/>
-            <a:endParaRPr lang="nl-BE" dirty="0"/>
-          </a:p>
-        </p:txBody>
-      </p:sp>
-    </p:spTree>
-    <p:extLst>
-      <p:ext uri="{BB962C8B-B14F-4D97-AF65-F5344CB8AC3E}">
-        <p14:creationId xmlns:p14="http://schemas.microsoft.com/office/powerpoint/2010/main" val="1964542570"/>
-      </p:ext>
-    </p:extLst>
-  </p:cSld>
-  <p:clrMapOvr>
-    <a:masterClrMapping/>
-  </p:clrMapOvr>
-  <p:timing>
-    <p:tnLst>
-      <p:par>
-        <p:cTn id="1" dur="indefinite" restart="never" nodeType="tmRoot"/>
-      </p:par>
-    </p:tnLst>
-  </p:timing>
-</p:sld>
-</file>
-
-<file path=ppt/slides/slide29.xml><?xml version="1.0" encoding="utf-8"?>
-<p:sld xmlns:a="http://schemas.openxmlformats.org/drawingml/2006/main" xmlns:r="http://schemas.openxmlformats.org/officeDocument/2006/relationships" xmlns:p="http://schemas.openxmlformats.org/presentationml/2006/main">
-  <p:cSld>
-    <p:spTree>
-      <p:nvGrpSpPr>
-        <p:cNvPr id="1" name=""/>
-        <p:cNvGrpSpPr/>
-        <p:nvPr/>
-      </p:nvGrpSpPr>
-      <p:grpSpPr>
-        <a:xfrm>
-          <a:off x="0" y="0"/>
-          <a:ext cx="0" cy="0"/>
-          <a:chOff x="0" y="0"/>
-          <a:chExt cx="0" cy="0"/>
-        </a:xfrm>
-      </p:grpSpPr>
-      <p:sp>
-        <p:nvSpPr>
-          <p:cNvPr id="2" name="Title 1"/>
-          <p:cNvSpPr>
-            <a:spLocks noGrp="1"/>
-          </p:cNvSpPr>
-          <p:nvPr>
-            <p:ph type="title"/>
-          </p:nvPr>
-        </p:nvSpPr>
-        <p:spPr/>
-        <p:txBody>
-          <a:bodyPr/>
-          <a:lstStyle/>
-          <a:p>
-            <a:r>
-              <a:rPr lang="en-GB" dirty="0" smtClean="0"/>
-              <a:t>Interface with other programs</a:t>
-            </a:r>
-            <a:endParaRPr lang="en-GB" dirty="0"/>
-          </a:p>
-        </p:txBody>
-      </p:sp>
-      <p:sp>
-        <p:nvSpPr>
-          <p:cNvPr id="3" name="Content Placeholder 2"/>
-          <p:cNvSpPr>
-            <a:spLocks noGrp="1"/>
-          </p:cNvSpPr>
-          <p:nvPr>
-            <p:ph idx="1"/>
-          </p:nvPr>
-        </p:nvSpPr>
-        <p:spPr/>
-        <p:txBody>
-          <a:bodyPr/>
-          <a:lstStyle/>
-          <a:p>
-            <a:r>
-              <a:rPr lang="en-GB" dirty="0" smtClean="0"/>
-              <a:t>Scripting</a:t>
-            </a:r>
-          </a:p>
-          <a:p>
-            <a:pPr lvl="1"/>
-            <a:r>
-              <a:rPr lang="en-GB" dirty="0" smtClean="0"/>
-              <a:t>Parameter variation</a:t>
-            </a:r>
-          </a:p>
-          <a:p>
-            <a:pPr lvl="1"/>
-            <a:r>
-              <a:rPr lang="en-GB" dirty="0" smtClean="0"/>
-              <a:t>Parallel simulations</a:t>
-            </a:r>
-          </a:p>
-          <a:p>
-            <a:pPr lvl="1"/>
-            <a:r>
-              <a:rPr lang="en-GB" dirty="0" smtClean="0"/>
-              <a:t>Optimal control</a:t>
-            </a:r>
-          </a:p>
-          <a:p>
-            <a:r>
-              <a:rPr lang="en-GB" dirty="0" smtClean="0"/>
-              <a:t>Python scripts using </a:t>
-            </a:r>
-            <a:r>
-              <a:rPr lang="en-GB" i="1" dirty="0" err="1" smtClean="0"/>
-              <a:t>BuildingsPy</a:t>
-            </a:r>
-            <a:endParaRPr lang="en-GB" i="1" dirty="0" smtClean="0"/>
-          </a:p>
-          <a:p>
-            <a:pPr lvl="1"/>
-            <a:r>
-              <a:rPr lang="en-GB" dirty="0" smtClean="0"/>
-              <a:t>Nice for plotting</a:t>
-            </a:r>
-          </a:p>
-          <a:p>
-            <a:pPr lvl="1"/>
-            <a:r>
-              <a:rPr lang="en-GB" dirty="0">
-                <a:hlinkClick r:id="rId2"/>
-              </a:rPr>
-              <a:t>http://simulationresearch.lbl.gov/modelica/buildingspy</a:t>
-            </a:r>
-            <a:r>
-              <a:rPr lang="en-GB" dirty="0" smtClean="0">
-                <a:hlinkClick r:id="rId2"/>
-              </a:rPr>
-              <a:t>/</a:t>
-            </a:r>
-            <a:r>
-              <a:rPr lang="en-GB" dirty="0" smtClean="0"/>
-              <a:t> </a:t>
-            </a:r>
-          </a:p>
-          <a:p>
-            <a:r>
-              <a:rPr lang="en-GB" dirty="0" smtClean="0"/>
-              <a:t>MATLAB</a:t>
-            </a:r>
-          </a:p>
-          <a:p>
-            <a:pPr lvl="1"/>
-            <a:r>
-              <a:rPr lang="en-GB" dirty="0" smtClean="0"/>
-              <a:t>Built-in with </a:t>
-            </a:r>
-            <a:r>
-              <a:rPr lang="en-GB" dirty="0" err="1" smtClean="0"/>
-              <a:t>Dymola</a:t>
-            </a:r>
-            <a:endParaRPr lang="en-GB" dirty="0"/>
-          </a:p>
-        </p:txBody>
-      </p:sp>
-    </p:spTree>
-    <p:extLst>
-      <p:ext uri="{BB962C8B-B14F-4D97-AF65-F5344CB8AC3E}">
-        <p14:creationId xmlns:p14="http://schemas.microsoft.com/office/powerpoint/2010/main" val="4225182537"/>
-      </p:ext>
-    </p:extLst>
-  </p:cSld>
-  <p:clrMapOvr>
-    <a:masterClrMapping/>
-  </p:clrMapOvr>
-  <p:timing>
-    <p:tnLst>
-      <p:par>
-        <p:cTn id="1" dur="indefinite" restart="never" nodeType="tmRoot"/>
-      </p:par>
-    </p:tnLst>
-  </p:timing>
 </p:sld>
 </file>
 
@@ -14013,7 +14022,7 @@
       </p:grpSpPr>
       <p:sp>
         <p:nvSpPr>
-          <p:cNvPr id="13314" name="Title 1"/>
+          <p:cNvPr id="2" name="Title 1"/>
           <p:cNvSpPr>
             <a:spLocks noGrp="1"/>
           </p:cNvSpPr>
@@ -14023,24 +14032,31 @@
         </p:nvSpPr>
         <p:spPr/>
         <p:txBody>
-          <a:bodyPr/>
+          <a:bodyPr>
+            <a:normAutofit fontScale="90000"/>
+          </a:bodyPr>
           <a:lstStyle/>
           <a:p>
             <a:r>
-              <a:rPr lang="en-GB" altLang="nl-BE" smtClean="0"/>
-              <a:t>Websites</a:t>
-            </a:r>
-          </a:p>
-        </p:txBody>
-      </p:sp>
-      <p:sp>
-        <p:nvSpPr>
-          <p:cNvPr id="36867" name="Content Placeholder 2"/>
+              <a:rPr lang="en-US" dirty="0" err="1" smtClean="0"/>
+              <a:t>ToDo</a:t>
+            </a:r>
+            <a:r>
+              <a:rPr lang="en-US" dirty="0" smtClean="0"/>
+              <a:t> BRAM: add slides on homework example and link to inheritance</a:t>
+            </a:r>
+            <a:endParaRPr lang="en-US" dirty="0"/>
+          </a:p>
+        </p:txBody>
+      </p:sp>
+      <p:sp>
+        <p:nvSpPr>
+          <p:cNvPr id="3" name="Content Placeholder 2"/>
           <p:cNvSpPr>
             <a:spLocks noGrp="1"/>
           </p:cNvSpPr>
           <p:nvPr>
-            <p:ph sz="half" idx="1"/>
+            <p:ph idx="1"/>
           </p:nvPr>
         </p:nvSpPr>
         <p:spPr/>
@@ -14048,482 +14064,20 @@
           <a:bodyPr/>
           <a:lstStyle/>
           <a:p>
-            <a:pPr marL="0" indent="0">
-              <a:buFontTx/>
-              <a:buNone/>
-              <a:defRPr/>
-            </a:pPr>
-            <a:r>
-              <a:rPr lang="en-GB" altLang="nl-BE" sz="2000" b="1" dirty="0" smtClean="0"/>
-              <a:t>General</a:t>
-            </a:r>
-          </a:p>
-          <a:p>
-            <a:pPr>
-              <a:defRPr/>
-            </a:pPr>
-            <a:r>
-              <a:rPr lang="en-GB" altLang="nl-BE" sz="2000" dirty="0"/>
-              <a:t>www.modelica.org</a:t>
-            </a:r>
-          </a:p>
-          <a:p>
-            <a:pPr>
-              <a:defRPr/>
-            </a:pPr>
-            <a:r>
-              <a:rPr lang="en-GB" altLang="nl-BE" sz="2000" dirty="0" smtClean="0">
-                <a:hlinkClick r:id="rId2"/>
-              </a:rPr>
-              <a:t>www.openmodelica.org</a:t>
-            </a:r>
-            <a:endParaRPr lang="en-GB" altLang="nl-BE" sz="2000" dirty="0" smtClean="0"/>
-          </a:p>
-          <a:p>
-            <a:pPr>
-              <a:defRPr/>
-            </a:pPr>
-            <a:r>
-              <a:rPr lang="en-GB" altLang="nl-BE" sz="2000" dirty="0" smtClean="0">
-                <a:hlinkClick r:id="rId3"/>
-              </a:rPr>
-              <a:t>www.jmodelica.org</a:t>
-            </a:r>
-            <a:endParaRPr lang="en-GB" altLang="nl-BE" sz="2000" dirty="0" smtClean="0"/>
-          </a:p>
-          <a:p>
-            <a:pPr>
-              <a:defRPr/>
-            </a:pPr>
-            <a:r>
-              <a:rPr lang="en-GB" altLang="nl-BE" sz="2000" dirty="0" smtClean="0">
-                <a:hlinkClick r:id="rId4"/>
-              </a:rPr>
-              <a:t>http://www.claytex.com/tech-blog/</a:t>
-            </a:r>
-            <a:endParaRPr lang="en-GB" altLang="nl-BE" sz="2000" dirty="0" smtClean="0"/>
-          </a:p>
-          <a:p>
-            <a:pPr marL="0" indent="0">
-              <a:buFontTx/>
-              <a:buNone/>
-              <a:defRPr/>
-            </a:pPr>
-            <a:r>
-              <a:rPr lang="en-GB" altLang="nl-BE" sz="2000" b="1" dirty="0" err="1" smtClean="0"/>
-              <a:t>Modelica</a:t>
-            </a:r>
-            <a:r>
-              <a:rPr lang="en-GB" altLang="nl-BE" sz="2000" b="1" dirty="0" smtClean="0"/>
-              <a:t> language</a:t>
-            </a:r>
-          </a:p>
-          <a:p>
-            <a:pPr>
-              <a:defRPr/>
-            </a:pPr>
-            <a:r>
-              <a:rPr lang="en-GB" altLang="nl-BE" sz="2000" dirty="0" smtClean="0">
-                <a:hlinkClick r:id="rId5"/>
-              </a:rPr>
-              <a:t>http://modref.xogeny.com/</a:t>
-            </a:r>
-            <a:r>
-              <a:rPr lang="en-GB" altLang="nl-BE" sz="2000" dirty="0" smtClean="0"/>
-              <a:t> </a:t>
-            </a:r>
-            <a:r>
-              <a:rPr lang="en-GB" altLang="nl-BE" sz="2000" dirty="0" smtClean="0">
-                <a:solidFill>
-                  <a:srgbClr val="FF0000"/>
-                </a:solidFill>
-              </a:rPr>
-              <a:t>!!!</a:t>
-            </a:r>
-          </a:p>
-          <a:p>
-            <a:pPr>
-              <a:defRPr/>
-            </a:pPr>
-            <a:r>
-              <a:rPr lang="en-GB" altLang="nl-BE" sz="2000" dirty="0">
-                <a:hlinkClick r:id="rId6"/>
-              </a:rPr>
-              <a:t>http://book.xogeny.com</a:t>
-            </a:r>
-            <a:r>
-              <a:rPr lang="en-GB" altLang="nl-BE" sz="2000" dirty="0" smtClean="0">
-                <a:hlinkClick r:id="rId6"/>
-              </a:rPr>
-              <a:t>/</a:t>
-            </a:r>
-            <a:r>
-              <a:rPr lang="en-GB" altLang="nl-BE" sz="2000" dirty="0" smtClean="0"/>
-              <a:t> </a:t>
-            </a:r>
-            <a:r>
-              <a:rPr lang="en-GB" altLang="nl-BE" sz="2000" dirty="0" smtClean="0">
-                <a:solidFill>
-                  <a:srgbClr val="FF0000"/>
-                </a:solidFill>
-              </a:rPr>
-              <a:t>!!!</a:t>
-            </a:r>
-            <a:endParaRPr lang="en-GB" altLang="nl-BE" sz="2000" dirty="0" smtClean="0"/>
-          </a:p>
-          <a:p>
-            <a:pPr marL="0" indent="0">
-              <a:buFontTx/>
-              <a:buNone/>
-              <a:defRPr/>
-            </a:pPr>
-            <a:r>
-              <a:rPr lang="en-GB" altLang="nl-BE" sz="2000" b="1" dirty="0" smtClean="0"/>
-              <a:t>KUL </a:t>
-            </a:r>
-            <a:r>
-              <a:rPr lang="en-GB" altLang="nl-BE" sz="2000" b="1" dirty="0" err="1" smtClean="0"/>
-              <a:t>modeling</a:t>
-            </a:r>
-            <a:r>
-              <a:rPr lang="en-GB" altLang="nl-BE" sz="2000" b="1" dirty="0" smtClean="0"/>
-              <a:t> conventions</a:t>
-            </a:r>
-          </a:p>
-          <a:p>
-            <a:pPr>
-              <a:defRPr/>
-            </a:pPr>
-            <a:r>
-              <a:rPr lang="en-GB" altLang="nl-BE" sz="2000" dirty="0" smtClean="0">
-                <a:hlinkClick r:id="rId7"/>
-              </a:rPr>
-              <a:t>https://docs.google.com/document/d/1MaNKTdLz-YPpEEH3Eg12ECzG0ErK-rIK9IHd6gsBp7Q/edit?usp=sharing</a:t>
-            </a:r>
-            <a:endParaRPr lang="en-GB" altLang="nl-BE" sz="2000" dirty="0" smtClean="0"/>
-          </a:p>
-          <a:p>
-            <a:pPr>
-              <a:defRPr/>
-            </a:pPr>
-            <a:endParaRPr lang="en-GB" altLang="nl-BE" sz="2400" dirty="0" smtClean="0"/>
-          </a:p>
-          <a:p>
-            <a:pPr>
-              <a:defRPr/>
-            </a:pPr>
-            <a:endParaRPr lang="en-GB" altLang="nl-BE" sz="2400" dirty="0" smtClean="0"/>
-          </a:p>
-        </p:txBody>
-      </p:sp>
-      <p:sp>
-        <p:nvSpPr>
-          <p:cNvPr id="2" name="Content Placeholder 1"/>
-          <p:cNvSpPr>
-            <a:spLocks noGrp="1"/>
-          </p:cNvSpPr>
-          <p:nvPr>
-            <p:ph sz="half" idx="2"/>
-          </p:nvPr>
-        </p:nvSpPr>
-        <p:spPr/>
-        <p:txBody>
-          <a:bodyPr>
-            <a:normAutofit/>
-          </a:bodyPr>
-          <a:lstStyle/>
-          <a:p>
-            <a:pPr marL="0" indent="0">
-              <a:buFontTx/>
-              <a:buNone/>
-              <a:defRPr/>
-            </a:pPr>
-            <a:r>
-              <a:rPr lang="en-GB" altLang="nl-BE" sz="2000" b="1" dirty="0"/>
-              <a:t>Libraries:</a:t>
-            </a:r>
-          </a:p>
-          <a:p>
-            <a:pPr>
-              <a:defRPr/>
-            </a:pPr>
-            <a:r>
-              <a:rPr lang="en-GB" altLang="nl-BE" sz="2000" dirty="0">
-                <a:hlinkClick r:id="rId8"/>
-              </a:rPr>
-              <a:t>https://github.com/open-ideas</a:t>
-            </a:r>
-            <a:r>
-              <a:rPr lang="en-GB" altLang="nl-BE" sz="2000" dirty="0"/>
-              <a:t> --&gt; IDEAS + Crash Course</a:t>
-            </a:r>
-          </a:p>
-          <a:p>
-            <a:pPr>
-              <a:defRPr/>
-            </a:pPr>
-            <a:r>
-              <a:rPr lang="en-GB" altLang="nl-BE" sz="2000" dirty="0">
-                <a:hlinkClick r:id="rId9"/>
-              </a:rPr>
-              <a:t>https://simulationresearch.lbl.gov/modelica</a:t>
-            </a:r>
-            <a:r>
-              <a:rPr lang="en-GB" altLang="nl-BE" sz="2000" dirty="0"/>
-              <a:t> --&gt; </a:t>
-            </a:r>
-            <a:r>
-              <a:rPr lang="en-GB" altLang="nl-BE" sz="2000" dirty="0">
-                <a:solidFill>
-                  <a:srgbClr val="FF0000"/>
-                </a:solidFill>
-              </a:rPr>
-              <a:t>look at </a:t>
-            </a:r>
-            <a:r>
-              <a:rPr lang="en-GB" altLang="nl-BE" sz="2000" dirty="0" err="1" smtClean="0">
-                <a:solidFill>
-                  <a:srgbClr val="FF0000"/>
-                </a:solidFill>
-              </a:rPr>
-              <a:t>Buildings.Examples.Tutorial</a:t>
-            </a:r>
-            <a:endParaRPr lang="en-GB" altLang="nl-BE" sz="2000" dirty="0">
-              <a:solidFill>
-                <a:srgbClr val="FF0000"/>
-              </a:solidFill>
-            </a:endParaRPr>
-          </a:p>
-          <a:p>
-            <a:pPr>
-              <a:defRPr/>
-            </a:pPr>
-            <a:r>
-              <a:rPr lang="en-GB" altLang="nl-BE" sz="2000" dirty="0" smtClean="0">
-                <a:solidFill>
-                  <a:schemeClr val="accent1"/>
-                </a:solidFill>
-              </a:rPr>
-              <a:t>Annex 60:</a:t>
-            </a:r>
-            <a:r>
-              <a:rPr lang="en-GB" altLang="nl-BE" sz="2000" dirty="0">
-                <a:solidFill>
-                  <a:schemeClr val="accent1"/>
-                </a:solidFill>
-              </a:rPr>
-              <a:t> </a:t>
-            </a:r>
-            <a:r>
-              <a:rPr lang="en-GB" altLang="nl-BE" sz="2000" dirty="0" smtClean="0">
-                <a:solidFill>
-                  <a:srgbClr val="FF0000"/>
-                </a:solidFill>
-                <a:hlinkClick r:id="rId10"/>
-              </a:rPr>
-              <a:t>https</a:t>
-            </a:r>
-            <a:r>
-              <a:rPr lang="en-GB" altLang="nl-BE" sz="2000" dirty="0">
-                <a:solidFill>
-                  <a:srgbClr val="FF0000"/>
-                </a:solidFill>
-                <a:hlinkClick r:id="rId10"/>
-              </a:rPr>
-              <a:t>://github.com/iea-annex60/modelica-</a:t>
-            </a:r>
-            <a:r>
-              <a:rPr lang="en-GB" altLang="nl-BE" sz="2000" dirty="0" smtClean="0">
-                <a:solidFill>
-                  <a:srgbClr val="FF0000"/>
-                </a:solidFill>
-                <a:hlinkClick r:id="rId10"/>
-              </a:rPr>
-              <a:t>annex60</a:t>
-            </a:r>
-            <a:r>
-              <a:rPr lang="en-GB" altLang="nl-BE" sz="2000" dirty="0" smtClean="0">
-                <a:solidFill>
-                  <a:srgbClr val="FF0000"/>
-                </a:solidFill>
-              </a:rPr>
-              <a:t> </a:t>
-            </a:r>
-          </a:p>
-          <a:p>
-            <a:pPr marL="0" indent="0">
-              <a:buNone/>
-              <a:defRPr/>
-            </a:pPr>
-            <a:r>
-              <a:rPr lang="en-GB" altLang="nl-BE" sz="2000" b="1" dirty="0" err="1" smtClean="0"/>
-              <a:t>Dymola</a:t>
-            </a:r>
-            <a:r>
-              <a:rPr lang="en-GB" altLang="nl-BE" sz="2000" b="1" dirty="0" smtClean="0"/>
-              <a:t> </a:t>
-            </a:r>
-            <a:r>
-              <a:rPr lang="en-GB" altLang="nl-BE" sz="2000" b="1" dirty="0"/>
-              <a:t>user guide</a:t>
-            </a:r>
-          </a:p>
-          <a:p>
-            <a:pPr>
-              <a:defRPr/>
-            </a:pPr>
-            <a:r>
-              <a:rPr lang="en-GB" altLang="nl-BE" sz="2000" dirty="0"/>
-              <a:t>Volume 1 &amp; 2: </a:t>
-            </a:r>
-            <a:r>
-              <a:rPr lang="pt-BR" sz="2000" u="sng" dirty="0">
-                <a:solidFill>
-                  <a:schemeClr val="accent2"/>
-                </a:solidFill>
-              </a:rPr>
-              <a:t>C:\</a:t>
-            </a:r>
-            <a:r>
-              <a:rPr lang="pt-BR" sz="2000" u="sng" dirty="0" err="1">
-                <a:solidFill>
-                  <a:schemeClr val="accent2"/>
-                </a:solidFill>
-              </a:rPr>
-              <a:t>Program</a:t>
-            </a:r>
-            <a:r>
-              <a:rPr lang="pt-BR" sz="2000" u="sng" dirty="0">
-                <a:solidFill>
-                  <a:schemeClr val="accent2"/>
-                </a:solidFill>
-              </a:rPr>
-              <a:t> Files (x86)\</a:t>
-            </a:r>
-            <a:r>
-              <a:rPr lang="pt-BR" sz="2000" u="sng" dirty="0" err="1" smtClean="0">
-                <a:solidFill>
-                  <a:schemeClr val="accent2"/>
-                </a:solidFill>
-              </a:rPr>
-              <a:t>Dymola</a:t>
-            </a:r>
-            <a:r>
-              <a:rPr lang="pt-BR" sz="2000" u="sng" dirty="0" smtClean="0">
-                <a:solidFill>
-                  <a:schemeClr val="accent2"/>
-                </a:solidFill>
-              </a:rPr>
-              <a:t> 2017</a:t>
-            </a:r>
-            <a:r>
-              <a:rPr lang="pt-BR" sz="2000" u="sng" dirty="0">
-                <a:solidFill>
-                  <a:schemeClr val="accent2"/>
-                </a:solidFill>
-              </a:rPr>
-              <a:t>\</a:t>
-            </a:r>
-            <a:r>
-              <a:rPr lang="pt-BR" sz="2000" u="sng" dirty="0" err="1">
-                <a:solidFill>
-                  <a:schemeClr val="accent2"/>
-                </a:solidFill>
-              </a:rPr>
-              <a:t>Documentation</a:t>
-            </a:r>
-            <a:r>
-              <a:rPr lang="pt-BR" sz="2000" u="sng" dirty="0">
-                <a:solidFill>
-                  <a:schemeClr val="accent2"/>
-                </a:solidFill>
-              </a:rPr>
-              <a:t>\</a:t>
-            </a:r>
-            <a:r>
-              <a:rPr lang="pt-BR" sz="2000" u="sng" dirty="0" err="1">
-                <a:solidFill>
-                  <a:schemeClr val="accent2"/>
-                </a:solidFill>
-              </a:rPr>
-              <a:t>Dymola</a:t>
-            </a:r>
-            <a:r>
-              <a:rPr lang="pt-BR" sz="2000" u="sng" dirty="0">
-                <a:solidFill>
-                  <a:schemeClr val="accent2"/>
-                </a:solidFill>
-              </a:rPr>
-              <a:t> </a:t>
-            </a:r>
-            <a:r>
-              <a:rPr lang="pt-BR" sz="2000" u="sng" dirty="0" err="1">
-                <a:solidFill>
-                  <a:schemeClr val="accent2"/>
-                </a:solidFill>
-              </a:rPr>
-              <a:t>User</a:t>
-            </a:r>
-            <a:r>
-              <a:rPr lang="pt-BR" sz="2000" u="sng" dirty="0">
-                <a:solidFill>
-                  <a:schemeClr val="accent2"/>
-                </a:solidFill>
-              </a:rPr>
-              <a:t> Manual Volume </a:t>
-            </a:r>
-            <a:r>
-              <a:rPr lang="pt-BR" sz="2000" u="sng" dirty="0" smtClean="0">
-                <a:solidFill>
-                  <a:schemeClr val="accent2"/>
-                </a:solidFill>
-              </a:rPr>
-              <a:t>1</a:t>
-            </a:r>
-            <a:r>
-              <a:rPr lang="pt-BR" sz="2000" dirty="0" smtClean="0"/>
-              <a:t> </a:t>
-            </a:r>
-            <a:r>
-              <a:rPr lang="pt-BR" sz="2000" dirty="0" err="1"/>
-              <a:t>or</a:t>
-            </a:r>
-            <a:r>
-              <a:rPr lang="pt-BR" sz="2000" dirty="0"/>
-              <a:t> via </a:t>
-            </a:r>
-            <a:r>
-              <a:rPr lang="pt-BR" sz="2000" dirty="0" err="1"/>
-              <a:t>Dymola</a:t>
-            </a:r>
-            <a:r>
-              <a:rPr lang="pt-BR" sz="2000" dirty="0"/>
-              <a:t> &gt; help.</a:t>
-            </a:r>
-            <a:endParaRPr lang="en-GB" altLang="nl-BE" sz="2000" dirty="0"/>
-          </a:p>
-          <a:p>
-            <a:endParaRPr lang="en-GB" dirty="0"/>
+            <a:endParaRPr lang="en-US"/>
           </a:p>
         </p:txBody>
       </p:sp>
     </p:spTree>
     <p:extLst>
       <p:ext uri="{BB962C8B-B14F-4D97-AF65-F5344CB8AC3E}">
-        <p14:creationId xmlns:p14="http://schemas.microsoft.com/office/powerpoint/2010/main" val="2974380802"/>
+        <p14:creationId xmlns:p14="http://schemas.microsoft.com/office/powerpoint/2010/main" val="2938485761"/>
       </p:ext>
     </p:extLst>
   </p:cSld>
   <p:clrMapOvr>
     <a:masterClrMapping/>
   </p:clrMapOvr>
-  <p:timing>
-    <p:tnLst>
-      <p:par>
-        <p:cTn id="1" dur="indefinite" restart="never" nodeType="tmRoot"/>
-      </p:par>
-    </p:tnLst>
-  </p:timing>
 </p:sld>
 </file>
 
@@ -14546,7 +14100,7 @@
       </p:grpSpPr>
       <p:sp>
         <p:nvSpPr>
-          <p:cNvPr id="14338" name="Title 1"/>
+          <p:cNvPr id="2" name="Title 1"/>
           <p:cNvSpPr>
             <a:spLocks noGrp="1"/>
           </p:cNvSpPr>
@@ -14560,15 +14114,16 @@
           <a:lstStyle/>
           <a:p>
             <a:r>
-              <a:rPr lang="en-GB" altLang="nl-BE" smtClean="0"/>
-              <a:t>Fora</a:t>
-            </a:r>
-          </a:p>
-        </p:txBody>
-      </p:sp>
-      <p:sp>
-        <p:nvSpPr>
-          <p:cNvPr id="14339" name="Content Placeholder 2"/>
+              <a:rPr lang="nl-NL" dirty="0" err="1" smtClean="0"/>
+              <a:t>Inheritance</a:t>
+            </a:r>
+            <a:endParaRPr lang="nl-BE" dirty="0"/>
+          </a:p>
+        </p:txBody>
+      </p:sp>
+      <p:sp>
+        <p:nvSpPr>
+          <p:cNvPr id="3" name="Content Placeholder 2"/>
           <p:cNvSpPr>
             <a:spLocks noGrp="1"/>
           </p:cNvSpPr>
@@ -14582,68 +14137,134 @@
           <a:lstStyle/>
           <a:p>
             <a:r>
-              <a:rPr lang="en-GB" altLang="nl-BE" smtClean="0">
-                <a:hlinkClick r:id="rId2"/>
-              </a:rPr>
-              <a:t>http://www.openmodelica.org/index.php/forum</a:t>
-            </a:r>
-            <a:endParaRPr lang="en-GB" altLang="nl-BE" smtClean="0"/>
-          </a:p>
-          <a:p>
-            <a:r>
-              <a:rPr lang="en-GB" altLang="nl-BE" smtClean="0">
-                <a:hlinkClick r:id="rId3"/>
-              </a:rPr>
-              <a:t>http://www.jmodelica.org/forum</a:t>
-            </a:r>
-            <a:endParaRPr lang="en-GB" altLang="nl-BE" smtClean="0"/>
-          </a:p>
-          <a:p>
-            <a:r>
-              <a:rPr lang="en-GB" altLang="nl-BE" smtClean="0"/>
-              <a:t>www.stackoverflow.com (tag Modelica)</a:t>
-            </a:r>
-          </a:p>
-          <a:p>
-            <a:pPr>
-              <a:buFontTx/>
-              <a:buNone/>
-            </a:pPr>
-            <a:r>
-              <a:rPr lang="en-GB" altLang="nl-BE" smtClean="0"/>
-              <a:t>And last but not least: </a:t>
-            </a:r>
-            <a:r>
-              <a:rPr lang="en-GB" altLang="nl-BE" b="1" smtClean="0">
-                <a:solidFill>
-                  <a:srgbClr val="FF0000"/>
-                </a:solidFill>
-                <a:hlinkClick r:id="rId4"/>
-              </a:rPr>
-              <a:t>https://groups.google.com/d/forum/modelicans</a:t>
-            </a:r>
-            <a:endParaRPr lang="en-GB" altLang="nl-BE" b="1" smtClean="0">
-              <a:solidFill>
-                <a:srgbClr val="FF0000"/>
-              </a:solidFill>
+              <a:rPr lang="nl-NL" dirty="0" smtClean="0"/>
+              <a:t>Model </a:t>
+            </a:r>
+            <a:r>
+              <a:rPr lang="nl-NL" i="1" dirty="0" err="1" smtClean="0"/>
+              <a:t>inherits</a:t>
+            </a:r>
+            <a:r>
+              <a:rPr lang="nl-NL" i="1" dirty="0" smtClean="0"/>
+              <a:t> </a:t>
+            </a:r>
+            <a:r>
+              <a:rPr lang="nl-NL" dirty="0" err="1" smtClean="0"/>
+              <a:t>from</a:t>
+            </a:r>
+            <a:r>
+              <a:rPr lang="nl-NL" dirty="0" smtClean="0"/>
+              <a:t> </a:t>
+            </a:r>
+            <a:r>
+              <a:rPr lang="nl-NL" dirty="0" err="1" smtClean="0"/>
+              <a:t>other</a:t>
+            </a:r>
+            <a:r>
+              <a:rPr lang="nl-NL" dirty="0" smtClean="0"/>
+              <a:t> model</a:t>
+            </a:r>
+          </a:p>
+          <a:p>
+            <a:pPr lvl="1"/>
+            <a:r>
+              <a:rPr lang="nl-NL" i="1" dirty="0" smtClean="0"/>
+              <a:t>Variables, parameters, </a:t>
+            </a:r>
+            <a:r>
+              <a:rPr lang="nl-NL" i="1" dirty="0" err="1" smtClean="0"/>
+              <a:t>equations</a:t>
+            </a:r>
+            <a:endParaRPr lang="nl-NL" i="1" dirty="0" smtClean="0"/>
+          </a:p>
+          <a:p>
+            <a:r>
+              <a:rPr lang="nl-NL" dirty="0" err="1" smtClean="0">
+                <a:latin typeface="Monaco" panose="020B0509030404040204" pitchFamily="49" charset="0"/>
+              </a:rPr>
+              <a:t>partial</a:t>
+            </a:r>
+            <a:r>
+              <a:rPr lang="nl-NL" dirty="0" smtClean="0">
+                <a:latin typeface="Monaco" panose="020B0509030404040204" pitchFamily="49" charset="0"/>
+              </a:rPr>
+              <a:t> model</a:t>
+            </a:r>
+          </a:p>
+          <a:p>
+            <a:r>
+              <a:rPr lang="nl-NL" dirty="0" smtClean="0">
+                <a:latin typeface="+mj-lt"/>
+              </a:rPr>
+              <a:t>Code </a:t>
+            </a:r>
+            <a:r>
+              <a:rPr lang="nl-NL" dirty="0" err="1" smtClean="0">
+                <a:latin typeface="+mj-lt"/>
+              </a:rPr>
+              <a:t>can</a:t>
+            </a:r>
+            <a:r>
+              <a:rPr lang="nl-NL" dirty="0" smtClean="0">
+                <a:latin typeface="+mj-lt"/>
+              </a:rPr>
+              <a:t> </a:t>
+            </a:r>
+            <a:r>
+              <a:rPr lang="nl-NL" dirty="0" err="1" smtClean="0">
+                <a:latin typeface="+mj-lt"/>
+              </a:rPr>
+              <a:t>be</a:t>
+            </a:r>
+            <a:r>
+              <a:rPr lang="nl-NL" dirty="0" smtClean="0">
+                <a:latin typeface="+mj-lt"/>
+              </a:rPr>
+              <a:t> </a:t>
+            </a:r>
+            <a:r>
+              <a:rPr lang="nl-NL" dirty="0" err="1" smtClean="0">
+                <a:latin typeface="+mj-lt"/>
+              </a:rPr>
+              <a:t>managed</a:t>
+            </a:r>
+            <a:r>
+              <a:rPr lang="nl-NL" dirty="0" smtClean="0">
+                <a:latin typeface="+mj-lt"/>
+              </a:rPr>
+              <a:t> more </a:t>
+            </a:r>
+            <a:r>
+              <a:rPr lang="nl-NL" dirty="0" err="1" smtClean="0">
+                <a:latin typeface="+mj-lt"/>
+              </a:rPr>
+              <a:t>easily</a:t>
+            </a:r>
+            <a:endParaRPr lang="nl-NL" dirty="0" smtClean="0">
+              <a:latin typeface="+mj-lt"/>
             </a:endParaRPr>
           </a:p>
           <a:p>
-            <a:pPr>
-              <a:buFontTx/>
-              <a:buNone/>
-            </a:pPr>
-            <a:endParaRPr lang="en-GB" altLang="nl-BE" smtClean="0"/>
-          </a:p>
-          <a:p>
-            <a:endParaRPr lang="en-GB" altLang="nl-BE" smtClean="0"/>
+            <a:r>
+              <a:rPr lang="nl-NL" dirty="0" err="1" smtClean="0">
+                <a:latin typeface="+mj-lt"/>
+              </a:rPr>
+              <a:t>Example</a:t>
+            </a:r>
+            <a:endParaRPr lang="nl-NL" dirty="0" smtClean="0">
+              <a:latin typeface="+mj-lt"/>
+            </a:endParaRPr>
+          </a:p>
+          <a:p>
+            <a:pPr lvl="1"/>
+            <a:endParaRPr lang="nl-BE" dirty="0"/>
           </a:p>
         </p:txBody>
       </p:sp>
     </p:spTree>
     <p:extLst>
       <p:ext uri="{BB962C8B-B14F-4D97-AF65-F5344CB8AC3E}">
-        <p14:creationId xmlns:p14="http://schemas.microsoft.com/office/powerpoint/2010/main" val="1252393520"/>
+        <p14:creationId xmlns:p14="http://schemas.microsoft.com/office/powerpoint/2010/main" val="1964542570"/>
       </p:ext>
     </p:extLst>
   </p:cSld>
@@ -14679,7 +14300,7 @@
       </p:grpSpPr>
       <p:sp>
         <p:nvSpPr>
-          <p:cNvPr id="15362" name="Title 1"/>
+          <p:cNvPr id="2" name="Title 1"/>
           <p:cNvSpPr>
             <a:spLocks noGrp="1"/>
           </p:cNvSpPr>
@@ -14693,13 +14314,10 @@
           <a:lstStyle/>
           <a:p>
             <a:r>
-              <a:rPr lang="en-GB" altLang="nl-BE" smtClean="0">
-                <a:latin typeface="Arial" charset="0"/>
-                <a:cs typeface="Arial" charset="0"/>
-              </a:rPr>
-              <a:t>Use of Dymola with KULeuven license</a:t>
-            </a:r>
-            <a:endParaRPr lang="nl-BE" altLang="nl-BE" smtClean="0"/>
+              <a:rPr lang="en-GB" dirty="0" smtClean="0"/>
+              <a:t>Interface with other programs</a:t>
+            </a:r>
+            <a:endParaRPr lang="en-GB" dirty="0"/>
           </a:p>
         </p:txBody>
       </p:sp>
@@ -14718,148 +14336,127 @@
           <a:bodyPr/>
           <a:lstStyle/>
           <a:p>
-            <a:pPr marL="0" indent="0">
-              <a:buFontTx/>
-              <a:buNone/>
-              <a:defRPr/>
-            </a:pPr>
-            <a:r>
-              <a:rPr lang="nl-BE" dirty="0" smtClean="0"/>
-              <a:t>Access to a floating licence (on the building physics server).</a:t>
-            </a:r>
-          </a:p>
-          <a:p>
-            <a:pPr>
-              <a:defRPr/>
-            </a:pPr>
-            <a:r>
-              <a:rPr lang="nl-BE" dirty="0" smtClean="0"/>
-              <a:t>Connected physically</a:t>
-            </a:r>
-            <a:r>
-              <a:rPr lang="nl-BE" dirty="0"/>
-              <a:t> (cable)</a:t>
-            </a:r>
-            <a:r>
-              <a:rPr lang="nl-BE" dirty="0" smtClean="0"/>
-              <a:t> to the building physics or  mech network</a:t>
-            </a:r>
-          </a:p>
-          <a:p>
-            <a:pPr>
-              <a:defRPr/>
-            </a:pPr>
-            <a:r>
-              <a:rPr lang="nl-BE" dirty="0" smtClean="0"/>
-              <a:t>Open Dymola and go to help&gt;licence..</a:t>
-            </a:r>
-          </a:p>
-          <a:p>
-            <a:pPr>
-              <a:defRPr/>
-            </a:pPr>
-            <a:r>
-              <a:rPr lang="nl-NL" b="1" dirty="0" smtClean="0"/>
-              <a:t>Enter 10.112.72.4</a:t>
-            </a:r>
-            <a:r>
-              <a:rPr lang="nl-NL" dirty="0" smtClean="0"/>
+            <a:r>
+              <a:rPr lang="en-GB" dirty="0" smtClean="0"/>
+              <a:t>Scripting</a:t>
+            </a:r>
+          </a:p>
+          <a:p>
+            <a:pPr lvl="1"/>
+            <a:r>
+              <a:rPr lang="en-GB" dirty="0" smtClean="0"/>
+              <a:t>Parameter variation</a:t>
+            </a:r>
+          </a:p>
+          <a:p>
+            <a:pPr lvl="1"/>
+            <a:r>
+              <a:rPr lang="en-GB" dirty="0" smtClean="0"/>
+              <a:t>Parallel simulations</a:t>
+            </a:r>
+          </a:p>
+          <a:p>
+            <a:pPr lvl="1"/>
+            <a:r>
+              <a:rPr lang="en-GB" dirty="0" smtClean="0"/>
+              <a:t>Optimal control</a:t>
+            </a:r>
+          </a:p>
+          <a:p>
+            <a:r>
+              <a:rPr lang="en-GB" dirty="0" smtClean="0"/>
+              <a:t>Python </a:t>
+            </a:r>
+            <a:r>
+              <a:rPr lang="en-GB" dirty="0" smtClean="0"/>
+              <a:t>scripts</a:t>
+            </a:r>
+            <a:endParaRPr lang="en-GB" i="1" dirty="0" smtClean="0"/>
+          </a:p>
+          <a:p>
+            <a:pPr lvl="1"/>
+            <a:r>
+              <a:rPr lang="en-GB" dirty="0" smtClean="0"/>
+              <a:t>Nice for </a:t>
+            </a:r>
+            <a:r>
+              <a:rPr lang="en-GB" dirty="0" smtClean="0"/>
+              <a:t>plotting</a:t>
+            </a:r>
+          </a:p>
+          <a:p>
+            <a:pPr lvl="1"/>
+            <a:r>
+              <a:rPr lang="en-GB" dirty="0" err="1" smtClean="0"/>
+              <a:t>BuildingsPy</a:t>
+            </a:r>
+            <a:r>
+              <a:rPr lang="en-GB" dirty="0" smtClean="0"/>
               <a:t> </a:t>
             </a:r>
-            <a:br>
-              <a:rPr lang="nl-NL" dirty="0" smtClean="0"/>
-            </a:br>
-            <a:r>
-              <a:rPr lang="nl-NL" dirty="0" smtClean="0"/>
-              <a:t>and follow instructions</a:t>
-            </a:r>
-          </a:p>
-          <a:p>
-            <a:pPr>
-              <a:defRPr/>
-            </a:pPr>
-            <a:endParaRPr lang="nl-NL" dirty="0"/>
-          </a:p>
-          <a:p>
-            <a:pPr>
-              <a:defRPr/>
-            </a:pPr>
-            <a:r>
-              <a:rPr lang="nl-NL" dirty="0" smtClean="0"/>
-              <a:t>More information on </a:t>
-            </a:r>
-            <a:r>
-              <a:rPr lang="nl-NL" dirty="0" smtClean="0">
+            <a:r>
+              <a:rPr lang="en-GB" sz="1800" dirty="0" smtClean="0"/>
+              <a:t>(</a:t>
+            </a:r>
+            <a:r>
+              <a:rPr lang="en-GB" sz="1800" dirty="0" smtClean="0">
                 <a:hlinkClick r:id="rId2"/>
               </a:rPr>
-              <a:t>Modelicans</a:t>
-            </a:r>
-            <a:r>
-              <a:rPr lang="nl-NL" dirty="0" smtClean="0"/>
-              <a:t> (google groups)</a:t>
-            </a:r>
-            <a:endParaRPr lang="nl-BE" dirty="0"/>
-          </a:p>
-        </p:txBody>
-      </p:sp>
-      <p:pic>
-        <p:nvPicPr>
-          <p:cNvPr id="15364" name="Picture 4"/>
-          <p:cNvPicPr>
-            <a:picLocks noChangeAspect="1" noChangeArrowheads="1"/>
-          </p:cNvPicPr>
-          <p:nvPr/>
-        </p:nvPicPr>
-        <p:blipFill>
-          <a:blip r:embed="rId3">
-            <a:extLst>
-              <a:ext uri="{28A0092B-C50C-407E-A947-70E740481C1C}">
-                <a14:useLocalDpi xmlns:a14="http://schemas.microsoft.com/office/drawing/2010/main" val="0"/>
-              </a:ext>
-            </a:extLst>
-          </a:blip>
-          <a:srcRect/>
-          <a:stretch>
-            <a:fillRect/>
-          </a:stretch>
-        </p:blipFill>
-        <p:spPr bwMode="auto">
-          <a:xfrm>
-            <a:off x="4431928" y="5466184"/>
-            <a:ext cx="3590925" cy="1581150"/>
-          </a:xfrm>
-          <a:prstGeom prst="rect">
-            <a:avLst/>
-          </a:prstGeom>
-          <a:noFill/>
-          <a:ln>
-            <a:noFill/>
-          </a:ln>
-          <a:extLst>
-            <a:ext uri="{909E8E84-426E-40DD-AFC4-6F175D3DCCD1}">
-              <a14:hiddenFill xmlns:a14="http://schemas.microsoft.com/office/drawing/2010/main">
-                <a:solidFill>
-                  <a:schemeClr val="accent1"/>
-                </a:solidFill>
-              </a14:hiddenFill>
-            </a:ext>
-            <a:ext uri="{91240B29-F687-4F45-9708-019B960494DF}">
-              <a14:hiddenLine xmlns:a14="http://schemas.microsoft.com/office/drawing/2010/main" w="9525">
-                <a:solidFill>
-                  <a:schemeClr val="tx1"/>
-                </a:solidFill>
-                <a:miter lim="800000"/>
-                <a:headEnd/>
-                <a:tailEnd/>
-              </a14:hiddenLine>
-            </a:ext>
-          </a:extLst>
-        </p:spPr>
-      </p:pic>
+              <a:t>http</a:t>
+            </a:r>
+            <a:r>
+              <a:rPr lang="en-GB" sz="1800" dirty="0">
+                <a:hlinkClick r:id="rId2"/>
+              </a:rPr>
+              <a:t>://simulationresearch.lbl.gov/modelica/buildingspy</a:t>
+            </a:r>
+            <a:r>
+              <a:rPr lang="en-GB" sz="1800" dirty="0" smtClean="0">
+                <a:hlinkClick r:id="rId2"/>
+              </a:rPr>
+              <a:t>/</a:t>
+            </a:r>
+            <a:r>
+              <a:rPr lang="en-GB" sz="1800" dirty="0" smtClean="0"/>
+              <a:t>)</a:t>
+            </a:r>
+            <a:r>
+              <a:rPr lang="en-GB" dirty="0" smtClean="0"/>
+              <a:t> </a:t>
+            </a:r>
+          </a:p>
+          <a:p>
+            <a:pPr lvl="1"/>
+            <a:r>
+              <a:rPr lang="en-GB" dirty="0" smtClean="0"/>
+              <a:t>Built-in interface</a:t>
+            </a:r>
+            <a:endParaRPr lang="en-GB" dirty="0" smtClean="0"/>
+          </a:p>
+          <a:p>
+            <a:r>
+              <a:rPr lang="en-GB" dirty="0" smtClean="0"/>
+              <a:t>MATLAB</a:t>
+            </a:r>
+          </a:p>
+          <a:p>
+            <a:pPr lvl="1"/>
+            <a:r>
+              <a:rPr lang="en-GB" dirty="0" smtClean="0"/>
+              <a:t>Built-in with </a:t>
+            </a:r>
+            <a:r>
+              <a:rPr lang="en-GB" dirty="0" err="1" smtClean="0"/>
+              <a:t>Dymola</a:t>
+            </a:r>
+            <a:endParaRPr lang="en-GB" dirty="0"/>
+          </a:p>
+        </p:txBody>
+      </p:sp>
     </p:spTree>
     <p:extLst>
       <p:ext uri="{BB962C8B-B14F-4D97-AF65-F5344CB8AC3E}">
-        <p14:creationId xmlns:p14="http://schemas.microsoft.com/office/powerpoint/2010/main" val="3727398000"/>
+        <p14:creationId xmlns:p14="http://schemas.microsoft.com/office/powerpoint/2010/main" val="4225182537"/>
       </p:ext>
     </p:extLst>
   </p:cSld>
@@ -14895,7 +14492,7 @@
       </p:grpSpPr>
       <p:sp>
         <p:nvSpPr>
-          <p:cNvPr id="2" name="Title 1"/>
+          <p:cNvPr id="13314" name="Title 1"/>
           <p:cNvSpPr>
             <a:spLocks noGrp="1"/>
           </p:cNvSpPr>
@@ -14909,16 +14506,545 @@
           <a:lstStyle/>
           <a:p>
             <a:r>
-              <a:rPr lang="en-GB" dirty="0" smtClean="0"/>
-              <a:t>Break</a:t>
-            </a:r>
+              <a:rPr lang="en-GB" altLang="nl-BE" smtClean="0"/>
+              <a:t>Websites</a:t>
+            </a:r>
+          </a:p>
+        </p:txBody>
+      </p:sp>
+      <p:sp>
+        <p:nvSpPr>
+          <p:cNvPr id="36867" name="Content Placeholder 2"/>
+          <p:cNvSpPr>
+            <a:spLocks noGrp="1"/>
+          </p:cNvSpPr>
+          <p:nvPr>
+            <p:ph sz="half" idx="1"/>
+          </p:nvPr>
+        </p:nvSpPr>
+        <p:spPr/>
+        <p:txBody>
+          <a:bodyPr/>
+          <a:lstStyle/>
+          <a:p>
+            <a:pPr marL="0" indent="0">
+              <a:buFontTx/>
+              <a:buNone/>
+              <a:defRPr/>
+            </a:pPr>
+            <a:r>
+              <a:rPr lang="en-GB" altLang="nl-BE" sz="2000" b="1" dirty="0" smtClean="0"/>
+              <a:t>General</a:t>
+            </a:r>
+          </a:p>
+          <a:p>
+            <a:pPr>
+              <a:defRPr/>
+            </a:pPr>
+            <a:r>
+              <a:rPr lang="en-GB" altLang="nl-BE" sz="2000" dirty="0"/>
+              <a:t>www.modelica.org</a:t>
+            </a:r>
+          </a:p>
+          <a:p>
+            <a:pPr>
+              <a:defRPr/>
+            </a:pPr>
+            <a:r>
+              <a:rPr lang="en-GB" altLang="nl-BE" sz="2000" dirty="0" smtClean="0">
+                <a:hlinkClick r:id="rId2"/>
+              </a:rPr>
+              <a:t>www.openmodelica.org</a:t>
+            </a:r>
+            <a:endParaRPr lang="en-GB" altLang="nl-BE" sz="2000" dirty="0" smtClean="0"/>
+          </a:p>
+          <a:p>
+            <a:pPr>
+              <a:defRPr/>
+            </a:pPr>
+            <a:r>
+              <a:rPr lang="en-GB" altLang="nl-BE" sz="2000" dirty="0" smtClean="0">
+                <a:hlinkClick r:id="rId3"/>
+              </a:rPr>
+              <a:t>www.jmodelica.org</a:t>
+            </a:r>
+            <a:endParaRPr lang="en-GB" altLang="nl-BE" sz="2000" dirty="0" smtClean="0"/>
+          </a:p>
+          <a:p>
+            <a:pPr>
+              <a:defRPr/>
+            </a:pPr>
+            <a:r>
+              <a:rPr lang="en-GB" altLang="nl-BE" sz="2000" dirty="0" smtClean="0">
+                <a:hlinkClick r:id="rId4"/>
+              </a:rPr>
+              <a:t>http://www.claytex.com/tech-blog/</a:t>
+            </a:r>
+            <a:endParaRPr lang="en-GB" altLang="nl-BE" sz="2000" dirty="0" smtClean="0"/>
+          </a:p>
+          <a:p>
+            <a:pPr marL="0" indent="0">
+              <a:buFontTx/>
+              <a:buNone/>
+              <a:defRPr/>
+            </a:pPr>
+            <a:r>
+              <a:rPr lang="en-GB" altLang="nl-BE" sz="2000" b="1" dirty="0" err="1" smtClean="0"/>
+              <a:t>Modelica</a:t>
+            </a:r>
+            <a:r>
+              <a:rPr lang="en-GB" altLang="nl-BE" sz="2000" b="1" dirty="0" smtClean="0"/>
+              <a:t> language</a:t>
+            </a:r>
+          </a:p>
+          <a:p>
+            <a:pPr>
+              <a:defRPr/>
+            </a:pPr>
+            <a:r>
+              <a:rPr lang="en-GB" altLang="nl-BE" sz="2000" dirty="0" smtClean="0">
+                <a:hlinkClick r:id="rId5"/>
+              </a:rPr>
+              <a:t>http://modref.xogeny.com/</a:t>
+            </a:r>
+            <a:r>
+              <a:rPr lang="en-GB" altLang="nl-BE" sz="2000" dirty="0" smtClean="0"/>
+              <a:t> </a:t>
+            </a:r>
+            <a:r>
+              <a:rPr lang="en-GB" altLang="nl-BE" sz="2000" dirty="0" smtClean="0">
+                <a:solidFill>
+                  <a:srgbClr val="FF0000"/>
+                </a:solidFill>
+              </a:rPr>
+              <a:t>!!!</a:t>
+            </a:r>
+          </a:p>
+          <a:p>
+            <a:pPr>
+              <a:defRPr/>
+            </a:pPr>
+            <a:r>
+              <a:rPr lang="en-GB" altLang="nl-BE" sz="2000" dirty="0">
+                <a:hlinkClick r:id="rId6"/>
+              </a:rPr>
+              <a:t>http://book.xogeny.com</a:t>
+            </a:r>
+            <a:r>
+              <a:rPr lang="en-GB" altLang="nl-BE" sz="2000" dirty="0" smtClean="0">
+                <a:hlinkClick r:id="rId6"/>
+              </a:rPr>
+              <a:t>/</a:t>
+            </a:r>
+            <a:r>
+              <a:rPr lang="en-GB" altLang="nl-BE" sz="2000" dirty="0" smtClean="0"/>
+              <a:t> </a:t>
+            </a:r>
+            <a:r>
+              <a:rPr lang="en-GB" altLang="nl-BE" sz="2000" dirty="0" smtClean="0">
+                <a:solidFill>
+                  <a:srgbClr val="FF0000"/>
+                </a:solidFill>
+              </a:rPr>
+              <a:t>!!!</a:t>
+            </a:r>
+            <a:endParaRPr lang="en-GB" altLang="nl-BE" sz="2000" dirty="0" smtClean="0"/>
+          </a:p>
+          <a:p>
+            <a:pPr marL="0" indent="0">
+              <a:buFontTx/>
+              <a:buNone/>
+              <a:defRPr/>
+            </a:pPr>
+            <a:r>
+              <a:rPr lang="en-GB" altLang="nl-BE" sz="2000" b="1" dirty="0" smtClean="0"/>
+              <a:t>KUL </a:t>
+            </a:r>
+            <a:r>
+              <a:rPr lang="en-GB" altLang="nl-BE" sz="2000" b="1" dirty="0" err="1" smtClean="0"/>
+              <a:t>modeling</a:t>
+            </a:r>
+            <a:r>
+              <a:rPr lang="en-GB" altLang="nl-BE" sz="2000" b="1" dirty="0" smtClean="0"/>
+              <a:t> conventions</a:t>
+            </a:r>
+          </a:p>
+          <a:p>
+            <a:pPr>
+              <a:defRPr/>
+            </a:pPr>
+            <a:r>
+              <a:rPr lang="en-GB" altLang="nl-BE" sz="2000" dirty="0" smtClean="0">
+                <a:hlinkClick r:id="rId7"/>
+              </a:rPr>
+              <a:t>https://docs.google.com/document/d/1MaNKTdLz-YPpEEH3Eg12ECzG0ErK-rIK9IHd6gsBp7Q/edit?usp=sharing</a:t>
+            </a:r>
+            <a:endParaRPr lang="en-GB" altLang="nl-BE" sz="2000" dirty="0" smtClean="0"/>
+          </a:p>
+          <a:p>
+            <a:pPr>
+              <a:defRPr/>
+            </a:pPr>
+            <a:endParaRPr lang="en-GB" altLang="nl-BE" sz="2400" dirty="0" smtClean="0"/>
+          </a:p>
+          <a:p>
+            <a:pPr>
+              <a:defRPr/>
+            </a:pPr>
+            <a:endParaRPr lang="en-GB" altLang="nl-BE" sz="2400" dirty="0" smtClean="0"/>
+          </a:p>
+        </p:txBody>
+      </p:sp>
+      <p:sp>
+        <p:nvSpPr>
+          <p:cNvPr id="2" name="Content Placeholder 1"/>
+          <p:cNvSpPr>
+            <a:spLocks noGrp="1"/>
+          </p:cNvSpPr>
+          <p:nvPr>
+            <p:ph sz="half" idx="2"/>
+          </p:nvPr>
+        </p:nvSpPr>
+        <p:spPr/>
+        <p:txBody>
+          <a:bodyPr>
+            <a:normAutofit/>
+          </a:bodyPr>
+          <a:lstStyle/>
+          <a:p>
+            <a:pPr marL="0" indent="0">
+              <a:buFontTx/>
+              <a:buNone/>
+              <a:defRPr/>
+            </a:pPr>
+            <a:r>
+              <a:rPr lang="en-GB" altLang="nl-BE" sz="2000" b="1" dirty="0"/>
+              <a:t>Libraries:</a:t>
+            </a:r>
+          </a:p>
+          <a:p>
+            <a:pPr>
+              <a:defRPr/>
+            </a:pPr>
+            <a:r>
+              <a:rPr lang="en-GB" altLang="nl-BE" sz="2000" dirty="0">
+                <a:hlinkClick r:id="rId8"/>
+              </a:rPr>
+              <a:t>https://github.com/open-ideas</a:t>
+            </a:r>
+            <a:r>
+              <a:rPr lang="en-GB" altLang="nl-BE" sz="2000" dirty="0"/>
+              <a:t> --&gt; IDEAS + Crash Course</a:t>
+            </a:r>
+          </a:p>
+          <a:p>
+            <a:pPr>
+              <a:defRPr/>
+            </a:pPr>
+            <a:r>
+              <a:rPr lang="en-GB" altLang="nl-BE" sz="2000" dirty="0">
+                <a:hlinkClick r:id="rId9"/>
+              </a:rPr>
+              <a:t>https://simulationresearch.lbl.gov/modelica</a:t>
+            </a:r>
+            <a:r>
+              <a:rPr lang="en-GB" altLang="nl-BE" sz="2000" dirty="0"/>
+              <a:t> --&gt; </a:t>
+            </a:r>
+            <a:r>
+              <a:rPr lang="en-GB" altLang="nl-BE" sz="2000" dirty="0">
+                <a:solidFill>
+                  <a:srgbClr val="FF0000"/>
+                </a:solidFill>
+              </a:rPr>
+              <a:t>look at </a:t>
+            </a:r>
+            <a:r>
+              <a:rPr lang="en-GB" altLang="nl-BE" sz="2000" dirty="0" err="1" smtClean="0">
+                <a:solidFill>
+                  <a:srgbClr val="FF0000"/>
+                </a:solidFill>
+              </a:rPr>
+              <a:t>Buildings.Examples.Tutorial</a:t>
+            </a:r>
+            <a:endParaRPr lang="en-GB" altLang="nl-BE" sz="2000" dirty="0">
+              <a:solidFill>
+                <a:srgbClr val="FF0000"/>
+              </a:solidFill>
+            </a:endParaRPr>
+          </a:p>
+          <a:p>
+            <a:pPr>
+              <a:defRPr/>
+            </a:pPr>
+            <a:r>
+              <a:rPr lang="en-GB" altLang="nl-BE" sz="2000" dirty="0" smtClean="0">
+                <a:solidFill>
+                  <a:schemeClr val="accent1"/>
+                </a:solidFill>
+              </a:rPr>
+              <a:t>IBPSA Project 1: </a:t>
+            </a:r>
+            <a:r>
+              <a:rPr lang="en-GB" altLang="nl-BE" sz="2000" dirty="0" smtClean="0">
+                <a:solidFill>
+                  <a:srgbClr val="FF0000"/>
+                </a:solidFill>
+                <a:hlinkClick r:id="rId10"/>
+              </a:rPr>
+              <a:t>https</a:t>
+            </a:r>
+            <a:r>
+              <a:rPr lang="en-GB" altLang="nl-BE" sz="2000" dirty="0">
+                <a:solidFill>
+                  <a:srgbClr val="FF0000"/>
+                </a:solidFill>
+                <a:hlinkClick r:id="rId10"/>
+              </a:rPr>
+              <a:t>://</a:t>
+            </a:r>
+            <a:r>
+              <a:rPr lang="en-GB" altLang="nl-BE" sz="2000" dirty="0" smtClean="0">
+                <a:solidFill>
+                  <a:srgbClr val="FF0000"/>
+                </a:solidFill>
+                <a:hlinkClick r:id="rId10"/>
+              </a:rPr>
+              <a:t>github.com/ibpsa/modelica-ibpsa</a:t>
+            </a:r>
+            <a:r>
+              <a:rPr lang="en-GB" altLang="nl-BE" sz="2000" dirty="0" smtClean="0">
+                <a:solidFill>
+                  <a:srgbClr val="FF0000"/>
+                </a:solidFill>
+              </a:rPr>
+              <a:t> </a:t>
+            </a:r>
+            <a:endParaRPr lang="en-GB" altLang="nl-BE" sz="2000" dirty="0" smtClean="0">
+              <a:solidFill>
+                <a:srgbClr val="FF0000"/>
+              </a:solidFill>
+            </a:endParaRPr>
+          </a:p>
+          <a:p>
+            <a:pPr marL="0" indent="0">
+              <a:buNone/>
+              <a:defRPr/>
+            </a:pPr>
+            <a:r>
+              <a:rPr lang="en-GB" altLang="nl-BE" sz="2000" b="1" dirty="0" err="1" smtClean="0"/>
+              <a:t>Dymola</a:t>
+            </a:r>
+            <a:r>
+              <a:rPr lang="en-GB" altLang="nl-BE" sz="2000" b="1" dirty="0" smtClean="0"/>
+              <a:t> </a:t>
+            </a:r>
+            <a:r>
+              <a:rPr lang="en-GB" altLang="nl-BE" sz="2000" b="1" dirty="0"/>
+              <a:t>user guide</a:t>
+            </a:r>
+          </a:p>
+          <a:p>
+            <a:pPr>
+              <a:defRPr/>
+            </a:pPr>
+            <a:r>
+              <a:rPr lang="en-GB" altLang="nl-BE" sz="2000" dirty="0"/>
+              <a:t>Volume 1 &amp; 2: </a:t>
+            </a:r>
+            <a:r>
+              <a:rPr lang="pt-BR" sz="2000" u="sng" dirty="0">
+                <a:solidFill>
+                  <a:schemeClr val="accent2"/>
+                </a:solidFill>
+              </a:rPr>
+              <a:t>C:\</a:t>
+            </a:r>
+            <a:r>
+              <a:rPr lang="pt-BR" sz="2000" u="sng" dirty="0" err="1">
+                <a:solidFill>
+                  <a:schemeClr val="accent2"/>
+                </a:solidFill>
+              </a:rPr>
+              <a:t>Program</a:t>
+            </a:r>
+            <a:r>
+              <a:rPr lang="pt-BR" sz="2000" u="sng" dirty="0">
+                <a:solidFill>
+                  <a:schemeClr val="accent2"/>
+                </a:solidFill>
+              </a:rPr>
+              <a:t> Files (x86)\</a:t>
+            </a:r>
+            <a:r>
+              <a:rPr lang="pt-BR" sz="2000" u="sng" dirty="0" err="1" smtClean="0">
+                <a:solidFill>
+                  <a:schemeClr val="accent2"/>
+                </a:solidFill>
+              </a:rPr>
+              <a:t>Dymola</a:t>
+            </a:r>
+            <a:r>
+              <a:rPr lang="pt-BR" sz="2000" u="sng" dirty="0" smtClean="0">
+                <a:solidFill>
+                  <a:schemeClr val="accent2"/>
+                </a:solidFill>
+              </a:rPr>
+              <a:t> 2017</a:t>
+            </a:r>
+            <a:r>
+              <a:rPr lang="pt-BR" sz="2000" u="sng" dirty="0">
+                <a:solidFill>
+                  <a:schemeClr val="accent2"/>
+                </a:solidFill>
+              </a:rPr>
+              <a:t>\</a:t>
+            </a:r>
+            <a:r>
+              <a:rPr lang="pt-BR" sz="2000" u="sng" dirty="0" err="1">
+                <a:solidFill>
+                  <a:schemeClr val="accent2"/>
+                </a:solidFill>
+              </a:rPr>
+              <a:t>Documentation</a:t>
+            </a:r>
+            <a:r>
+              <a:rPr lang="pt-BR" sz="2000" u="sng" dirty="0">
+                <a:solidFill>
+                  <a:schemeClr val="accent2"/>
+                </a:solidFill>
+              </a:rPr>
+              <a:t>\</a:t>
+            </a:r>
+            <a:r>
+              <a:rPr lang="pt-BR" sz="2000" u="sng" dirty="0" err="1">
+                <a:solidFill>
+                  <a:schemeClr val="accent2"/>
+                </a:solidFill>
+              </a:rPr>
+              <a:t>Dymola</a:t>
+            </a:r>
+            <a:r>
+              <a:rPr lang="pt-BR" sz="2000" u="sng" dirty="0">
+                <a:solidFill>
+                  <a:schemeClr val="accent2"/>
+                </a:solidFill>
+              </a:rPr>
+              <a:t> </a:t>
+            </a:r>
+            <a:r>
+              <a:rPr lang="pt-BR" sz="2000" u="sng" dirty="0" err="1">
+                <a:solidFill>
+                  <a:schemeClr val="accent2"/>
+                </a:solidFill>
+              </a:rPr>
+              <a:t>User</a:t>
+            </a:r>
+            <a:r>
+              <a:rPr lang="pt-BR" sz="2000" u="sng" dirty="0">
+                <a:solidFill>
+                  <a:schemeClr val="accent2"/>
+                </a:solidFill>
+              </a:rPr>
+              <a:t> Manual Volume </a:t>
+            </a:r>
+            <a:r>
+              <a:rPr lang="pt-BR" sz="2000" u="sng" dirty="0" smtClean="0">
+                <a:solidFill>
+                  <a:schemeClr val="accent2"/>
+                </a:solidFill>
+              </a:rPr>
+              <a:t>1</a:t>
+            </a:r>
+            <a:r>
+              <a:rPr lang="pt-BR" sz="2000" dirty="0" smtClean="0"/>
+              <a:t> </a:t>
+            </a:r>
+            <a:r>
+              <a:rPr lang="pt-BR" sz="2000" dirty="0" err="1"/>
+              <a:t>or</a:t>
+            </a:r>
+            <a:r>
+              <a:rPr lang="pt-BR" sz="2000" dirty="0"/>
+              <a:t> via </a:t>
+            </a:r>
+            <a:r>
+              <a:rPr lang="pt-BR" sz="2000" dirty="0" err="1"/>
+              <a:t>Dymola</a:t>
+            </a:r>
+            <a:r>
+              <a:rPr lang="pt-BR" sz="2000" dirty="0"/>
+              <a:t> &gt; help.</a:t>
+            </a:r>
+            <a:endParaRPr lang="en-GB" altLang="nl-BE" sz="2000" dirty="0"/>
+          </a:p>
+          <a:p>
             <a:endParaRPr lang="en-GB" dirty="0"/>
           </a:p>
         </p:txBody>
       </p:sp>
-      <p:sp>
-        <p:nvSpPr>
-          <p:cNvPr id="3" name="Content Placeholder 2"/>
+    </p:spTree>
+    <p:extLst>
+      <p:ext uri="{BB962C8B-B14F-4D97-AF65-F5344CB8AC3E}">
+        <p14:creationId xmlns:p14="http://schemas.microsoft.com/office/powerpoint/2010/main" val="2974380802"/>
+      </p:ext>
+    </p:extLst>
+  </p:cSld>
+  <p:clrMapOvr>
+    <a:masterClrMapping/>
+  </p:clrMapOvr>
+  <p:timing>
+    <p:tnLst>
+      <p:par>
+        <p:cTn id="1" dur="indefinite" restart="never" nodeType="tmRoot"/>
+      </p:par>
+    </p:tnLst>
+  </p:timing>
+</p:sld>
+</file>
+
+<file path=ppt/slides/slide34.xml><?xml version="1.0" encoding="utf-8"?>
+<p:sld xmlns:a="http://schemas.openxmlformats.org/drawingml/2006/main" xmlns:r="http://schemas.openxmlformats.org/officeDocument/2006/relationships" xmlns:p="http://schemas.openxmlformats.org/presentationml/2006/main">
+  <p:cSld>
+    <p:spTree>
+      <p:nvGrpSpPr>
+        <p:cNvPr id="1" name=""/>
+        <p:cNvGrpSpPr/>
+        <p:nvPr/>
+      </p:nvGrpSpPr>
+      <p:grpSpPr>
+        <a:xfrm>
+          <a:off x="0" y="0"/>
+          <a:ext cx="0" cy="0"/>
+          <a:chOff x="0" y="0"/>
+          <a:chExt cx="0" cy="0"/>
+        </a:xfrm>
+      </p:grpSpPr>
+      <p:sp>
+        <p:nvSpPr>
+          <p:cNvPr id="14338" name="Title 1"/>
+          <p:cNvSpPr>
+            <a:spLocks noGrp="1"/>
+          </p:cNvSpPr>
+          <p:nvPr>
+            <p:ph type="title"/>
+          </p:nvPr>
+        </p:nvSpPr>
+        <p:spPr/>
+        <p:txBody>
+          <a:bodyPr/>
+          <a:lstStyle/>
+          <a:p>
+            <a:r>
+              <a:rPr lang="en-GB" altLang="nl-BE" smtClean="0"/>
+              <a:t>Fora</a:t>
+            </a:r>
+          </a:p>
+        </p:txBody>
+      </p:sp>
+      <p:sp>
+        <p:nvSpPr>
+          <p:cNvPr id="14339" name="Content Placeholder 2"/>
           <p:cNvSpPr>
             <a:spLocks noGrp="1"/>
           </p:cNvSpPr>
@@ -14932,23 +15058,89 @@
           <a:lstStyle/>
           <a:p>
             <a:r>
-              <a:rPr lang="en-GB" dirty="0" smtClean="0"/>
-              <a:t>Time to activate and borrow your license!</a:t>
-            </a:r>
-            <a:endParaRPr lang="en-GB" dirty="0"/>
+              <a:rPr lang="en-GB" altLang="nl-BE" dirty="0" smtClean="0">
+                <a:hlinkClick r:id="rId2"/>
+              </a:rPr>
+              <a:t>http://www.openmodelica.org/index.php/forum</a:t>
+            </a:r>
+            <a:endParaRPr lang="en-GB" altLang="nl-BE" dirty="0" smtClean="0"/>
+          </a:p>
+          <a:p>
+            <a:r>
+              <a:rPr lang="en-GB" altLang="nl-BE" dirty="0" smtClean="0">
+                <a:hlinkClick r:id="rId3"/>
+              </a:rPr>
+              <a:t>http://www.jmodelica.org/forum</a:t>
+            </a:r>
+            <a:endParaRPr lang="en-GB" altLang="nl-BE" dirty="0" smtClean="0"/>
+          </a:p>
+          <a:p>
+            <a:r>
+              <a:rPr lang="en-GB" altLang="nl-BE" dirty="0" smtClean="0"/>
+              <a:t>www.stackoverflow.com (tag </a:t>
+            </a:r>
+            <a:r>
+              <a:rPr lang="en-GB" altLang="nl-BE" dirty="0" err="1" smtClean="0"/>
+              <a:t>Modelica</a:t>
+            </a:r>
+            <a:r>
+              <a:rPr lang="en-GB" altLang="nl-BE" dirty="0" smtClean="0"/>
+              <a:t>)</a:t>
+            </a:r>
+          </a:p>
+          <a:p>
+            <a:pPr>
+              <a:buFontTx/>
+              <a:buNone/>
+            </a:pPr>
+            <a:r>
+              <a:rPr lang="en-GB" altLang="nl-BE" dirty="0" smtClean="0"/>
+              <a:t>And last but not least: </a:t>
+            </a:r>
+            <a:r>
+              <a:rPr lang="en-GB" altLang="nl-BE" b="1" dirty="0" smtClean="0">
+                <a:solidFill>
+                  <a:srgbClr val="FF0000"/>
+                </a:solidFill>
+                <a:hlinkClick r:id="rId4"/>
+              </a:rPr>
+              <a:t>https://groups.google.com/d/forum/modelicans</a:t>
+            </a:r>
+            <a:endParaRPr lang="en-GB" altLang="nl-BE" b="1" dirty="0" smtClean="0">
+              <a:solidFill>
+                <a:srgbClr val="FF0000"/>
+              </a:solidFill>
+            </a:endParaRPr>
+          </a:p>
+          <a:p>
+            <a:pPr>
+              <a:buFontTx/>
+              <a:buNone/>
+            </a:pPr>
+            <a:endParaRPr lang="en-GB" altLang="nl-BE" dirty="0" smtClean="0"/>
+          </a:p>
+          <a:p>
+            <a:endParaRPr lang="en-GB" altLang="nl-BE" dirty="0" smtClean="0"/>
           </a:p>
         </p:txBody>
       </p:sp>
     </p:spTree>
     <p:extLst>
       <p:ext uri="{BB962C8B-B14F-4D97-AF65-F5344CB8AC3E}">
-        <p14:creationId xmlns:p14="http://schemas.microsoft.com/office/powerpoint/2010/main" val="130277479"/>
+        <p14:creationId xmlns:p14="http://schemas.microsoft.com/office/powerpoint/2010/main" val="1252393520"/>
       </p:ext>
     </p:extLst>
   </p:cSld>
   <p:clrMapOvr>
     <a:masterClrMapping/>
   </p:clrMapOvr>
+  <p:timing>
+    <p:tnLst>
+      <p:par>
+        <p:cTn id="1" dur="indefinite" restart="never" nodeType="tmRoot"/>
+      </p:par>
+    </p:tnLst>
+  </p:timing>
 </p:sld>
 </file>
 
@@ -15044,6 +15236,307 @@
 </file>
 
 <file path=ppt/slides/slide5.xml><?xml version="1.0" encoding="utf-8"?>
+<p:sld xmlns:a="http://schemas.openxmlformats.org/drawingml/2006/main" xmlns:r="http://schemas.openxmlformats.org/officeDocument/2006/relationships" xmlns:p="http://schemas.openxmlformats.org/presentationml/2006/main">
+  <p:cSld>
+    <p:spTree>
+      <p:nvGrpSpPr>
+        <p:cNvPr id="1" name=""/>
+        <p:cNvGrpSpPr/>
+        <p:nvPr/>
+      </p:nvGrpSpPr>
+      <p:grpSpPr>
+        <a:xfrm>
+          <a:off x="0" y="0"/>
+          <a:ext cx="0" cy="0"/>
+          <a:chOff x="0" y="0"/>
+          <a:chExt cx="0" cy="0"/>
+        </a:xfrm>
+      </p:grpSpPr>
+      <p:pic>
+        <p:nvPicPr>
+          <p:cNvPr id="7170" name="Picture 2"/>
+          <p:cNvPicPr>
+            <a:picLocks noChangeAspect="1" noChangeArrowheads="1"/>
+          </p:cNvPicPr>
+          <p:nvPr/>
+        </p:nvPicPr>
+        <p:blipFill>
+          <a:blip r:embed="rId2">
+            <a:extLst>
+              <a:ext uri="{28A0092B-C50C-407E-A947-70E740481C1C}">
+                <a14:useLocalDpi xmlns:a14="http://schemas.microsoft.com/office/drawing/2010/main" val="0"/>
+              </a:ext>
+            </a:extLst>
+          </a:blip>
+          <a:srcRect/>
+          <a:stretch>
+            <a:fillRect/>
+          </a:stretch>
+        </p:blipFill>
+        <p:spPr bwMode="auto">
+          <a:xfrm>
+            <a:off x="317500" y="238125"/>
+            <a:ext cx="9523413" cy="7142163"/>
+          </a:xfrm>
+          <a:prstGeom prst="rect">
+            <a:avLst/>
+          </a:prstGeom>
+          <a:noFill/>
+          <a:ln>
+            <a:noFill/>
+          </a:ln>
+          <a:extLst>
+            <a:ext uri="{909E8E84-426E-40DD-AFC4-6F175D3DCCD1}">
+              <a14:hiddenFill xmlns:a14="http://schemas.microsoft.com/office/drawing/2010/main">
+                <a:solidFill>
+                  <a:srgbClr val="FFFFFF"/>
+                </a:solidFill>
+              </a14:hiddenFill>
+            </a:ext>
+            <a:ext uri="{91240B29-F687-4F45-9708-019B960494DF}">
+              <a14:hiddenLine xmlns:a14="http://schemas.microsoft.com/office/drawing/2010/main" w="9525">
+                <a:solidFill>
+                  <a:srgbClr val="000000"/>
+                </a:solidFill>
+                <a:miter lim="800000"/>
+                <a:headEnd/>
+                <a:tailEnd/>
+              </a14:hiddenLine>
+            </a:ext>
+          </a:extLst>
+        </p:spPr>
+      </p:pic>
+      <p:sp>
+        <p:nvSpPr>
+          <p:cNvPr id="7171" name="TextBox 2"/>
+          <p:cNvSpPr txBox="1">
+            <a:spLocks noChangeArrowheads="1"/>
+          </p:cNvSpPr>
+          <p:nvPr/>
+        </p:nvSpPr>
+        <p:spPr bwMode="auto">
+          <a:xfrm>
+            <a:off x="471488" y="7370763"/>
+            <a:ext cx="9145587" cy="400050"/>
+          </a:xfrm>
+          <a:prstGeom prst="rect">
+            <a:avLst/>
+          </a:prstGeom>
+          <a:noFill/>
+          <a:ln>
+            <a:noFill/>
+          </a:ln>
+          <a:extLst>
+            <a:ext uri="{909E8E84-426E-40DD-AFC4-6F175D3DCCD1}">
+              <a14:hiddenFill xmlns:a14="http://schemas.microsoft.com/office/drawing/2010/main">
+                <a:solidFill>
+                  <a:srgbClr val="FFFFFF"/>
+                </a:solidFill>
+              </a14:hiddenFill>
+            </a:ext>
+            <a:ext uri="{91240B29-F687-4F45-9708-019B960494DF}">
+              <a14:hiddenLine xmlns:a14="http://schemas.microsoft.com/office/drawing/2010/main" w="9525">
+                <a:solidFill>
+                  <a:srgbClr val="000000"/>
+                </a:solidFill>
+                <a:miter lim="800000"/>
+                <a:headEnd/>
+                <a:tailEnd/>
+              </a14:hiddenLine>
+            </a:ext>
+          </a:extLst>
+        </p:spPr>
+        <p:txBody>
+          <a:bodyPr>
+            <a:spAutoFit/>
+          </a:bodyPr>
+          <a:lstStyle>
+            <a:lvl1pPr eaLnBrk="0" hangingPunct="0">
+              <a:spcBef>
+                <a:spcPct val="20000"/>
+              </a:spcBef>
+              <a:buChar char="•"/>
+              <a:defRPr sz="3200">
+                <a:solidFill>
+                  <a:schemeClr val="tx1"/>
+                </a:solidFill>
+                <a:latin typeface="Times New Roman" pitchFamily="18" charset="0"/>
+              </a:defRPr>
+            </a:lvl1pPr>
+            <a:lvl2pPr marL="742950" indent="-285750" eaLnBrk="0" hangingPunct="0">
+              <a:spcBef>
+                <a:spcPct val="20000"/>
+              </a:spcBef>
+              <a:buChar char="–"/>
+              <a:defRPr sz="2800">
+                <a:solidFill>
+                  <a:schemeClr val="tx1"/>
+                </a:solidFill>
+                <a:latin typeface="Times New Roman" pitchFamily="18" charset="0"/>
+              </a:defRPr>
+            </a:lvl2pPr>
+            <a:lvl3pPr marL="1143000" indent="-228600" eaLnBrk="0" hangingPunct="0">
+              <a:spcBef>
+                <a:spcPct val="20000"/>
+              </a:spcBef>
+              <a:buChar char="•"/>
+              <a:defRPr sz="2400">
+                <a:solidFill>
+                  <a:schemeClr val="tx1"/>
+                </a:solidFill>
+                <a:latin typeface="Times New Roman" pitchFamily="18" charset="0"/>
+              </a:defRPr>
+            </a:lvl3pPr>
+            <a:lvl4pPr marL="1600200" indent="-228600" eaLnBrk="0" hangingPunct="0">
+              <a:spcBef>
+                <a:spcPct val="20000"/>
+              </a:spcBef>
+              <a:buChar char="–"/>
+              <a:defRPr sz="2000">
+                <a:solidFill>
+                  <a:schemeClr val="tx1"/>
+                </a:solidFill>
+                <a:latin typeface="Times New Roman" pitchFamily="18" charset="0"/>
+              </a:defRPr>
+            </a:lvl4pPr>
+            <a:lvl5pPr marL="2057400" indent="-228600" eaLnBrk="0" hangingPunct="0">
+              <a:spcBef>
+                <a:spcPct val="20000"/>
+              </a:spcBef>
+              <a:buChar char="»"/>
+              <a:defRPr sz="2000">
+                <a:solidFill>
+                  <a:schemeClr val="tx1"/>
+                </a:solidFill>
+                <a:latin typeface="Times New Roman" pitchFamily="18" charset="0"/>
+              </a:defRPr>
+            </a:lvl5pPr>
+            <a:lvl6pPr marL="2514600" indent="-228600" eaLnBrk="0" fontAlgn="base" hangingPunct="0">
+              <a:spcBef>
+                <a:spcPct val="20000"/>
+              </a:spcBef>
+              <a:spcAft>
+                <a:spcPct val="0"/>
+              </a:spcAft>
+              <a:buChar char="»"/>
+              <a:defRPr sz="2000">
+                <a:solidFill>
+                  <a:schemeClr val="tx1"/>
+                </a:solidFill>
+                <a:latin typeface="Times New Roman" pitchFamily="18" charset="0"/>
+              </a:defRPr>
+            </a:lvl6pPr>
+            <a:lvl7pPr marL="2971800" indent="-228600" eaLnBrk="0" fontAlgn="base" hangingPunct="0">
+              <a:spcBef>
+                <a:spcPct val="20000"/>
+              </a:spcBef>
+              <a:spcAft>
+                <a:spcPct val="0"/>
+              </a:spcAft>
+              <a:buChar char="»"/>
+              <a:defRPr sz="2000">
+                <a:solidFill>
+                  <a:schemeClr val="tx1"/>
+                </a:solidFill>
+                <a:latin typeface="Times New Roman" pitchFamily="18" charset="0"/>
+              </a:defRPr>
+            </a:lvl7pPr>
+            <a:lvl8pPr marL="3429000" indent="-228600" eaLnBrk="0" fontAlgn="base" hangingPunct="0">
+              <a:spcBef>
+                <a:spcPct val="20000"/>
+              </a:spcBef>
+              <a:spcAft>
+                <a:spcPct val="0"/>
+              </a:spcAft>
+              <a:buChar char="»"/>
+              <a:defRPr sz="2000">
+                <a:solidFill>
+                  <a:schemeClr val="tx1"/>
+                </a:solidFill>
+                <a:latin typeface="Times New Roman" pitchFamily="18" charset="0"/>
+              </a:defRPr>
+            </a:lvl8pPr>
+            <a:lvl9pPr marL="3886200" indent="-228600" eaLnBrk="0" fontAlgn="base" hangingPunct="0">
+              <a:spcBef>
+                <a:spcPct val="20000"/>
+              </a:spcBef>
+              <a:spcAft>
+                <a:spcPct val="0"/>
+              </a:spcAft>
+              <a:buChar char="»"/>
+              <a:defRPr sz="2000">
+                <a:solidFill>
+                  <a:schemeClr val="tx1"/>
+                </a:solidFill>
+                <a:latin typeface="Times New Roman" pitchFamily="18" charset="0"/>
+              </a:defRPr>
+            </a:lvl9pPr>
+          </a:lstStyle>
+          <a:p>
+            <a:pPr eaLnBrk="1" hangingPunct="1">
+              <a:spcBef>
+                <a:spcPct val="0"/>
+              </a:spcBef>
+              <a:buFontTx/>
+              <a:buNone/>
+            </a:pPr>
+            <a:r>
+              <a:rPr lang="en-GB" altLang="nl-BE" sz="1000">
+                <a:latin typeface="Arial" charset="0"/>
+                <a:cs typeface="Arial" charset="0"/>
+              </a:rPr>
+              <a:t>Slide from </a:t>
+            </a:r>
+            <a:r>
+              <a:rPr lang="pt-BR" altLang="nl-BE" sz="1000">
+                <a:latin typeface="Arial" charset="0"/>
+                <a:cs typeface="Arial" charset="0"/>
+              </a:rPr>
+              <a:t>Peter Fritzson, </a:t>
+            </a:r>
+            <a:r>
+              <a:rPr lang="en-GB" altLang="nl-BE" sz="1000">
+                <a:latin typeface="Arial" charset="0"/>
+                <a:cs typeface="Arial" charset="0"/>
+              </a:rPr>
+              <a:t>Introduction to Object-Oriented Modeling, Simulation and Control with Modelica, </a:t>
+            </a:r>
+            <a:r>
+              <a:rPr lang="pt-BR" altLang="nl-BE" sz="1000">
+                <a:latin typeface="Arial" charset="0"/>
+                <a:cs typeface="Arial" charset="0"/>
+              </a:rPr>
+              <a:t>Tutorial for Modelica Conference 2011,  Dresden</a:t>
+            </a:r>
+          </a:p>
+          <a:p>
+            <a:pPr eaLnBrk="1" hangingPunct="1">
+              <a:spcBef>
+                <a:spcPct val="0"/>
+              </a:spcBef>
+              <a:buFontTx/>
+              <a:buNone/>
+            </a:pPr>
+            <a:endParaRPr lang="en-GB" altLang="nl-BE" sz="1000"/>
+          </a:p>
+        </p:txBody>
+      </p:sp>
+    </p:spTree>
+  </p:cSld>
+  <p:clrMapOvr>
+    <a:masterClrMapping/>
+  </p:clrMapOvr>
+  <p:timing>
+    <p:tnLst>
+      <p:par>
+        <p:cTn id="1" dur="indefinite" restart="never" nodeType="tmRoot"/>
+      </p:par>
+    </p:tnLst>
+  </p:timing>
+</p:sld>
+</file>
+
+<file path=ppt/slides/slide6.xml><?xml version="1.0" encoding="utf-8"?>
 <p:sld xmlns:a="http://schemas.openxmlformats.org/drawingml/2006/main" xmlns:r="http://schemas.openxmlformats.org/officeDocument/2006/relationships" xmlns:p="http://schemas.openxmlformats.org/presentationml/2006/main">
   <p:cSld>
     <p:spTree>
@@ -15372,7 +15865,7 @@
 </p:sld>
 </file>
 
-<file path=ppt/slides/slide6.xml><?xml version="1.0" encoding="utf-8"?>
+<file path=ppt/slides/slide7.xml><?xml version="1.0" encoding="utf-8"?>
 <p:sld xmlns:a="http://schemas.openxmlformats.org/drawingml/2006/main" xmlns:r="http://schemas.openxmlformats.org/officeDocument/2006/relationships" xmlns:p="http://schemas.openxmlformats.org/presentationml/2006/main">
   <p:cSld>
     <p:spTree>
@@ -15683,307 +16176,6 @@
               <a:buNone/>
             </a:pPr>
             <a:endParaRPr lang="en-GB" altLang="nl-BE" sz="1000" dirty="0"/>
-          </a:p>
-        </p:txBody>
-      </p:sp>
-    </p:spTree>
-  </p:cSld>
-  <p:clrMapOvr>
-    <a:masterClrMapping/>
-  </p:clrMapOvr>
-  <p:timing>
-    <p:tnLst>
-      <p:par>
-        <p:cTn id="1" dur="indefinite" restart="never" nodeType="tmRoot"/>
-      </p:par>
-    </p:tnLst>
-  </p:timing>
-</p:sld>
-</file>
-
-<file path=ppt/slides/slide7.xml><?xml version="1.0" encoding="utf-8"?>
-<p:sld xmlns:a="http://schemas.openxmlformats.org/drawingml/2006/main" xmlns:r="http://schemas.openxmlformats.org/officeDocument/2006/relationships" xmlns:p="http://schemas.openxmlformats.org/presentationml/2006/main">
-  <p:cSld>
-    <p:spTree>
-      <p:nvGrpSpPr>
-        <p:cNvPr id="1" name=""/>
-        <p:cNvGrpSpPr/>
-        <p:nvPr/>
-      </p:nvGrpSpPr>
-      <p:grpSpPr>
-        <a:xfrm>
-          <a:off x="0" y="0"/>
-          <a:ext cx="0" cy="0"/>
-          <a:chOff x="0" y="0"/>
-          <a:chExt cx="0" cy="0"/>
-        </a:xfrm>
-      </p:grpSpPr>
-      <p:pic>
-        <p:nvPicPr>
-          <p:cNvPr id="7170" name="Picture 2"/>
-          <p:cNvPicPr>
-            <a:picLocks noChangeAspect="1" noChangeArrowheads="1"/>
-          </p:cNvPicPr>
-          <p:nvPr/>
-        </p:nvPicPr>
-        <p:blipFill>
-          <a:blip r:embed="rId2">
-            <a:extLst>
-              <a:ext uri="{28A0092B-C50C-407E-A947-70E740481C1C}">
-                <a14:useLocalDpi xmlns:a14="http://schemas.microsoft.com/office/drawing/2010/main" val="0"/>
-              </a:ext>
-            </a:extLst>
-          </a:blip>
-          <a:srcRect/>
-          <a:stretch>
-            <a:fillRect/>
-          </a:stretch>
-        </p:blipFill>
-        <p:spPr bwMode="auto">
-          <a:xfrm>
-            <a:off x="317500" y="238125"/>
-            <a:ext cx="9523413" cy="7142163"/>
-          </a:xfrm>
-          <a:prstGeom prst="rect">
-            <a:avLst/>
-          </a:prstGeom>
-          <a:noFill/>
-          <a:ln>
-            <a:noFill/>
-          </a:ln>
-          <a:extLst>
-            <a:ext uri="{909E8E84-426E-40DD-AFC4-6F175D3DCCD1}">
-              <a14:hiddenFill xmlns:a14="http://schemas.microsoft.com/office/drawing/2010/main">
-                <a:solidFill>
-                  <a:srgbClr val="FFFFFF"/>
-                </a:solidFill>
-              </a14:hiddenFill>
-            </a:ext>
-            <a:ext uri="{91240B29-F687-4F45-9708-019B960494DF}">
-              <a14:hiddenLine xmlns:a14="http://schemas.microsoft.com/office/drawing/2010/main" w="9525">
-                <a:solidFill>
-                  <a:srgbClr val="000000"/>
-                </a:solidFill>
-                <a:miter lim="800000"/>
-                <a:headEnd/>
-                <a:tailEnd/>
-              </a14:hiddenLine>
-            </a:ext>
-          </a:extLst>
-        </p:spPr>
-      </p:pic>
-      <p:sp>
-        <p:nvSpPr>
-          <p:cNvPr id="7171" name="TextBox 2"/>
-          <p:cNvSpPr txBox="1">
-            <a:spLocks noChangeArrowheads="1"/>
-          </p:cNvSpPr>
-          <p:nvPr/>
-        </p:nvSpPr>
-        <p:spPr bwMode="auto">
-          <a:xfrm>
-            <a:off x="471488" y="7370763"/>
-            <a:ext cx="9145587" cy="400050"/>
-          </a:xfrm>
-          <a:prstGeom prst="rect">
-            <a:avLst/>
-          </a:prstGeom>
-          <a:noFill/>
-          <a:ln>
-            <a:noFill/>
-          </a:ln>
-          <a:extLst>
-            <a:ext uri="{909E8E84-426E-40DD-AFC4-6F175D3DCCD1}">
-              <a14:hiddenFill xmlns:a14="http://schemas.microsoft.com/office/drawing/2010/main">
-                <a:solidFill>
-                  <a:srgbClr val="FFFFFF"/>
-                </a:solidFill>
-              </a14:hiddenFill>
-            </a:ext>
-            <a:ext uri="{91240B29-F687-4F45-9708-019B960494DF}">
-              <a14:hiddenLine xmlns:a14="http://schemas.microsoft.com/office/drawing/2010/main" w="9525">
-                <a:solidFill>
-                  <a:srgbClr val="000000"/>
-                </a:solidFill>
-                <a:miter lim="800000"/>
-                <a:headEnd/>
-                <a:tailEnd/>
-              </a14:hiddenLine>
-            </a:ext>
-          </a:extLst>
-        </p:spPr>
-        <p:txBody>
-          <a:bodyPr>
-            <a:spAutoFit/>
-          </a:bodyPr>
-          <a:lstStyle>
-            <a:lvl1pPr eaLnBrk="0" hangingPunct="0">
-              <a:spcBef>
-                <a:spcPct val="20000"/>
-              </a:spcBef>
-              <a:buChar char="•"/>
-              <a:defRPr sz="3200">
-                <a:solidFill>
-                  <a:schemeClr val="tx1"/>
-                </a:solidFill>
-                <a:latin typeface="Times New Roman" pitchFamily="18" charset="0"/>
-              </a:defRPr>
-            </a:lvl1pPr>
-            <a:lvl2pPr marL="742950" indent="-285750" eaLnBrk="0" hangingPunct="0">
-              <a:spcBef>
-                <a:spcPct val="20000"/>
-              </a:spcBef>
-              <a:buChar char="–"/>
-              <a:defRPr sz="2800">
-                <a:solidFill>
-                  <a:schemeClr val="tx1"/>
-                </a:solidFill>
-                <a:latin typeface="Times New Roman" pitchFamily="18" charset="0"/>
-              </a:defRPr>
-            </a:lvl2pPr>
-            <a:lvl3pPr marL="1143000" indent="-228600" eaLnBrk="0" hangingPunct="0">
-              <a:spcBef>
-                <a:spcPct val="20000"/>
-              </a:spcBef>
-              <a:buChar char="•"/>
-              <a:defRPr sz="2400">
-                <a:solidFill>
-                  <a:schemeClr val="tx1"/>
-                </a:solidFill>
-                <a:latin typeface="Times New Roman" pitchFamily="18" charset="0"/>
-              </a:defRPr>
-            </a:lvl3pPr>
-            <a:lvl4pPr marL="1600200" indent="-228600" eaLnBrk="0" hangingPunct="0">
-              <a:spcBef>
-                <a:spcPct val="20000"/>
-              </a:spcBef>
-              <a:buChar char="–"/>
-              <a:defRPr sz="2000">
-                <a:solidFill>
-                  <a:schemeClr val="tx1"/>
-                </a:solidFill>
-                <a:latin typeface="Times New Roman" pitchFamily="18" charset="0"/>
-              </a:defRPr>
-            </a:lvl4pPr>
-            <a:lvl5pPr marL="2057400" indent="-228600" eaLnBrk="0" hangingPunct="0">
-              <a:spcBef>
-                <a:spcPct val="20000"/>
-              </a:spcBef>
-              <a:buChar char="»"/>
-              <a:defRPr sz="2000">
-                <a:solidFill>
-                  <a:schemeClr val="tx1"/>
-                </a:solidFill>
-                <a:latin typeface="Times New Roman" pitchFamily="18" charset="0"/>
-              </a:defRPr>
-            </a:lvl5pPr>
-            <a:lvl6pPr marL="2514600" indent="-228600" eaLnBrk="0" fontAlgn="base" hangingPunct="0">
-              <a:spcBef>
-                <a:spcPct val="20000"/>
-              </a:spcBef>
-              <a:spcAft>
-                <a:spcPct val="0"/>
-              </a:spcAft>
-              <a:buChar char="»"/>
-              <a:defRPr sz="2000">
-                <a:solidFill>
-                  <a:schemeClr val="tx1"/>
-                </a:solidFill>
-                <a:latin typeface="Times New Roman" pitchFamily="18" charset="0"/>
-              </a:defRPr>
-            </a:lvl6pPr>
-            <a:lvl7pPr marL="2971800" indent="-228600" eaLnBrk="0" fontAlgn="base" hangingPunct="0">
-              <a:spcBef>
-                <a:spcPct val="20000"/>
-              </a:spcBef>
-              <a:spcAft>
-                <a:spcPct val="0"/>
-              </a:spcAft>
-              <a:buChar char="»"/>
-              <a:defRPr sz="2000">
-                <a:solidFill>
-                  <a:schemeClr val="tx1"/>
-                </a:solidFill>
-                <a:latin typeface="Times New Roman" pitchFamily="18" charset="0"/>
-              </a:defRPr>
-            </a:lvl7pPr>
-            <a:lvl8pPr marL="3429000" indent="-228600" eaLnBrk="0" fontAlgn="base" hangingPunct="0">
-              <a:spcBef>
-                <a:spcPct val="20000"/>
-              </a:spcBef>
-              <a:spcAft>
-                <a:spcPct val="0"/>
-              </a:spcAft>
-              <a:buChar char="»"/>
-              <a:defRPr sz="2000">
-                <a:solidFill>
-                  <a:schemeClr val="tx1"/>
-                </a:solidFill>
-                <a:latin typeface="Times New Roman" pitchFamily="18" charset="0"/>
-              </a:defRPr>
-            </a:lvl8pPr>
-            <a:lvl9pPr marL="3886200" indent="-228600" eaLnBrk="0" fontAlgn="base" hangingPunct="0">
-              <a:spcBef>
-                <a:spcPct val="20000"/>
-              </a:spcBef>
-              <a:spcAft>
-                <a:spcPct val="0"/>
-              </a:spcAft>
-              <a:buChar char="»"/>
-              <a:defRPr sz="2000">
-                <a:solidFill>
-                  <a:schemeClr val="tx1"/>
-                </a:solidFill>
-                <a:latin typeface="Times New Roman" pitchFamily="18" charset="0"/>
-              </a:defRPr>
-            </a:lvl9pPr>
-          </a:lstStyle>
-          <a:p>
-            <a:pPr eaLnBrk="1" hangingPunct="1">
-              <a:spcBef>
-                <a:spcPct val="0"/>
-              </a:spcBef>
-              <a:buFontTx/>
-              <a:buNone/>
-            </a:pPr>
-            <a:r>
-              <a:rPr lang="en-GB" altLang="nl-BE" sz="1000">
-                <a:latin typeface="Arial" charset="0"/>
-                <a:cs typeface="Arial" charset="0"/>
-              </a:rPr>
-              <a:t>Slide from </a:t>
-            </a:r>
-            <a:r>
-              <a:rPr lang="pt-BR" altLang="nl-BE" sz="1000">
-                <a:latin typeface="Arial" charset="0"/>
-                <a:cs typeface="Arial" charset="0"/>
-              </a:rPr>
-              <a:t>Peter Fritzson, </a:t>
-            </a:r>
-            <a:r>
-              <a:rPr lang="en-GB" altLang="nl-BE" sz="1000">
-                <a:latin typeface="Arial" charset="0"/>
-                <a:cs typeface="Arial" charset="0"/>
-              </a:rPr>
-              <a:t>Introduction to Object-Oriented Modeling, Simulation and Control with Modelica, </a:t>
-            </a:r>
-            <a:r>
-              <a:rPr lang="pt-BR" altLang="nl-BE" sz="1000">
-                <a:latin typeface="Arial" charset="0"/>
-                <a:cs typeface="Arial" charset="0"/>
-              </a:rPr>
-              <a:t>Tutorial for Modelica Conference 2011,  Dresden</a:t>
-            </a:r>
-          </a:p>
-          <a:p>
-            <a:pPr eaLnBrk="1" hangingPunct="1">
-              <a:spcBef>
-                <a:spcPct val="0"/>
-              </a:spcBef>
-              <a:buFontTx/>
-              <a:buNone/>
-            </a:pPr>
-            <a:endParaRPr lang="en-GB" altLang="nl-BE" sz="1000"/>
           </a:p>
         </p:txBody>
       </p:sp>
